--- a/RJDProcessor/doc/package_description/RJDemetra tools for statistical production.pptx
+++ b/RJDProcessor/doc/package_description/RJDemetra tools for statistical production.pptx
@@ -291,7 +291,7 @@
               <a:pPr>
                 <a:defRPr/>
               </a:pPr>
-              <a:t>7/8/2024</a:t>
+              <a:t>12/16/2024</a:t>
             </a:fld>
             <a:endParaRPr lang="en-US"/>
           </a:p>
@@ -9305,8 +9305,8 @@
         </p:nvSpPr>
         <p:spPr>
           <a:xfrm>
-            <a:off x="74431" y="1220428"/>
-            <a:ext cx="12067954" cy="5801588"/>
+            <a:off x="74431" y="986508"/>
+            <a:ext cx="12067954" cy="4647426"/>
           </a:xfrm>
           <a:prstGeom prst="rect">
             <a:avLst/>
@@ -9468,28 +9468,24 @@
               <a:buChar char="o"/>
             </a:pPr>
             <a:r>
-              <a:rPr lang="it-IT" sz="2000" b="1" dirty="0" smtClean="0">
+              <a:rPr lang="en-US" sz="2000" b="1" dirty="0" err="1">
                 <a:solidFill>
                   <a:srgbClr val="C00000"/>
                 </a:solidFill>
               </a:rPr>
-              <a:t>TODO </a:t>
-            </a:r>
-            <a:r>
-              <a:rPr lang="it-IT" sz="2000" b="1" dirty="0" err="1" smtClean="0">
+              <a:t>i</a:t>
+            </a:r>
+            <a:r>
+              <a:rPr lang="en-US" sz="2000" b="1" dirty="0" err="1" smtClean="0">
                 <a:solidFill>
                   <a:srgbClr val="C00000"/>
                 </a:solidFill>
               </a:rPr>
-              <a:t>userdef.vars.intervention</a:t>
-            </a:r>
-            <a:r>
-              <a:rPr lang="it-IT" sz="2000" dirty="0" smtClean="0"/>
-              <a:t>: </a:t>
+              <a:t>ntervention_variables</a:t>
             </a:r>
             <a:r>
               <a:rPr lang="en-US" sz="2000" dirty="0" smtClean="0"/>
-              <a:t> a </a:t>
+              <a:t>:  a </a:t>
             </a:r>
             <a:r>
               <a:rPr lang="en-US" sz="2000" dirty="0"/>
@@ -9718,20 +9714,12 @@
               <a:buChar char="o"/>
             </a:pPr>
             <a:r>
-              <a:rPr lang="it-IT" sz="2000" b="1" dirty="0" smtClean="0">
+              <a:rPr lang="it-IT" sz="2000" b="1" dirty="0" err="1" smtClean="0">
                 <a:solidFill>
                   <a:srgbClr val="C00000"/>
                 </a:solidFill>
               </a:rPr>
-              <a:t>TODO </a:t>
-            </a:r>
-            <a:r>
-              <a:rPr lang="it-IT" sz="2000" b="1" dirty="0" err="1" smtClean="0">
-                <a:solidFill>
-                  <a:srgbClr val="C00000"/>
-                </a:solidFill>
-              </a:rPr>
-              <a:t>userdef.vars.ramps</a:t>
+              <a:t>ramps</a:t>
             </a:r>
             <a:r>
               <a:rPr lang="it-IT" sz="2000" dirty="0" smtClean="0"/>
@@ -9851,11 +9839,7 @@
             </a:r>
             <a:r>
               <a:rPr lang="it-IT" sz="2000" dirty="0" smtClean="0"/>
-              <a:t>: </a:t>
-            </a:r>
-            <a:r>
-              <a:rPr lang="it-IT" sz="2000" dirty="0" smtClean="0"/>
-              <a:t>a </a:t>
+              <a:t>: a </a:t>
             </a:r>
             <a:r>
               <a:rPr lang="it-IT" sz="2000" dirty="0" err="1" smtClean="0"/>
@@ -9879,15 +9863,7 @@
             </a:r>
             <a:r>
               <a:rPr lang="it-IT" sz="2000" dirty="0" smtClean="0"/>
-              <a:t> the </a:t>
-            </a:r>
-            <a:r>
-              <a:rPr lang="it-IT" sz="2000" dirty="0" smtClean="0"/>
-              <a:t>end </a:t>
-            </a:r>
-            <a:r>
-              <a:rPr lang="it-IT" sz="2000" dirty="0" smtClean="0"/>
-              <a:t>time of the </a:t>
+              <a:t> the end time of the </a:t>
             </a:r>
             <a:r>
               <a:rPr lang="it-IT" sz="2000" dirty="0" err="1" smtClean="0"/>
@@ -9897,20 +9873,7 @@
               <a:rPr lang="it-IT" sz="2000" dirty="0" smtClean="0"/>
               <a:t>;</a:t>
             </a:r>
-          </a:p>
-          <a:p>
-            <a:pPr marL="1371600" lvl="2" indent="-457200" algn="just">
-              <a:spcAft>
-                <a:spcPts val="1200"/>
-              </a:spcAft>
-              <a:buFont typeface="Arial" panose="020B0604020202020204" pitchFamily="34" charset="0"/>
-              <a:buChar char="•"/>
-            </a:pPr>
             <a:endParaRPr lang="it-IT" sz="2300" dirty="0" smtClean="0"/>
-          </a:p>
-          <a:p>
-            <a:pPr lvl="2" algn="just"/>
-            <a:endParaRPr lang="it-IT" sz="3200" dirty="0"/>
           </a:p>
         </p:txBody>
       </p:sp>
@@ -9965,6 +9928,202 @@
               </a:solidFill>
               <a:latin typeface="Arial" panose="020B0604020202020204" pitchFamily="34" charset="0"/>
               <a:cs typeface="Arial" panose="020B0604020202020204" pitchFamily="34" charset="0"/>
+            </a:endParaRPr>
+          </a:p>
+        </p:txBody>
+      </p:sp>
+      <p:sp>
+        <p:nvSpPr>
+          <p:cNvPr id="2" name="Rettangolo 1"/>
+          <p:cNvSpPr/>
+          <p:nvPr/>
+        </p:nvSpPr>
+        <p:spPr>
+          <a:xfrm>
+            <a:off x="415588" y="5795085"/>
+            <a:ext cx="10333928" cy="923330"/>
+          </a:xfrm>
+          <a:prstGeom prst="rect">
+            <a:avLst/>
+          </a:prstGeom>
+          <a:solidFill>
+            <a:srgbClr val="C00000"/>
+          </a:solidFill>
+        </p:spPr>
+        <p:txBody>
+          <a:bodyPr wrap="square">
+            <a:spAutoFit/>
+          </a:bodyPr>
+          <a:lstStyle/>
+          <a:p>
+            <a:r>
+              <a:rPr lang="it-IT" b="1" dirty="0" smtClean="0">
+                <a:solidFill>
+                  <a:schemeClr val="bg1"/>
+                </a:solidFill>
+              </a:rPr>
+              <a:t>EX. of </a:t>
+            </a:r>
+            <a:r>
+              <a:rPr lang="it-IT" b="1" dirty="0" err="1" smtClean="0">
+                <a:solidFill>
+                  <a:schemeClr val="bg1"/>
+                </a:solidFill>
+              </a:rPr>
+              <a:t>RAMPs</a:t>
+            </a:r>
+            <a:r>
+              <a:rPr lang="it-IT" b="1" dirty="0" smtClean="0">
+                <a:solidFill>
+                  <a:schemeClr val="bg1"/>
+                </a:solidFill>
+              </a:rPr>
+              <a:t>: </a:t>
+            </a:r>
+            <a:r>
+              <a:rPr lang="it-IT" dirty="0" smtClean="0">
+                <a:solidFill>
+                  <a:schemeClr val="bg1"/>
+                </a:solidFill>
+              </a:rPr>
+              <a:t>[{"start":"2020-01-01","end":"2020-12-31"},{"start":"2008-01-01","end":"2009-01-01"}]</a:t>
+            </a:r>
+          </a:p>
+          <a:p>
+            <a:r>
+              <a:rPr lang="it-IT" b="1" dirty="0" smtClean="0">
+                <a:solidFill>
+                  <a:schemeClr val="bg1"/>
+                </a:solidFill>
+              </a:rPr>
+              <a:t>EX. </a:t>
+            </a:r>
+            <a:r>
+              <a:rPr lang="it-IT" b="1" dirty="0">
+                <a:solidFill>
+                  <a:schemeClr val="bg1"/>
+                </a:solidFill>
+              </a:rPr>
+              <a:t>of </a:t>
+            </a:r>
+            <a:r>
+              <a:rPr lang="it-IT" b="1" dirty="0" err="1" smtClean="0">
+                <a:solidFill>
+                  <a:schemeClr val="bg1"/>
+                </a:solidFill>
+              </a:rPr>
+              <a:t>IVs</a:t>
+            </a:r>
+            <a:r>
+              <a:rPr lang="it-IT" b="1" dirty="0" smtClean="0">
+                <a:solidFill>
+                  <a:schemeClr val="bg1"/>
+                </a:solidFill>
+              </a:rPr>
+              <a:t>:</a:t>
+            </a:r>
+            <a:r>
+              <a:rPr lang="it-IT" dirty="0" smtClean="0">
+                <a:solidFill>
+                  <a:schemeClr val="bg1"/>
+                </a:solidFill>
+              </a:rPr>
+              <a:t>        [{"delta":</a:t>
+            </a:r>
+            <a:r>
+              <a:rPr lang="it-IT" dirty="0">
+                <a:solidFill>
+                  <a:schemeClr val="bg1"/>
+                </a:solidFill>
+              </a:rPr>
+              <a:t>1</a:t>
+            </a:r>
+            <a:r>
+              <a:rPr lang="it-IT" dirty="0" smtClean="0">
+                <a:solidFill>
+                  <a:schemeClr val="bg1"/>
+                </a:solidFill>
+              </a:rPr>
+              <a:t>,"delta_s":</a:t>
+            </a:r>
+            <a:r>
+              <a:rPr lang="it-IT" dirty="0">
+                <a:solidFill>
+                  <a:schemeClr val="bg1"/>
+                </a:solidFill>
+              </a:rPr>
+              <a:t>1</a:t>
+            </a:r>
+            <a:r>
+              <a:rPr lang="it-IT" dirty="0" smtClean="0">
+                <a:solidFill>
+                  <a:schemeClr val="bg1"/>
+                </a:solidFill>
+              </a:rPr>
+              <a:t>,"seq":[{"start":"2001-01-01","end": "2001-12-31" }]}, </a:t>
+            </a:r>
+          </a:p>
+          <a:p>
+            <a:r>
+              <a:rPr lang="it-IT">
+                <a:solidFill>
+                  <a:schemeClr val="bg1"/>
+                </a:solidFill>
+              </a:rPr>
+              <a:t> </a:t>
+            </a:r>
+            <a:r>
+              <a:rPr lang="it-IT" smtClean="0">
+                <a:solidFill>
+                  <a:schemeClr val="bg1"/>
+                </a:solidFill>
+              </a:rPr>
+              <a:t>                          {"</a:t>
+            </a:r>
+            <a:r>
+              <a:rPr lang="it-IT" dirty="0" smtClean="0">
+                <a:solidFill>
+                  <a:schemeClr val="bg1"/>
+                </a:solidFill>
+              </a:rPr>
+              <a:t>delta":</a:t>
+            </a:r>
+            <a:r>
+              <a:rPr lang="it-IT" dirty="0">
+                <a:solidFill>
+                  <a:schemeClr val="bg1"/>
+                </a:solidFill>
+              </a:rPr>
+              <a:t>0.75</a:t>
+            </a:r>
+            <a:r>
+              <a:rPr lang="it-IT" dirty="0" smtClean="0">
+                <a:solidFill>
+                  <a:schemeClr val="bg1"/>
+                </a:solidFill>
+              </a:rPr>
+              <a:t>,"delta_s":</a:t>
+            </a:r>
+            <a:r>
+              <a:rPr lang="it-IT" dirty="0">
+                <a:solidFill>
+                  <a:schemeClr val="bg1"/>
+                </a:solidFill>
+              </a:rPr>
+              <a:t>0</a:t>
+            </a:r>
+            <a:r>
+              <a:rPr lang="it-IT" dirty="0" smtClean="0">
+                <a:solidFill>
+                  <a:schemeClr val="bg1"/>
+                </a:solidFill>
+              </a:rPr>
+              <a:t>,"seq":[{"start":"2004-01-01","end":"2005-12-31"}]}]</a:t>
+            </a:r>
+            <a:endParaRPr lang="it-IT" dirty="0">
+              <a:solidFill>
+                <a:schemeClr val="bg1"/>
+              </a:solidFill>
             </a:endParaRPr>
           </a:p>
         </p:txBody>
@@ -28750,11 +28909,7 @@
             </a:r>
             <a:r>
               <a:rPr lang="it-IT" sz="2300" dirty="0" smtClean="0"/>
-              <a:t> data</a:t>
-            </a:r>
-            <a:r>
-              <a:rPr lang="it-IT" sz="2300" dirty="0" smtClean="0"/>
-              <a:t>;</a:t>
+              <a:t> data;</a:t>
             </a:r>
           </a:p>
           <a:p>
@@ -28809,7 +28964,6 @@
               <a:rPr lang="it-IT" sz="2300" dirty="0" smtClean="0"/>
               <a:t>) </a:t>
             </a:r>
-            <a:endParaRPr lang="it-IT" sz="2300" dirty="0" smtClean="0"/>
           </a:p>
         </p:txBody>
       </p:sp>
@@ -29454,6 +29608,15 @@
 
 <file path=customXml/item1.xml><?xml version="1.0" encoding="utf-8"?>
 <?mso-contentType ?>
+<FormTemplates xmlns="http://schemas.microsoft.com/sharepoint/v3/contenttype/forms">
+  <Display>DocumentLibraryForm</Display>
+  <Edit>DocumentLibraryForm</Edit>
+  <New>DocumentLibraryForm</New>
+</FormTemplates>
+</file>
+
+<file path=customXml/item2.xml><?xml version="1.0" encoding="utf-8"?>
+<?mso-contentType ?>
 <spe:Receivers xmlns:spe="http://schemas.microsoft.com/sharepoint/events">
   <Receiver>
     <Name>Document ID Generator</Name>
@@ -29502,16 +29665,22 @@
 </spe:Receivers>
 </file>
 
-<file path=customXml/item2.xml><?xml version="1.0" encoding="utf-8"?>
-<?mso-contentType ?>
-<FormTemplates xmlns="http://schemas.microsoft.com/sharepoint/v3/contenttype/forms">
-  <Display>DocumentLibraryForm</Display>
-  <Edit>DocumentLibraryForm</Edit>
-  <New>DocumentLibraryForm</New>
-</FormTemplates>
+<file path=customXml/item3.xml><?xml version="1.0" encoding="utf-8"?>
+<p:properties xmlns:p="http://schemas.microsoft.com/office/2006/metadata/properties" xmlns:xsi="http://www.w3.org/2001/XMLSchema-instance" xmlns:pc="http://schemas.microsoft.com/office/infopath/2007/PartnerControls">
+  <documentManagement>
+    <SottoCategoria xmlns="679261c3-551f-4e86-913f-177e0e529669">-</SottoCategoria>
+    <Categoria xmlns="c58f2efd-82a8-4ecf-b395-8c25e928921d">3- Standard presentazioni Power Point</Categoria>
+    <_dlc_DocId xmlns="459159c4-d20a-4ff3-9b11-fbd127bd52e5">INTRANET-14-174</_dlc_DocId>
+    <_dlc_DocIdUrl xmlns="459159c4-d20a-4ff3-9b11-fbd127bd52e5">
+      <Url>https://intranet.istat.it/Collaborativi/_layouts/15/DocIdRedir.aspx?ID=INTRANET-14-174</Url>
+      <Description>INTRANET-14-174</Description>
+    </_dlc_DocIdUrl>
+    <Ordine xmlns="679261c3-551f-4e86-913f-177e0e529669">1</Ordine>
+  </documentManagement>
+</p:properties>
 </file>
 
-<file path=customXml/item3.xml><?xml version="1.0" encoding="utf-8"?>
+<file path=customXml/item4.xml><?xml version="1.0" encoding="utf-8"?>
 <ct:contentTypeSchema xmlns:ct="http://schemas.microsoft.com/office/2006/metadata/contentType" xmlns:ma="http://schemas.microsoft.com/office/2006/metadata/properties/metaAttributes" ct:_="" ma:_="" ma:contentTypeName="Documento" ma:contentTypeID="0x010100661A2BE3120D674DA36C11D6006822D4" ma:contentTypeVersion="5" ma:contentTypeDescription="Creare un nuovo documento." ma:contentTypeScope="" ma:versionID="742e6049321d93803bb3bb587f561ffa">
   <xsd:schema xmlns:xsd="http://www.w3.org/2001/XMLSchema" xmlns:xs="http://www.w3.org/2001/XMLSchema" xmlns:p="http://schemas.microsoft.com/office/2006/metadata/properties" xmlns:ns2="c58f2efd-82a8-4ecf-b395-8c25e928921d" xmlns:ns3="459159c4-d20a-4ff3-9b11-fbd127bd52e5" xmlns:ns4="679261c3-551f-4e86-913f-177e0e529669" targetNamespace="http://schemas.microsoft.com/office/2006/metadata/properties" ma:root="true" ma:fieldsID="939ae4a7eaec2950db97a79ca38d2d4d" ns2:_="" ns3:_="" ns4:_="">
     <xsd:import namespace="c58f2efd-82a8-4ecf-b395-8c25e928921d"/>
@@ -29704,22 +29873,15 @@
 </ct:contentTypeSchema>
 </file>
 
-<file path=customXml/item4.xml><?xml version="1.0" encoding="utf-8"?>
-<p:properties xmlns:p="http://schemas.microsoft.com/office/2006/metadata/properties" xmlns:xsi="http://www.w3.org/2001/XMLSchema-instance" xmlns:pc="http://schemas.microsoft.com/office/infopath/2007/PartnerControls">
-  <documentManagement>
-    <SottoCategoria xmlns="679261c3-551f-4e86-913f-177e0e529669">-</SottoCategoria>
-    <Categoria xmlns="c58f2efd-82a8-4ecf-b395-8c25e928921d">3- Standard presentazioni Power Point</Categoria>
-    <_dlc_DocId xmlns="459159c4-d20a-4ff3-9b11-fbd127bd52e5">INTRANET-14-174</_dlc_DocId>
-    <_dlc_DocIdUrl xmlns="459159c4-d20a-4ff3-9b11-fbd127bd52e5">
-      <Url>https://intranet.istat.it/Collaborativi/_layouts/15/DocIdRedir.aspx?ID=INTRANET-14-174</Url>
-      <Description>INTRANET-14-174</Description>
-    </_dlc_DocIdUrl>
-    <Ordine xmlns="679261c3-551f-4e86-913f-177e0e529669">1</Ordine>
-  </documentManagement>
-</p:properties>
+<file path=customXml/itemProps1.xml><?xml version="1.0" encoding="utf-8"?>
+<ds:datastoreItem xmlns:ds="http://schemas.openxmlformats.org/officeDocument/2006/customXml" ds:itemID="{BD9C238D-4D5C-4783-820B-4854DCE45D41}">
+  <ds:schemaRefs>
+    <ds:schemaRef ds:uri="http://schemas.microsoft.com/sharepoint/v3/contenttype/forms"/>
+  </ds:schemaRefs>
+</ds:datastoreItem>
 </file>
 
-<file path=customXml/itemProps1.xml><?xml version="1.0" encoding="utf-8"?>
+<file path=customXml/itemProps2.xml><?xml version="1.0" encoding="utf-8"?>
 <ds:datastoreItem xmlns:ds="http://schemas.openxmlformats.org/officeDocument/2006/customXml" ds:itemID="{D9296C4F-9DE9-4B43-AA80-1FC85656CFFA}">
   <ds:schemaRefs>
     <ds:schemaRef ds:uri="http://schemas.microsoft.com/sharepoint/events"/>
@@ -29727,15 +29889,25 @@
 </ds:datastoreItem>
 </file>
 
-<file path=customXml/itemProps2.xml><?xml version="1.0" encoding="utf-8"?>
-<ds:datastoreItem xmlns:ds="http://schemas.openxmlformats.org/officeDocument/2006/customXml" ds:itemID="{BD9C238D-4D5C-4783-820B-4854DCE45D41}">
+<file path=customXml/itemProps3.xml><?xml version="1.0" encoding="utf-8"?>
+<ds:datastoreItem xmlns:ds="http://schemas.openxmlformats.org/officeDocument/2006/customXml" ds:itemID="{3EF378BC-F4D0-4510-B4EC-07B6EFE18CF8}">
   <ds:schemaRefs>
-    <ds:schemaRef ds:uri="http://schemas.microsoft.com/sharepoint/v3/contenttype/forms"/>
+    <ds:schemaRef ds:uri="http://schemas.openxmlformats.org/package/2006/metadata/core-properties"/>
+    <ds:schemaRef ds:uri="http://schemas.microsoft.com/office/2006/documentManagement/types"/>
+    <ds:schemaRef ds:uri="http://www.w3.org/XML/1998/namespace"/>
+    <ds:schemaRef ds:uri="http://purl.org/dc/dcmitype/"/>
+    <ds:schemaRef ds:uri="http://schemas.microsoft.com/office/2006/metadata/properties"/>
+    <ds:schemaRef ds:uri="http://purl.org/dc/elements/1.1/"/>
+    <ds:schemaRef ds:uri="459159c4-d20a-4ff3-9b11-fbd127bd52e5"/>
+    <ds:schemaRef ds:uri="679261c3-551f-4e86-913f-177e0e529669"/>
+    <ds:schemaRef ds:uri="c58f2efd-82a8-4ecf-b395-8c25e928921d"/>
+    <ds:schemaRef ds:uri="http://schemas.microsoft.com/office/infopath/2007/PartnerControls"/>
+    <ds:schemaRef ds:uri="http://purl.org/dc/terms/"/>
   </ds:schemaRefs>
 </ds:datastoreItem>
 </file>
 
-<file path=customXml/itemProps3.xml><?xml version="1.0" encoding="utf-8"?>
+<file path=customXml/itemProps4.xml><?xml version="1.0" encoding="utf-8"?>
 <ds:datastoreItem xmlns:ds="http://schemas.openxmlformats.org/officeDocument/2006/customXml" ds:itemID="{AA760D03-2285-4F80-B9FC-1F4F97E97129}">
   <ds:schemaRefs>
     <ds:schemaRef ds:uri="http://schemas.microsoft.com/office/2006/metadata/contentType"/>
@@ -29753,22 +29925,4 @@
     <ds:schemaRef ds:uri="http://schemas.microsoft.com/internal/obd"/>
   </ds:schemaRefs>
 </ds:datastoreItem>
-</file>
-
-<file path=customXml/itemProps4.xml><?xml version="1.0" encoding="utf-8"?>
-<ds:datastoreItem xmlns:ds="http://schemas.openxmlformats.org/officeDocument/2006/customXml" ds:itemID="{3EF378BC-F4D0-4510-B4EC-07B6EFE18CF8}">
-  <ds:schemaRefs>
-    <ds:schemaRef ds:uri="c58f2efd-82a8-4ecf-b395-8c25e928921d"/>
-    <ds:schemaRef ds:uri="http://schemas.microsoft.com/office/2006/documentManagement/types"/>
-    <ds:schemaRef ds:uri="http://purl.org/dc/elements/1.1/"/>
-    <ds:schemaRef ds:uri="http://schemas.microsoft.com/office/infopath/2007/PartnerControls"/>
-    <ds:schemaRef ds:uri="679261c3-551f-4e86-913f-177e0e529669"/>
-    <ds:schemaRef ds:uri="http://schemas.openxmlformats.org/package/2006/metadata/core-properties"/>
-    <ds:schemaRef ds:uri="459159c4-d20a-4ff3-9b11-fbd127bd52e5"/>
-    <ds:schemaRef ds:uri="http://purl.org/dc/terms/"/>
-    <ds:schemaRef ds:uri="http://schemas.microsoft.com/office/2006/metadata/properties"/>
-    <ds:schemaRef ds:uri="http://www.w3.org/XML/1998/namespace"/>
-    <ds:schemaRef ds:uri="http://purl.org/dc/dcmitype/"/>
-  </ds:schemaRefs>
-</ds:datastoreItem>
 </file>
--- a/RJDProcessor/doc/package_description/RJDemetra tools for statistical production.pptx
+++ b/RJDProcessor/doc/package_description/RJDemetra tools for statistical production.pptx
@@ -291,7 +291,7 @@
               <a:pPr>
                 <a:defRPr/>
               </a:pPr>
-              <a:t>12/16/2024</a:t>
+              <a:t>1/3/2025</a:t>
             </a:fld>
             <a:endParaRPr lang="en-US"/>
           </a:p>
@@ -9306,7 +9306,7 @@
         <p:spPr>
           <a:xfrm>
             <a:off x="74431" y="986508"/>
-            <a:ext cx="12067954" cy="4647426"/>
+            <a:ext cx="12067954" cy="4736681"/>
           </a:xfrm>
           <a:prstGeom prst="rect">
             <a:avLst/>
@@ -9327,7 +9327,7 @@
               <a:buChar char="o"/>
             </a:pPr>
             <a:r>
-              <a:rPr lang="it-IT" sz="2000" b="1" dirty="0" err="1" smtClean="0">
+              <a:rPr lang="it-IT" b="1" dirty="0" err="1" smtClean="0">
                 <a:solidFill>
                   <a:srgbClr val="C00000"/>
                 </a:solidFill>
@@ -9335,76 +9335,76 @@
               <a:t>frequency</a:t>
             </a:r>
             <a:r>
-              <a:rPr lang="it-IT" sz="2000" dirty="0" smtClean="0"/>
+              <a:rPr lang="it-IT" dirty="0" smtClean="0"/>
               <a:t>:  </a:t>
             </a:r>
             <a:r>
-              <a:rPr lang="it-IT" sz="2000" dirty="0" err="1" smtClean="0"/>
+              <a:rPr lang="it-IT" dirty="0" err="1" smtClean="0"/>
               <a:t>numeric</a:t>
             </a:r>
             <a:r>
-              <a:rPr lang="it-IT" sz="2000" dirty="0" smtClean="0"/>
+              <a:rPr lang="it-IT" dirty="0" smtClean="0"/>
               <a:t>. </a:t>
             </a:r>
             <a:r>
-              <a:rPr lang="it-IT" sz="2000" dirty="0" err="1" smtClean="0"/>
+              <a:rPr lang="it-IT" dirty="0" err="1" smtClean="0"/>
               <a:t>Frequency</a:t>
             </a:r>
             <a:r>
-              <a:rPr lang="it-IT" sz="2000" dirty="0" smtClean="0"/>
+              <a:rPr lang="it-IT" dirty="0" smtClean="0"/>
               <a:t> of the data: E.g. </a:t>
             </a:r>
             <a:r>
-              <a:rPr lang="it-IT" sz="2000" dirty="0" err="1" smtClean="0"/>
+              <a:rPr lang="it-IT" dirty="0" err="1" smtClean="0"/>
               <a:t>frequency</a:t>
             </a:r>
             <a:r>
-              <a:rPr lang="it-IT" sz="2000" dirty="0" smtClean="0"/>
+              <a:rPr lang="it-IT" dirty="0" smtClean="0"/>
               <a:t>=4 </a:t>
             </a:r>
             <a:r>
-              <a:rPr lang="it-IT" sz="2000" dirty="0" smtClean="0">
+              <a:rPr lang="it-IT" dirty="0" smtClean="0">
                 <a:sym typeface="Wingdings" panose="05000000000000000000" pitchFamily="2" charset="2"/>
               </a:rPr>
               <a:t> </a:t>
             </a:r>
             <a:r>
-              <a:rPr lang="it-IT" sz="2000" dirty="0" err="1" smtClean="0">
+              <a:rPr lang="it-IT" dirty="0" err="1" smtClean="0">
                 <a:sym typeface="Wingdings" panose="05000000000000000000" pitchFamily="2" charset="2"/>
               </a:rPr>
               <a:t>quarterly</a:t>
             </a:r>
             <a:r>
-              <a:rPr lang="it-IT" sz="2000" dirty="0" smtClean="0">
+              <a:rPr lang="it-IT" dirty="0" smtClean="0">
                 <a:sym typeface="Wingdings" panose="05000000000000000000" pitchFamily="2" charset="2"/>
               </a:rPr>
               <a:t> data </a:t>
             </a:r>
             <a:r>
-              <a:rPr lang="it-IT" sz="2000" dirty="0" err="1" smtClean="0">
+              <a:rPr lang="it-IT" dirty="0" err="1" smtClean="0">
                 <a:sym typeface="Wingdings" panose="05000000000000000000" pitchFamily="2" charset="2"/>
               </a:rPr>
               <a:t>frequency</a:t>
             </a:r>
             <a:r>
-              <a:rPr lang="it-IT" sz="2000" dirty="0" smtClean="0">
+              <a:rPr lang="it-IT" dirty="0" smtClean="0">
                 <a:sym typeface="Wingdings" panose="05000000000000000000" pitchFamily="2" charset="2"/>
               </a:rPr>
               <a:t>=12  </a:t>
             </a:r>
             <a:r>
-              <a:rPr lang="it-IT" sz="2000" dirty="0" err="1" smtClean="0">
+              <a:rPr lang="it-IT" dirty="0" err="1" smtClean="0">
                 <a:sym typeface="Wingdings" panose="05000000000000000000" pitchFamily="2" charset="2"/>
               </a:rPr>
               <a:t>monthly</a:t>
             </a:r>
             <a:r>
-              <a:rPr lang="it-IT" sz="2000" dirty="0" smtClean="0">
+              <a:rPr lang="it-IT" dirty="0" smtClean="0">
                 <a:sym typeface="Wingdings" panose="05000000000000000000" pitchFamily="2" charset="2"/>
               </a:rPr>
               <a:t> data.</a:t>
             </a:r>
-            <a:endParaRPr lang="it-IT" sz="2000" dirty="0" smtClean="0"/>
+            <a:endParaRPr lang="it-IT" dirty="0" smtClean="0"/>
           </a:p>
           <a:p>
             <a:pPr marL="457200" indent="-457200" algn="just">
@@ -9415,7 +9415,7 @@
               <a:buChar char="o"/>
             </a:pPr>
             <a:r>
-              <a:rPr lang="it-IT" sz="2000" b="1" dirty="0" err="1">
+              <a:rPr lang="it-IT" b="1" dirty="0" err="1">
                 <a:solidFill>
                   <a:srgbClr val="C00000"/>
                 </a:solidFill>
@@ -9423,7 +9423,7 @@
               <a:t>m</a:t>
             </a:r>
             <a:r>
-              <a:rPr lang="it-IT" sz="2000" b="1" dirty="0" err="1" smtClean="0">
+              <a:rPr lang="it-IT" b="1" dirty="0" err="1" smtClean="0">
                 <a:solidFill>
                   <a:srgbClr val="C00000"/>
                 </a:solidFill>
@@ -9431,31 +9431,31 @@
               <a:t>ethod</a:t>
             </a:r>
             <a:r>
-              <a:rPr lang="it-IT" sz="2000" dirty="0" smtClean="0"/>
+              <a:rPr lang="it-IT" dirty="0" smtClean="0"/>
               <a:t>: "TS" for TRAMO-SEATS, "X" for X13 (X13 </a:t>
             </a:r>
             <a:r>
-              <a:rPr lang="it-IT" sz="2000" dirty="0" err="1" smtClean="0"/>
+              <a:rPr lang="it-IT" dirty="0" err="1" smtClean="0"/>
               <a:t>not</a:t>
             </a:r>
             <a:r>
-              <a:rPr lang="it-IT" sz="2000" dirty="0" smtClean="0"/>
+              <a:rPr lang="it-IT" dirty="0" smtClean="0"/>
               <a:t> </a:t>
             </a:r>
             <a:r>
-              <a:rPr lang="it-IT" sz="2000" dirty="0" err="1" smtClean="0"/>
+              <a:rPr lang="it-IT" dirty="0" err="1" smtClean="0"/>
               <a:t>implemented</a:t>
             </a:r>
             <a:r>
-              <a:rPr lang="it-IT" sz="2000" dirty="0" smtClean="0"/>
+              <a:rPr lang="it-IT" dirty="0" smtClean="0"/>
               <a:t> </a:t>
             </a:r>
             <a:r>
-              <a:rPr lang="it-IT" sz="2000" dirty="0" err="1" smtClean="0"/>
+              <a:rPr lang="it-IT" dirty="0" err="1" smtClean="0"/>
               <a:t>yet</a:t>
             </a:r>
             <a:r>
-              <a:rPr lang="it-IT" sz="2000" dirty="0" smtClean="0"/>
+              <a:rPr lang="it-IT" dirty="0" smtClean="0"/>
               <a:t>).</a:t>
             </a:r>
           </a:p>
@@ -9468,7 +9468,7 @@
               <a:buChar char="o"/>
             </a:pPr>
             <a:r>
-              <a:rPr lang="en-US" sz="2000" b="1" dirty="0" err="1">
+              <a:rPr lang="en-US" b="1" dirty="0" err="1">
                 <a:solidFill>
                   <a:srgbClr val="C00000"/>
                 </a:solidFill>
@@ -9476,7 +9476,7 @@
               <a:t>i</a:t>
             </a:r>
             <a:r>
-              <a:rPr lang="en-US" sz="2000" b="1" dirty="0" err="1" smtClean="0">
+              <a:rPr lang="en-US" b="1" dirty="0" err="1" smtClean="0">
                 <a:solidFill>
                   <a:srgbClr val="C00000"/>
                 </a:solidFill>
@@ -9484,15 +9484,15 @@
               <a:t>ntervention_variables</a:t>
             </a:r>
             <a:r>
-              <a:rPr lang="en-US" sz="2000" dirty="0" smtClean="0"/>
+              <a:rPr lang="en-US" dirty="0" smtClean="0"/>
               <a:t>:  a </a:t>
             </a:r>
             <a:r>
-              <a:rPr lang="en-US" sz="2000" dirty="0"/>
+              <a:rPr lang="en-US" dirty="0"/>
               <a:t>vector of JSON </a:t>
             </a:r>
             <a:r>
-              <a:rPr lang="en-US" sz="2000" dirty="0" smtClean="0"/>
+              <a:rPr lang="en-US" dirty="0" smtClean="0"/>
               <a:t>elements, each one with the attributes:</a:t>
             </a:r>
           </a:p>
@@ -9505,7 +9505,7 @@
               <a:buChar char="•"/>
             </a:pPr>
             <a:r>
-              <a:rPr lang="it-IT" sz="2000" dirty="0" smtClean="0">
+              <a:rPr lang="it-IT" dirty="0" smtClean="0">
                 <a:solidFill>
                   <a:srgbClr val="C00000"/>
                 </a:solidFill>
@@ -9513,18 +9513,18 @@
               <a:t>delta</a:t>
             </a:r>
             <a:r>
-              <a:rPr lang="it-IT" sz="2000" dirty="0" smtClean="0"/>
+              <a:rPr lang="it-IT" dirty="0" smtClean="0"/>
               <a:t>: </a:t>
             </a:r>
             <a:r>
-              <a:rPr lang="it-IT" sz="2000" dirty="0" err="1" smtClean="0"/>
+              <a:rPr lang="it-IT" dirty="0" err="1" smtClean="0"/>
               <a:t>Numeric</a:t>
             </a:r>
             <a:r>
-              <a:rPr lang="it-IT" sz="2000" dirty="0" smtClean="0"/>
+              <a:rPr lang="it-IT" dirty="0" smtClean="0"/>
               <a:t>;</a:t>
             </a:r>
-            <a:endParaRPr lang="it-IT" sz="2000" dirty="0"/>
+            <a:endParaRPr lang="it-IT" dirty="0"/>
           </a:p>
           <a:p>
             <a:pPr marL="1371600" lvl="2" indent="-457200" algn="just">
@@ -9535,7 +9535,7 @@
               <a:buChar char="•"/>
             </a:pPr>
             <a:r>
-              <a:rPr lang="it-IT" sz="2000" dirty="0" err="1">
+              <a:rPr lang="it-IT" dirty="0" err="1">
                 <a:solidFill>
                   <a:srgbClr val="C00000"/>
                 </a:solidFill>
@@ -9543,7 +9543,7 @@
               <a:t>d</a:t>
             </a:r>
             <a:r>
-              <a:rPr lang="it-IT" sz="2000" dirty="0" err="1" smtClean="0">
+              <a:rPr lang="it-IT" dirty="0" err="1" smtClean="0">
                 <a:solidFill>
                   <a:srgbClr val="C00000"/>
                 </a:solidFill>
@@ -9551,15 +9551,15 @@
               <a:t>elta_s</a:t>
             </a:r>
             <a:r>
-              <a:rPr lang="it-IT" sz="2000" dirty="0" smtClean="0"/>
+              <a:rPr lang="it-IT" dirty="0" smtClean="0"/>
               <a:t>: </a:t>
             </a:r>
             <a:r>
-              <a:rPr lang="it-IT" sz="2000" dirty="0" err="1" smtClean="0"/>
+              <a:rPr lang="it-IT" dirty="0" err="1" smtClean="0"/>
               <a:t>Numeric</a:t>
             </a:r>
             <a:r>
-              <a:rPr lang="it-IT" sz="2000" dirty="0" smtClean="0"/>
+              <a:rPr lang="it-IT" dirty="0" smtClean="0"/>
               <a:t>;</a:t>
             </a:r>
           </a:p>
@@ -9572,7 +9572,7 @@
               <a:buChar char="•"/>
             </a:pPr>
             <a:r>
-              <a:rPr lang="it-IT" sz="2000" dirty="0" err="1">
+              <a:rPr lang="it-IT" dirty="0" err="1">
                 <a:solidFill>
                   <a:srgbClr val="C00000"/>
                 </a:solidFill>
@@ -9580,7 +9580,7 @@
               <a:t>s</a:t>
             </a:r>
             <a:r>
-              <a:rPr lang="it-IT" sz="2000" dirty="0" err="1" smtClean="0">
+              <a:rPr lang="it-IT" dirty="0" err="1" smtClean="0">
                 <a:solidFill>
                   <a:srgbClr val="C00000"/>
                 </a:solidFill>
@@ -9588,38 +9588,38 @@
               <a:t>equences</a:t>
             </a:r>
             <a:r>
-              <a:rPr lang="it-IT" sz="2000" dirty="0" smtClean="0"/>
+              <a:rPr lang="it-IT" dirty="0" smtClean="0"/>
               <a:t>: JSON array: </a:t>
             </a:r>
             <a:r>
-              <a:rPr lang="it-IT" sz="2000" dirty="0" err="1" smtClean="0"/>
+              <a:rPr lang="it-IT" dirty="0" err="1" smtClean="0"/>
               <a:t>every</a:t>
             </a:r>
             <a:r>
-              <a:rPr lang="it-IT" sz="2000" dirty="0" smtClean="0"/>
+              <a:rPr lang="it-IT" dirty="0" smtClean="0"/>
               <a:t> </a:t>
             </a:r>
             <a:r>
-              <a:rPr lang="it-IT" sz="2000" dirty="0" err="1" smtClean="0"/>
+              <a:rPr lang="it-IT" dirty="0" err="1" smtClean="0"/>
               <a:t>element</a:t>
             </a:r>
             <a:r>
-              <a:rPr lang="it-IT" sz="2000" dirty="0" smtClean="0"/>
+              <a:rPr lang="it-IT" dirty="0" smtClean="0"/>
               <a:t> </a:t>
             </a:r>
             <a:r>
-              <a:rPr lang="it-IT" sz="2000" dirty="0" err="1" smtClean="0"/>
+              <a:rPr lang="it-IT" dirty="0" err="1" smtClean="0"/>
               <a:t>has</a:t>
             </a:r>
             <a:r>
-              <a:rPr lang="it-IT" sz="2000" dirty="0" smtClean="0"/>
+              <a:rPr lang="it-IT" dirty="0" smtClean="0"/>
               <a:t> the </a:t>
             </a:r>
             <a:r>
-              <a:rPr lang="it-IT" sz="2000" dirty="0" err="1" smtClean="0"/>
+              <a:rPr lang="it-IT" dirty="0" err="1" smtClean="0"/>
               <a:t>fields</a:t>
             </a:r>
-            <a:endParaRPr lang="it-IT" sz="2000" dirty="0" smtClean="0"/>
+            <a:endParaRPr lang="it-IT" dirty="0" smtClean="0"/>
           </a:p>
           <a:p>
             <a:pPr marL="4114800" lvl="8" indent="-457200" algn="just">
@@ -9630,7 +9630,7 @@
               <a:buChar char="•"/>
             </a:pPr>
             <a:r>
-              <a:rPr lang="it-IT" sz="2000" dirty="0" smtClean="0">
+              <a:rPr lang="it-IT" dirty="0" smtClean="0">
                 <a:solidFill>
                   <a:srgbClr val="C00000"/>
                 </a:solidFill>
@@ -9638,26 +9638,26 @@
               <a:t>start: </a:t>
             </a:r>
             <a:r>
-              <a:rPr lang="it-IT" sz="2000" dirty="0"/>
+              <a:rPr lang="it-IT" dirty="0"/>
               <a:t>a </a:t>
             </a:r>
             <a:r>
-              <a:rPr lang="it-IT" sz="2000" dirty="0" err="1"/>
+              <a:rPr lang="it-IT" dirty="0" err="1"/>
               <a:t>character</a:t>
             </a:r>
             <a:r>
-              <a:rPr lang="it-IT" sz="2000" dirty="0"/>
+              <a:rPr lang="it-IT" dirty="0"/>
               <a:t> </a:t>
             </a:r>
             <a:r>
-              <a:rPr lang="it-IT" sz="2000" dirty="0" err="1"/>
+              <a:rPr lang="it-IT" dirty="0" err="1"/>
               <a:t>string</a:t>
             </a:r>
             <a:r>
-              <a:rPr lang="it-IT" sz="2000" dirty="0"/>
+              <a:rPr lang="it-IT" dirty="0"/>
               <a:t> in the format "YYYY-MM-DD" </a:t>
             </a:r>
-            <a:endParaRPr lang="it-IT" sz="2000" dirty="0" smtClean="0">
+            <a:endParaRPr lang="it-IT" dirty="0" smtClean="0">
               <a:solidFill>
                 <a:srgbClr val="C00000"/>
               </a:solidFill>
@@ -9672,7 +9672,7 @@
               <a:buChar char="•"/>
             </a:pPr>
             <a:r>
-              <a:rPr lang="it-IT" sz="2000" dirty="0" smtClean="0">
+              <a:rPr lang="it-IT" dirty="0" smtClean="0">
                 <a:solidFill>
                   <a:srgbClr val="C00000"/>
                 </a:solidFill>
@@ -9680,26 +9680,26 @@
               <a:t>end: </a:t>
             </a:r>
             <a:r>
-              <a:rPr lang="it-IT" sz="2000" dirty="0"/>
+              <a:rPr lang="it-IT" dirty="0"/>
               <a:t>a </a:t>
             </a:r>
             <a:r>
-              <a:rPr lang="it-IT" sz="2000" dirty="0" err="1"/>
+              <a:rPr lang="it-IT" dirty="0" err="1"/>
               <a:t>character</a:t>
             </a:r>
             <a:r>
-              <a:rPr lang="it-IT" sz="2000" dirty="0"/>
+              <a:rPr lang="it-IT" dirty="0"/>
               <a:t> </a:t>
             </a:r>
             <a:r>
-              <a:rPr lang="it-IT" sz="2000" dirty="0" err="1"/>
+              <a:rPr lang="it-IT" dirty="0" err="1"/>
               <a:t>string</a:t>
             </a:r>
             <a:r>
-              <a:rPr lang="it-IT" sz="2000" dirty="0"/>
+              <a:rPr lang="it-IT" dirty="0"/>
               <a:t> in the format "YYYY-MM-DD" </a:t>
             </a:r>
-            <a:endParaRPr lang="en-US" sz="2000" dirty="0" smtClean="0">
+            <a:endParaRPr lang="en-US" dirty="0" smtClean="0">
               <a:solidFill>
                 <a:srgbClr val="C00000"/>
               </a:solidFill>
@@ -9707,14 +9707,11 @@
           </a:p>
           <a:p>
             <a:pPr marL="457200" indent="-457200" algn="just">
-              <a:lnSpc>
-                <a:spcPct val="120000"/>
-              </a:lnSpc>
               <a:buFont typeface="Courier New" panose="02070309020205020404" pitchFamily="49" charset="0"/>
               <a:buChar char="o"/>
             </a:pPr>
             <a:r>
-              <a:rPr lang="it-IT" sz="2000" b="1" dirty="0" err="1" smtClean="0">
+              <a:rPr lang="it-IT" b="1" dirty="0" err="1" smtClean="0">
                 <a:solidFill>
                   <a:srgbClr val="C00000"/>
                 </a:solidFill>
@@ -9722,42 +9719,42 @@
               <a:t>ramps</a:t>
             </a:r>
             <a:r>
-              <a:rPr lang="it-IT" sz="2000" dirty="0" smtClean="0"/>
+              <a:rPr lang="it-IT" dirty="0" smtClean="0"/>
               <a:t>: </a:t>
             </a:r>
             <a:r>
-              <a:rPr lang="en-US" sz="2000" dirty="0" smtClean="0"/>
+              <a:rPr lang="en-US" dirty="0" smtClean="0"/>
               <a:t> </a:t>
             </a:r>
             <a:r>
-              <a:rPr lang="en-US" sz="2000" dirty="0"/>
+              <a:rPr lang="en-US" dirty="0"/>
               <a:t>a</a:t>
             </a:r>
             <a:r>
-              <a:rPr lang="en-US" sz="2000" dirty="0" smtClean="0"/>
+              <a:rPr lang="en-US" dirty="0" smtClean="0"/>
               <a:t> </a:t>
             </a:r>
             <a:r>
-              <a:rPr lang="en-US" sz="2000" dirty="0"/>
+              <a:rPr lang="en-US" dirty="0"/>
               <a:t>vector of JSON </a:t>
             </a:r>
             <a:r>
-              <a:rPr lang="en-US" sz="2000" dirty="0" smtClean="0"/>
+              <a:rPr lang="en-US" dirty="0" smtClean="0"/>
               <a:t>elements</a:t>
             </a:r>
             <a:r>
-              <a:rPr lang="en-US" sz="2000" dirty="0"/>
+              <a:rPr lang="en-US" dirty="0"/>
               <a:t>, each </a:t>
             </a:r>
             <a:r>
-              <a:rPr lang="en-US" sz="2000" dirty="0" smtClean="0"/>
+              <a:rPr lang="en-US" dirty="0" smtClean="0"/>
               <a:t>with the </a:t>
             </a:r>
             <a:r>
-              <a:rPr lang="en-US" sz="2000" dirty="0"/>
+              <a:rPr lang="en-US" dirty="0"/>
               <a:t>attributes:</a:t>
             </a:r>
-            <a:endParaRPr lang="it-IT" sz="2000" dirty="0" smtClean="0"/>
+            <a:endParaRPr lang="it-IT" dirty="0" smtClean="0"/>
           </a:p>
           <a:p>
             <a:pPr marL="1371600" lvl="2" indent="-457200" algn="just">
@@ -9768,7 +9765,7 @@
               <a:buChar char="•"/>
             </a:pPr>
             <a:r>
-              <a:rPr lang="it-IT" sz="2000" dirty="0" smtClean="0">
+              <a:rPr lang="it-IT" dirty="0" smtClean="0">
                 <a:solidFill>
                   <a:srgbClr val="C00000"/>
                 </a:solidFill>
@@ -9776,50 +9773,50 @@
               <a:t>start</a:t>
             </a:r>
             <a:r>
-              <a:rPr lang="it-IT" sz="2000" dirty="0"/>
+              <a:rPr lang="it-IT" dirty="0"/>
               <a:t>: a </a:t>
             </a:r>
             <a:r>
-              <a:rPr lang="it-IT" sz="2000" dirty="0" err="1"/>
+              <a:rPr lang="it-IT" dirty="0" err="1"/>
               <a:t>character</a:t>
             </a:r>
             <a:r>
-              <a:rPr lang="it-IT" sz="2000" dirty="0"/>
+              <a:rPr lang="it-IT" dirty="0"/>
               <a:t> </a:t>
             </a:r>
             <a:r>
-              <a:rPr lang="it-IT" sz="2000" dirty="0" err="1"/>
+              <a:rPr lang="it-IT" dirty="0" err="1"/>
               <a:t>string</a:t>
             </a:r>
             <a:r>
-              <a:rPr lang="it-IT" sz="2000" dirty="0"/>
+              <a:rPr lang="it-IT" dirty="0"/>
               <a:t> in the format "YYYY-MM-DD" </a:t>
             </a:r>
             <a:r>
-              <a:rPr lang="it-IT" sz="2000" dirty="0" err="1"/>
+              <a:rPr lang="it-IT" dirty="0" err="1"/>
               <a:t>indicating</a:t>
             </a:r>
             <a:r>
-              <a:rPr lang="it-IT" sz="2000" dirty="0"/>
+              <a:rPr lang="it-IT" dirty="0"/>
               <a:t> the </a:t>
             </a:r>
             <a:r>
-              <a:rPr lang="it-IT" sz="2000" dirty="0" err="1"/>
+              <a:rPr lang="it-IT" dirty="0" err="1"/>
               <a:t>starting</a:t>
             </a:r>
             <a:r>
-              <a:rPr lang="it-IT" sz="2000" dirty="0"/>
+              <a:rPr lang="it-IT" dirty="0"/>
               <a:t> time of the </a:t>
             </a:r>
             <a:r>
-              <a:rPr lang="it-IT" sz="2000" dirty="0" err="1" smtClean="0"/>
+              <a:rPr lang="it-IT" dirty="0" err="1" smtClean="0"/>
               <a:t>ramp</a:t>
             </a:r>
             <a:r>
-              <a:rPr lang="it-IT" sz="2000" dirty="0" smtClean="0"/>
+              <a:rPr lang="it-IT" dirty="0" smtClean="0"/>
               <a:t>;</a:t>
             </a:r>
-            <a:endParaRPr lang="it-IT" sz="2000" dirty="0"/>
+            <a:endParaRPr lang="it-IT" dirty="0"/>
           </a:p>
           <a:p>
             <a:pPr marL="1371600" lvl="2" indent="-457200" algn="just">
@@ -9830,12 +9827,65 @@
               <a:buChar char="•"/>
             </a:pPr>
             <a:r>
-              <a:rPr lang="it-IT" sz="2000" dirty="0" smtClean="0">
+              <a:rPr lang="it-IT" dirty="0" smtClean="0">
                 <a:solidFill>
                   <a:srgbClr val="C00000"/>
                 </a:solidFill>
               </a:rPr>
               <a:t>end</a:t>
+            </a:r>
+            <a:r>
+              <a:rPr lang="it-IT" dirty="0" smtClean="0"/>
+              <a:t>: a </a:t>
+            </a:r>
+            <a:r>
+              <a:rPr lang="it-IT" dirty="0" err="1" smtClean="0"/>
+              <a:t>character</a:t>
+            </a:r>
+            <a:r>
+              <a:rPr lang="it-IT" dirty="0" smtClean="0"/>
+              <a:t> </a:t>
+            </a:r>
+            <a:r>
+              <a:rPr lang="it-IT" dirty="0" err="1" smtClean="0"/>
+              <a:t>string</a:t>
+            </a:r>
+            <a:r>
+              <a:rPr lang="it-IT" dirty="0" smtClean="0"/>
+              <a:t> in the format "YYYY-MM-DD" </a:t>
+            </a:r>
+            <a:r>
+              <a:rPr lang="it-IT" dirty="0" err="1" smtClean="0"/>
+              <a:t>indicating</a:t>
+            </a:r>
+            <a:r>
+              <a:rPr lang="it-IT" dirty="0" smtClean="0"/>
+              <a:t> the end time of the </a:t>
+            </a:r>
+            <a:r>
+              <a:rPr lang="it-IT" dirty="0" err="1" smtClean="0"/>
+              <a:t>ramp</a:t>
+            </a:r>
+            <a:r>
+              <a:rPr lang="it-IT" dirty="0" smtClean="0"/>
+              <a:t>;</a:t>
+            </a:r>
+          </a:p>
+          <a:p>
+            <a:pPr marL="1371600" lvl="2" indent="-457200" algn="just">
+              <a:spcAft>
+                <a:spcPts val="1200"/>
+              </a:spcAft>
+              <a:buFont typeface="Arial" panose="020B0604020202020204" pitchFamily="34" charset="0"/>
+              <a:buChar char="•"/>
+            </a:pPr>
+            <a:r>
+              <a:rPr lang="it-IT" sz="2000" dirty="0" err="1" smtClean="0">
+                <a:solidFill>
+                  <a:srgbClr val="C00000"/>
+                </a:solidFill>
+              </a:rPr>
+              <a:t>fixed_coef</a:t>
             </a:r>
             <a:r>
               <a:rPr lang="it-IT" sz="2000" dirty="0" smtClean="0"/>
@@ -9843,7 +9893,15 @@
             </a:r>
             <a:r>
               <a:rPr lang="it-IT" sz="2000" dirty="0" err="1" smtClean="0"/>
-              <a:t>character</a:t>
+              <a:t>numeric</a:t>
+            </a:r>
+            <a:r>
+              <a:rPr lang="it-IT" sz="2000" dirty="0" smtClean="0"/>
+              <a:t> or a "NA" </a:t>
+            </a:r>
+            <a:r>
+              <a:rPr lang="it-IT" sz="2000" dirty="0" err="1" smtClean="0"/>
+              <a:t>if</a:t>
             </a:r>
             <a:r>
               <a:rPr lang="it-IT" sz="2000" dirty="0" smtClean="0"/>
@@ -9851,29 +9909,13 @@
             </a:r>
             <a:r>
               <a:rPr lang="it-IT" sz="2000" dirty="0" err="1" smtClean="0"/>
-              <a:t>string</a:t>
+              <a:t>not</a:t>
             </a:r>
             <a:r>
               <a:rPr lang="it-IT" sz="2000" dirty="0" smtClean="0"/>
-              <a:t> in the format "YYYY-MM-DD" </a:t>
-            </a:r>
-            <a:r>
-              <a:rPr lang="it-IT" sz="2000" dirty="0" err="1" smtClean="0"/>
-              <a:t>indicating</a:t>
-            </a:r>
-            <a:r>
-              <a:rPr lang="it-IT" sz="2000" dirty="0" smtClean="0"/>
-              <a:t> the end time of the </a:t>
-            </a:r>
-            <a:r>
-              <a:rPr lang="it-IT" sz="2000" dirty="0" err="1" smtClean="0"/>
-              <a:t>ramp</a:t>
-            </a:r>
-            <a:r>
-              <a:rPr lang="it-IT" sz="2000" dirty="0" smtClean="0"/>
-              <a:t>;</a:t>
-            </a:r>
-            <a:endParaRPr lang="it-IT" sz="2300" dirty="0" smtClean="0"/>
+              <a:t> set</a:t>
+            </a:r>
+            <a:endParaRPr lang="it-IT" sz="2000" dirty="0" smtClean="0"/>
           </a:p>
         </p:txBody>
       </p:sp>
@@ -9940,8 +9982,8 @@
         </p:nvSpPr>
         <p:spPr>
           <a:xfrm>
-            <a:off x="415588" y="5795085"/>
-            <a:ext cx="10333928" cy="923330"/>
+            <a:off x="415588" y="5646223"/>
+            <a:ext cx="11546040" cy="1200329"/>
           </a:xfrm>
           <a:prstGeom prst="rect">
             <a:avLst/>
@@ -9986,8 +10028,79 @@
                   <a:schemeClr val="bg1"/>
                 </a:solidFill>
               </a:rPr>
-              <a:t>[{"start":"2020-01-01","end":"2020-12-31"},{"start":"2008-01-01","end":"2009-01-01"}]</a:t>
-            </a:r>
+              <a:t>[{"start":"2020-01-01","end":"2020-12-31</a:t>
+            </a:r>
+            <a:r>
+              <a:rPr lang="it-IT" dirty="0" smtClean="0">
+                <a:solidFill>
+                  <a:schemeClr val="bg1"/>
+                </a:solidFill>
+              </a:rPr>
+              <a:t>", "fixed_</a:t>
+            </a:r>
+            <a:r>
+              <a:rPr lang="it-IT" dirty="0" err="1" smtClean="0">
+                <a:solidFill>
+                  <a:schemeClr val="bg1"/>
+                </a:solidFill>
+              </a:rPr>
+              <a:t>coef</a:t>
+            </a:r>
+            <a:r>
+              <a:rPr lang="it-IT" dirty="0" smtClean="0">
+                <a:solidFill>
+                  <a:schemeClr val="bg1"/>
+                </a:solidFill>
+              </a:rPr>
+              <a:t>":"NA"},</a:t>
+            </a:r>
+          </a:p>
+          <a:p>
+            <a:r>
+              <a:rPr lang="it-IT" dirty="0">
+                <a:solidFill>
+                  <a:schemeClr val="bg1"/>
+                </a:solidFill>
+              </a:rPr>
+              <a:t> </a:t>
+            </a:r>
+            <a:r>
+              <a:rPr lang="it-IT" dirty="0" smtClean="0">
+                <a:solidFill>
+                  <a:schemeClr val="bg1"/>
+                </a:solidFill>
+              </a:rPr>
+              <a:t>                         </a:t>
+            </a:r>
+            <a:r>
+              <a:rPr lang="it-IT" dirty="0" smtClean="0">
+                <a:solidFill>
+                  <a:schemeClr val="bg1"/>
+                </a:solidFill>
+              </a:rPr>
+              <a:t>{"</a:t>
+            </a:r>
+            <a:r>
+              <a:rPr lang="it-IT" dirty="0" smtClean="0">
+                <a:solidFill>
+                  <a:schemeClr val="bg1"/>
+                </a:solidFill>
+              </a:rPr>
+              <a:t>start":"2008-01-01","end":"2009-01-01</a:t>
+            </a:r>
+            <a:r>
+              <a:rPr lang="it-IT" dirty="0" smtClean="0">
+                <a:solidFill>
+                  <a:schemeClr val="bg1"/>
+                </a:solidFill>
+              </a:rPr>
+              <a:t>", "fixed_coef":1}]</a:t>
+            </a:r>
+            <a:endParaRPr lang="it-IT" dirty="0" smtClean="0">
+              <a:solidFill>
+                <a:schemeClr val="bg1"/>
+              </a:solidFill>
+            </a:endParaRPr>
           </a:p>
           <a:p>
             <a:r>
@@ -10065,7 +10178,7 @@
           </a:p>
           <a:p>
             <a:r>
-              <a:rPr lang="it-IT">
+              <a:rPr lang="it-IT" dirty="0">
                 <a:solidFill>
                   <a:schemeClr val="bg1"/>
                 </a:solidFill>
@@ -10073,20 +10186,12 @@
               <a:t> </a:t>
             </a:r>
             <a:r>
-              <a:rPr lang="it-IT" smtClean="0">
+              <a:rPr lang="it-IT" dirty="0" smtClean="0">
                 <a:solidFill>
                   <a:schemeClr val="bg1"/>
                 </a:solidFill>
               </a:rPr>
-              <a:t>                          {"</a:t>
-            </a:r>
-            <a:r>
-              <a:rPr lang="it-IT" dirty="0" smtClean="0">
-                <a:solidFill>
-                  <a:schemeClr val="bg1"/>
-                </a:solidFill>
-              </a:rPr>
-              <a:t>delta":</a:t>
+              <a:t>                          {"delta":</a:t>
             </a:r>
             <a:r>
               <a:rPr lang="it-IT" dirty="0">
@@ -29607,12 +29712,18 @@
 </file>
 
 <file path=customXml/item1.xml><?xml version="1.0" encoding="utf-8"?>
-<?mso-contentType ?>
-<FormTemplates xmlns="http://schemas.microsoft.com/sharepoint/v3/contenttype/forms">
-  <Display>DocumentLibraryForm</Display>
-  <Edit>DocumentLibraryForm</Edit>
-  <New>DocumentLibraryForm</New>
-</FormTemplates>
+<p:properties xmlns:p="http://schemas.microsoft.com/office/2006/metadata/properties" xmlns:xsi="http://www.w3.org/2001/XMLSchema-instance" xmlns:pc="http://schemas.microsoft.com/office/infopath/2007/PartnerControls">
+  <documentManagement>
+    <SottoCategoria xmlns="679261c3-551f-4e86-913f-177e0e529669">-</SottoCategoria>
+    <Categoria xmlns="c58f2efd-82a8-4ecf-b395-8c25e928921d">3- Standard presentazioni Power Point</Categoria>
+    <_dlc_DocId xmlns="459159c4-d20a-4ff3-9b11-fbd127bd52e5">INTRANET-14-174</_dlc_DocId>
+    <_dlc_DocIdUrl xmlns="459159c4-d20a-4ff3-9b11-fbd127bd52e5">
+      <Url>https://intranet.istat.it/Collaborativi/_layouts/15/DocIdRedir.aspx?ID=INTRANET-14-174</Url>
+      <Description>INTRANET-14-174</Description>
+    </_dlc_DocIdUrl>
+    <Ordine xmlns="679261c3-551f-4e86-913f-177e0e529669">1</Ordine>
+  </documentManagement>
+</p:properties>
 </file>
 
 <file path=customXml/item2.xml><?xml version="1.0" encoding="utf-8"?>
@@ -29666,18 +29777,12 @@
 </file>
 
 <file path=customXml/item3.xml><?xml version="1.0" encoding="utf-8"?>
-<p:properties xmlns:p="http://schemas.microsoft.com/office/2006/metadata/properties" xmlns:xsi="http://www.w3.org/2001/XMLSchema-instance" xmlns:pc="http://schemas.microsoft.com/office/infopath/2007/PartnerControls">
-  <documentManagement>
-    <SottoCategoria xmlns="679261c3-551f-4e86-913f-177e0e529669">-</SottoCategoria>
-    <Categoria xmlns="c58f2efd-82a8-4ecf-b395-8c25e928921d">3- Standard presentazioni Power Point</Categoria>
-    <_dlc_DocId xmlns="459159c4-d20a-4ff3-9b11-fbd127bd52e5">INTRANET-14-174</_dlc_DocId>
-    <_dlc_DocIdUrl xmlns="459159c4-d20a-4ff3-9b11-fbd127bd52e5">
-      <Url>https://intranet.istat.it/Collaborativi/_layouts/15/DocIdRedir.aspx?ID=INTRANET-14-174</Url>
-      <Description>INTRANET-14-174</Description>
-    </_dlc_DocIdUrl>
-    <Ordine xmlns="679261c3-551f-4e86-913f-177e0e529669">1</Ordine>
-  </documentManagement>
-</p:properties>
+<?mso-contentType ?>
+<FormTemplates xmlns="http://schemas.microsoft.com/sharepoint/v3/contenttype/forms">
+  <Display>DocumentLibraryForm</Display>
+  <Edit>DocumentLibraryForm</Edit>
+  <New>DocumentLibraryForm</New>
+</FormTemplates>
 </file>
 
 <file path=customXml/item4.xml><?xml version="1.0" encoding="utf-8"?>
@@ -29874,9 +29979,19 @@
 </file>
 
 <file path=customXml/itemProps1.xml><?xml version="1.0" encoding="utf-8"?>
-<ds:datastoreItem xmlns:ds="http://schemas.openxmlformats.org/officeDocument/2006/customXml" ds:itemID="{BD9C238D-4D5C-4783-820B-4854DCE45D41}">
+<ds:datastoreItem xmlns:ds="http://schemas.openxmlformats.org/officeDocument/2006/customXml" ds:itemID="{3EF378BC-F4D0-4510-B4EC-07B6EFE18CF8}">
   <ds:schemaRefs>
-    <ds:schemaRef ds:uri="http://schemas.microsoft.com/sharepoint/v3/contenttype/forms"/>
+    <ds:schemaRef ds:uri="http://schemas.microsoft.com/office/2006/metadata/properties"/>
+    <ds:schemaRef ds:uri="http://www.w3.org/XML/1998/namespace"/>
+    <ds:schemaRef ds:uri="http://schemas.microsoft.com/office/2006/documentManagement/types"/>
+    <ds:schemaRef ds:uri="http://schemas.microsoft.com/office/infopath/2007/PartnerControls"/>
+    <ds:schemaRef ds:uri="http://purl.org/dc/dcmitype/"/>
+    <ds:schemaRef ds:uri="c58f2efd-82a8-4ecf-b395-8c25e928921d"/>
+    <ds:schemaRef ds:uri="http://schemas.openxmlformats.org/package/2006/metadata/core-properties"/>
+    <ds:schemaRef ds:uri="http://purl.org/dc/elements/1.1/"/>
+    <ds:schemaRef ds:uri="679261c3-551f-4e86-913f-177e0e529669"/>
+    <ds:schemaRef ds:uri="459159c4-d20a-4ff3-9b11-fbd127bd52e5"/>
+    <ds:schemaRef ds:uri="http://purl.org/dc/terms/"/>
   </ds:schemaRefs>
 </ds:datastoreItem>
 </file>
@@ -29890,19 +30005,9 @@
 </file>
 
 <file path=customXml/itemProps3.xml><?xml version="1.0" encoding="utf-8"?>
-<ds:datastoreItem xmlns:ds="http://schemas.openxmlformats.org/officeDocument/2006/customXml" ds:itemID="{3EF378BC-F4D0-4510-B4EC-07B6EFE18CF8}">
+<ds:datastoreItem xmlns:ds="http://schemas.openxmlformats.org/officeDocument/2006/customXml" ds:itemID="{BD9C238D-4D5C-4783-820B-4854DCE45D41}">
   <ds:schemaRefs>
-    <ds:schemaRef ds:uri="http://schemas.openxmlformats.org/package/2006/metadata/core-properties"/>
-    <ds:schemaRef ds:uri="http://schemas.microsoft.com/office/2006/documentManagement/types"/>
-    <ds:schemaRef ds:uri="http://www.w3.org/XML/1998/namespace"/>
-    <ds:schemaRef ds:uri="http://purl.org/dc/dcmitype/"/>
-    <ds:schemaRef ds:uri="http://schemas.microsoft.com/office/2006/metadata/properties"/>
-    <ds:schemaRef ds:uri="http://purl.org/dc/elements/1.1/"/>
-    <ds:schemaRef ds:uri="459159c4-d20a-4ff3-9b11-fbd127bd52e5"/>
-    <ds:schemaRef ds:uri="679261c3-551f-4e86-913f-177e0e529669"/>
-    <ds:schemaRef ds:uri="c58f2efd-82a8-4ecf-b395-8c25e928921d"/>
-    <ds:schemaRef ds:uri="http://schemas.microsoft.com/office/infopath/2007/PartnerControls"/>
-    <ds:schemaRef ds:uri="http://purl.org/dc/terms/"/>
+    <ds:schemaRef ds:uri="http://schemas.microsoft.com/sharepoint/v3/contenttype/forms"/>
   </ds:schemaRefs>
 </ds:datastoreItem>
 </file>

--- a/RJDProcessor/doc/package_description/RJDemetra tools for statistical production.pptx
+++ b/RJDProcessor/doc/package_description/RJDemetra tools for statistical production.pptx
@@ -291,7 +291,7 @@
               <a:pPr>
                 <a:defRPr/>
               </a:pPr>
-              <a:t>1/3/2025</a:t>
+              <a:t>1/7/2025</a:t>
             </a:fld>
             <a:endParaRPr lang="en-US"/>
           </a:p>
@@ -9560,8 +9560,62 @@
             </a:r>
             <a:r>
               <a:rPr lang="it-IT" dirty="0" smtClean="0"/>
-              <a:t>;</a:t>
-            </a:r>
+              <a:t>;       </a:t>
+            </a:r>
+            <a:r>
+              <a:rPr lang="it-IT" sz="1400" dirty="0" smtClean="0">
+                <a:solidFill>
+                  <a:srgbClr val="C00000"/>
+                </a:solidFill>
+                <a:sym typeface="Symbol" panose="05050102010706020507" pitchFamily="18" charset="2"/>
+              </a:rPr>
+              <a:t></a:t>
+            </a:r>
+            <a:r>
+              <a:rPr lang="it-IT" dirty="0" smtClean="0"/>
+              <a:t>  </a:t>
+            </a:r>
+            <a:r>
+              <a:rPr lang="it-IT" dirty="0">
+                <a:solidFill>
+                  <a:srgbClr val="C00000"/>
+                </a:solidFill>
+              </a:rPr>
+              <a:t>D1DS</a:t>
+            </a:r>
+            <a:r>
+              <a:rPr lang="it-IT" dirty="0"/>
+              <a:t>:  </a:t>
+            </a:r>
+            <a:r>
+              <a:rPr lang="it-IT" dirty="0" err="1"/>
+              <a:t>boolean</a:t>
+            </a:r>
+            <a:r>
+              <a:rPr lang="it-IT" dirty="0"/>
+              <a:t> </a:t>
+            </a:r>
+            <a:r>
+              <a:rPr lang="it-IT" dirty="0" err="1"/>
+              <a:t>if</a:t>
+            </a:r>
+            <a:r>
+              <a:rPr lang="it-IT" dirty="0"/>
+              <a:t> D1DS mode (</a:t>
+            </a:r>
+            <a:r>
+              <a:rPr lang="it-IT" dirty="0" smtClean="0"/>
+              <a:t>force delta to 1 and </a:t>
+            </a:r>
+            <a:r>
+              <a:rPr lang="it-IT" dirty="0" err="1" smtClean="0"/>
+              <a:t>delta_s</a:t>
+            </a:r>
+            <a:r>
+              <a:rPr lang="it-IT" dirty="0" smtClean="0"/>
+              <a:t> to 0);</a:t>
+            </a:r>
+            <a:endParaRPr lang="it-IT" dirty="0" smtClean="0"/>
           </a:p>
           <a:p>
             <a:pPr marL="1371600" lvl="2" indent="-457200" algn="just">
@@ -9913,7 +9967,11 @@
             </a:r>
             <a:r>
               <a:rPr lang="it-IT" sz="2000" dirty="0" smtClean="0"/>
-              <a:t> set</a:t>
+              <a:t> </a:t>
+            </a:r>
+            <a:r>
+              <a:rPr lang="it-IT" sz="2000" dirty="0" smtClean="0"/>
+              <a:t>set)</a:t>
             </a:r>
             <a:endParaRPr lang="it-IT" sz="2000" dirty="0" smtClean="0"/>
           </a:p>
@@ -10028,7 +10086,15 @@
                   <a:schemeClr val="bg1"/>
                 </a:solidFill>
               </a:rPr>
-              <a:t>[{"start":"2020-01-01","end":"2020-12-31</a:t>
+              <a:t>[{"start":"2020-01-01","end":"2020-12-31", "fixed_</a:t>
+            </a:r>
+            <a:r>
+              <a:rPr lang="it-IT" dirty="0" err="1" smtClean="0">
+                <a:solidFill>
+                  <a:schemeClr val="bg1"/>
+                </a:solidFill>
+              </a:rPr>
+              <a:t>coef</a:t>
             </a:r>
             <a:r>
               <a:rPr lang="it-IT" dirty="0" smtClean="0">
@@ -10036,15 +10102,17 @@
                   <a:schemeClr val="bg1"/>
                 </a:solidFill>
               </a:rPr>
-              <a:t>", "fixed_</a:t>
-            </a:r>
-            <a:r>
-              <a:rPr lang="it-IT" dirty="0" err="1" smtClean="0">
+              <a:t>":"NA"},</a:t>
+            </a:r>
+          </a:p>
+          <a:p>
+            <a:r>
+              <a:rPr lang="it-IT" dirty="0">
                 <a:solidFill>
                   <a:schemeClr val="bg1"/>
                 </a:solidFill>
               </a:rPr>
-              <a:t>coef</a:t>
+              <a:t> </a:t>
             </a:r>
             <a:r>
               <a:rPr lang="it-IT" dirty="0" smtClean="0">
@@ -10052,16 +10120,104 @@
                   <a:schemeClr val="bg1"/>
                 </a:solidFill>
               </a:rPr>
-              <a:t>":"NA"},</a:t>
-            </a:r>
-          </a:p>
-          <a:p>
+              <a:t>                         {"start":"2008-01-01","end":"2009-01-01", "fixed_coef":1}]</a:t>
+            </a:r>
+          </a:p>
+          <a:p>
+            <a:r>
+              <a:rPr lang="it-IT" b="1" dirty="0" smtClean="0">
+                <a:solidFill>
+                  <a:schemeClr val="bg1"/>
+                </a:solidFill>
+              </a:rPr>
+              <a:t>EX. </a:t>
+            </a:r>
+            <a:r>
+              <a:rPr lang="it-IT" b="1" dirty="0">
+                <a:solidFill>
+                  <a:schemeClr val="bg1"/>
+                </a:solidFill>
+              </a:rPr>
+              <a:t>of </a:t>
+            </a:r>
+            <a:r>
+              <a:rPr lang="it-IT" b="1" dirty="0" err="1" smtClean="0">
+                <a:solidFill>
+                  <a:schemeClr val="bg1"/>
+                </a:solidFill>
+              </a:rPr>
+              <a:t>IVs</a:t>
+            </a:r>
+            <a:r>
+              <a:rPr lang="it-IT" b="1" dirty="0" smtClean="0">
+                <a:solidFill>
+                  <a:schemeClr val="bg1"/>
+                </a:solidFill>
+              </a:rPr>
+              <a:t>:</a:t>
+            </a:r>
+            <a:r>
+              <a:rPr lang="it-IT" dirty="0" smtClean="0">
+                <a:solidFill>
+                  <a:schemeClr val="bg1"/>
+                </a:solidFill>
+              </a:rPr>
+              <a:t>        [{"delta":</a:t>
+            </a:r>
             <a:r>
               <a:rPr lang="it-IT" dirty="0">
                 <a:solidFill>
                   <a:schemeClr val="bg1"/>
                 </a:solidFill>
               </a:rPr>
+              <a:t>1</a:t>
+            </a:r>
+            <a:r>
+              <a:rPr lang="it-IT" dirty="0" smtClean="0">
+                <a:solidFill>
+                  <a:schemeClr val="bg1"/>
+                </a:solidFill>
+              </a:rPr>
+              <a:t>,"delta_s":</a:t>
+            </a:r>
+            <a:r>
+              <a:rPr lang="it-IT" dirty="0">
+                <a:solidFill>
+                  <a:schemeClr val="bg1"/>
+                </a:solidFill>
+              </a:rPr>
+              <a:t>1</a:t>
+            </a:r>
+            <a:r>
+              <a:rPr lang="it-IT" dirty="0" smtClean="0">
+                <a:solidFill>
+                  <a:schemeClr val="bg1"/>
+                </a:solidFill>
+              </a:rPr>
+              <a:t>,"seq":[{"start":"2001-01-01","end": "2001-12-31</a:t>
+            </a:r>
+            <a:r>
+              <a:rPr lang="it-IT" dirty="0" smtClean="0">
+                <a:solidFill>
+                  <a:schemeClr val="bg1"/>
+                </a:solidFill>
+              </a:rPr>
+              <a:t>", </a:t>
+            </a:r>
+            <a:r>
+              <a:rPr lang="it-IT" dirty="0" smtClean="0">
+                <a:solidFill>
+                  <a:schemeClr val="bg1"/>
+                </a:solidFill>
+              </a:rPr>
+              <a:t>D1DS: false</a:t>
+            </a:r>
+            <a:r>
+              <a:rPr lang="it-IT" dirty="0" smtClean="0">
+                <a:solidFill>
+                  <a:schemeClr val="bg1"/>
+                </a:solidFill>
+              </a:rPr>
               <a:t> </a:t>
             </a:r>
             <a:r>
@@ -10070,7 +10226,17 @@
                   <a:schemeClr val="bg1"/>
                 </a:solidFill>
               </a:rPr>
-              <a:t>                         </a:t>
+              <a:t>}]}, </a:t>
+            </a:r>
+          </a:p>
+          <a:p>
+            <a:r>
+              <a:rPr lang="it-IT" dirty="0">
+                <a:solidFill>
+                  <a:schemeClr val="bg1"/>
+                </a:solidFill>
+              </a:rPr>
+              <a:t> </a:t>
             </a:r>
             <a:r>
               <a:rPr lang="it-IT" dirty="0" smtClean="0">
@@ -10078,7 +10244,15 @@
                   <a:schemeClr val="bg1"/>
                 </a:solidFill>
               </a:rPr>
-              <a:t>{"</a:t>
+              <a:t>                          {"delta":</a:t>
+            </a:r>
+            <a:r>
+              <a:rPr lang="it-IT" dirty="0">
+                <a:solidFill>
+                  <a:schemeClr val="bg1"/>
+                </a:solidFill>
+              </a:rPr>
+              <a:t>0.75</a:t>
             </a:r>
             <a:r>
               <a:rPr lang="it-IT" dirty="0" smtClean="0">
@@ -10086,7 +10260,15 @@
                   <a:schemeClr val="bg1"/>
                 </a:solidFill>
               </a:rPr>
-              <a:t>start":"2008-01-01","end":"2009-01-01</a:t>
+              <a:t>,"delta_s":</a:t>
+            </a:r>
+            <a:r>
+              <a:rPr lang="it-IT" dirty="0">
+                <a:solidFill>
+                  <a:schemeClr val="bg1"/>
+                </a:solidFill>
+              </a:rPr>
+              <a:t>0</a:t>
             </a:r>
             <a:r>
               <a:rPr lang="it-IT" dirty="0" smtClean="0">
@@ -10094,136 +10276,23 @@
                   <a:schemeClr val="bg1"/>
                 </a:solidFill>
               </a:rPr>
-              <a:t>", "fixed_coef":1}]</a:t>
-            </a:r>
-            <a:endParaRPr lang="it-IT" dirty="0" smtClean="0">
-              <a:solidFill>
-                <a:schemeClr val="bg1"/>
-              </a:solidFill>
-            </a:endParaRPr>
-          </a:p>
-          <a:p>
-            <a:r>
-              <a:rPr lang="it-IT" b="1" dirty="0" smtClean="0">
+              <a:t>,"seq":[{"start":"2004-01-01","end":"</a:t>
+            </a:r>
+            <a:r>
+              <a:rPr lang="it-IT" smtClean="0">
                 <a:solidFill>
                   <a:schemeClr val="bg1"/>
                 </a:solidFill>
               </a:rPr>
-              <a:t>EX. </a:t>
-            </a:r>
-            <a:r>
-              <a:rPr lang="it-IT" b="1" dirty="0">
+              <a:t>2005-12-31</a:t>
+            </a:r>
+            <a:r>
+              <a:rPr lang="it-IT">
                 <a:solidFill>
                   <a:schemeClr val="bg1"/>
                 </a:solidFill>
               </a:rPr>
-              <a:t>of </a:t>
-            </a:r>
-            <a:r>
-              <a:rPr lang="it-IT" b="1" dirty="0" err="1" smtClean="0">
-                <a:solidFill>
-                  <a:schemeClr val="bg1"/>
-                </a:solidFill>
-              </a:rPr>
-              <a:t>IVs</a:t>
-            </a:r>
-            <a:r>
-              <a:rPr lang="it-IT" b="1" dirty="0" smtClean="0">
-                <a:solidFill>
-                  <a:schemeClr val="bg1"/>
-                </a:solidFill>
-              </a:rPr>
-              <a:t>:</a:t>
-            </a:r>
-            <a:r>
-              <a:rPr lang="it-IT" dirty="0" smtClean="0">
-                <a:solidFill>
-                  <a:schemeClr val="bg1"/>
-                </a:solidFill>
-              </a:rPr>
-              <a:t>        [{"delta":</a:t>
-            </a:r>
-            <a:r>
-              <a:rPr lang="it-IT" dirty="0">
-                <a:solidFill>
-                  <a:schemeClr val="bg1"/>
-                </a:solidFill>
-              </a:rPr>
-              <a:t>1</a:t>
-            </a:r>
-            <a:r>
-              <a:rPr lang="it-IT" dirty="0" smtClean="0">
-                <a:solidFill>
-                  <a:schemeClr val="bg1"/>
-                </a:solidFill>
-              </a:rPr>
-              <a:t>,"delta_s":</a:t>
-            </a:r>
-            <a:r>
-              <a:rPr lang="it-IT" dirty="0">
-                <a:solidFill>
-                  <a:schemeClr val="bg1"/>
-                </a:solidFill>
-              </a:rPr>
-              <a:t>1</a:t>
-            </a:r>
-            <a:r>
-              <a:rPr lang="it-IT" dirty="0" smtClean="0">
-                <a:solidFill>
-                  <a:schemeClr val="bg1"/>
-                </a:solidFill>
-              </a:rPr>
-              <a:t>,"seq":[{"start":"2001-01-01","end": "2001-12-31" }]}, </a:t>
-            </a:r>
-          </a:p>
-          <a:p>
-            <a:r>
-              <a:rPr lang="it-IT" dirty="0">
-                <a:solidFill>
-                  <a:schemeClr val="bg1"/>
-                </a:solidFill>
-              </a:rPr>
-              <a:t> </a:t>
-            </a:r>
-            <a:r>
-              <a:rPr lang="it-IT" dirty="0" smtClean="0">
-                <a:solidFill>
-                  <a:schemeClr val="bg1"/>
-                </a:solidFill>
-              </a:rPr>
-              <a:t>                          {"delta":</a:t>
-            </a:r>
-            <a:r>
-              <a:rPr lang="it-IT" dirty="0">
-                <a:solidFill>
-                  <a:schemeClr val="bg1"/>
-                </a:solidFill>
-              </a:rPr>
-              <a:t>0.75</a:t>
-            </a:r>
-            <a:r>
-              <a:rPr lang="it-IT" dirty="0" smtClean="0">
-                <a:solidFill>
-                  <a:schemeClr val="bg1"/>
-                </a:solidFill>
-              </a:rPr>
-              <a:t>,"delta_s":</a:t>
-            </a:r>
-            <a:r>
-              <a:rPr lang="it-IT" dirty="0">
-                <a:solidFill>
-                  <a:schemeClr val="bg1"/>
-                </a:solidFill>
-              </a:rPr>
-              <a:t>0</a:t>
-            </a:r>
-            <a:r>
-              <a:rPr lang="it-IT" dirty="0" smtClean="0">
-                <a:solidFill>
-                  <a:schemeClr val="bg1"/>
-                </a:solidFill>
-              </a:rPr>
-              <a:t>,"seq":[{"start":"2004-01-01","end":"2005-12-31"}]}]</a:t>
+              <a:t>", D1DS: false}]}]</a:t>
             </a:r>
             <a:endParaRPr lang="it-IT" dirty="0">
               <a:solidFill>
@@ -29712,21 +29781,6 @@
 </file>
 
 <file path=customXml/item1.xml><?xml version="1.0" encoding="utf-8"?>
-<p:properties xmlns:p="http://schemas.microsoft.com/office/2006/metadata/properties" xmlns:xsi="http://www.w3.org/2001/XMLSchema-instance" xmlns:pc="http://schemas.microsoft.com/office/infopath/2007/PartnerControls">
-  <documentManagement>
-    <SottoCategoria xmlns="679261c3-551f-4e86-913f-177e0e529669">-</SottoCategoria>
-    <Categoria xmlns="c58f2efd-82a8-4ecf-b395-8c25e928921d">3- Standard presentazioni Power Point</Categoria>
-    <_dlc_DocId xmlns="459159c4-d20a-4ff3-9b11-fbd127bd52e5">INTRANET-14-174</_dlc_DocId>
-    <_dlc_DocIdUrl xmlns="459159c4-d20a-4ff3-9b11-fbd127bd52e5">
-      <Url>https://intranet.istat.it/Collaborativi/_layouts/15/DocIdRedir.aspx?ID=INTRANET-14-174</Url>
-      <Description>INTRANET-14-174</Description>
-    </_dlc_DocIdUrl>
-    <Ordine xmlns="679261c3-551f-4e86-913f-177e0e529669">1</Ordine>
-  </documentManagement>
-</p:properties>
-</file>
-
-<file path=customXml/item2.xml><?xml version="1.0" encoding="utf-8"?>
 <?mso-contentType ?>
 <spe:Receivers xmlns:spe="http://schemas.microsoft.com/sharepoint/events">
   <Receiver>
@@ -29776,16 +29830,22 @@
 </spe:Receivers>
 </file>
 
-<file path=customXml/item3.xml><?xml version="1.0" encoding="utf-8"?>
-<?mso-contentType ?>
-<FormTemplates xmlns="http://schemas.microsoft.com/sharepoint/v3/contenttype/forms">
-  <Display>DocumentLibraryForm</Display>
-  <Edit>DocumentLibraryForm</Edit>
-  <New>DocumentLibraryForm</New>
-</FormTemplates>
+<file path=customXml/item2.xml><?xml version="1.0" encoding="utf-8"?>
+<p:properties xmlns:p="http://schemas.microsoft.com/office/2006/metadata/properties" xmlns:xsi="http://www.w3.org/2001/XMLSchema-instance" xmlns:pc="http://schemas.microsoft.com/office/infopath/2007/PartnerControls">
+  <documentManagement>
+    <SottoCategoria xmlns="679261c3-551f-4e86-913f-177e0e529669">-</SottoCategoria>
+    <Categoria xmlns="c58f2efd-82a8-4ecf-b395-8c25e928921d">3- Standard presentazioni Power Point</Categoria>
+    <_dlc_DocId xmlns="459159c4-d20a-4ff3-9b11-fbd127bd52e5">INTRANET-14-174</_dlc_DocId>
+    <_dlc_DocIdUrl xmlns="459159c4-d20a-4ff3-9b11-fbd127bd52e5">
+      <Url>https://intranet.istat.it/Collaborativi/_layouts/15/DocIdRedir.aspx?ID=INTRANET-14-174</Url>
+      <Description>INTRANET-14-174</Description>
+    </_dlc_DocIdUrl>
+    <Ordine xmlns="679261c3-551f-4e86-913f-177e0e529669">1</Ordine>
+  </documentManagement>
+</p:properties>
 </file>
 
-<file path=customXml/item4.xml><?xml version="1.0" encoding="utf-8"?>
+<file path=customXml/item3.xml><?xml version="1.0" encoding="utf-8"?>
 <ct:contentTypeSchema xmlns:ct="http://schemas.microsoft.com/office/2006/metadata/contentType" xmlns:ma="http://schemas.microsoft.com/office/2006/metadata/properties/metaAttributes" ct:_="" ma:_="" ma:contentTypeName="Documento" ma:contentTypeID="0x010100661A2BE3120D674DA36C11D6006822D4" ma:contentTypeVersion="5" ma:contentTypeDescription="Creare un nuovo documento." ma:contentTypeScope="" ma:versionID="742e6049321d93803bb3bb587f561ffa">
   <xsd:schema xmlns:xsd="http://www.w3.org/2001/XMLSchema" xmlns:xs="http://www.w3.org/2001/XMLSchema" xmlns:p="http://schemas.microsoft.com/office/2006/metadata/properties" xmlns:ns2="c58f2efd-82a8-4ecf-b395-8c25e928921d" xmlns:ns3="459159c4-d20a-4ff3-9b11-fbd127bd52e5" xmlns:ns4="679261c3-551f-4e86-913f-177e0e529669" targetNamespace="http://schemas.microsoft.com/office/2006/metadata/properties" ma:root="true" ma:fieldsID="939ae4a7eaec2950db97a79ca38d2d4d" ns2:_="" ns3:_="" ns4:_="">
     <xsd:import namespace="c58f2efd-82a8-4ecf-b395-8c25e928921d"/>
@@ -29978,7 +30038,24 @@
 </ct:contentTypeSchema>
 </file>
 
+<file path=customXml/item4.xml><?xml version="1.0" encoding="utf-8"?>
+<?mso-contentType ?>
+<FormTemplates xmlns="http://schemas.microsoft.com/sharepoint/v3/contenttype/forms">
+  <Display>DocumentLibraryForm</Display>
+  <Edit>DocumentLibraryForm</Edit>
+  <New>DocumentLibraryForm</New>
+</FormTemplates>
+</file>
+
 <file path=customXml/itemProps1.xml><?xml version="1.0" encoding="utf-8"?>
+<ds:datastoreItem xmlns:ds="http://schemas.openxmlformats.org/officeDocument/2006/customXml" ds:itemID="{D9296C4F-9DE9-4B43-AA80-1FC85656CFFA}">
+  <ds:schemaRefs>
+    <ds:schemaRef ds:uri="http://schemas.microsoft.com/sharepoint/events"/>
+  </ds:schemaRefs>
+</ds:datastoreItem>
+</file>
+
+<file path=customXml/itemProps2.xml><?xml version="1.0" encoding="utf-8"?>
 <ds:datastoreItem xmlns:ds="http://schemas.openxmlformats.org/officeDocument/2006/customXml" ds:itemID="{3EF378BC-F4D0-4510-B4EC-07B6EFE18CF8}">
   <ds:schemaRefs>
     <ds:schemaRef ds:uri="http://schemas.microsoft.com/office/2006/metadata/properties"/>
@@ -29996,23 +30073,7 @@
 </ds:datastoreItem>
 </file>
 
-<file path=customXml/itemProps2.xml><?xml version="1.0" encoding="utf-8"?>
-<ds:datastoreItem xmlns:ds="http://schemas.openxmlformats.org/officeDocument/2006/customXml" ds:itemID="{D9296C4F-9DE9-4B43-AA80-1FC85656CFFA}">
-  <ds:schemaRefs>
-    <ds:schemaRef ds:uri="http://schemas.microsoft.com/sharepoint/events"/>
-  </ds:schemaRefs>
-</ds:datastoreItem>
-</file>
-
 <file path=customXml/itemProps3.xml><?xml version="1.0" encoding="utf-8"?>
-<ds:datastoreItem xmlns:ds="http://schemas.openxmlformats.org/officeDocument/2006/customXml" ds:itemID="{BD9C238D-4D5C-4783-820B-4854DCE45D41}">
-  <ds:schemaRefs>
-    <ds:schemaRef ds:uri="http://schemas.microsoft.com/sharepoint/v3/contenttype/forms"/>
-  </ds:schemaRefs>
-</ds:datastoreItem>
-</file>
-
-<file path=customXml/itemProps4.xml><?xml version="1.0" encoding="utf-8"?>
 <ds:datastoreItem xmlns:ds="http://schemas.openxmlformats.org/officeDocument/2006/customXml" ds:itemID="{AA760D03-2285-4F80-B9FC-1F4F97E97129}">
   <ds:schemaRefs>
     <ds:schemaRef ds:uri="http://schemas.microsoft.com/office/2006/metadata/contentType"/>
@@ -30030,4 +30091,12 @@
     <ds:schemaRef ds:uri="http://schemas.microsoft.com/internal/obd"/>
   </ds:schemaRefs>
 </ds:datastoreItem>
+</file>
+
+<file path=customXml/itemProps4.xml><?xml version="1.0" encoding="utf-8"?>
+<ds:datastoreItem xmlns:ds="http://schemas.openxmlformats.org/officeDocument/2006/customXml" ds:itemID="{BD9C238D-4D5C-4783-820B-4854DCE45D41}">
+  <ds:schemaRefs>
+    <ds:schemaRef ds:uri="http://schemas.microsoft.com/sharepoint/v3/contenttype/forms"/>
+  </ds:schemaRefs>
+</ds:datastoreItem>
 </file>
--- a/RJDProcessor/doc/package_description/RJDemetra tools for statistical production.pptx
+++ b/RJDProcessor/doc/package_description/RJDemetra tools for statistical production.pptx
@@ -5,7 +5,7 @@
     <p:sldMasterId id="2147483648" r:id="rId5"/>
   </p:sldMasterIdLst>
   <p:notesMasterIdLst>
-    <p:notesMasterId r:id="rId33"/>
+    <p:notesMasterId r:id="rId34"/>
   </p:notesMasterIdLst>
   <p:sldIdLst>
     <p:sldId id="315" r:id="rId6"/>
@@ -27,14 +27,15 @@
     <p:sldId id="341" r:id="rId22"/>
     <p:sldId id="340" r:id="rId23"/>
     <p:sldId id="338" r:id="rId24"/>
-    <p:sldId id="343" r:id="rId25"/>
-    <p:sldId id="345" r:id="rId26"/>
-    <p:sldId id="342" r:id="rId27"/>
-    <p:sldId id="296" r:id="rId28"/>
-    <p:sldId id="344" r:id="rId29"/>
-    <p:sldId id="346" r:id="rId30"/>
-    <p:sldId id="347" r:id="rId31"/>
-    <p:sldId id="327" r:id="rId32"/>
+    <p:sldId id="350" r:id="rId25"/>
+    <p:sldId id="343" r:id="rId26"/>
+    <p:sldId id="345" r:id="rId27"/>
+    <p:sldId id="342" r:id="rId28"/>
+    <p:sldId id="296" r:id="rId29"/>
+    <p:sldId id="344" r:id="rId30"/>
+    <p:sldId id="346" r:id="rId31"/>
+    <p:sldId id="347" r:id="rId32"/>
+    <p:sldId id="327" r:id="rId33"/>
   </p:sldIdLst>
   <p:sldSz cx="12192000" cy="6858000"/>
   <p:notesSz cx="6858000" cy="9144000"/>
@@ -292,7 +293,7 @@
               <a:pPr>
                 <a:defRPr/>
               </a:pPr>
-              <a:t>1/7/2025</a:t>
+              <a:t>4/11/2025</a:t>
             </a:fld>
             <a:endParaRPr lang="en-US"/>
           </a:p>
@@ -1321,6 +1322,96 @@
     <p:extLst>
       <p:ext uri="{BB962C8B-B14F-4D97-AF65-F5344CB8AC3E}">
         <p14:creationId xmlns:p14="http://schemas.microsoft.com/office/powerpoint/2010/main" val="3110222043"/>
+      </p:ext>
+    </p:extLst>
+  </p:cSld>
+  <p:clrMapOvr>
+    <a:masterClrMapping/>
+  </p:clrMapOvr>
+</p:notes>
+</file>
+
+<file path=ppt/notesSlides/notesSlide9.xml><?xml version="1.0" encoding="utf-8"?>
+<p:notes xmlns:a="http://schemas.openxmlformats.org/drawingml/2006/main" xmlns:r="http://schemas.openxmlformats.org/officeDocument/2006/relationships" xmlns:p="http://schemas.openxmlformats.org/presentationml/2006/main">
+  <p:cSld>
+    <p:spTree>
+      <p:nvGrpSpPr>
+        <p:cNvPr id="1" name=""/>
+        <p:cNvGrpSpPr/>
+        <p:nvPr/>
+      </p:nvGrpSpPr>
+      <p:grpSpPr>
+        <a:xfrm>
+          <a:off x="0" y="0"/>
+          <a:ext cx="0" cy="0"/>
+          <a:chOff x="0" y="0"/>
+          <a:chExt cx="0" cy="0"/>
+        </a:xfrm>
+      </p:grpSpPr>
+      <p:sp>
+        <p:nvSpPr>
+          <p:cNvPr id="2" name="Segnaposto immagine diapositiva 1"/>
+          <p:cNvSpPr>
+            <a:spLocks noGrp="1" noRot="1" noChangeAspect="1"/>
+          </p:cNvSpPr>
+          <p:nvPr>
+            <p:ph type="sldImg"/>
+          </p:nvPr>
+        </p:nvSpPr>
+        <p:spPr/>
+      </p:sp>
+      <p:sp>
+        <p:nvSpPr>
+          <p:cNvPr id="3" name="Segnaposto note 2"/>
+          <p:cNvSpPr>
+            <a:spLocks noGrp="1"/>
+          </p:cNvSpPr>
+          <p:nvPr>
+            <p:ph type="body" idx="1"/>
+          </p:nvPr>
+        </p:nvSpPr>
+        <p:spPr/>
+        <p:txBody>
+          <a:bodyPr/>
+          <a:lstStyle/>
+          <a:p>
+            <a:endParaRPr lang="it-IT" dirty="0"/>
+          </a:p>
+        </p:txBody>
+      </p:sp>
+      <p:sp>
+        <p:nvSpPr>
+          <p:cNvPr id="4" name="Segnaposto numero diapositiva 3"/>
+          <p:cNvSpPr>
+            <a:spLocks noGrp="1"/>
+          </p:cNvSpPr>
+          <p:nvPr>
+            <p:ph type="sldNum" sz="quarter" idx="10"/>
+          </p:nvPr>
+        </p:nvSpPr>
+        <p:spPr/>
+        <p:txBody>
+          <a:bodyPr/>
+          <a:lstStyle/>
+          <a:p>
+            <a:pPr>
+              <a:defRPr/>
+            </a:pPr>
+            <a:fld id="{F5F5882C-B867-4FE7-97C9-87FBF93DC802}" type="slidenum">
+              <a:rPr lang="en-US" smtClean="0"/>
+              <a:pPr>
+                <a:defRPr/>
+              </a:pPr>
+              <a:t>20</a:t>
+            </a:fld>
+            <a:endParaRPr lang="en-US"/>
+          </a:p>
+        </p:txBody>
+      </p:sp>
+    </p:spTree>
+    <p:extLst>
+      <p:ext uri="{BB962C8B-B14F-4D97-AF65-F5344CB8AC3E}">
+        <p14:creationId xmlns:p14="http://schemas.microsoft.com/office/powerpoint/2010/main" val="2200407609"/>
       </p:ext>
     </p:extLst>
   </p:cSld>
@@ -10179,21 +10270,8 @@
                   <a:schemeClr val="bg1"/>
                 </a:solidFill>
               </a:rPr>
-              <a:t>[{"start":"2020-01-01","end":"2020-12-31", "fixed_coef</a:t>
-            </a:r>
-            <a:r>
-              <a:rPr lang="it-IT" dirty="0" smtClean="0">
-                <a:solidFill>
-                  <a:schemeClr val="bg1"/>
-                </a:solidFill>
-              </a:rPr>
-              <a:t>":0},</a:t>
-            </a:r>
-            <a:endParaRPr lang="it-IT" dirty="0" smtClean="0">
-              <a:solidFill>
-                <a:schemeClr val="bg1"/>
-              </a:solidFill>
-            </a:endParaRPr>
+              <a:t>[{"start":"2020-01-01","end":"2020-12-31", "fixed_coef":0},</a:t>
+            </a:r>
           </a:p>
           <a:p>
             <a:r>
@@ -10603,7 +10681,6 @@
               <a:rPr lang="it-IT" sz="2300" dirty="0" smtClean="0"/>
               <a:t> set.</a:t>
             </a:r>
-            <a:endParaRPr lang="it-IT" sz="2300" dirty="0" smtClean="0"/>
           </a:p>
         </p:txBody>
       </p:sp>
@@ -15786,8 +15863,8 @@
         </p:nvSpPr>
         <p:spPr>
           <a:xfrm>
-            <a:off x="1157608" y="2218628"/>
-            <a:ext cx="1351649" cy="4423550"/>
+            <a:off x="712380" y="2218628"/>
+            <a:ext cx="1796877" cy="4423550"/>
           </a:xfrm>
           <a:prstGeom prst="rect">
             <a:avLst/>
@@ -15823,7 +15900,7 @@
           <a:lstStyle/>
           <a:p>
             <a:pPr algn="ctr"/>
-            <a:endParaRPr lang="it-IT"/>
+            <a:endParaRPr lang="it-IT" sz="1600"/>
           </a:p>
         </p:txBody>
       </p:sp>
@@ -15855,7 +15932,7 @@
           <a:p>
             <a:pPr algn="ctr"/>
             <a:r>
-              <a:rPr lang="en-US" sz="3600" dirty="0" smtClean="0">
+              <a:rPr lang="en-US" sz="3200" dirty="0" smtClean="0">
                 <a:solidFill>
                   <a:srgbClr val="C00000"/>
                 </a:solidFill>
@@ -15863,7 +15940,7 @@
               <a:t>Full </a:t>
             </a:r>
             <a:r>
-              <a:rPr lang="en-US" sz="3600" dirty="0" err="1" smtClean="0">
+              <a:rPr lang="en-US" sz="3200" dirty="0" err="1" smtClean="0">
                 <a:solidFill>
                   <a:srgbClr val="C00000"/>
                 </a:solidFill>
@@ -15871,14 +15948,14 @@
               <a:t>JDProcessor</a:t>
             </a:r>
             <a:r>
-              <a:rPr lang="en-US" sz="3600" dirty="0" smtClean="0">
+              <a:rPr lang="en-US" sz="3200" dirty="0" smtClean="0">
                 <a:solidFill>
                   <a:srgbClr val="C00000"/>
                 </a:solidFill>
               </a:rPr>
               <a:t> Stack + possible extensions(*)</a:t>
             </a:r>
-            <a:endParaRPr lang="it-IT" sz="3600" b="0" dirty="0">
+            <a:endParaRPr lang="it-IT" sz="3200" b="0" dirty="0">
               <a:solidFill>
                 <a:srgbClr val="C00000"/>
               </a:solidFill>
@@ -15919,7 +15996,7 @@
               <a:defRPr/>
             </a:pPr>
             <a:fld id="{48B4153A-D4C5-4CEF-8992-0D8815C829E3}" type="slidenum">
-              <a:rPr lang="en-US" sz="1200" b="1" smtClean="0">
+              <a:rPr lang="en-US" sz="1100" b="1" smtClean="0">
                 <a:solidFill>
                   <a:srgbClr val="C00000"/>
                 </a:solidFill>
@@ -15931,7 +16008,7 @@
               </a:pPr>
               <a:t>19</a:t>
             </a:fld>
-            <a:endParaRPr lang="en-US" sz="1200" b="1" dirty="0">
+            <a:endParaRPr lang="en-US" sz="1100" b="1" dirty="0">
               <a:solidFill>
                 <a:srgbClr val="C00000"/>
               </a:solidFill>
@@ -15986,7 +16063,7 @@
           <a:lstStyle/>
           <a:p>
             <a:pPr algn="ctr"/>
-            <a:endParaRPr lang="it-IT"/>
+            <a:endParaRPr lang="it-IT" sz="1600"/>
           </a:p>
         </p:txBody>
       </p:sp>
@@ -16035,7 +16112,7 @@
           <a:lstStyle/>
           <a:p>
             <a:pPr algn="ctr"/>
-            <a:endParaRPr lang="it-IT"/>
+            <a:endParaRPr lang="it-IT" sz="1600"/>
           </a:p>
         </p:txBody>
       </p:sp>
@@ -16048,7 +16125,7 @@
         <p:spPr>
           <a:xfrm>
             <a:off x="2182330" y="5868252"/>
-            <a:ext cx="1780953" cy="400110"/>
+            <a:ext cx="1780953" cy="369332"/>
           </a:xfrm>
           <a:prstGeom prst="rect">
             <a:avLst/>
@@ -16063,7 +16140,7 @@
           <a:p>
             <a:pPr algn="ctr"/>
             <a:r>
-              <a:rPr lang="it-IT" sz="2000" b="1" dirty="0" smtClean="0">
+              <a:rPr lang="it-IT" b="1" dirty="0" smtClean="0">
                 <a:solidFill>
                   <a:srgbClr val="C00000"/>
                 </a:solidFill>
@@ -16108,7 +16185,7 @@
           <a:lstStyle/>
           <a:p>
             <a:pPr algn="ctr"/>
-            <a:endParaRPr lang="it-IT"/>
+            <a:endParaRPr lang="it-IT" sz="1600"/>
           </a:p>
         </p:txBody>
       </p:sp>
@@ -16121,7 +16198,7 @@
         <p:spPr>
           <a:xfrm>
             <a:off x="5154958" y="5980492"/>
-            <a:ext cx="1780953" cy="400110"/>
+            <a:ext cx="1780953" cy="369332"/>
           </a:xfrm>
           <a:prstGeom prst="rect">
             <a:avLst/>
@@ -16136,7 +16213,7 @@
           <a:p>
             <a:pPr algn="ctr"/>
             <a:r>
-              <a:rPr lang="it-IT" sz="2000" b="1" dirty="0" smtClean="0">
+              <a:rPr lang="it-IT" b="1" dirty="0" smtClean="0">
                 <a:solidFill>
                   <a:srgbClr val="C00000"/>
                 </a:solidFill>
@@ -16154,8 +16231,8 @@
         </p:nvSpPr>
         <p:spPr>
           <a:xfrm>
-            <a:off x="1521782" y="4866542"/>
-            <a:ext cx="7260707" cy="903767"/>
+            <a:off x="1052579" y="4866542"/>
+            <a:ext cx="6763028" cy="903767"/>
           </a:xfrm>
           <a:prstGeom prst="rect">
             <a:avLst/>
@@ -16188,7 +16265,7 @@
           <a:lstStyle/>
           <a:p>
             <a:pPr algn="ctr"/>
-            <a:endParaRPr lang="it-IT"/>
+            <a:endParaRPr lang="it-IT" sz="1600"/>
           </a:p>
         </p:txBody>
       </p:sp>
@@ -16200,8 +16277,8 @@
         </p:nvSpPr>
         <p:spPr>
           <a:xfrm>
-            <a:off x="4940981" y="5138446"/>
-            <a:ext cx="2400300" cy="400110"/>
+            <a:off x="4845284" y="5120499"/>
+            <a:ext cx="2400300" cy="369332"/>
           </a:xfrm>
           <a:prstGeom prst="rect">
             <a:avLst/>
@@ -16216,20 +16293,28 @@
           <a:p>
             <a:pPr algn="ctr"/>
             <a:r>
-              <a:rPr lang="it-IT" sz="2000" b="1" dirty="0" err="1" smtClean="0">
+              <a:rPr lang="it-IT" b="1" dirty="0" err="1" smtClean="0">
                 <a:solidFill>
                   <a:srgbClr val="C00000"/>
                 </a:solidFill>
               </a:rPr>
-              <a:t>RJDemetra</a:t>
-            </a:r>
-            <a:r>
-              <a:rPr lang="it-IT" sz="2000" b="1" dirty="0" smtClean="0">
+              <a:t>R+RJDemetra</a:t>
+            </a:r>
+            <a:r>
+              <a:rPr lang="it-IT" b="1" dirty="0" smtClean="0">
                 <a:solidFill>
                   <a:srgbClr val="C00000"/>
                 </a:solidFill>
               </a:rPr>
-              <a:t>/rjd3*</a:t>
+              <a:t>/rjd3</a:t>
+            </a:r>
+            <a:r>
+              <a:rPr lang="it-IT" b="1" dirty="0" smtClean="0">
+                <a:solidFill>
+                  <a:srgbClr val="C00000"/>
+                </a:solidFill>
+              </a:rPr>
+              <a:t>*</a:t>
             </a:r>
           </a:p>
         </p:txBody>
@@ -16242,8 +16327,8 @@
         </p:nvSpPr>
         <p:spPr>
           <a:xfrm>
-            <a:off x="2509254" y="2527711"/>
-            <a:ext cx="1550362" cy="2338829"/>
+            <a:off x="1052579" y="2527711"/>
+            <a:ext cx="975531" cy="2338829"/>
           </a:xfrm>
           <a:prstGeom prst="rect">
             <a:avLst/>
@@ -16276,7 +16361,7 @@
           <a:lstStyle/>
           <a:p>
             <a:pPr algn="ctr"/>
-            <a:endParaRPr lang="it-IT"/>
+            <a:endParaRPr lang="it-IT" sz="1600"/>
           </a:p>
         </p:txBody>
       </p:sp>
@@ -16288,7 +16373,7 @@
         </p:nvSpPr>
         <p:spPr>
           <a:xfrm>
-            <a:off x="2923949" y="3965024"/>
+            <a:off x="1956376" y="3965024"/>
             <a:ext cx="1867997" cy="901517"/>
           </a:xfrm>
           <a:prstGeom prst="rect">
@@ -16322,7 +16407,7 @@
           <a:lstStyle/>
           <a:p>
             <a:pPr algn="ctr"/>
-            <a:endParaRPr lang="it-IT" dirty="0"/>
+            <a:endParaRPr lang="it-IT" sz="1600" dirty="0"/>
           </a:p>
         </p:txBody>
       </p:sp>
@@ -16334,8 +16419,8 @@
         </p:nvSpPr>
         <p:spPr>
           <a:xfrm>
-            <a:off x="2559101" y="4186693"/>
-            <a:ext cx="1864687" cy="400110"/>
+            <a:off x="1102426" y="4186693"/>
+            <a:ext cx="1864687" cy="369332"/>
           </a:xfrm>
           <a:prstGeom prst="rect">
             <a:avLst/>
@@ -16350,7 +16435,7 @@
           <a:p>
             <a:pPr algn="ctr"/>
             <a:r>
-              <a:rPr lang="it-IT" sz="2000" b="1" dirty="0" smtClean="0">
+              <a:rPr lang="it-IT" b="1" dirty="0" smtClean="0">
                 <a:solidFill>
                   <a:srgbClr val="C00000"/>
                 </a:solidFill>
@@ -16368,8 +16453,8 @@
         </p:nvSpPr>
         <p:spPr>
           <a:xfrm>
-            <a:off x="4759385" y="3975657"/>
-            <a:ext cx="2517269" cy="882501"/>
+            <a:off x="3302711" y="3965024"/>
+            <a:ext cx="2289352" cy="903768"/>
           </a:xfrm>
           <a:prstGeom prst="rect">
             <a:avLst/>
@@ -16402,7 +16487,7 @@
           <a:lstStyle/>
           <a:p>
             <a:pPr algn="ctr"/>
-            <a:endParaRPr lang="it-IT" dirty="0"/>
+            <a:endParaRPr lang="it-IT" sz="1600" dirty="0"/>
           </a:p>
         </p:txBody>
       </p:sp>
@@ -16414,8 +16499,8 @@
         </p:nvSpPr>
         <p:spPr>
           <a:xfrm>
-            <a:off x="4837119" y="4076664"/>
-            <a:ext cx="2464755" cy="707886"/>
+            <a:off x="3380445" y="4076664"/>
+            <a:ext cx="2202658" cy="646331"/>
           </a:xfrm>
           <a:prstGeom prst="rect">
             <a:avLst/>
@@ -16430,7 +16515,7 @@
           <a:p>
             <a:pPr algn="ctr"/>
             <a:r>
-              <a:rPr lang="it-IT" sz="2000" b="1" dirty="0" smtClean="0">
+              <a:rPr lang="it-IT" b="1" dirty="0" smtClean="0">
                 <a:solidFill>
                   <a:srgbClr val="C00000"/>
                 </a:solidFill>
@@ -16441,7 +16526,7 @@
           <a:p>
             <a:pPr algn="ctr"/>
             <a:r>
-              <a:rPr lang="it-IT" sz="2000" b="1" dirty="0" err="1">
+              <a:rPr lang="it-IT" b="1" dirty="0" err="1">
                 <a:solidFill>
                   <a:srgbClr val="C00000"/>
                 </a:solidFill>
@@ -16449,14 +16534,14 @@
               <a:t>t</a:t>
             </a:r>
             <a:r>
-              <a:rPr lang="it-IT" sz="2000" b="1" dirty="0" err="1" smtClean="0">
+              <a:rPr lang="it-IT" b="1" dirty="0" err="1" smtClean="0">
                 <a:solidFill>
                   <a:srgbClr val="C00000"/>
                 </a:solidFill>
               </a:rPr>
               <a:t>ramoseats_spec</a:t>
             </a:r>
-            <a:endParaRPr lang="it-IT" sz="2000" b="1" dirty="0" smtClean="0">
+            <a:endParaRPr lang="it-IT" b="1" dirty="0" smtClean="0">
               <a:solidFill>
                 <a:srgbClr val="C00000"/>
               </a:solidFill>
@@ -16472,8 +16557,8 @@
         </p:nvSpPr>
         <p:spPr>
           <a:xfrm>
-            <a:off x="7289956" y="3999986"/>
-            <a:ext cx="1958364" cy="871870"/>
+            <a:off x="5588730" y="3999986"/>
+            <a:ext cx="1905202" cy="871870"/>
           </a:xfrm>
           <a:prstGeom prst="rect">
             <a:avLst/>
@@ -16504,7 +16589,7 @@
           <a:lstStyle/>
           <a:p>
             <a:pPr algn="ctr"/>
-            <a:endParaRPr lang="it-IT"/>
+            <a:endParaRPr lang="it-IT" sz="1600"/>
           </a:p>
         </p:txBody>
       </p:sp>
@@ -16516,8 +16601,8 @@
         </p:nvSpPr>
         <p:spPr>
           <a:xfrm>
-            <a:off x="7554427" y="4084638"/>
-            <a:ext cx="1592226" cy="707886"/>
+            <a:off x="5863831" y="4084638"/>
+            <a:ext cx="1592226" cy="646331"/>
           </a:xfrm>
           <a:prstGeom prst="rect">
             <a:avLst/>
@@ -16532,7 +16617,7 @@
           <a:p>
             <a:pPr algn="ctr"/>
             <a:r>
-              <a:rPr lang="it-IT" sz="2000" b="1" dirty="0" smtClean="0">
+              <a:rPr lang="it-IT" b="1" dirty="0" smtClean="0">
                 <a:solidFill>
                   <a:srgbClr val="0070C0"/>
                 </a:solidFill>
@@ -16543,13 +16628,18 @@
           <a:p>
             <a:pPr algn="ctr"/>
             <a:r>
-              <a:rPr lang="it-IT" sz="2000" b="1" dirty="0" smtClean="0">
+              <a:rPr lang="it-IT" b="1" dirty="0" smtClean="0">
                 <a:solidFill>
                   <a:srgbClr val="0070C0"/>
                 </a:solidFill>
               </a:rPr>
               <a:t>X13_spec*</a:t>
             </a:r>
+            <a:endParaRPr lang="it-IT" b="1" dirty="0" smtClean="0">
+              <a:solidFill>
+                <a:srgbClr val="0070C0"/>
+              </a:solidFill>
+            </a:endParaRPr>
           </a:p>
         </p:txBody>
       </p:sp>
@@ -16598,32 +16688,30 @@
           <a:lstStyle/>
           <a:p>
             <a:pPr algn="ctr"/>
-            <a:endParaRPr lang="it-IT"/>
-          </a:p>
-        </p:txBody>
-      </p:sp>
-      <p:sp>
-        <p:nvSpPr>
-          <p:cNvPr id="40" name="Rettangolo 39"/>
+            <a:endParaRPr lang="it-IT" sz="1600"/>
+          </a:p>
+        </p:txBody>
+      </p:sp>
+      <p:sp>
+        <p:nvSpPr>
+          <p:cNvPr id="48" name="Rettangolo 47"/>
           <p:cNvSpPr/>
           <p:nvPr/>
         </p:nvSpPr>
         <p:spPr>
           <a:xfrm>
-            <a:off x="4541758" y="4877174"/>
-            <a:ext cx="446246" cy="901519"/>
+            <a:off x="9261623" y="2218627"/>
+            <a:ext cx="1332788" cy="4423551"/>
           </a:xfrm>
           <a:prstGeom prst="rect">
             <a:avLst/>
           </a:prstGeom>
-          <a:pattFill prst="ltVert">
-            <a:fgClr>
-              <a:srgbClr val="FFA7A7"/>
-            </a:fgClr>
-            <a:bgClr>
-              <a:srgbClr val="F0F0F0"/>
-            </a:bgClr>
-          </a:pattFill>
+          <a:solidFill>
+            <a:schemeClr val="accent2">
+              <a:lumMod val="20000"/>
+              <a:lumOff val="80000"/>
+            </a:schemeClr>
+          </a:solidFill>
           <a:ln>
             <a:noFill/>
           </a:ln>
@@ -16649,29 +16737,26 @@
           <a:lstStyle/>
           <a:p>
             <a:pPr algn="ctr"/>
-            <a:endParaRPr lang="it-IT"/>
-          </a:p>
-        </p:txBody>
-      </p:sp>
-      <p:sp>
-        <p:nvSpPr>
-          <p:cNvPr id="48" name="Rettangolo 47"/>
+            <a:endParaRPr lang="it-IT" sz="1600"/>
+          </a:p>
+        </p:txBody>
+      </p:sp>
+      <p:sp>
+        <p:nvSpPr>
+          <p:cNvPr id="41" name="Rettangolo 40"/>
           <p:cNvSpPr/>
           <p:nvPr/>
         </p:nvSpPr>
         <p:spPr>
           <a:xfrm>
-            <a:off x="9261622" y="2218627"/>
-            <a:ext cx="1174873" cy="4423551"/>
+            <a:off x="1637414" y="3218299"/>
+            <a:ext cx="6748197" cy="761495"/>
           </a:xfrm>
           <a:prstGeom prst="rect">
             <a:avLst/>
           </a:prstGeom>
           <a:solidFill>
-            <a:schemeClr val="accent2">
-              <a:lumMod val="20000"/>
-              <a:lumOff val="80000"/>
-            </a:schemeClr>
+            <a:srgbClr val="D1E8FF"/>
           </a:solidFill>
           <a:ln>
             <a:noFill/>
@@ -16698,29 +16783,157 @@
           <a:lstStyle/>
           <a:p>
             <a:pPr algn="ctr"/>
-            <a:endParaRPr lang="it-IT"/>
-          </a:p>
-        </p:txBody>
-      </p:sp>
-      <p:sp>
-        <p:nvSpPr>
-          <p:cNvPr id="41" name="Rettangolo 40"/>
+            <a:endParaRPr lang="it-IT" sz="1600" dirty="0"/>
+          </a:p>
+        </p:txBody>
+      </p:sp>
+      <p:sp>
+        <p:nvSpPr>
+          <p:cNvPr id="42" name="CasellaDiTesto 41"/>
+          <p:cNvSpPr txBox="1"/>
+          <p:nvPr/>
+        </p:nvSpPr>
+        <p:spPr>
+          <a:xfrm>
+            <a:off x="2749167" y="3402564"/>
+            <a:ext cx="2400300" cy="369332"/>
+          </a:xfrm>
+          <a:prstGeom prst="rect">
+            <a:avLst/>
+          </a:prstGeom>
+          <a:noFill/>
+        </p:spPr>
+        <p:txBody>
+          <a:bodyPr wrap="square" rtlCol="0">
+            <a:spAutoFit/>
+          </a:bodyPr>
+          <a:lstStyle/>
+          <a:p>
+            <a:pPr algn="ctr"/>
+            <a:r>
+              <a:rPr lang="it-IT" b="1" dirty="0" smtClean="0">
+                <a:solidFill>
+                  <a:srgbClr val="C00000"/>
+                </a:solidFill>
+              </a:rPr>
+              <a:t>JD_JSON</a:t>
+            </a:r>
+          </a:p>
+        </p:txBody>
+      </p:sp>
+      <p:sp>
+        <p:nvSpPr>
+          <p:cNvPr id="49" name="Rettangolo 48"/>
           <p:cNvSpPr/>
           <p:nvPr/>
         </p:nvSpPr>
         <p:spPr>
           <a:xfrm>
-            <a:off x="3692834" y="3218299"/>
-            <a:ext cx="5993424" cy="761495"/>
+            <a:off x="712379" y="2078227"/>
+            <a:ext cx="9877649" cy="449484"/>
           </a:xfrm>
           <a:prstGeom prst="rect">
             <a:avLst/>
           </a:prstGeom>
           <a:solidFill>
-            <a:srgbClr val="D1E8FF"/>
+            <a:srgbClr val="C00000"/>
           </a:solidFill>
           <a:ln>
             <a:noFill/>
+          </a:ln>
+        </p:spPr>
+        <p:style>
+          <a:lnRef idx="2">
+            <a:schemeClr val="dk1"/>
+          </a:lnRef>
+          <a:fillRef idx="1">
+            <a:schemeClr val="lt1"/>
+          </a:fillRef>
+          <a:effectRef idx="0">
+            <a:schemeClr val="dk1"/>
+          </a:effectRef>
+          <a:fontRef idx="minor">
+            <a:schemeClr val="dk1"/>
+          </a:fontRef>
+        </p:style>
+        <p:txBody>
+          <a:bodyPr rtlCol="0" anchor="ctr"/>
+          <a:lstStyle/>
+          <a:p>
+            <a:pPr algn="ctr"/>
+            <a:endParaRPr lang="it-IT" sz="1600" dirty="0"/>
+          </a:p>
+        </p:txBody>
+      </p:sp>
+      <p:sp>
+        <p:nvSpPr>
+          <p:cNvPr id="50" name="CasellaDiTesto 49"/>
+          <p:cNvSpPr txBox="1"/>
+          <p:nvPr/>
+        </p:nvSpPr>
+        <p:spPr>
+          <a:xfrm>
+            <a:off x="3537966" y="2077868"/>
+            <a:ext cx="4164305" cy="369332"/>
+          </a:xfrm>
+          <a:prstGeom prst="rect">
+            <a:avLst/>
+          </a:prstGeom>
+          <a:noFill/>
+        </p:spPr>
+        <p:txBody>
+          <a:bodyPr wrap="square" rtlCol="0">
+            <a:spAutoFit/>
+          </a:bodyPr>
+          <a:lstStyle/>
+          <a:p>
+            <a:pPr algn="ctr"/>
+            <a:r>
+              <a:rPr lang="it-IT" b="1" dirty="0" smtClean="0">
+                <a:solidFill>
+                  <a:schemeClr val="bg1"/>
+                </a:solidFill>
+              </a:rPr>
+              <a:t>Orchestrator (</a:t>
+            </a:r>
+            <a:r>
+              <a:rPr lang="it-IT" b="1" dirty="0" err="1" smtClean="0">
+                <a:solidFill>
+                  <a:schemeClr val="bg1"/>
+                </a:solidFill>
+              </a:rPr>
+              <a:t>User's</a:t>
+            </a:r>
+            <a:r>
+              <a:rPr lang="it-IT" b="1" dirty="0" smtClean="0">
+                <a:solidFill>
+                  <a:schemeClr val="bg1"/>
+                </a:solidFill>
+              </a:rPr>
+              <a:t> R script)</a:t>
+            </a:r>
+          </a:p>
+        </p:txBody>
+      </p:sp>
+      <p:sp>
+        <p:nvSpPr>
+          <p:cNvPr id="51" name="Rettangolo 50"/>
+          <p:cNvSpPr/>
+          <p:nvPr/>
+        </p:nvSpPr>
+        <p:spPr>
+          <a:xfrm>
+            <a:off x="712381" y="2078226"/>
+            <a:ext cx="9877647" cy="4563952"/>
+          </a:xfrm>
+          <a:prstGeom prst="rect">
+            <a:avLst/>
+          </a:prstGeom>
+          <a:noFill/>
+          <a:ln>
+            <a:solidFill>
+              <a:schemeClr val="tx1"/>
+            </a:solidFill>
           </a:ln>
         </p:spPr>
         <p:style>
@@ -16744,60 +16957,26 @@
           <a:lstStyle/>
           <a:p>
             <a:pPr algn="ctr"/>
-            <a:endParaRPr lang="it-IT" dirty="0"/>
-          </a:p>
-        </p:txBody>
-      </p:sp>
-      <p:sp>
-        <p:nvSpPr>
-          <p:cNvPr id="42" name="CasellaDiTesto 41"/>
-          <p:cNvSpPr txBox="1"/>
+            <a:endParaRPr lang="it-IT" sz="1600"/>
+          </a:p>
+        </p:txBody>
+      </p:sp>
+      <p:sp>
+        <p:nvSpPr>
+          <p:cNvPr id="55" name="Rettangolo 54"/>
+          <p:cNvSpPr/>
           <p:nvPr/>
         </p:nvSpPr>
         <p:spPr>
           <a:xfrm>
-            <a:off x="5481744" y="3402564"/>
-            <a:ext cx="2400300" cy="400110"/>
+            <a:off x="2020155" y="2534507"/>
+            <a:ext cx="818731" cy="573418"/>
           </a:xfrm>
           <a:prstGeom prst="rect">
             <a:avLst/>
           </a:prstGeom>
-          <a:noFill/>
-        </p:spPr>
-        <p:txBody>
-          <a:bodyPr wrap="square" rtlCol="0">
-            <a:spAutoFit/>
-          </a:bodyPr>
-          <a:lstStyle/>
-          <a:p>
-            <a:pPr algn="ctr"/>
-            <a:r>
-              <a:rPr lang="it-IT" sz="2000" b="1" dirty="0" smtClean="0">
-                <a:solidFill>
-                  <a:srgbClr val="C00000"/>
-                </a:solidFill>
-              </a:rPr>
-              <a:t>JD_JSON</a:t>
-            </a:r>
-          </a:p>
-        </p:txBody>
-      </p:sp>
-      <p:sp>
-        <p:nvSpPr>
-          <p:cNvPr id="43" name="Rettangolo 42"/>
-          <p:cNvSpPr/>
-          <p:nvPr/>
-        </p:nvSpPr>
-        <p:spPr>
-          <a:xfrm>
-            <a:off x="4653070" y="2535969"/>
-            <a:ext cx="5423098" cy="695186"/>
-          </a:xfrm>
-          <a:prstGeom prst="rect">
-            <a:avLst/>
-          </a:prstGeom>
           <a:solidFill>
-            <a:srgbClr val="FFFFCC"/>
+            <a:srgbClr val="CADADC"/>
           </a:solidFill>
           <a:ln>
             <a:noFill/>
@@ -16824,64 +17003,20 @@
           <a:lstStyle/>
           <a:p>
             <a:pPr algn="ctr"/>
-            <a:endParaRPr lang="it-IT" dirty="0"/>
-          </a:p>
-        </p:txBody>
-      </p:sp>
-      <p:sp>
-        <p:nvSpPr>
-          <p:cNvPr id="49" name="Rettangolo 48"/>
-          <p:cNvSpPr/>
-          <p:nvPr/>
-        </p:nvSpPr>
-        <p:spPr>
-          <a:xfrm>
-            <a:off x="1157607" y="2078227"/>
-            <a:ext cx="9304827" cy="449484"/>
-          </a:xfrm>
-          <a:prstGeom prst="rect">
-            <a:avLst/>
-          </a:prstGeom>
-          <a:solidFill>
-            <a:srgbClr val="C00000"/>
-          </a:solidFill>
-          <a:ln>
-            <a:noFill/>
-          </a:ln>
-        </p:spPr>
-        <p:style>
-          <a:lnRef idx="2">
-            <a:schemeClr val="dk1"/>
-          </a:lnRef>
-          <a:fillRef idx="1">
-            <a:schemeClr val="lt1"/>
-          </a:fillRef>
-          <a:effectRef idx="0">
-            <a:schemeClr val="dk1"/>
-          </a:effectRef>
-          <a:fontRef idx="minor">
-            <a:schemeClr val="dk1"/>
-          </a:fontRef>
-        </p:style>
-        <p:txBody>
-          <a:bodyPr rtlCol="0" anchor="ctr"/>
-          <a:lstStyle/>
-          <a:p>
-            <a:pPr algn="ctr"/>
-            <a:endParaRPr lang="it-IT" dirty="0"/>
-          </a:p>
-        </p:txBody>
-      </p:sp>
-      <p:sp>
-        <p:nvSpPr>
-          <p:cNvPr id="50" name="CasellaDiTesto 49"/>
+            <a:endParaRPr lang="it-IT" sz="1600"/>
+          </a:p>
+        </p:txBody>
+      </p:sp>
+      <p:sp>
+        <p:nvSpPr>
+          <p:cNvPr id="56" name="CasellaDiTesto 55"/>
           <p:cNvSpPr txBox="1"/>
           <p:nvPr/>
         </p:nvSpPr>
         <p:spPr>
           <a:xfrm>
-            <a:off x="3537966" y="2077868"/>
-            <a:ext cx="4164305" cy="400110"/>
+            <a:off x="0" y="1339962"/>
+            <a:ext cx="12073074" cy="369332"/>
           </a:xfrm>
           <a:prstGeom prst="rect">
             <a:avLst/>
@@ -16896,90 +17031,84 @@
           <a:p>
             <a:pPr algn="ctr"/>
             <a:r>
-              <a:rPr lang="it-IT" sz="2000" b="1" dirty="0" smtClean="0">
-                <a:solidFill>
-                  <a:schemeClr val="bg1"/>
-                </a:solidFill>
-              </a:rPr>
-              <a:t>Orchestrator (</a:t>
-            </a:r>
-            <a:r>
-              <a:rPr lang="it-IT" sz="2000" b="1" dirty="0" err="1" smtClean="0">
-                <a:solidFill>
-                  <a:schemeClr val="bg1"/>
-                </a:solidFill>
-              </a:rPr>
-              <a:t>User's</a:t>
-            </a:r>
-            <a:r>
-              <a:rPr lang="it-IT" sz="2000" b="1" dirty="0" smtClean="0">
-                <a:solidFill>
-                  <a:schemeClr val="bg1"/>
-                </a:solidFill>
-              </a:rPr>
-              <a:t> R script)</a:t>
-            </a:r>
-          </a:p>
-        </p:txBody>
-      </p:sp>
-      <p:sp>
-        <p:nvSpPr>
-          <p:cNvPr id="46" name="CasellaDiTesto 45"/>
-          <p:cNvSpPr txBox="1"/>
+              <a:rPr lang="it-IT" b="1" dirty="0" err="1" smtClean="0"/>
+              <a:t>Notation</a:t>
+            </a:r>
+            <a:r>
+              <a:rPr lang="it-IT" b="1" dirty="0" smtClean="0"/>
+              <a:t>:</a:t>
+            </a:r>
+            <a:r>
+              <a:rPr lang="it-IT" dirty="0" smtClean="0"/>
+              <a:t> </a:t>
+            </a:r>
+            <a:r>
+              <a:rPr lang="it-IT" dirty="0" err="1" smtClean="0"/>
+              <a:t>when</a:t>
+            </a:r>
+            <a:r>
+              <a:rPr lang="it-IT" dirty="0" smtClean="0"/>
+              <a:t> a </a:t>
+            </a:r>
+            <a:r>
+              <a:rPr lang="it-IT" dirty="0" err="1" smtClean="0"/>
+              <a:t>block</a:t>
+            </a:r>
+            <a:r>
+              <a:rPr lang="it-IT" dirty="0" smtClean="0"/>
+              <a:t> </a:t>
+            </a:r>
+            <a:r>
+              <a:rPr lang="it-IT" dirty="0" err="1" smtClean="0"/>
+              <a:t>lies</a:t>
+            </a:r>
+            <a:r>
+              <a:rPr lang="it-IT" dirty="0" smtClean="0"/>
+              <a:t> </a:t>
+            </a:r>
+            <a:r>
+              <a:rPr lang="en-US" dirty="0"/>
+              <a:t>on top of another, it means that it </a:t>
+            </a:r>
+            <a:r>
+              <a:rPr lang="en-US" dirty="0" smtClean="0"/>
+              <a:t>uses (or could use) it.</a:t>
+            </a:r>
+            <a:r>
+              <a:rPr lang="en-US" dirty="0">
+                <a:sym typeface="Wingdings" panose="05000000000000000000" pitchFamily="2" charset="2"/>
+              </a:rPr>
+              <a:t> </a:t>
+            </a:r>
+            <a:r>
+              <a:rPr lang="en-US" dirty="0" smtClean="0">
+                <a:sym typeface="Wingdings" panose="05000000000000000000" pitchFamily="2" charset="2"/>
+              </a:rPr>
+              <a:t> dependencies description</a:t>
+            </a:r>
+            <a:endParaRPr lang="it-IT" dirty="0" smtClean="0"/>
+          </a:p>
+        </p:txBody>
+      </p:sp>
+      <p:sp>
+        <p:nvSpPr>
+          <p:cNvPr id="57" name="Rettangolo 56"/>
+          <p:cNvSpPr/>
           <p:nvPr/>
         </p:nvSpPr>
         <p:spPr>
           <a:xfrm>
-            <a:off x="6076174" y="2677079"/>
-            <a:ext cx="3161202" cy="400110"/>
+            <a:off x="1637413" y="2527711"/>
+            <a:ext cx="1304100" cy="892600"/>
           </a:xfrm>
           <a:prstGeom prst="rect">
             <a:avLst/>
           </a:prstGeom>
-          <a:noFill/>
-        </p:spPr>
-        <p:txBody>
-          <a:bodyPr wrap="square" rtlCol="0">
-            <a:spAutoFit/>
-          </a:bodyPr>
-          <a:lstStyle/>
-          <a:p>
-            <a:pPr algn="ctr"/>
-            <a:r>
-              <a:rPr lang="it-IT" sz="2000" b="1" dirty="0" err="1" smtClean="0">
-                <a:solidFill>
-                  <a:srgbClr val="C00000"/>
-                </a:solidFill>
-              </a:rPr>
-              <a:t>JD_JSON_file_processor</a:t>
-            </a:r>
-            <a:endParaRPr lang="it-IT" sz="2000" b="1" dirty="0" smtClean="0">
-              <a:solidFill>
-                <a:srgbClr val="C00000"/>
-              </a:solidFill>
-            </a:endParaRPr>
-          </a:p>
-        </p:txBody>
-      </p:sp>
-      <p:sp>
-        <p:nvSpPr>
-          <p:cNvPr id="51" name="Rettangolo 50"/>
-          <p:cNvSpPr/>
-          <p:nvPr/>
-        </p:nvSpPr>
-        <p:spPr>
-          <a:xfrm>
-            <a:off x="1157609" y="2078226"/>
-            <a:ext cx="9304826" cy="4563952"/>
-          </a:xfrm>
-          <a:prstGeom prst="rect">
-            <a:avLst/>
-          </a:prstGeom>
-          <a:noFill/>
+          <a:solidFill>
+            <a:srgbClr val="D1E8FF"/>
+          </a:solidFill>
           <a:ln>
-            <a:solidFill>
-              <a:schemeClr val="tx1"/>
-            </a:solidFill>
+            <a:noFill/>
           </a:ln>
         </p:spPr>
         <p:style>
@@ -17003,26 +17132,60 @@
           <a:lstStyle/>
           <a:p>
             <a:pPr algn="ctr"/>
-            <a:endParaRPr lang="it-IT"/>
-          </a:p>
-        </p:txBody>
-      </p:sp>
-      <p:sp>
-        <p:nvSpPr>
-          <p:cNvPr id="55" name="Rettangolo 54"/>
+            <a:endParaRPr lang="it-IT" sz="1600" dirty="0"/>
+          </a:p>
+        </p:txBody>
+      </p:sp>
+      <p:sp>
+        <p:nvSpPr>
+          <p:cNvPr id="58" name="CasellaDiTesto 57"/>
+          <p:cNvSpPr txBox="1"/>
+          <p:nvPr/>
+        </p:nvSpPr>
+        <p:spPr>
+          <a:xfrm>
+            <a:off x="8565856" y="5817234"/>
+            <a:ext cx="1780953" cy="369332"/>
+          </a:xfrm>
+          <a:prstGeom prst="rect">
+            <a:avLst/>
+          </a:prstGeom>
+          <a:noFill/>
+        </p:spPr>
+        <p:txBody>
+          <a:bodyPr wrap="square" rtlCol="0">
+            <a:spAutoFit/>
+          </a:bodyPr>
+          <a:lstStyle/>
+          <a:p>
+            <a:pPr algn="ctr"/>
+            <a:r>
+              <a:rPr lang="it-IT" b="1" dirty="0" smtClean="0">
+                <a:solidFill>
+                  <a:srgbClr val="C00000"/>
+                </a:solidFill>
+              </a:rPr>
+              <a:t>R</a:t>
+            </a:r>
+          </a:p>
+        </p:txBody>
+      </p:sp>
+      <p:sp>
+        <p:nvSpPr>
+          <p:cNvPr id="59" name="Rettangolo 58"/>
           <p:cNvSpPr/>
           <p:nvPr/>
         </p:nvSpPr>
         <p:spPr>
           <a:xfrm>
-            <a:off x="2509255" y="2534507"/>
-            <a:ext cx="818731" cy="573418"/>
+            <a:off x="7502751" y="3235555"/>
+            <a:ext cx="2749713" cy="2543138"/>
           </a:xfrm>
           <a:prstGeom prst="rect">
             <a:avLst/>
           </a:prstGeom>
           <a:solidFill>
-            <a:srgbClr val="CADADC"/>
+            <a:srgbClr val="FFD5D5"/>
           </a:solidFill>
           <a:ln>
             <a:noFill/>
@@ -17049,109 +17212,26 @@
           <a:lstStyle/>
           <a:p>
             <a:pPr algn="ctr"/>
-            <a:endParaRPr lang="it-IT"/>
-          </a:p>
-        </p:txBody>
-      </p:sp>
-      <p:sp>
-        <p:nvSpPr>
-          <p:cNvPr id="56" name="CasellaDiTesto 55"/>
-          <p:cNvSpPr txBox="1"/>
+            <a:endParaRPr lang="it-IT" sz="1600"/>
+          </a:p>
+        </p:txBody>
+      </p:sp>
+      <p:sp>
+        <p:nvSpPr>
+          <p:cNvPr id="43" name="Rettangolo 42"/>
+          <p:cNvSpPr/>
           <p:nvPr/>
         </p:nvSpPr>
         <p:spPr>
           <a:xfrm>
-            <a:off x="0" y="1339962"/>
-            <a:ext cx="12073074" cy="411560"/>
+            <a:off x="2143106" y="2525336"/>
+            <a:ext cx="3695011" cy="695186"/>
           </a:xfrm>
           <a:prstGeom prst="rect">
             <a:avLst/>
           </a:prstGeom>
-          <a:noFill/>
-        </p:spPr>
-        <p:txBody>
-          <a:bodyPr wrap="square" rtlCol="0">
-            <a:spAutoFit/>
-          </a:bodyPr>
-          <a:lstStyle/>
-          <a:p>
-            <a:pPr algn="ctr"/>
-            <a:r>
-              <a:rPr lang="it-IT" sz="2000" b="1" dirty="0" err="1" smtClean="0"/>
-              <a:t>Notation</a:t>
-            </a:r>
-            <a:r>
-              <a:rPr lang="it-IT" sz="2000" b="1" dirty="0" smtClean="0"/>
-              <a:t>:</a:t>
-            </a:r>
-            <a:r>
-              <a:rPr lang="it-IT" sz="2000" dirty="0" smtClean="0"/>
-              <a:t> </a:t>
-            </a:r>
-            <a:r>
-              <a:rPr lang="it-IT" sz="2000" dirty="0" err="1" smtClean="0"/>
-              <a:t>when</a:t>
-            </a:r>
-            <a:r>
-              <a:rPr lang="it-IT" sz="2000" dirty="0" smtClean="0"/>
-              <a:t> a </a:t>
-            </a:r>
-            <a:r>
-              <a:rPr lang="it-IT" sz="2000" dirty="0" err="1" smtClean="0"/>
-              <a:t>block</a:t>
-            </a:r>
-            <a:r>
-              <a:rPr lang="it-IT" sz="2000" dirty="0" smtClean="0"/>
-              <a:t> </a:t>
-            </a:r>
-            <a:r>
-              <a:rPr lang="it-IT" sz="2000" dirty="0" err="1" smtClean="0"/>
-              <a:t>lies</a:t>
-            </a:r>
-            <a:r>
-              <a:rPr lang="it-IT" sz="2000" dirty="0" smtClean="0"/>
-              <a:t> </a:t>
-            </a:r>
-            <a:r>
-              <a:rPr lang="en-US" sz="2000" dirty="0"/>
-              <a:t>on top of another, it means that it </a:t>
-            </a:r>
-            <a:r>
-              <a:rPr lang="en-US" sz="2000" dirty="0" smtClean="0"/>
-              <a:t>uses (or could use) it.</a:t>
-            </a:r>
-            <a:r>
-              <a:rPr lang="en-US" sz="2000" dirty="0">
-                <a:sym typeface="Wingdings" panose="05000000000000000000" pitchFamily="2" charset="2"/>
-              </a:rPr>
-              <a:t> </a:t>
-            </a:r>
-            <a:r>
-              <a:rPr lang="en-US" sz="2000" dirty="0" smtClean="0">
-                <a:sym typeface="Wingdings" panose="05000000000000000000" pitchFamily="2" charset="2"/>
-              </a:rPr>
-              <a:t> dependencies description</a:t>
-            </a:r>
-            <a:endParaRPr lang="it-IT" sz="2000" dirty="0" smtClean="0"/>
-          </a:p>
-        </p:txBody>
-      </p:sp>
-      <p:sp>
-        <p:nvSpPr>
-          <p:cNvPr id="57" name="Rettangolo 56"/>
-          <p:cNvSpPr/>
-          <p:nvPr/>
-        </p:nvSpPr>
-        <p:spPr>
-          <a:xfrm>
-            <a:off x="3692832" y="2527711"/>
-            <a:ext cx="995919" cy="892600"/>
-          </a:xfrm>
-          <a:prstGeom prst="rect">
-            <a:avLst/>
-          </a:prstGeom>
           <a:solidFill>
-            <a:srgbClr val="D1E8FF"/>
+            <a:srgbClr val="FFFFCC"/>
           </a:solidFill>
           <a:ln>
             <a:noFill/>
@@ -17178,20 +17258,20 @@
           <a:lstStyle/>
           <a:p>
             <a:pPr algn="ctr"/>
-            <a:endParaRPr lang="it-IT" dirty="0"/>
-          </a:p>
-        </p:txBody>
-      </p:sp>
-      <p:sp>
-        <p:nvSpPr>
-          <p:cNvPr id="58" name="CasellaDiTesto 57"/>
+            <a:endParaRPr lang="it-IT" sz="1600" dirty="0"/>
+          </a:p>
+        </p:txBody>
+      </p:sp>
+      <p:sp>
+        <p:nvSpPr>
+          <p:cNvPr id="46" name="CasellaDiTesto 45"/>
           <p:cNvSpPr txBox="1"/>
           <p:nvPr/>
         </p:nvSpPr>
         <p:spPr>
           <a:xfrm>
-            <a:off x="8565856" y="5817234"/>
-            <a:ext cx="1780953" cy="400110"/>
+            <a:off x="2414986" y="2645206"/>
+            <a:ext cx="3161202" cy="369332"/>
           </a:xfrm>
           <a:prstGeom prst="rect">
             <a:avLst/>
@@ -17206,32 +17286,37 @@
           <a:p>
             <a:pPr algn="ctr"/>
             <a:r>
-              <a:rPr lang="it-IT" sz="2000" b="1" dirty="0" smtClean="0">
+              <a:rPr lang="it-IT" b="1" dirty="0" err="1" smtClean="0">
                 <a:solidFill>
                   <a:srgbClr val="C00000"/>
                 </a:solidFill>
               </a:rPr>
-              <a:t>R</a:t>
-            </a:r>
-          </a:p>
-        </p:txBody>
-      </p:sp>
-      <p:sp>
-        <p:nvSpPr>
-          <p:cNvPr id="59" name="Rettangolo 58"/>
+              <a:t>JD_JSON_file_processor</a:t>
+            </a:r>
+            <a:endParaRPr lang="it-IT" b="1" dirty="0" smtClean="0">
+              <a:solidFill>
+                <a:srgbClr val="C00000"/>
+              </a:solidFill>
+            </a:endParaRPr>
+          </a:p>
+        </p:txBody>
+      </p:sp>
+      <p:sp>
+        <p:nvSpPr>
+          <p:cNvPr id="38" name="Rettangolo 37"/>
           <p:cNvSpPr/>
           <p:nvPr/>
         </p:nvSpPr>
         <p:spPr>
           <a:xfrm>
-            <a:off x="1521783" y="2534507"/>
-            <a:ext cx="987471" cy="2344917"/>
+            <a:off x="5809914" y="2540161"/>
+            <a:ext cx="2575697" cy="695186"/>
           </a:xfrm>
           <a:prstGeom prst="rect">
             <a:avLst/>
           </a:prstGeom>
           <a:solidFill>
-            <a:srgbClr val="FFD5D5"/>
+            <a:srgbClr val="FFE48F"/>
           </a:solidFill>
           <a:ln>
             <a:noFill/>
@@ -17258,7 +17343,104 @@
           <a:lstStyle/>
           <a:p>
             <a:pPr algn="ctr"/>
-            <a:endParaRPr lang="it-IT"/>
+            <a:endParaRPr lang="it-IT" sz="1600" dirty="0"/>
+          </a:p>
+        </p:txBody>
+      </p:sp>
+      <p:sp>
+        <p:nvSpPr>
+          <p:cNvPr id="39" name="CasellaDiTesto 38"/>
+          <p:cNvSpPr txBox="1"/>
+          <p:nvPr/>
+        </p:nvSpPr>
+        <p:spPr>
+          <a:xfrm>
+            <a:off x="5720316" y="2661621"/>
+            <a:ext cx="2717192" cy="369332"/>
+          </a:xfrm>
+          <a:prstGeom prst="rect">
+            <a:avLst/>
+          </a:prstGeom>
+          <a:noFill/>
+        </p:spPr>
+        <p:txBody>
+          <a:bodyPr wrap="square" rtlCol="0">
+            <a:spAutoFit/>
+          </a:bodyPr>
+          <a:lstStyle/>
+          <a:p>
+            <a:pPr algn="ctr"/>
+            <a:r>
+              <a:rPr lang="it-IT" b="1" dirty="0" err="1" smtClean="0">
+                <a:solidFill>
+                  <a:srgbClr val="C00000"/>
+                </a:solidFill>
+              </a:rPr>
+              <a:t>Workspace_manager</a:t>
+            </a:r>
+            <a:endParaRPr lang="it-IT" b="1" dirty="0" smtClean="0">
+              <a:solidFill>
+                <a:srgbClr val="C00000"/>
+              </a:solidFill>
+            </a:endParaRPr>
+          </a:p>
+        </p:txBody>
+      </p:sp>
+      <p:sp>
+        <p:nvSpPr>
+          <p:cNvPr id="44" name="Rettangolo 43"/>
+          <p:cNvSpPr/>
+          <p:nvPr/>
+        </p:nvSpPr>
+        <p:spPr>
+          <a:xfrm>
+            <a:off x="8386281" y="2534040"/>
+            <a:ext cx="1866184" cy="695186"/>
+          </a:xfrm>
+          <a:prstGeom prst="rect">
+            <a:avLst/>
+          </a:prstGeom>
+          <a:solidFill>
+            <a:srgbClr val="D9F698"/>
+          </a:solidFill>
+          <a:ln>
+            <a:noFill/>
+          </a:ln>
+        </p:spPr>
+        <p:style>
+          <a:lnRef idx="2">
+            <a:schemeClr val="accent1">
+              <a:shade val="50000"/>
+            </a:schemeClr>
+          </a:lnRef>
+          <a:fillRef idx="1">
+            <a:schemeClr val="accent1"/>
+          </a:fillRef>
+          <a:effectRef idx="0">
+            <a:schemeClr val="accent1"/>
+          </a:effectRef>
+          <a:fontRef idx="minor">
+            <a:schemeClr val="lt1"/>
+          </a:fontRef>
+        </p:style>
+        <p:txBody>
+          <a:bodyPr rtlCol="0" anchor="ctr"/>
+          <a:lstStyle/>
+          <a:p>
+            <a:pPr algn="ctr"/>
+            <a:r>
+              <a:rPr lang="it-IT" sz="1600" b="1" dirty="0" smtClean="0">
+                <a:solidFill>
+                  <a:srgbClr val="C00000"/>
+                </a:solidFill>
+              </a:rPr>
+              <a:t>Reports</a:t>
+            </a:r>
+            <a:endParaRPr lang="it-IT" sz="1600" b="1" dirty="0">
+              <a:solidFill>
+                <a:srgbClr val="C00000"/>
+              </a:solidFill>
+            </a:endParaRPr>
           </a:p>
         </p:txBody>
       </p:sp>
@@ -17887,10 +18069,59 @@
       </p:grpSpPr>
       <p:sp>
         <p:nvSpPr>
-          <p:cNvPr id="9" name="Segnaposto numero diapositiva 4">
+          <p:cNvPr id="47" name="Rettangolo 46"/>
+          <p:cNvSpPr/>
+          <p:nvPr/>
+        </p:nvSpPr>
+        <p:spPr>
+          <a:xfrm>
+            <a:off x="712380" y="2218628"/>
+            <a:ext cx="1796877" cy="4423550"/>
+          </a:xfrm>
+          <a:prstGeom prst="rect">
+            <a:avLst/>
+          </a:prstGeom>
+          <a:solidFill>
+            <a:schemeClr val="accent2">
+              <a:lumMod val="20000"/>
+              <a:lumOff val="80000"/>
+            </a:schemeClr>
+          </a:solidFill>
+          <a:ln>
+            <a:noFill/>
+          </a:ln>
+        </p:spPr>
+        <p:style>
+          <a:lnRef idx="2">
+            <a:schemeClr val="accent1">
+              <a:shade val="50000"/>
+            </a:schemeClr>
+          </a:lnRef>
+          <a:fillRef idx="1">
+            <a:schemeClr val="accent1"/>
+          </a:fillRef>
+          <a:effectRef idx="0">
+            <a:schemeClr val="accent1"/>
+          </a:effectRef>
+          <a:fontRef idx="minor">
+            <a:schemeClr val="lt1"/>
+          </a:fontRef>
+        </p:style>
+        <p:txBody>
+          <a:bodyPr rtlCol="0" anchor="ctr"/>
+          <a:lstStyle/>
+          <a:p>
+            <a:pPr algn="ctr"/>
+            <a:endParaRPr lang="it-IT" sz="1600"/>
+          </a:p>
+        </p:txBody>
+      </p:sp>
+      <p:sp>
+        <p:nvSpPr>
+          <p:cNvPr id="5" name="Titolo 4">
             <a:extLst>
               <a:ext uri="{FF2B5EF4-FFF2-40B4-BE49-F238E27FC236}">
-                <a16:creationId xmlns:a16="http://schemas.microsoft.com/office/drawing/2014/main" id="{43529721-AF16-448D-9B7A-D70C2ADC2006}"/>
+                <a16:creationId xmlns:a16="http://schemas.microsoft.com/office/drawing/2014/main" id="{82C46BA2-B380-4357-B125-BA9F08A643F5}"/>
               </a:ext>
             </a:extLst>
           </p:cNvPr>
@@ -17898,10 +18129,73 @@
             <a:spLocks noGrp="1"/>
           </p:cNvSpPr>
           <p:nvPr>
-            <p:ph type="sldNum" sz="quarter" idx="11"/>
+            <p:ph type="title"/>
           </p:nvPr>
         </p:nvSpPr>
         <p:spPr>
+          <a:xfrm>
+            <a:off x="512283" y="499501"/>
+            <a:ext cx="11269308" cy="393634"/>
+          </a:xfrm>
+        </p:spPr>
+        <p:txBody>
+          <a:bodyPr/>
+          <a:lstStyle/>
+          <a:p>
+            <a:pPr algn="ctr"/>
+            <a:r>
+              <a:rPr lang="en-US" sz="3200" dirty="0" smtClean="0">
+                <a:solidFill>
+                  <a:srgbClr val="C00000"/>
+                </a:solidFill>
+              </a:rPr>
+              <a:t>Full </a:t>
+            </a:r>
+            <a:r>
+              <a:rPr lang="en-US" sz="3200" dirty="0" err="1" smtClean="0">
+                <a:solidFill>
+                  <a:srgbClr val="C00000"/>
+                </a:solidFill>
+              </a:rPr>
+              <a:t>JDProcessor</a:t>
+            </a:r>
+            <a:r>
+              <a:rPr lang="en-US" sz="3200" dirty="0" smtClean="0">
+                <a:solidFill>
+                  <a:srgbClr val="C00000"/>
+                </a:solidFill>
+              </a:rPr>
+              <a:t> Stack + possible extensions(*)</a:t>
+            </a:r>
+            <a:endParaRPr lang="it-IT" sz="3200" b="0" dirty="0">
+              <a:solidFill>
+                <a:srgbClr val="C00000"/>
+              </a:solidFill>
+            </a:endParaRPr>
+          </a:p>
+        </p:txBody>
+      </p:sp>
+      <p:sp>
+        <p:nvSpPr>
+          <p:cNvPr id="7" name="Segnaposto numero diapositiva 6">
+            <a:extLst>
+              <a:ext uri="{FF2B5EF4-FFF2-40B4-BE49-F238E27FC236}">
+                <a16:creationId xmlns:a16="http://schemas.microsoft.com/office/drawing/2014/main" id="{AB740BE9-E218-4144-BFDE-AE473D230A3D}"/>
+              </a:ext>
+            </a:extLst>
+          </p:cNvPr>
+          <p:cNvSpPr>
+            <a:spLocks noGrp="1"/>
+          </p:cNvSpPr>
+          <p:nvPr>
+            <p:ph type="sldNum" sz="quarter" idx="4294967295"/>
+          </p:nvPr>
+        </p:nvSpPr>
+        <p:spPr>
+          <a:xfrm>
+            <a:off x="10633" y="6535853"/>
+            <a:ext cx="501650" cy="365125"/>
+          </a:xfrm>
           <a:prstGeom prst="rect">
             <a:avLst/>
           </a:prstGeom>
@@ -17914,109 +18208,1139 @@
               <a:defRPr/>
             </a:pPr>
             <a:fld id="{48B4153A-D4C5-4CEF-8992-0D8815C829E3}" type="slidenum">
-              <a:rPr lang="en-US" smtClean="0"/>
+              <a:rPr lang="en-US" sz="1100" b="1" smtClean="0">
+                <a:solidFill>
+                  <a:srgbClr val="C00000"/>
+                </a:solidFill>
+                <a:latin typeface="Arial" panose="020B0604020202020204" pitchFamily="34" charset="0"/>
+                <a:cs typeface="Arial" panose="020B0604020202020204" pitchFamily="34" charset="0"/>
+              </a:rPr>
               <a:pPr>
                 <a:defRPr/>
               </a:pPr>
               <a:t>20</a:t>
             </a:fld>
-            <a:endParaRPr lang="en-US" dirty="0"/>
-          </a:p>
-        </p:txBody>
-      </p:sp>
-      <p:sp>
-        <p:nvSpPr>
-          <p:cNvPr id="19461" name="Titolo 4"/>
-          <p:cNvSpPr>
-            <a:spLocks noGrp="1"/>
-          </p:cNvSpPr>
-          <p:nvPr>
-            <p:ph type="title" idx="4294967295"/>
-          </p:nvPr>
-        </p:nvSpPr>
-        <p:spPr>
-          <a:xfrm>
-            <a:off x="922338" y="173627"/>
-            <a:ext cx="11269662" cy="384175"/>
-          </a:xfrm>
-        </p:spPr>
-        <p:txBody>
-          <a:bodyPr/>
+            <a:endParaRPr lang="en-US" sz="1100" b="1" dirty="0">
+              <a:solidFill>
+                <a:srgbClr val="C00000"/>
+              </a:solidFill>
+              <a:latin typeface="Arial" panose="020B0604020202020204" pitchFamily="34" charset="0"/>
+              <a:cs typeface="Arial" panose="020B0604020202020204" pitchFamily="34" charset="0"/>
+            </a:endParaRPr>
+          </a:p>
+        </p:txBody>
+      </p:sp>
+      <p:sp>
+        <p:nvSpPr>
+          <p:cNvPr id="21" name="Rettangolo 20"/>
+          <p:cNvSpPr/>
+          <p:nvPr/>
+        </p:nvSpPr>
+        <p:spPr>
+          <a:xfrm>
+            <a:off x="2232834" y="4866541"/>
+            <a:ext cx="2270686" cy="1775637"/>
+          </a:xfrm>
+          <a:prstGeom prst="rect">
+            <a:avLst/>
+          </a:prstGeom>
+          <a:solidFill>
+            <a:schemeClr val="accent2">
+              <a:lumMod val="20000"/>
+              <a:lumOff val="80000"/>
+            </a:schemeClr>
+          </a:solidFill>
+          <a:ln>
+            <a:noFill/>
+          </a:ln>
+        </p:spPr>
+        <p:style>
+          <a:lnRef idx="2">
+            <a:schemeClr val="accent1">
+              <a:shade val="50000"/>
+            </a:schemeClr>
+          </a:lnRef>
+          <a:fillRef idx="1">
+            <a:schemeClr val="accent1"/>
+          </a:fillRef>
+          <a:effectRef idx="0">
+            <a:schemeClr val="accent1"/>
+          </a:effectRef>
+          <a:fontRef idx="minor">
+            <a:schemeClr val="lt1"/>
+          </a:fontRef>
+        </p:style>
+        <p:txBody>
+          <a:bodyPr rtlCol="0" anchor="ctr"/>
           <a:lstStyle/>
           <a:p>
-            <a:r>
-              <a:rPr lang="it-IT" altLang="it-IT" sz="2800" dirty="0" err="1" smtClean="0">
+            <a:pPr algn="ctr"/>
+            <a:endParaRPr lang="it-IT" sz="1600"/>
+          </a:p>
+        </p:txBody>
+      </p:sp>
+      <p:sp>
+        <p:nvSpPr>
+          <p:cNvPr id="22" name="Rettangolo 21"/>
+          <p:cNvSpPr/>
+          <p:nvPr/>
+        </p:nvSpPr>
+        <p:spPr>
+          <a:xfrm>
+            <a:off x="3327988" y="5770309"/>
+            <a:ext cx="6105745" cy="871870"/>
+          </a:xfrm>
+          <a:prstGeom prst="rect">
+            <a:avLst/>
+          </a:prstGeom>
+          <a:solidFill>
+            <a:schemeClr val="accent2">
+              <a:lumMod val="20000"/>
+              <a:lumOff val="80000"/>
+            </a:schemeClr>
+          </a:solidFill>
+          <a:ln>
+            <a:noFill/>
+          </a:ln>
+        </p:spPr>
+        <p:style>
+          <a:lnRef idx="2">
+            <a:schemeClr val="accent1">
+              <a:shade val="50000"/>
+            </a:schemeClr>
+          </a:lnRef>
+          <a:fillRef idx="1">
+            <a:schemeClr val="accent1"/>
+          </a:fillRef>
+          <a:effectRef idx="0">
+            <a:schemeClr val="accent1"/>
+          </a:effectRef>
+          <a:fontRef idx="minor">
+            <a:schemeClr val="lt1"/>
+          </a:fontRef>
+        </p:style>
+        <p:txBody>
+          <a:bodyPr rtlCol="0" anchor="ctr"/>
+          <a:lstStyle/>
+          <a:p>
+            <a:pPr algn="ctr"/>
+            <a:endParaRPr lang="it-IT" sz="1600"/>
+          </a:p>
+        </p:txBody>
+      </p:sp>
+      <p:sp>
+        <p:nvSpPr>
+          <p:cNvPr id="23" name="CasellaDiTesto 22"/>
+          <p:cNvSpPr txBox="1"/>
+          <p:nvPr/>
+        </p:nvSpPr>
+        <p:spPr>
+          <a:xfrm>
+            <a:off x="2182330" y="5868252"/>
+            <a:ext cx="1780953" cy="369332"/>
+          </a:xfrm>
+          <a:prstGeom prst="rect">
+            <a:avLst/>
+          </a:prstGeom>
+          <a:noFill/>
+        </p:spPr>
+        <p:txBody>
+          <a:bodyPr wrap="square" rtlCol="0">
+            <a:spAutoFit/>
+          </a:bodyPr>
+          <a:lstStyle/>
+          <a:p>
+            <a:pPr algn="ctr"/>
+            <a:r>
+              <a:rPr lang="it-IT" b="1" dirty="0" smtClean="0">
                 <a:solidFill>
                   <a:srgbClr val="C00000"/>
                 </a:solidFill>
               </a:rPr>
-              <a:t>Adapt</a:t>
-            </a:r>
-            <a:r>
-              <a:rPr lang="it-IT" altLang="it-IT" sz="2800" dirty="0" smtClean="0">
+              <a:t>R</a:t>
+            </a:r>
+          </a:p>
+        </p:txBody>
+      </p:sp>
+      <p:sp>
+        <p:nvSpPr>
+          <p:cNvPr id="24" name="Rettangolo 23"/>
+          <p:cNvSpPr/>
+          <p:nvPr/>
+        </p:nvSpPr>
+        <p:spPr>
+          <a:xfrm>
+            <a:off x="4988005" y="5766462"/>
+            <a:ext cx="2176339" cy="875716"/>
+          </a:xfrm>
+          <a:prstGeom prst="rect">
+            <a:avLst/>
+          </a:prstGeom>
+          <a:ln/>
+        </p:spPr>
+        <p:style>
+          <a:lnRef idx="2">
+            <a:schemeClr val="dk1"/>
+          </a:lnRef>
+          <a:fillRef idx="1">
+            <a:schemeClr val="lt1"/>
+          </a:fillRef>
+          <a:effectRef idx="0">
+            <a:schemeClr val="dk1"/>
+          </a:effectRef>
+          <a:fontRef idx="minor">
+            <a:schemeClr val="dk1"/>
+          </a:fontRef>
+        </p:style>
+        <p:txBody>
+          <a:bodyPr rtlCol="0" anchor="ctr"/>
+          <a:lstStyle/>
+          <a:p>
+            <a:pPr algn="ctr"/>
+            <a:endParaRPr lang="it-IT" sz="1600"/>
+          </a:p>
+        </p:txBody>
+      </p:sp>
+      <p:sp>
+        <p:nvSpPr>
+          <p:cNvPr id="25" name="CasellaDiTesto 24"/>
+          <p:cNvSpPr txBox="1"/>
+          <p:nvPr/>
+        </p:nvSpPr>
+        <p:spPr>
+          <a:xfrm>
+            <a:off x="5154958" y="5980492"/>
+            <a:ext cx="1780953" cy="369332"/>
+          </a:xfrm>
+          <a:prstGeom prst="rect">
+            <a:avLst/>
+          </a:prstGeom>
+          <a:noFill/>
+        </p:spPr>
+        <p:txBody>
+          <a:bodyPr wrap="square" rtlCol="0">
+            <a:spAutoFit/>
+          </a:bodyPr>
+          <a:lstStyle/>
+          <a:p>
+            <a:pPr algn="ctr"/>
+            <a:r>
+              <a:rPr lang="it-IT" b="1" dirty="0" smtClean="0">
                 <a:solidFill>
                   <a:srgbClr val="C00000"/>
                 </a:solidFill>
               </a:rPr>
-              <a:t> to </a:t>
-            </a:r>
-            <a:r>
-              <a:rPr lang="it-IT" altLang="it-IT" sz="2800" dirty="0" err="1" smtClean="0">
+              <a:t>Java</a:t>
+            </a:r>
+          </a:p>
+        </p:txBody>
+      </p:sp>
+      <p:sp>
+        <p:nvSpPr>
+          <p:cNvPr id="26" name="Rettangolo 25"/>
+          <p:cNvSpPr/>
+          <p:nvPr/>
+        </p:nvSpPr>
+        <p:spPr>
+          <a:xfrm>
+            <a:off x="1052579" y="4866542"/>
+            <a:ext cx="6763028" cy="903767"/>
+          </a:xfrm>
+          <a:prstGeom prst="rect">
+            <a:avLst/>
+          </a:prstGeom>
+          <a:solidFill>
+            <a:srgbClr val="FFD5D5"/>
+          </a:solidFill>
+          <a:ln>
+            <a:noFill/>
+          </a:ln>
+        </p:spPr>
+        <p:style>
+          <a:lnRef idx="2">
+            <a:schemeClr val="accent1">
+              <a:shade val="50000"/>
+            </a:schemeClr>
+          </a:lnRef>
+          <a:fillRef idx="1">
+            <a:schemeClr val="accent1"/>
+          </a:fillRef>
+          <a:effectRef idx="0">
+            <a:schemeClr val="accent1"/>
+          </a:effectRef>
+          <a:fontRef idx="minor">
+            <a:schemeClr val="lt1"/>
+          </a:fontRef>
+        </p:style>
+        <p:txBody>
+          <a:bodyPr rtlCol="0" anchor="ctr"/>
+          <a:lstStyle/>
+          <a:p>
+            <a:pPr algn="ctr"/>
+            <a:endParaRPr lang="it-IT" sz="1600"/>
+          </a:p>
+        </p:txBody>
+      </p:sp>
+      <p:sp>
+        <p:nvSpPr>
+          <p:cNvPr id="28" name="Rettangolo 27"/>
+          <p:cNvSpPr/>
+          <p:nvPr/>
+        </p:nvSpPr>
+        <p:spPr>
+          <a:xfrm>
+            <a:off x="1052579" y="2527711"/>
+            <a:ext cx="975531" cy="2338829"/>
+          </a:xfrm>
+          <a:prstGeom prst="rect">
+            <a:avLst/>
+          </a:prstGeom>
+          <a:solidFill>
+            <a:srgbClr val="CADADC"/>
+          </a:solidFill>
+          <a:ln>
+            <a:noFill/>
+          </a:ln>
+        </p:spPr>
+        <p:style>
+          <a:lnRef idx="2">
+            <a:schemeClr val="accent1">
+              <a:shade val="50000"/>
+            </a:schemeClr>
+          </a:lnRef>
+          <a:fillRef idx="1">
+            <a:schemeClr val="accent1"/>
+          </a:fillRef>
+          <a:effectRef idx="0">
+            <a:schemeClr val="accent1"/>
+          </a:effectRef>
+          <a:fontRef idx="minor">
+            <a:schemeClr val="lt1"/>
+          </a:fontRef>
+        </p:style>
+        <p:txBody>
+          <a:bodyPr rtlCol="0" anchor="ctr"/>
+          <a:lstStyle/>
+          <a:p>
+            <a:pPr algn="ctr"/>
+            <a:endParaRPr lang="it-IT" sz="1600"/>
+          </a:p>
+        </p:txBody>
+      </p:sp>
+      <p:sp>
+        <p:nvSpPr>
+          <p:cNvPr id="29" name="Rettangolo 28"/>
+          <p:cNvSpPr/>
+          <p:nvPr/>
+        </p:nvSpPr>
+        <p:spPr>
+          <a:xfrm>
+            <a:off x="1956376" y="3965024"/>
+            <a:ext cx="1867997" cy="901517"/>
+          </a:xfrm>
+          <a:prstGeom prst="rect">
+            <a:avLst/>
+          </a:prstGeom>
+          <a:solidFill>
+            <a:srgbClr val="CADADC"/>
+          </a:solidFill>
+          <a:ln>
+            <a:noFill/>
+          </a:ln>
+        </p:spPr>
+        <p:style>
+          <a:lnRef idx="2">
+            <a:schemeClr val="accent1">
+              <a:shade val="50000"/>
+            </a:schemeClr>
+          </a:lnRef>
+          <a:fillRef idx="1">
+            <a:schemeClr val="accent1"/>
+          </a:fillRef>
+          <a:effectRef idx="0">
+            <a:schemeClr val="accent1"/>
+          </a:effectRef>
+          <a:fontRef idx="minor">
+            <a:schemeClr val="lt1"/>
+          </a:fontRef>
+        </p:style>
+        <p:txBody>
+          <a:bodyPr rtlCol="0" anchor="ctr"/>
+          <a:lstStyle/>
+          <a:p>
+            <a:pPr algn="ctr"/>
+            <a:endParaRPr lang="it-IT" sz="1600" dirty="0"/>
+          </a:p>
+        </p:txBody>
+      </p:sp>
+      <p:sp>
+        <p:nvSpPr>
+          <p:cNvPr id="33" name="Rettangolo 32"/>
+          <p:cNvSpPr/>
+          <p:nvPr/>
+        </p:nvSpPr>
+        <p:spPr>
+          <a:xfrm>
+            <a:off x="3302711" y="3965024"/>
+            <a:ext cx="2289352" cy="903768"/>
+          </a:xfrm>
+          <a:prstGeom prst="rect">
+            <a:avLst/>
+          </a:prstGeom>
+          <a:solidFill>
+            <a:srgbClr val="E1FFE1"/>
+          </a:solidFill>
+          <a:ln>
+            <a:noFill/>
+          </a:ln>
+        </p:spPr>
+        <p:style>
+          <a:lnRef idx="2">
+            <a:schemeClr val="accent1">
+              <a:shade val="50000"/>
+            </a:schemeClr>
+          </a:lnRef>
+          <a:fillRef idx="1">
+            <a:schemeClr val="accent1"/>
+          </a:fillRef>
+          <a:effectRef idx="0">
+            <a:schemeClr val="accent1"/>
+          </a:effectRef>
+          <a:fontRef idx="minor">
+            <a:schemeClr val="lt1"/>
+          </a:fontRef>
+        </p:style>
+        <p:txBody>
+          <a:bodyPr rtlCol="0" anchor="ctr"/>
+          <a:lstStyle/>
+          <a:p>
+            <a:pPr algn="ctr"/>
+            <a:endParaRPr lang="it-IT" sz="1600" dirty="0"/>
+          </a:p>
+        </p:txBody>
+      </p:sp>
+      <p:sp>
+        <p:nvSpPr>
+          <p:cNvPr id="35" name="Rettangolo 34"/>
+          <p:cNvSpPr/>
+          <p:nvPr/>
+        </p:nvSpPr>
+        <p:spPr>
+          <a:xfrm>
+            <a:off x="5588730" y="3999986"/>
+            <a:ext cx="1905202" cy="871870"/>
+          </a:xfrm>
+          <a:prstGeom prst="rect">
+            <a:avLst/>
+          </a:prstGeom>
+          <a:ln>
+            <a:solidFill>
+              <a:srgbClr val="0070C0"/>
+            </a:solidFill>
+            <a:prstDash val="dash"/>
+          </a:ln>
+        </p:spPr>
+        <p:style>
+          <a:lnRef idx="2">
+            <a:schemeClr val="dk1"/>
+          </a:lnRef>
+          <a:fillRef idx="1">
+            <a:schemeClr val="lt1"/>
+          </a:fillRef>
+          <a:effectRef idx="0">
+            <a:schemeClr val="dk1"/>
+          </a:effectRef>
+          <a:fontRef idx="minor">
+            <a:schemeClr val="dk1"/>
+          </a:fontRef>
+        </p:style>
+        <p:txBody>
+          <a:bodyPr rtlCol="0" anchor="ctr"/>
+          <a:lstStyle/>
+          <a:p>
+            <a:pPr algn="ctr"/>
+            <a:endParaRPr lang="it-IT" sz="1600"/>
+          </a:p>
+        </p:txBody>
+      </p:sp>
+      <p:sp>
+        <p:nvSpPr>
+          <p:cNvPr id="37" name="Rettangolo 36"/>
+          <p:cNvSpPr/>
+          <p:nvPr/>
+        </p:nvSpPr>
+        <p:spPr>
+          <a:xfrm>
+            <a:off x="8782489" y="4890747"/>
+            <a:ext cx="696443" cy="1751431"/>
+          </a:xfrm>
+          <a:prstGeom prst="rect">
+            <a:avLst/>
+          </a:prstGeom>
+          <a:solidFill>
+            <a:schemeClr val="accent2">
+              <a:lumMod val="20000"/>
+              <a:lumOff val="80000"/>
+            </a:schemeClr>
+          </a:solidFill>
+          <a:ln>
+            <a:noFill/>
+          </a:ln>
+        </p:spPr>
+        <p:style>
+          <a:lnRef idx="2">
+            <a:schemeClr val="accent1">
+              <a:shade val="50000"/>
+            </a:schemeClr>
+          </a:lnRef>
+          <a:fillRef idx="1">
+            <a:schemeClr val="accent1"/>
+          </a:fillRef>
+          <a:effectRef idx="0">
+            <a:schemeClr val="accent1"/>
+          </a:effectRef>
+          <a:fontRef idx="minor">
+            <a:schemeClr val="lt1"/>
+          </a:fontRef>
+        </p:style>
+        <p:txBody>
+          <a:bodyPr rtlCol="0" anchor="ctr"/>
+          <a:lstStyle/>
+          <a:p>
+            <a:pPr algn="ctr"/>
+            <a:endParaRPr lang="it-IT" sz="1600"/>
+          </a:p>
+        </p:txBody>
+      </p:sp>
+      <p:sp>
+        <p:nvSpPr>
+          <p:cNvPr id="48" name="Rettangolo 47"/>
+          <p:cNvSpPr/>
+          <p:nvPr/>
+        </p:nvSpPr>
+        <p:spPr>
+          <a:xfrm>
+            <a:off x="9261623" y="2218627"/>
+            <a:ext cx="1332788" cy="4423551"/>
+          </a:xfrm>
+          <a:prstGeom prst="rect">
+            <a:avLst/>
+          </a:prstGeom>
+          <a:solidFill>
+            <a:schemeClr val="accent2">
+              <a:lumMod val="20000"/>
+              <a:lumOff val="80000"/>
+            </a:schemeClr>
+          </a:solidFill>
+          <a:ln>
+            <a:noFill/>
+          </a:ln>
+        </p:spPr>
+        <p:style>
+          <a:lnRef idx="2">
+            <a:schemeClr val="accent1">
+              <a:shade val="50000"/>
+            </a:schemeClr>
+          </a:lnRef>
+          <a:fillRef idx="1">
+            <a:schemeClr val="accent1"/>
+          </a:fillRef>
+          <a:effectRef idx="0">
+            <a:schemeClr val="accent1"/>
+          </a:effectRef>
+          <a:fontRef idx="minor">
+            <a:schemeClr val="lt1"/>
+          </a:fontRef>
+        </p:style>
+        <p:txBody>
+          <a:bodyPr rtlCol="0" anchor="ctr"/>
+          <a:lstStyle/>
+          <a:p>
+            <a:pPr algn="ctr"/>
+            <a:endParaRPr lang="it-IT" sz="1600"/>
+          </a:p>
+        </p:txBody>
+      </p:sp>
+      <p:sp>
+        <p:nvSpPr>
+          <p:cNvPr id="41" name="Rettangolo 40"/>
+          <p:cNvSpPr/>
+          <p:nvPr/>
+        </p:nvSpPr>
+        <p:spPr>
+          <a:xfrm>
+            <a:off x="1637414" y="3218299"/>
+            <a:ext cx="6748197" cy="761495"/>
+          </a:xfrm>
+          <a:prstGeom prst="rect">
+            <a:avLst/>
+          </a:prstGeom>
+          <a:solidFill>
+            <a:srgbClr val="D1E8FF"/>
+          </a:solidFill>
+          <a:ln>
+            <a:noFill/>
+          </a:ln>
+        </p:spPr>
+        <p:style>
+          <a:lnRef idx="2">
+            <a:schemeClr val="accent1">
+              <a:shade val="50000"/>
+            </a:schemeClr>
+          </a:lnRef>
+          <a:fillRef idx="1">
+            <a:schemeClr val="accent1"/>
+          </a:fillRef>
+          <a:effectRef idx="0">
+            <a:schemeClr val="accent1"/>
+          </a:effectRef>
+          <a:fontRef idx="minor">
+            <a:schemeClr val="lt1"/>
+          </a:fontRef>
+        </p:style>
+        <p:txBody>
+          <a:bodyPr rtlCol="0" anchor="ctr"/>
+          <a:lstStyle/>
+          <a:p>
+            <a:pPr algn="ctr"/>
+            <a:endParaRPr lang="it-IT" sz="1600" dirty="0"/>
+          </a:p>
+        </p:txBody>
+      </p:sp>
+      <p:sp>
+        <p:nvSpPr>
+          <p:cNvPr id="49" name="Rettangolo 48"/>
+          <p:cNvSpPr/>
+          <p:nvPr/>
+        </p:nvSpPr>
+        <p:spPr>
+          <a:xfrm>
+            <a:off x="712379" y="2078227"/>
+            <a:ext cx="9877649" cy="449484"/>
+          </a:xfrm>
+          <a:prstGeom prst="rect">
+            <a:avLst/>
+          </a:prstGeom>
+          <a:solidFill>
+            <a:srgbClr val="C00000"/>
+          </a:solidFill>
+          <a:ln>
+            <a:noFill/>
+          </a:ln>
+        </p:spPr>
+        <p:style>
+          <a:lnRef idx="2">
+            <a:schemeClr val="dk1"/>
+          </a:lnRef>
+          <a:fillRef idx="1">
+            <a:schemeClr val="lt1"/>
+          </a:fillRef>
+          <a:effectRef idx="0">
+            <a:schemeClr val="dk1"/>
+          </a:effectRef>
+          <a:fontRef idx="minor">
+            <a:schemeClr val="dk1"/>
+          </a:fontRef>
+        </p:style>
+        <p:txBody>
+          <a:bodyPr rtlCol="0" anchor="ctr"/>
+          <a:lstStyle/>
+          <a:p>
+            <a:pPr algn="ctr"/>
+            <a:endParaRPr lang="it-IT" sz="1600" dirty="0"/>
+          </a:p>
+        </p:txBody>
+      </p:sp>
+      <p:sp>
+        <p:nvSpPr>
+          <p:cNvPr id="50" name="CasellaDiTesto 49"/>
+          <p:cNvSpPr txBox="1"/>
+          <p:nvPr/>
+        </p:nvSpPr>
+        <p:spPr>
+          <a:xfrm>
+            <a:off x="3537966" y="2077868"/>
+            <a:ext cx="4164305" cy="369332"/>
+          </a:xfrm>
+          <a:prstGeom prst="rect">
+            <a:avLst/>
+          </a:prstGeom>
+          <a:noFill/>
+        </p:spPr>
+        <p:txBody>
+          <a:bodyPr wrap="square" rtlCol="0">
+            <a:spAutoFit/>
+          </a:bodyPr>
+          <a:lstStyle/>
+          <a:p>
+            <a:pPr algn="ctr"/>
+            <a:r>
+              <a:rPr lang="it-IT" b="1" dirty="0" smtClean="0">
+                <a:solidFill>
+                  <a:schemeClr val="bg1"/>
+                </a:solidFill>
+              </a:rPr>
+              <a:t>Orchestrator (</a:t>
+            </a:r>
+            <a:r>
+              <a:rPr lang="it-IT" b="1" dirty="0" err="1" smtClean="0">
+                <a:solidFill>
+                  <a:schemeClr val="bg1"/>
+                </a:solidFill>
+              </a:rPr>
+              <a:t>User's</a:t>
+            </a:r>
+            <a:r>
+              <a:rPr lang="it-IT" b="1" dirty="0" smtClean="0">
+                <a:solidFill>
+                  <a:schemeClr val="bg1"/>
+                </a:solidFill>
+              </a:rPr>
+              <a:t> R script)</a:t>
+            </a:r>
+          </a:p>
+        </p:txBody>
+      </p:sp>
+      <p:sp>
+        <p:nvSpPr>
+          <p:cNvPr id="51" name="Rettangolo 50"/>
+          <p:cNvSpPr/>
+          <p:nvPr/>
+        </p:nvSpPr>
+        <p:spPr>
+          <a:xfrm>
+            <a:off x="712381" y="2078226"/>
+            <a:ext cx="9877647" cy="4563952"/>
+          </a:xfrm>
+          <a:prstGeom prst="rect">
+            <a:avLst/>
+          </a:prstGeom>
+          <a:noFill/>
+          <a:ln>
+            <a:solidFill>
+              <a:schemeClr val="tx1"/>
+            </a:solidFill>
+          </a:ln>
+        </p:spPr>
+        <p:style>
+          <a:lnRef idx="2">
+            <a:schemeClr val="accent1">
+              <a:shade val="50000"/>
+            </a:schemeClr>
+          </a:lnRef>
+          <a:fillRef idx="1">
+            <a:schemeClr val="accent1"/>
+          </a:fillRef>
+          <a:effectRef idx="0">
+            <a:schemeClr val="accent1"/>
+          </a:effectRef>
+          <a:fontRef idx="minor">
+            <a:schemeClr val="lt1"/>
+          </a:fontRef>
+        </p:style>
+        <p:txBody>
+          <a:bodyPr rtlCol="0" anchor="ctr"/>
+          <a:lstStyle/>
+          <a:p>
+            <a:pPr algn="ctr"/>
+            <a:endParaRPr lang="it-IT" sz="1600"/>
+          </a:p>
+        </p:txBody>
+      </p:sp>
+      <p:sp>
+        <p:nvSpPr>
+          <p:cNvPr id="55" name="Rettangolo 54"/>
+          <p:cNvSpPr/>
+          <p:nvPr/>
+        </p:nvSpPr>
+        <p:spPr>
+          <a:xfrm>
+            <a:off x="2020155" y="2534507"/>
+            <a:ext cx="818731" cy="573418"/>
+          </a:xfrm>
+          <a:prstGeom prst="rect">
+            <a:avLst/>
+          </a:prstGeom>
+          <a:solidFill>
+            <a:srgbClr val="CADADC"/>
+          </a:solidFill>
+          <a:ln>
+            <a:noFill/>
+          </a:ln>
+        </p:spPr>
+        <p:style>
+          <a:lnRef idx="2">
+            <a:schemeClr val="accent1">
+              <a:shade val="50000"/>
+            </a:schemeClr>
+          </a:lnRef>
+          <a:fillRef idx="1">
+            <a:schemeClr val="accent1"/>
+          </a:fillRef>
+          <a:effectRef idx="0">
+            <a:schemeClr val="accent1"/>
+          </a:effectRef>
+          <a:fontRef idx="minor">
+            <a:schemeClr val="lt1"/>
+          </a:fontRef>
+        </p:style>
+        <p:txBody>
+          <a:bodyPr rtlCol="0" anchor="ctr"/>
+          <a:lstStyle/>
+          <a:p>
+            <a:pPr algn="ctr"/>
+            <a:endParaRPr lang="it-IT" sz="1600"/>
+          </a:p>
+        </p:txBody>
+      </p:sp>
+      <p:sp>
+        <p:nvSpPr>
+          <p:cNvPr id="56" name="CasellaDiTesto 55"/>
+          <p:cNvSpPr txBox="1"/>
+          <p:nvPr/>
+        </p:nvSpPr>
+        <p:spPr>
+          <a:xfrm>
+            <a:off x="0" y="1339962"/>
+            <a:ext cx="12073074" cy="369332"/>
+          </a:xfrm>
+          <a:prstGeom prst="rect">
+            <a:avLst/>
+          </a:prstGeom>
+          <a:noFill/>
+        </p:spPr>
+        <p:txBody>
+          <a:bodyPr wrap="square" rtlCol="0">
+            <a:spAutoFit/>
+          </a:bodyPr>
+          <a:lstStyle/>
+          <a:p>
+            <a:pPr algn="ctr"/>
+            <a:r>
+              <a:rPr lang="it-IT" b="1" dirty="0" err="1" smtClean="0"/>
+              <a:t>Rjdverse</a:t>
+            </a:r>
+            <a:r>
+              <a:rPr lang="it-IT" b="1" dirty="0" smtClean="0"/>
+              <a:t> </a:t>
+            </a:r>
+            <a:r>
+              <a:rPr lang="it-IT" b="1" dirty="0" err="1" smtClean="0"/>
+              <a:t>packages</a:t>
+            </a:r>
+            <a:r>
+              <a:rPr lang="it-IT" b="1" dirty="0" smtClean="0"/>
+              <a:t> </a:t>
+            </a:r>
+            <a:r>
+              <a:rPr lang="it-IT" b="1" dirty="0" err="1" smtClean="0"/>
+              <a:t>involved</a:t>
+            </a:r>
+            <a:r>
+              <a:rPr lang="it-IT" b="1" dirty="0" smtClean="0"/>
+              <a:t>: </a:t>
+            </a:r>
+            <a:r>
+              <a:rPr lang="it-IT" b="1" dirty="0" err="1" smtClean="0"/>
+              <a:t>RJDemetra</a:t>
+            </a:r>
+            <a:r>
+              <a:rPr lang="it-IT" b="1" dirty="0" smtClean="0"/>
+              <a:t>, rjd3providers, </a:t>
+            </a:r>
+            <a:r>
+              <a:rPr lang="it-IT" b="1" dirty="0" err="1" smtClean="0"/>
+              <a:t>rjdworkspace</a:t>
+            </a:r>
+            <a:r>
+              <a:rPr lang="it-IT" b="1" dirty="0" smtClean="0"/>
+              <a:t>, </a:t>
+            </a:r>
+            <a:r>
+              <a:rPr lang="it-IT" b="1" dirty="0" err="1" smtClean="0"/>
+              <a:t>rjdmarkdown</a:t>
+            </a:r>
+            <a:r>
+              <a:rPr lang="it-IT" b="1" dirty="0" smtClean="0"/>
+              <a:t>, </a:t>
+            </a:r>
+            <a:r>
+              <a:rPr lang="it-IT" b="1" smtClean="0"/>
+              <a:t>rjdqa</a:t>
+            </a:r>
+            <a:endParaRPr lang="it-IT" dirty="0" smtClean="0"/>
+          </a:p>
+        </p:txBody>
+      </p:sp>
+      <p:sp>
+        <p:nvSpPr>
+          <p:cNvPr id="57" name="Rettangolo 56"/>
+          <p:cNvSpPr/>
+          <p:nvPr/>
+        </p:nvSpPr>
+        <p:spPr>
+          <a:xfrm>
+            <a:off x="1637413" y="2527711"/>
+            <a:ext cx="1304100" cy="892600"/>
+          </a:xfrm>
+          <a:prstGeom prst="rect">
+            <a:avLst/>
+          </a:prstGeom>
+          <a:solidFill>
+            <a:srgbClr val="D1E8FF"/>
+          </a:solidFill>
+          <a:ln>
+            <a:noFill/>
+          </a:ln>
+        </p:spPr>
+        <p:style>
+          <a:lnRef idx="2">
+            <a:schemeClr val="accent1">
+              <a:shade val="50000"/>
+            </a:schemeClr>
+          </a:lnRef>
+          <a:fillRef idx="1">
+            <a:schemeClr val="accent1"/>
+          </a:fillRef>
+          <a:effectRef idx="0">
+            <a:schemeClr val="accent1"/>
+          </a:effectRef>
+          <a:fontRef idx="minor">
+            <a:schemeClr val="lt1"/>
+          </a:fontRef>
+        </p:style>
+        <p:txBody>
+          <a:bodyPr rtlCol="0" anchor="ctr"/>
+          <a:lstStyle/>
+          <a:p>
+            <a:pPr algn="ctr"/>
+            <a:endParaRPr lang="it-IT" sz="1600" dirty="0"/>
+          </a:p>
+        </p:txBody>
+      </p:sp>
+      <p:sp>
+        <p:nvSpPr>
+          <p:cNvPr id="58" name="CasellaDiTesto 57"/>
+          <p:cNvSpPr txBox="1"/>
+          <p:nvPr/>
+        </p:nvSpPr>
+        <p:spPr>
+          <a:xfrm>
+            <a:off x="8565856" y="5817234"/>
+            <a:ext cx="1780953" cy="369332"/>
+          </a:xfrm>
+          <a:prstGeom prst="rect">
+            <a:avLst/>
+          </a:prstGeom>
+          <a:noFill/>
+        </p:spPr>
+        <p:txBody>
+          <a:bodyPr wrap="square" rtlCol="0">
+            <a:spAutoFit/>
+          </a:bodyPr>
+          <a:lstStyle/>
+          <a:p>
+            <a:pPr algn="ctr"/>
+            <a:r>
+              <a:rPr lang="it-IT" b="1" dirty="0" smtClean="0">
                 <a:solidFill>
                   <a:srgbClr val="C00000"/>
                 </a:solidFill>
               </a:rPr>
-              <a:t>your</a:t>
-            </a:r>
-            <a:r>
-              <a:rPr lang="it-IT" altLang="it-IT" sz="2800" dirty="0" smtClean="0">
+              <a:t>R</a:t>
+            </a:r>
+          </a:p>
+        </p:txBody>
+      </p:sp>
+      <p:sp>
+        <p:nvSpPr>
+          <p:cNvPr id="59" name="Rettangolo 58"/>
+          <p:cNvSpPr/>
+          <p:nvPr/>
+        </p:nvSpPr>
+        <p:spPr>
+          <a:xfrm>
+            <a:off x="7502751" y="3235555"/>
+            <a:ext cx="2749713" cy="2543138"/>
+          </a:xfrm>
+          <a:prstGeom prst="rect">
+            <a:avLst/>
+          </a:prstGeom>
+          <a:solidFill>
+            <a:srgbClr val="FFD5D5"/>
+          </a:solidFill>
+          <a:ln>
+            <a:noFill/>
+          </a:ln>
+        </p:spPr>
+        <p:style>
+          <a:lnRef idx="2">
+            <a:schemeClr val="accent1">
+              <a:shade val="50000"/>
+            </a:schemeClr>
+          </a:lnRef>
+          <a:fillRef idx="1">
+            <a:schemeClr val="accent1"/>
+          </a:fillRef>
+          <a:effectRef idx="0">
+            <a:schemeClr val="accent1"/>
+          </a:effectRef>
+          <a:fontRef idx="minor">
+            <a:schemeClr val="lt1"/>
+          </a:fontRef>
+        </p:style>
+        <p:txBody>
+          <a:bodyPr rtlCol="0" anchor="ctr"/>
+          <a:lstStyle/>
+          <a:p>
+            <a:pPr algn="ctr"/>
+            <a:endParaRPr lang="it-IT" sz="1600"/>
+          </a:p>
+        </p:txBody>
+      </p:sp>
+      <p:sp>
+        <p:nvSpPr>
+          <p:cNvPr id="43" name="Rettangolo 42"/>
+          <p:cNvSpPr/>
+          <p:nvPr/>
+        </p:nvSpPr>
+        <p:spPr>
+          <a:xfrm>
+            <a:off x="2143106" y="2525336"/>
+            <a:ext cx="3695011" cy="695186"/>
+          </a:xfrm>
+          <a:prstGeom prst="rect">
+            <a:avLst/>
+          </a:prstGeom>
+          <a:solidFill>
+            <a:srgbClr val="FFFFCC"/>
+          </a:solidFill>
+          <a:ln>
+            <a:noFill/>
+          </a:ln>
+        </p:spPr>
+        <p:style>
+          <a:lnRef idx="2">
+            <a:schemeClr val="accent1">
+              <a:shade val="50000"/>
+            </a:schemeClr>
+          </a:lnRef>
+          <a:fillRef idx="1">
+            <a:schemeClr val="accent1"/>
+          </a:fillRef>
+          <a:effectRef idx="0">
+            <a:schemeClr val="accent1"/>
+          </a:effectRef>
+          <a:fontRef idx="minor">
+            <a:schemeClr val="lt1"/>
+          </a:fontRef>
+        </p:style>
+        <p:txBody>
+          <a:bodyPr rtlCol="0" anchor="ctr"/>
+          <a:lstStyle/>
+          <a:p>
+            <a:pPr algn="ctr"/>
+            <a:endParaRPr lang="it-IT" sz="1600" dirty="0"/>
+          </a:p>
+        </p:txBody>
+      </p:sp>
+      <p:sp>
+        <p:nvSpPr>
+          <p:cNvPr id="38" name="Rettangolo 37"/>
+          <p:cNvSpPr/>
+          <p:nvPr/>
+        </p:nvSpPr>
+        <p:spPr>
+          <a:xfrm>
+            <a:off x="5809914" y="2529528"/>
+            <a:ext cx="2575697" cy="695186"/>
+          </a:xfrm>
+          <a:prstGeom prst="rect">
+            <a:avLst/>
+          </a:prstGeom>
+          <a:solidFill>
+            <a:srgbClr val="FFE48F"/>
+          </a:solidFill>
+          <a:ln>
+            <a:noFill/>
+          </a:ln>
+        </p:spPr>
+        <p:style>
+          <a:lnRef idx="2">
+            <a:schemeClr val="accent1">
+              <a:shade val="50000"/>
+            </a:schemeClr>
+          </a:lnRef>
+          <a:fillRef idx="1">
+            <a:schemeClr val="accent1"/>
+          </a:fillRef>
+          <a:effectRef idx="0">
+            <a:schemeClr val="accent1"/>
+          </a:effectRef>
+          <a:fontRef idx="minor">
+            <a:schemeClr val="lt1"/>
+          </a:fontRef>
+        </p:style>
+        <p:txBody>
+          <a:bodyPr rtlCol="0" anchor="ctr"/>
+          <a:lstStyle/>
+          <a:p>
+            <a:pPr algn="ctr"/>
+            <a:endParaRPr lang="it-IT" sz="1600" dirty="0"/>
+          </a:p>
+        </p:txBody>
+      </p:sp>
+      <p:sp>
+        <p:nvSpPr>
+          <p:cNvPr id="44" name="Rettangolo 43"/>
+          <p:cNvSpPr/>
+          <p:nvPr/>
+        </p:nvSpPr>
+        <p:spPr>
+          <a:xfrm>
+            <a:off x="8386281" y="2534040"/>
+            <a:ext cx="1866184" cy="695186"/>
+          </a:xfrm>
+          <a:prstGeom prst="rect">
+            <a:avLst/>
+          </a:prstGeom>
+          <a:solidFill>
+            <a:srgbClr val="D9F698"/>
+          </a:solidFill>
+          <a:ln>
+            <a:noFill/>
+          </a:ln>
+        </p:spPr>
+        <p:style>
+          <a:lnRef idx="2">
+            <a:schemeClr val="accent1">
+              <a:shade val="50000"/>
+            </a:schemeClr>
+          </a:lnRef>
+          <a:fillRef idx="1">
+            <a:schemeClr val="accent1"/>
+          </a:fillRef>
+          <a:effectRef idx="0">
+            <a:schemeClr val="accent1"/>
+          </a:effectRef>
+          <a:fontRef idx="minor">
+            <a:schemeClr val="lt1"/>
+          </a:fontRef>
+        </p:style>
+        <p:txBody>
+          <a:bodyPr rtlCol="0" anchor="ctr"/>
+          <a:lstStyle/>
+          <a:p>
+            <a:pPr algn="ctr"/>
+            <a:r>
+              <a:rPr lang="it-IT" sz="1600" b="1" dirty="0" smtClean="0">
                 <a:solidFill>
                   <a:srgbClr val="C00000"/>
                 </a:solidFill>
               </a:rPr>
-              <a:t> </a:t>
-            </a:r>
-            <a:r>
-              <a:rPr lang="it-IT" altLang="it-IT" sz="2800" dirty="0" err="1" smtClean="0">
-                <a:solidFill>
-                  <a:srgbClr val="C00000"/>
-                </a:solidFill>
-              </a:rPr>
-              <a:t>environment</a:t>
-            </a:r>
-            <a:r>
-              <a:rPr lang="it-IT" altLang="it-IT" sz="2800" dirty="0" smtClean="0">
-                <a:solidFill>
-                  <a:srgbClr val="C00000"/>
-                </a:solidFill>
-              </a:rPr>
-              <a:t> </a:t>
-            </a:r>
-            <a:r>
-              <a:rPr lang="it-IT" altLang="it-IT" sz="2800" dirty="0" err="1" smtClean="0">
-                <a:solidFill>
-                  <a:srgbClr val="C00000"/>
-                </a:solidFill>
-              </a:rPr>
-              <a:t>through</a:t>
-            </a:r>
-            <a:r>
-              <a:rPr lang="it-IT" altLang="it-IT" sz="2800" dirty="0" smtClean="0">
-                <a:solidFill>
-                  <a:srgbClr val="C00000"/>
-                </a:solidFill>
-              </a:rPr>
-              <a:t> PROVIDER </a:t>
-            </a:r>
-            <a:r>
-              <a:rPr lang="it-IT" altLang="it-IT" sz="2800" dirty="0" err="1" smtClean="0">
-                <a:solidFill>
-                  <a:srgbClr val="C00000"/>
-                </a:solidFill>
-              </a:rPr>
-              <a:t>interfaces</a:t>
-            </a:r>
-            <a:endParaRPr lang="it-IT" altLang="it-IT" sz="2800" dirty="0">
+              <a:t>Reports</a:t>
+            </a:r>
+            <a:endParaRPr lang="it-IT" sz="1600" b="1" dirty="0">
               <a:solidFill>
                 <a:srgbClr val="C00000"/>
               </a:solidFill>
@@ -18024,451 +19348,263 @@
           </a:p>
         </p:txBody>
       </p:sp>
-      <p:sp>
-        <p:nvSpPr>
-          <p:cNvPr id="2" name="Rettangolo 1"/>
-          <p:cNvSpPr/>
+      <p:pic>
+        <p:nvPicPr>
+          <p:cNvPr id="1026" name="Picture 2" descr="logo.png"/>
+          <p:cNvPicPr>
+            <a:picLocks noChangeAspect="1" noChangeArrowheads="1"/>
+          </p:cNvPicPr>
           <p:nvPr/>
-        </p:nvSpPr>
-        <p:spPr>
-          <a:xfrm>
-            <a:off x="116958" y="840827"/>
-            <a:ext cx="12075042" cy="6593600"/>
+        </p:nvPicPr>
+        <p:blipFill>
+          <a:blip r:embed="rId3">
+            <a:extLst>
+              <a:ext uri="{28A0092B-C50C-407E-A947-70E740481C1C}">
+                <a14:useLocalDpi xmlns:a14="http://schemas.microsoft.com/office/drawing/2010/main" val="0"/>
+              </a:ext>
+            </a:extLst>
+          </a:blip>
+          <a:srcRect/>
+          <a:stretch>
+            <a:fillRect/>
+          </a:stretch>
+        </p:blipFill>
+        <p:spPr bwMode="auto">
+          <a:xfrm>
+            <a:off x="8280172" y="4018335"/>
+            <a:ext cx="1181100" cy="1371601"/>
           </a:xfrm>
           <a:prstGeom prst="rect">
             <a:avLst/>
           </a:prstGeom>
-        </p:spPr>
-        <p:txBody>
-          <a:bodyPr wrap="square">
-            <a:spAutoFit/>
-          </a:bodyPr>
-          <a:lstStyle/>
-          <a:p>
-            <a:pPr marL="342900" indent="-342900">
-              <a:lnSpc>
-                <a:spcPct val="120000"/>
-              </a:lnSpc>
-              <a:spcAft>
-                <a:spcPts val="600"/>
-              </a:spcAft>
-              <a:buFont typeface="Arial" panose="020B0604020202020204" pitchFamily="34" charset="0"/>
-              <a:buChar char="•"/>
-            </a:pPr>
-            <a:r>
-              <a:rPr lang="en-US" sz="2400" dirty="0"/>
-              <a:t>To utilize </a:t>
-            </a:r>
-            <a:r>
-              <a:rPr lang="en-US" sz="2400" dirty="0" err="1"/>
-              <a:t>JDProcessor</a:t>
-            </a:r>
-            <a:r>
-              <a:rPr lang="en-US" sz="2400" dirty="0"/>
-              <a:t> in your environment, simply </a:t>
-            </a:r>
-            <a:r>
-              <a:rPr lang="en-US" sz="2400" b="1" dirty="0">
-                <a:solidFill>
-                  <a:srgbClr val="C00000"/>
-                </a:solidFill>
-              </a:rPr>
-              <a:t>implement the Provider and </a:t>
-            </a:r>
-            <a:r>
-              <a:rPr lang="en-US" sz="2400" b="1" dirty="0" err="1">
-                <a:solidFill>
-                  <a:srgbClr val="C00000"/>
-                </a:solidFill>
-              </a:rPr>
-              <a:t>Provider_ext_reg</a:t>
-            </a:r>
-            <a:r>
-              <a:rPr lang="en-US" sz="2400" b="1" dirty="0">
-                <a:solidFill>
-                  <a:srgbClr val="C00000"/>
-                </a:solidFill>
-              </a:rPr>
-              <a:t> interfaces </a:t>
-            </a:r>
-            <a:r>
-              <a:rPr lang="en-US" sz="2400" dirty="0"/>
-              <a:t>to read your data and external </a:t>
-            </a:r>
-            <a:r>
-              <a:rPr lang="en-US" sz="2400" dirty="0" err="1" smtClean="0"/>
-              <a:t>regressors</a:t>
-            </a:r>
-            <a:r>
-              <a:rPr lang="en-US" sz="2400" dirty="0" smtClean="0"/>
-              <a:t>. </a:t>
-            </a:r>
-            <a:endParaRPr lang="en-US" sz="2400" dirty="0"/>
-          </a:p>
-          <a:p>
-            <a:pPr marL="2243138" lvl="1" indent="-342900">
-              <a:lnSpc>
-                <a:spcPct val="150000"/>
-              </a:lnSpc>
-              <a:buFont typeface="Symbol" panose="05050102010706020507" pitchFamily="18" charset="2"/>
-              <a:buChar char="-"/>
-            </a:pPr>
-            <a:r>
-              <a:rPr lang="en-US" sz="2400" dirty="0"/>
-              <a:t>f</a:t>
-            </a:r>
-            <a:r>
-              <a:rPr lang="en-US" sz="2400" dirty="0" smtClean="0"/>
-              <a:t>lexible input</a:t>
-            </a:r>
-            <a:r>
-              <a:rPr lang="en-US" sz="2400" dirty="0"/>
-              <a:t>,  strict rules for the </a:t>
-            </a:r>
-            <a:r>
-              <a:rPr lang="en-US" sz="2400" dirty="0" smtClean="0"/>
-              <a:t>output</a:t>
-            </a:r>
-          </a:p>
-          <a:p>
-            <a:pPr marL="2243138" lvl="1" indent="-342900">
-              <a:lnSpc>
-                <a:spcPct val="120000"/>
-              </a:lnSpc>
-              <a:spcAft>
-                <a:spcPts val="1200"/>
-              </a:spcAft>
-              <a:buFont typeface="Symbol" panose="05050102010706020507" pitchFamily="18" charset="2"/>
-              <a:buChar char="-"/>
-            </a:pPr>
-            <a:r>
-              <a:rPr lang="it-IT" sz="2400" dirty="0"/>
-              <a:t>e.g. </a:t>
-            </a:r>
-            <a:r>
-              <a:rPr lang="it-IT" sz="2400" dirty="0" err="1"/>
-              <a:t>Provider_csv</a:t>
-            </a:r>
-            <a:r>
-              <a:rPr lang="it-IT" sz="2400" dirty="0"/>
-              <a:t>, </a:t>
-            </a:r>
-            <a:r>
-              <a:rPr lang="it-IT" sz="2400" dirty="0" err="1"/>
-              <a:t>Provider_txt</a:t>
-            </a:r>
-            <a:r>
-              <a:rPr lang="it-IT" sz="2400" dirty="0"/>
-              <a:t>, </a:t>
-            </a:r>
-            <a:r>
-              <a:rPr lang="it-IT" sz="2400" dirty="0" err="1" smtClean="0"/>
-              <a:t>Provider_jdbc</a:t>
-            </a:r>
-            <a:endParaRPr lang="en-US" sz="2400" dirty="0" smtClean="0"/>
-          </a:p>
-          <a:p>
-            <a:pPr marL="342900" indent="-342900">
-              <a:buFont typeface="Arial" panose="020B0604020202020204" pitchFamily="34" charset="0"/>
-              <a:buChar char="•"/>
-            </a:pPr>
-            <a:r>
-              <a:rPr lang="en-US" sz="2400" dirty="0" smtClean="0"/>
-              <a:t>Then, pass the Providers </a:t>
-            </a:r>
-            <a:r>
-              <a:rPr lang="en-US" sz="2400" dirty="0"/>
-              <a:t>to the processor</a:t>
-            </a:r>
-            <a:r>
-              <a:rPr lang="en-US" sz="2400" dirty="0" smtClean="0"/>
-              <a:t>.</a:t>
-            </a:r>
-            <a:endParaRPr lang="it-IT" sz="2400" dirty="0" smtClean="0"/>
-          </a:p>
-          <a:p>
-            <a:endParaRPr lang="en-US" sz="2400" dirty="0" smtClean="0"/>
-          </a:p>
-          <a:p>
-            <a:pPr>
-              <a:spcAft>
-                <a:spcPts val="1200"/>
-              </a:spcAft>
-            </a:pPr>
-            <a:r>
-              <a:rPr lang="it-IT" sz="2400" b="1" dirty="0" smtClean="0">
-                <a:solidFill>
-                  <a:srgbClr val="C00000"/>
-                </a:solidFill>
-              </a:rPr>
-              <a:t>Provider</a:t>
-            </a:r>
-            <a:r>
-              <a:rPr lang="it-IT" sz="2400" dirty="0" smtClean="0">
-                <a:solidFill>
-                  <a:srgbClr val="C00000"/>
-                </a:solidFill>
-              </a:rPr>
-              <a:t>:</a:t>
-            </a:r>
-            <a:endParaRPr lang="it-IT" sz="2400" dirty="0" smtClean="0"/>
-          </a:p>
-          <a:p>
-            <a:pPr marL="742950" lvl="2" indent="-285750">
-              <a:spcAft>
-                <a:spcPts val="1000"/>
-              </a:spcAft>
-              <a:buFont typeface="Arial" panose="020B0604020202020204" pitchFamily="34" charset="0"/>
-              <a:buChar char="•"/>
-            </a:pPr>
-            <a:r>
-              <a:rPr lang="it-IT" sz="2400" dirty="0" err="1" smtClean="0"/>
-              <a:t>Constructor's</a:t>
-            </a:r>
-            <a:r>
-              <a:rPr lang="it-IT" sz="2400" dirty="0" smtClean="0"/>
-              <a:t> </a:t>
-            </a:r>
-            <a:r>
-              <a:rPr lang="it-IT" sz="2400" dirty="0" err="1" smtClean="0"/>
-              <a:t>arguments</a:t>
-            </a:r>
-            <a:r>
-              <a:rPr lang="it-IT" sz="2400" dirty="0" smtClean="0"/>
-              <a:t>: </a:t>
-            </a:r>
-          </a:p>
-          <a:p>
-            <a:pPr marL="2062163" lvl="2" indent="-247650">
-              <a:spcAft>
-                <a:spcPts val="1200"/>
-              </a:spcAft>
-              <a:buFont typeface="Symbol" panose="05050102010706020507" pitchFamily="18" charset="2"/>
-              <a:buChar char=""/>
-            </a:pPr>
-            <a:r>
-              <a:rPr lang="it-IT" sz="2400" dirty="0" smtClean="0"/>
-              <a:t> </a:t>
-            </a:r>
-            <a:r>
-              <a:rPr lang="it-IT" sz="2400" dirty="0" err="1" smtClean="0"/>
-              <a:t>input_source</a:t>
-            </a:r>
-            <a:r>
-              <a:rPr lang="it-IT" sz="2400" dirty="0" smtClean="0"/>
-              <a:t>: "ANY"</a:t>
-            </a:r>
-          </a:p>
-          <a:p>
-            <a:pPr marL="742950" lvl="2" indent="-285750">
-              <a:lnSpc>
-                <a:spcPct val="120000"/>
-              </a:lnSpc>
-              <a:spcAft>
-                <a:spcPts val="1000"/>
-              </a:spcAft>
-              <a:buFont typeface="Arial" panose="020B0604020202020204" pitchFamily="34" charset="0"/>
-              <a:buChar char="•"/>
-            </a:pPr>
-            <a:r>
-              <a:rPr lang="it-IT" sz="2400" b="1" dirty="0" err="1" smtClean="0"/>
-              <a:t>read_data</a:t>
-            </a:r>
-            <a:r>
-              <a:rPr lang="it-IT" sz="2400" b="1" dirty="0" smtClean="0"/>
-              <a:t>(…) </a:t>
-            </a:r>
-            <a:r>
-              <a:rPr lang="it-IT" sz="2400" dirty="0" err="1" smtClean="0"/>
-              <a:t>method</a:t>
-            </a:r>
-            <a:r>
-              <a:rPr lang="it-IT" sz="2400" dirty="0" smtClean="0"/>
-              <a:t>:</a:t>
-            </a:r>
-          </a:p>
-          <a:p>
-            <a:pPr marL="2147888" lvl="2" indent="-342900">
-              <a:lnSpc>
-                <a:spcPct val="120000"/>
-              </a:lnSpc>
-              <a:buFont typeface="Symbol" panose="05050102010706020507" pitchFamily="18" charset="2"/>
-              <a:buChar char=""/>
-            </a:pPr>
-            <a:r>
-              <a:rPr lang="it-IT" sz="2400" b="1" u="sng" dirty="0" smtClean="0"/>
-              <a:t>output: </a:t>
-            </a:r>
-            <a:r>
-              <a:rPr lang="it-IT" sz="2400" b="1" u="sng" dirty="0" err="1" smtClean="0"/>
-              <a:t>mts</a:t>
-            </a:r>
-            <a:r>
-              <a:rPr lang="it-IT" sz="2400" b="1" u="sng" dirty="0" smtClean="0"/>
-              <a:t> </a:t>
-            </a:r>
-            <a:r>
-              <a:rPr lang="it-IT" sz="2400" u="sng" dirty="0" smtClean="0"/>
-              <a:t>(multivariate time </a:t>
-            </a:r>
-            <a:r>
-              <a:rPr lang="it-IT" sz="2400" u="sng" dirty="0" err="1" smtClean="0"/>
-              <a:t>series</a:t>
-            </a:r>
-            <a:r>
-              <a:rPr lang="it-IT" sz="2400" u="sng" dirty="0" smtClean="0"/>
-              <a:t>) </a:t>
-            </a:r>
-            <a:r>
-              <a:rPr lang="it-IT" sz="2400" u="sng" dirty="0" err="1" smtClean="0"/>
-              <a:t>obj</a:t>
-            </a:r>
-            <a:r>
-              <a:rPr lang="it-IT" sz="2400" u="sng" dirty="0" smtClean="0"/>
-              <a:t>., with time </a:t>
-            </a:r>
-            <a:r>
-              <a:rPr lang="it-IT" sz="2400" u="sng" dirty="0" err="1" smtClean="0"/>
-              <a:t>series</a:t>
-            </a:r>
-            <a:r>
-              <a:rPr lang="it-IT" sz="2400" u="sng" dirty="0" smtClean="0"/>
-              <a:t> </a:t>
-            </a:r>
-            <a:r>
-              <a:rPr lang="it-IT" sz="2400" u="sng" dirty="0" err="1" smtClean="0"/>
-              <a:t>names</a:t>
-            </a:r>
-            <a:r>
-              <a:rPr lang="it-IT" sz="2400" u="sng" dirty="0" smtClean="0"/>
-              <a:t> and </a:t>
-            </a:r>
-            <a:r>
-              <a:rPr lang="it-IT" sz="2400" u="sng" dirty="0" err="1" smtClean="0"/>
-              <a:t>dates</a:t>
-            </a:r>
-            <a:endParaRPr lang="it-IT" sz="2400" u="sng" dirty="0" smtClean="0"/>
-          </a:p>
-          <a:p>
-            <a:pPr marL="2147888" lvl="2" indent="-342900">
-              <a:lnSpc>
-                <a:spcPct val="120000"/>
-              </a:lnSpc>
-              <a:buFont typeface="Symbol" panose="05050102010706020507" pitchFamily="18" charset="2"/>
-              <a:buChar char=""/>
-            </a:pPr>
-            <a:r>
-              <a:rPr lang="it-IT" sz="2400" dirty="0"/>
-              <a:t>no </a:t>
-            </a:r>
-            <a:r>
-              <a:rPr lang="it-IT" sz="2400" dirty="0" err="1" smtClean="0"/>
-              <a:t>specific</a:t>
-            </a:r>
-            <a:r>
-              <a:rPr lang="it-IT" sz="2400" dirty="0" smtClean="0"/>
-              <a:t> input (…)</a:t>
-            </a:r>
-            <a:endParaRPr lang="it-IT" sz="2400" dirty="0"/>
-          </a:p>
-          <a:p>
-            <a:pPr marL="1804988" lvl="2"/>
-            <a:r>
-              <a:rPr lang="it-IT" sz="2400" dirty="0" smtClean="0"/>
-              <a:t>     		</a:t>
-            </a:r>
-          </a:p>
-          <a:p>
-            <a:pPr marL="4125913" indent="-342900"/>
-            <a:endParaRPr lang="it-IT" dirty="0"/>
-          </a:p>
-        </p:txBody>
-      </p:sp>
+          <a:noFill/>
+          <a:extLst>
+            <a:ext uri="{909E8E84-426E-40DD-AFC4-6F175D3DCCD1}">
+              <a14:hiddenFill xmlns:a14="http://schemas.microsoft.com/office/drawing/2010/main">
+                <a:solidFill>
+                  <a:srgbClr val="FFFFFF"/>
+                </a:solidFill>
+              </a14:hiddenFill>
+            </a:ext>
+          </a:extLst>
+        </p:spPr>
+      </p:pic>
       <p:pic>
         <p:nvPicPr>
-          <p:cNvPr id="10" name="Immagine 9"/>
+          <p:cNvPr id="8" name="Immagine 7"/>
           <p:cNvPicPr>
             <a:picLocks noChangeAspect="1"/>
           </p:cNvPicPr>
           <p:nvPr/>
         </p:nvPicPr>
         <p:blipFill>
-          <a:blip r:embed="rId2"/>
+          <a:blip r:embed="rId4"/>
           <a:stretch>
             <a:fillRect/>
           </a:stretch>
         </p:blipFill>
         <p:spPr>
           <a:xfrm>
-            <a:off x="7629945" y="3181941"/>
-            <a:ext cx="4080286" cy="2068979"/>
+            <a:off x="1197826" y="3941810"/>
+            <a:ext cx="932266" cy="1098563"/>
           </a:xfrm>
           <a:prstGeom prst="rect">
             <a:avLst/>
           </a:prstGeom>
         </p:spPr>
       </p:pic>
-      <p:cxnSp>
-        <p:nvCxnSpPr>
-          <p:cNvPr id="28" name="Connettore 2 27"/>
-          <p:cNvCxnSpPr/>
-          <p:nvPr/>
-        </p:nvCxnSpPr>
-        <p:spPr>
-          <a:xfrm flipV="1">
-            <a:off x="9670088" y="5282820"/>
-            <a:ext cx="0" cy="501291"/>
-          </a:xfrm>
-          <a:prstGeom prst="straightConnector1">
-            <a:avLst/>
-          </a:prstGeom>
-          <a:ln>
-            <a:tailEnd type="triangle"/>
-          </a:ln>
-        </p:spPr>
-        <p:style>
-          <a:lnRef idx="1">
-            <a:schemeClr val="dk1"/>
-          </a:lnRef>
-          <a:fillRef idx="0">
-            <a:schemeClr val="dk1"/>
-          </a:fillRef>
-          <a:effectRef idx="0">
-            <a:schemeClr val="dk1"/>
-          </a:effectRef>
-          <a:fontRef idx="minor">
-            <a:schemeClr val="tx1"/>
-          </a:fontRef>
-        </p:style>
-      </p:cxnSp>
       <p:pic>
         <p:nvPicPr>
-          <p:cNvPr id="31" name="Immagine 30"/>
+          <p:cNvPr id="45" name="Picture 10" descr="apple-touch-icon-120x120.png"/>
+          <p:cNvPicPr>
+            <a:picLocks noChangeAspect="1" noChangeArrowheads="1"/>
+          </p:cNvPicPr>
+          <p:nvPr/>
+        </p:nvPicPr>
+        <p:blipFill>
+          <a:blip r:embed="rId5">
+            <a:extLst>
+              <a:ext uri="{28A0092B-C50C-407E-A947-70E740481C1C}">
+                <a14:useLocalDpi xmlns:a14="http://schemas.microsoft.com/office/drawing/2010/main" val="0"/>
+              </a:ext>
+            </a:extLst>
+          </a:blip>
+          <a:srcRect/>
+          <a:stretch>
+            <a:fillRect/>
+          </a:stretch>
+        </p:blipFill>
+        <p:spPr bwMode="auto">
+          <a:xfrm>
+            <a:off x="4170630" y="3100595"/>
+            <a:ext cx="984355" cy="984356"/>
+          </a:xfrm>
+          <a:prstGeom prst="rect">
+            <a:avLst/>
+          </a:prstGeom>
+          <a:noFill/>
+          <a:extLst>
+            <a:ext uri="{909E8E84-426E-40DD-AFC4-6F175D3DCCD1}">
+              <a14:hiddenFill xmlns:a14="http://schemas.microsoft.com/office/drawing/2010/main">
+                <a:solidFill>
+                  <a:srgbClr val="FFFFFF"/>
+                </a:solidFill>
+              </a14:hiddenFill>
+            </a:ext>
+          </a:extLst>
+        </p:spPr>
+      </p:pic>
+      <p:pic>
+        <p:nvPicPr>
+          <p:cNvPr id="52" name="Picture 2" descr="logo.png"/>
+          <p:cNvPicPr>
+            <a:picLocks noChangeAspect="1" noChangeArrowheads="1"/>
+          </p:cNvPicPr>
+          <p:nvPr/>
+        </p:nvPicPr>
+        <p:blipFill>
+          <a:blip r:embed="rId3">
+            <a:extLst>
+              <a:ext uri="{28A0092B-C50C-407E-A947-70E740481C1C}">
+                <a14:useLocalDpi xmlns:a14="http://schemas.microsoft.com/office/drawing/2010/main" val="0"/>
+              </a:ext>
+            </a:extLst>
+          </a:blip>
+          <a:srcRect/>
+          <a:stretch>
+            <a:fillRect/>
+          </a:stretch>
+        </p:blipFill>
+        <p:spPr bwMode="auto">
+          <a:xfrm>
+            <a:off x="4115090" y="4097498"/>
+            <a:ext cx="599515" cy="696212"/>
+          </a:xfrm>
+          <a:prstGeom prst="rect">
+            <a:avLst/>
+          </a:prstGeom>
+          <a:noFill/>
+          <a:extLst>
+            <a:ext uri="{909E8E84-426E-40DD-AFC4-6F175D3DCCD1}">
+              <a14:hiddenFill xmlns:a14="http://schemas.microsoft.com/office/drawing/2010/main">
+                <a:solidFill>
+                  <a:srgbClr val="FFFFFF"/>
+                </a:solidFill>
+              </a14:hiddenFill>
+            </a:ext>
+          </a:extLst>
+        </p:spPr>
+      </p:pic>
+      <p:pic>
+        <p:nvPicPr>
+          <p:cNvPr id="53" name="Picture 2" descr="logo.png"/>
+          <p:cNvPicPr>
+            <a:picLocks noChangeAspect="1" noChangeArrowheads="1"/>
+          </p:cNvPicPr>
+          <p:nvPr/>
+        </p:nvPicPr>
+        <p:blipFill>
+          <a:blip r:embed="rId3">
+            <a:extLst>
+              <a:ext uri="{28A0092B-C50C-407E-A947-70E740481C1C}">
+                <a14:useLocalDpi xmlns:a14="http://schemas.microsoft.com/office/drawing/2010/main" val="0"/>
+              </a:ext>
+            </a:extLst>
+          </a:blip>
+          <a:srcRect/>
+          <a:stretch>
+            <a:fillRect/>
+          </a:stretch>
+        </p:blipFill>
+        <p:spPr bwMode="auto">
+          <a:xfrm>
+            <a:off x="6232041" y="4119320"/>
+            <a:ext cx="599515" cy="696212"/>
+          </a:xfrm>
+          <a:prstGeom prst="rect">
+            <a:avLst/>
+          </a:prstGeom>
+          <a:noFill/>
+          <a:extLst>
+            <a:ext uri="{909E8E84-426E-40DD-AFC4-6F175D3DCCD1}">
+              <a14:hiddenFill xmlns:a14="http://schemas.microsoft.com/office/drawing/2010/main">
+                <a:solidFill>
+                  <a:srgbClr val="FFFFFF"/>
+                </a:solidFill>
+              </a14:hiddenFill>
+            </a:ext>
+          </a:extLst>
+        </p:spPr>
+      </p:pic>
+      <p:pic>
+        <p:nvPicPr>
+          <p:cNvPr id="11" name="Immagine 10"/>
           <p:cNvPicPr>
             <a:picLocks noChangeAspect="1"/>
           </p:cNvPicPr>
           <p:nvPr/>
         </p:nvPicPr>
         <p:blipFill>
-          <a:blip r:embed="rId3"/>
+          <a:blip r:embed="rId6"/>
           <a:stretch>
             <a:fillRect/>
           </a:stretch>
         </p:blipFill>
         <p:spPr>
           <a:xfrm>
-            <a:off x="182880" y="549867"/>
-            <a:ext cx="11541760" cy="206103"/>
+            <a:off x="3121532" y="2340636"/>
+            <a:ext cx="869079" cy="996607"/>
           </a:xfrm>
           <a:prstGeom prst="rect">
             <a:avLst/>
           </a:prstGeom>
+        </p:spPr>
+      </p:pic>
+      <p:pic>
+        <p:nvPicPr>
+          <p:cNvPr id="54" name="Picture 10" descr="apple-touch-icon-120x120.png"/>
+          <p:cNvPicPr>
+            <a:picLocks noChangeAspect="1" noChangeArrowheads="1"/>
+          </p:cNvPicPr>
+          <p:nvPr/>
+        </p:nvPicPr>
+        <p:blipFill>
+          <a:blip r:embed="rId5">
+            <a:extLst>
+              <a:ext uri="{28A0092B-C50C-407E-A947-70E740481C1C}">
+                <a14:useLocalDpi xmlns:a14="http://schemas.microsoft.com/office/drawing/2010/main" val="0"/>
+              </a:ext>
+            </a:extLst>
+          </a:blip>
+          <a:srcRect/>
+          <a:stretch>
+            <a:fillRect/>
+          </a:stretch>
+        </p:blipFill>
+        <p:spPr bwMode="auto">
+          <a:xfrm>
+            <a:off x="7001754" y="2358101"/>
+            <a:ext cx="984355" cy="984356"/>
+          </a:xfrm>
+          <a:prstGeom prst="rect">
+            <a:avLst/>
+          </a:prstGeom>
+          <a:noFill/>
+          <a:extLst>
+            <a:ext uri="{909E8E84-426E-40DD-AFC4-6F175D3DCCD1}">
+              <a14:hiddenFill xmlns:a14="http://schemas.microsoft.com/office/drawing/2010/main">
+                <a:solidFill>
+                  <a:srgbClr val="FFFFFF"/>
+                </a:solidFill>
+              </a14:hiddenFill>
+            </a:ext>
+          </a:extLst>
         </p:spPr>
       </p:pic>
     </p:spTree>
     <p:extLst>
       <p:ext uri="{BB962C8B-B14F-4D97-AF65-F5344CB8AC3E}">
-        <p14:creationId xmlns:p14="http://schemas.microsoft.com/office/powerpoint/2010/main" val="2989834327"/>
+        <p14:creationId xmlns:p14="http://schemas.microsoft.com/office/powerpoint/2010/main" val="1816854188"/>
       </p:ext>
     </p:extLst>
   </p:cSld>
@@ -18504,50 +19640,6 @@
       </p:grpSpPr>
       <p:sp>
         <p:nvSpPr>
-          <p:cNvPr id="19461" name="Titolo 4"/>
-          <p:cNvSpPr>
-            <a:spLocks noGrp="1"/>
-          </p:cNvSpPr>
-          <p:nvPr>
-            <p:ph type="title"/>
-          </p:nvPr>
-        </p:nvSpPr>
-        <p:spPr>
-          <a:xfrm>
-            <a:off x="79432" y="493779"/>
-            <a:ext cx="11269662" cy="393634"/>
-          </a:xfrm>
-        </p:spPr>
-        <p:txBody>
-          <a:bodyPr/>
-          <a:lstStyle/>
-          <a:p>
-            <a:r>
-              <a:rPr lang="it-IT" altLang="it-IT" sz="3200" dirty="0" smtClean="0">
-                <a:solidFill>
-                  <a:srgbClr val="C00000"/>
-                </a:solidFill>
-              </a:rPr>
-              <a:t>PROVIDER_EXT_REG </a:t>
-            </a:r>
-            <a:r>
-              <a:rPr lang="it-IT" altLang="it-IT" sz="3200" dirty="0" err="1" smtClean="0">
-                <a:solidFill>
-                  <a:srgbClr val="C00000"/>
-                </a:solidFill>
-              </a:rPr>
-              <a:t>interface</a:t>
-            </a:r>
-            <a:endParaRPr lang="it-IT" altLang="it-IT" sz="3200" dirty="0">
-              <a:solidFill>
-                <a:srgbClr val="C00000"/>
-              </a:solidFill>
-            </a:endParaRPr>
-          </a:p>
-        </p:txBody>
-      </p:sp>
-      <p:sp>
-        <p:nvSpPr>
           <p:cNvPr id="9" name="Segnaposto numero diapositiva 4">
             <a:extLst>
               <a:ext uri="{FF2B5EF4-FFF2-40B4-BE49-F238E27FC236}">
@@ -18563,10 +19655,6 @@
           </p:nvPr>
         </p:nvSpPr>
         <p:spPr>
-          <a:xfrm>
-            <a:off x="4491" y="6454522"/>
-            <a:ext cx="501650" cy="365125"/>
-          </a:xfrm>
           <a:prstGeom prst="rect">
             <a:avLst/>
           </a:prstGeom>
@@ -18591,14 +19679,114 @@
       </p:sp>
       <p:sp>
         <p:nvSpPr>
+          <p:cNvPr id="19461" name="Titolo 4"/>
+          <p:cNvSpPr>
+            <a:spLocks noGrp="1"/>
+          </p:cNvSpPr>
+          <p:nvPr>
+            <p:ph type="title" idx="4294967295"/>
+          </p:nvPr>
+        </p:nvSpPr>
+        <p:spPr>
+          <a:xfrm>
+            <a:off x="922338" y="173627"/>
+            <a:ext cx="11269662" cy="384175"/>
+          </a:xfrm>
+        </p:spPr>
+        <p:txBody>
+          <a:bodyPr/>
+          <a:lstStyle/>
+          <a:p>
+            <a:r>
+              <a:rPr lang="it-IT" altLang="it-IT" sz="2800" dirty="0" err="1" smtClean="0">
+                <a:solidFill>
+                  <a:srgbClr val="C00000"/>
+                </a:solidFill>
+              </a:rPr>
+              <a:t>Adapt</a:t>
+            </a:r>
+            <a:r>
+              <a:rPr lang="it-IT" altLang="it-IT" sz="2800" dirty="0" smtClean="0">
+                <a:solidFill>
+                  <a:srgbClr val="C00000"/>
+                </a:solidFill>
+              </a:rPr>
+              <a:t> to </a:t>
+            </a:r>
+            <a:r>
+              <a:rPr lang="it-IT" altLang="it-IT" sz="2800" dirty="0" err="1" smtClean="0">
+                <a:solidFill>
+                  <a:srgbClr val="C00000"/>
+                </a:solidFill>
+              </a:rPr>
+              <a:t>your</a:t>
+            </a:r>
+            <a:r>
+              <a:rPr lang="it-IT" altLang="it-IT" sz="2800" dirty="0" smtClean="0">
+                <a:solidFill>
+                  <a:srgbClr val="C00000"/>
+                </a:solidFill>
+              </a:rPr>
+              <a:t> </a:t>
+            </a:r>
+            <a:r>
+              <a:rPr lang="it-IT" altLang="it-IT" sz="2800" dirty="0" err="1" smtClean="0">
+                <a:solidFill>
+                  <a:srgbClr val="C00000"/>
+                </a:solidFill>
+              </a:rPr>
+              <a:t>environment</a:t>
+            </a:r>
+            <a:r>
+              <a:rPr lang="it-IT" altLang="it-IT" sz="2800" dirty="0" smtClean="0">
+                <a:solidFill>
+                  <a:srgbClr val="C00000"/>
+                </a:solidFill>
+              </a:rPr>
+              <a:t> </a:t>
+            </a:r>
+            <a:r>
+              <a:rPr lang="it-IT" altLang="it-IT" sz="2800" dirty="0" err="1" smtClean="0">
+                <a:solidFill>
+                  <a:srgbClr val="C00000"/>
+                </a:solidFill>
+              </a:rPr>
+              <a:t>through</a:t>
+            </a:r>
+            <a:r>
+              <a:rPr lang="it-IT" altLang="it-IT" sz="2800" dirty="0" smtClean="0">
+                <a:solidFill>
+                  <a:srgbClr val="C00000"/>
+                </a:solidFill>
+              </a:rPr>
+              <a:t> PROVIDER </a:t>
+            </a:r>
+            <a:r>
+              <a:rPr lang="it-IT" altLang="it-IT" sz="2800" dirty="0" err="1" smtClean="0">
+                <a:solidFill>
+                  <a:srgbClr val="C00000"/>
+                </a:solidFill>
+              </a:rPr>
+              <a:t>interfaces</a:t>
+            </a:r>
+            <a:endParaRPr lang="it-IT" altLang="it-IT" sz="2800" dirty="0">
+              <a:solidFill>
+                <a:srgbClr val="C00000"/>
+              </a:solidFill>
+            </a:endParaRPr>
+          </a:p>
+        </p:txBody>
+      </p:sp>
+      <p:sp>
+        <p:nvSpPr>
           <p:cNvPr id="2" name="Rettangolo 1"/>
           <p:cNvSpPr/>
           <p:nvPr/>
         </p:nvSpPr>
         <p:spPr>
           <a:xfrm>
-            <a:off x="-41328" y="1086596"/>
-            <a:ext cx="11868532" cy="5967788"/>
+            <a:off x="116958" y="840827"/>
+            <a:ext cx="12075042" cy="6593600"/>
           </a:xfrm>
           <a:prstGeom prst="rect">
             <a:avLst/>
@@ -18610,66 +19798,10 @@
           </a:bodyPr>
           <a:lstStyle/>
           <a:p>
-            <a:pPr>
-              <a:spcAft>
-                <a:spcPts val="600"/>
-              </a:spcAft>
-            </a:pPr>
-            <a:r>
-              <a:rPr lang="it-IT" sz="2400" b="1" dirty="0" err="1" smtClean="0">
-                <a:solidFill>
-                  <a:srgbClr val="C00000"/>
-                </a:solidFill>
-              </a:rPr>
-              <a:t>Provider_ext_reg</a:t>
-            </a:r>
-            <a:r>
-              <a:rPr lang="it-IT" sz="2400" b="1" dirty="0" smtClean="0">
-                <a:solidFill>
-                  <a:srgbClr val="C00000"/>
-                </a:solidFill>
-              </a:rPr>
-              <a:t>:</a:t>
-            </a:r>
-          </a:p>
-          <a:p>
-            <a:pPr marL="808038" lvl="2" indent="-342900">
+            <a:pPr marL="342900" indent="-342900">
               <a:lnSpc>
                 <a:spcPct val="120000"/>
               </a:lnSpc>
-              <a:spcAft>
-                <a:spcPts val="1800"/>
-              </a:spcAft>
-              <a:buFont typeface="Arial" panose="020B0604020202020204" pitchFamily="34" charset="0"/>
-              <a:buChar char="•"/>
-            </a:pPr>
-            <a:r>
-              <a:rPr lang="it-IT" sz="2400" dirty="0" err="1" smtClean="0"/>
-              <a:t>Constructor</a:t>
-            </a:r>
-            <a:r>
-              <a:rPr lang="it-IT" sz="2400" dirty="0" smtClean="0"/>
-              <a:t>: </a:t>
-            </a:r>
-            <a:r>
-              <a:rPr lang="it-IT" sz="2400" dirty="0" err="1" smtClean="0"/>
-              <a:t>input_source</a:t>
-            </a:r>
-            <a:r>
-              <a:rPr lang="it-IT" sz="2400" dirty="0" smtClean="0"/>
-              <a:t> (</a:t>
-            </a:r>
-            <a:r>
-              <a:rPr lang="it-IT" sz="2400" dirty="0" err="1" smtClean="0"/>
-              <a:t>type</a:t>
-            </a:r>
-            <a:r>
-              <a:rPr lang="it-IT" sz="2400" dirty="0" smtClean="0"/>
-              <a:t> : "ANY")</a:t>
-            </a:r>
-          </a:p>
-          <a:p>
-            <a:pPr marL="808038" lvl="2" indent="-342900">
               <a:spcAft>
                 <a:spcPts val="600"/>
               </a:spcAft>
@@ -18677,272 +19809,337 @@
               <a:buChar char="•"/>
             </a:pPr>
             <a:r>
-              <a:rPr lang="it-IT" sz="2400" b="1" dirty="0" err="1" smtClean="0"/>
-              <a:t>read_ext_reg_data</a:t>
-            </a:r>
-            <a:r>
-              <a:rPr lang="it-IT" sz="2400" b="1" dirty="0" smtClean="0">
+              <a:rPr lang="en-US" sz="2400" dirty="0"/>
+              <a:t>To utilize </a:t>
+            </a:r>
+            <a:r>
+              <a:rPr lang="en-US" sz="2400" dirty="0" err="1"/>
+              <a:t>JDProcessor</a:t>
+            </a:r>
+            <a:r>
+              <a:rPr lang="en-US" sz="2400" dirty="0"/>
+              <a:t> in your environment, simply </a:t>
+            </a:r>
+            <a:r>
+              <a:rPr lang="en-US" sz="2400" b="1" dirty="0">
                 <a:solidFill>
                   <a:srgbClr val="C00000"/>
                 </a:solidFill>
               </a:rPr>
-              <a:t> </a:t>
-            </a:r>
-            <a:r>
-              <a:rPr lang="it-IT" sz="2400" dirty="0" smtClean="0"/>
-              <a:t>(</a:t>
-            </a:r>
-            <a:r>
-              <a:rPr lang="it-IT" sz="2400" dirty="0" err="1" smtClean="0"/>
-              <a:t>var_info</a:t>
-            </a:r>
-            <a:r>
-              <a:rPr lang="it-IT" sz="2400" dirty="0" smtClean="0"/>
-              <a:t>=NULL, </a:t>
-            </a:r>
-            <a:r>
-              <a:rPr lang="it-IT" sz="2400" dirty="0" err="1" smtClean="0"/>
-              <a:t>time_series_info</a:t>
-            </a:r>
-            <a:r>
-              <a:rPr lang="it-IT" sz="2400" dirty="0" smtClean="0"/>
-              <a:t>=NULL, … ):</a:t>
-            </a:r>
-          </a:p>
-          <a:p>
-            <a:pPr marL="1797050" lvl="4" indent="-342900">
+              <a:t>implement the Provider and </a:t>
+            </a:r>
+            <a:r>
+              <a:rPr lang="en-US" sz="2400" b="1" dirty="0" err="1">
+                <a:solidFill>
+                  <a:srgbClr val="C00000"/>
+                </a:solidFill>
+              </a:rPr>
+              <a:t>Provider_ext_reg</a:t>
+            </a:r>
+            <a:r>
+              <a:rPr lang="en-US" sz="2400" b="1" dirty="0">
+                <a:solidFill>
+                  <a:srgbClr val="C00000"/>
+                </a:solidFill>
+              </a:rPr>
+              <a:t> interfaces </a:t>
+            </a:r>
+            <a:r>
+              <a:rPr lang="en-US" sz="2400" dirty="0"/>
+              <a:t>to read your data and external </a:t>
+            </a:r>
+            <a:r>
+              <a:rPr lang="en-US" sz="2400" dirty="0" err="1" smtClean="0"/>
+              <a:t>regressors</a:t>
+            </a:r>
+            <a:r>
+              <a:rPr lang="en-US" sz="2400" dirty="0" smtClean="0"/>
+              <a:t>. </a:t>
+            </a:r>
+            <a:endParaRPr lang="en-US" sz="2400" dirty="0"/>
+          </a:p>
+          <a:p>
+            <a:pPr marL="2243138" lvl="1" indent="-342900">
               <a:lnSpc>
                 <a:spcPct val="150000"/>
               </a:lnSpc>
               <a:buFont typeface="Symbol" panose="05050102010706020507" pitchFamily="18" charset="2"/>
+              <a:buChar char="-"/>
+            </a:pPr>
+            <a:r>
+              <a:rPr lang="en-US" sz="2400" dirty="0"/>
+              <a:t>f</a:t>
+            </a:r>
+            <a:r>
+              <a:rPr lang="en-US" sz="2400" dirty="0" smtClean="0"/>
+              <a:t>lexible input</a:t>
+            </a:r>
+            <a:r>
+              <a:rPr lang="en-US" sz="2400" dirty="0"/>
+              <a:t>,  strict rules for the </a:t>
+            </a:r>
+            <a:r>
+              <a:rPr lang="en-US" sz="2400" dirty="0" smtClean="0"/>
+              <a:t>output</a:t>
+            </a:r>
+          </a:p>
+          <a:p>
+            <a:pPr marL="2243138" lvl="1" indent="-342900">
+              <a:lnSpc>
+                <a:spcPct val="120000"/>
+              </a:lnSpc>
+              <a:spcAft>
+                <a:spcPts val="1200"/>
+              </a:spcAft>
+              <a:buFont typeface="Symbol" panose="05050102010706020507" pitchFamily="18" charset="2"/>
+              <a:buChar char="-"/>
+            </a:pPr>
+            <a:r>
+              <a:rPr lang="it-IT" sz="2400" dirty="0"/>
+              <a:t>e.g. </a:t>
+            </a:r>
+            <a:r>
+              <a:rPr lang="it-IT" sz="2400" dirty="0" err="1"/>
+              <a:t>Provider_csv</a:t>
+            </a:r>
+            <a:r>
+              <a:rPr lang="it-IT" sz="2400" dirty="0"/>
+              <a:t>, </a:t>
+            </a:r>
+            <a:r>
+              <a:rPr lang="it-IT" sz="2400" dirty="0" err="1"/>
+              <a:t>Provider_txt</a:t>
+            </a:r>
+            <a:r>
+              <a:rPr lang="it-IT" sz="2400" dirty="0"/>
+              <a:t>, </a:t>
+            </a:r>
+            <a:r>
+              <a:rPr lang="it-IT" sz="2400" dirty="0" err="1" smtClean="0"/>
+              <a:t>Provider_jdbc</a:t>
+            </a:r>
+            <a:endParaRPr lang="en-US" sz="2400" dirty="0" smtClean="0"/>
+          </a:p>
+          <a:p>
+            <a:pPr marL="342900" indent="-342900">
+              <a:buFont typeface="Arial" panose="020B0604020202020204" pitchFamily="34" charset="0"/>
+              <a:buChar char="•"/>
+            </a:pPr>
+            <a:r>
+              <a:rPr lang="en-US" sz="2400" dirty="0" smtClean="0"/>
+              <a:t>Then, pass the Providers </a:t>
+            </a:r>
+            <a:r>
+              <a:rPr lang="en-US" sz="2400" dirty="0"/>
+              <a:t>to the processor</a:t>
+            </a:r>
+            <a:r>
+              <a:rPr lang="en-US" sz="2400" dirty="0" smtClean="0"/>
+              <a:t>.</a:t>
+            </a:r>
+            <a:endParaRPr lang="it-IT" sz="2400" dirty="0" smtClean="0"/>
+          </a:p>
+          <a:p>
+            <a:endParaRPr lang="en-US" sz="2400" dirty="0" smtClean="0"/>
+          </a:p>
+          <a:p>
+            <a:pPr>
+              <a:spcAft>
+                <a:spcPts val="1200"/>
+              </a:spcAft>
+            </a:pPr>
+            <a:r>
+              <a:rPr lang="it-IT" sz="2400" b="1" dirty="0" smtClean="0">
+                <a:solidFill>
+                  <a:srgbClr val="C00000"/>
+                </a:solidFill>
+              </a:rPr>
+              <a:t>Provider</a:t>
+            </a:r>
+            <a:r>
+              <a:rPr lang="it-IT" sz="2400" dirty="0" smtClean="0">
+                <a:solidFill>
+                  <a:srgbClr val="C00000"/>
+                </a:solidFill>
+              </a:rPr>
+              <a:t>:</a:t>
+            </a:r>
+            <a:endParaRPr lang="it-IT" sz="2400" dirty="0" smtClean="0"/>
+          </a:p>
+          <a:p>
+            <a:pPr marL="742950" lvl="2" indent="-285750">
+              <a:spcAft>
+                <a:spcPts val="1000"/>
+              </a:spcAft>
+              <a:buFont typeface="Arial" panose="020B0604020202020204" pitchFamily="34" charset="0"/>
+              <a:buChar char="•"/>
+            </a:pPr>
+            <a:r>
+              <a:rPr lang="it-IT" sz="2400" dirty="0" err="1" smtClean="0"/>
+              <a:t>Constructor's</a:t>
+            </a:r>
+            <a:r>
+              <a:rPr lang="it-IT" sz="2400" dirty="0" smtClean="0"/>
+              <a:t> </a:t>
+            </a:r>
+            <a:r>
+              <a:rPr lang="it-IT" sz="2400" dirty="0" err="1" smtClean="0"/>
+              <a:t>arguments</a:t>
+            </a:r>
+            <a:r>
+              <a:rPr lang="it-IT" sz="2400" dirty="0" smtClean="0"/>
+              <a:t>: </a:t>
+            </a:r>
+          </a:p>
+          <a:p>
+            <a:pPr marL="2062163" lvl="2" indent="-247650">
+              <a:spcAft>
+                <a:spcPts val="1200"/>
+              </a:spcAft>
+              <a:buFont typeface="Symbol" panose="05050102010706020507" pitchFamily="18" charset="2"/>
               <a:buChar char=""/>
             </a:pPr>
             <a:r>
-              <a:rPr lang="it-IT" sz="2400" dirty="0" err="1" smtClean="0"/>
-              <a:t>var_info</a:t>
-            </a:r>
-            <a:r>
-              <a:rPr lang="it-IT" sz="2400" dirty="0" smtClean="0"/>
-              <a:t> =</a:t>
-            </a:r>
-            <a:r>
-              <a:rPr lang="en-US" sz="2400" dirty="0" smtClean="0"/>
-              <a:t> list with filename,</a:t>
-            </a:r>
-            <a:r>
               <a:rPr lang="it-IT" sz="2400" dirty="0" smtClean="0"/>
               <a:t> </a:t>
             </a:r>
             <a:r>
               <a:rPr lang="it-IT" sz="2400" dirty="0" err="1" smtClean="0"/>
-              <a:t>start_date</a:t>
-            </a:r>
-            <a:r>
-              <a:rPr lang="it-IT" sz="2400" dirty="0"/>
-              <a:t> </a:t>
+              <a:t>input_source</a:t>
             </a:r>
             <a:r>
               <a:rPr lang="it-IT" sz="2400" dirty="0" smtClean="0"/>
-              <a:t>and </a:t>
+              <a:t>: "ANY"</a:t>
+            </a:r>
+          </a:p>
+          <a:p>
+            <a:pPr marL="742950" lvl="2" indent="-285750">
+              <a:lnSpc>
+                <a:spcPct val="120000"/>
+              </a:lnSpc>
+              <a:spcAft>
+                <a:spcPts val="1000"/>
+              </a:spcAft>
+              <a:buFont typeface="Arial" panose="020B0604020202020204" pitchFamily="34" charset="0"/>
+              <a:buChar char="•"/>
+            </a:pPr>
+            <a:r>
+              <a:rPr lang="it-IT" sz="2400" b="1" dirty="0" err="1" smtClean="0"/>
+              <a:t>read_data</a:t>
+            </a:r>
+            <a:r>
+              <a:rPr lang="it-IT" sz="2400" b="1" dirty="0" smtClean="0"/>
+              <a:t>(…) </a:t>
             </a:r>
             <a:r>
               <a:rPr lang="it-IT" sz="2400" dirty="0" err="1" smtClean="0"/>
-              <a:t>frequency</a:t>
-            </a:r>
-            <a:endParaRPr lang="it-IT" sz="2400" dirty="0" smtClean="0"/>
-          </a:p>
-          <a:p>
-            <a:pPr marL="1797050" lvl="4" indent="-342900">
+              <a:t>method</a:t>
+            </a:r>
+            <a:r>
+              <a:rPr lang="it-IT" sz="2400" dirty="0" smtClean="0"/>
+              <a:t>:</a:t>
+            </a:r>
+          </a:p>
+          <a:p>
+            <a:pPr marL="2147888" lvl="2" indent="-342900">
               <a:lnSpc>
-                <a:spcPct val="150000"/>
+                <a:spcPct val="120000"/>
               </a:lnSpc>
               <a:buFont typeface="Symbol" panose="05050102010706020507" pitchFamily="18" charset="2"/>
               <a:buChar char=""/>
             </a:pPr>
             <a:r>
-              <a:rPr lang="it-IT" sz="2400" dirty="0" err="1" smtClean="0"/>
-              <a:t>time_series_info</a:t>
-            </a:r>
-            <a:r>
-              <a:rPr lang="it-IT" sz="2400" dirty="0" smtClean="0"/>
-              <a:t> = </a:t>
-            </a:r>
-            <a:r>
-              <a:rPr lang="it-IT" sz="2400" dirty="0" err="1" smtClean="0"/>
-              <a:t>series_name</a:t>
-            </a:r>
-            <a:r>
-              <a:rPr lang="it-IT" sz="2400" dirty="0" smtClean="0"/>
-              <a:t>, </a:t>
-            </a:r>
-          </a:p>
-          <a:p>
-            <a:pPr marL="1797050" lvl="4" indent="-342900">
+              <a:rPr lang="it-IT" sz="2400" b="1" u="sng" dirty="0" smtClean="0"/>
+              <a:t>output: </a:t>
+            </a:r>
+            <a:r>
+              <a:rPr lang="it-IT" sz="2400" b="1" u="sng" dirty="0" err="1" smtClean="0"/>
+              <a:t>mts</a:t>
+            </a:r>
+            <a:r>
+              <a:rPr lang="it-IT" sz="2400" b="1" u="sng" dirty="0" smtClean="0"/>
+              <a:t> </a:t>
+            </a:r>
+            <a:r>
+              <a:rPr lang="it-IT" sz="2400" u="sng" dirty="0" smtClean="0"/>
+              <a:t>(multivariate time </a:t>
+            </a:r>
+            <a:r>
+              <a:rPr lang="it-IT" sz="2400" u="sng" dirty="0" err="1" smtClean="0"/>
+              <a:t>series</a:t>
+            </a:r>
+            <a:r>
+              <a:rPr lang="it-IT" sz="2400" u="sng" dirty="0" smtClean="0"/>
+              <a:t>) </a:t>
+            </a:r>
+            <a:r>
+              <a:rPr lang="it-IT" sz="2400" u="sng" dirty="0" err="1" smtClean="0"/>
+              <a:t>obj</a:t>
+            </a:r>
+            <a:r>
+              <a:rPr lang="it-IT" sz="2400" u="sng" dirty="0" smtClean="0"/>
+              <a:t>., with time </a:t>
+            </a:r>
+            <a:r>
+              <a:rPr lang="it-IT" sz="2400" u="sng" dirty="0" err="1" smtClean="0"/>
+              <a:t>series</a:t>
+            </a:r>
+            <a:r>
+              <a:rPr lang="it-IT" sz="2400" u="sng" dirty="0" smtClean="0"/>
+              <a:t> </a:t>
+            </a:r>
+            <a:r>
+              <a:rPr lang="it-IT" sz="2400" u="sng" dirty="0" err="1" smtClean="0"/>
+              <a:t>names</a:t>
+            </a:r>
+            <a:r>
+              <a:rPr lang="it-IT" sz="2400" u="sng" dirty="0" smtClean="0"/>
+              <a:t> and </a:t>
+            </a:r>
+            <a:r>
+              <a:rPr lang="it-IT" sz="2400" u="sng" dirty="0" err="1" smtClean="0"/>
+              <a:t>dates</a:t>
+            </a:r>
+            <a:endParaRPr lang="it-IT" sz="2400" u="sng" dirty="0" smtClean="0"/>
+          </a:p>
+          <a:p>
+            <a:pPr marL="2147888" lvl="2" indent="-342900">
               <a:lnSpc>
-                <a:spcPct val="150000"/>
+                <a:spcPct val="120000"/>
               </a:lnSpc>
               <a:buFont typeface="Symbol" panose="05050102010706020507" pitchFamily="18" charset="2"/>
               <a:buChar char=""/>
             </a:pPr>
             <a:r>
+              <a:rPr lang="it-IT" sz="2400" dirty="0"/>
+              <a:t>no </a:t>
+            </a:r>
+            <a:r>
+              <a:rPr lang="it-IT" sz="2400" dirty="0" err="1" smtClean="0"/>
+              <a:t>specific</a:t>
+            </a:r>
+            <a:r>
               <a:rPr lang="it-IT" sz="2400" dirty="0" smtClean="0"/>
-              <a:t>output: </a:t>
-            </a:r>
-            <a:r>
-              <a:rPr lang="it-IT" sz="2400" dirty="0" err="1" smtClean="0"/>
-              <a:t>ts</a:t>
-            </a:r>
+              <a:t> input (…)</a:t>
+            </a:r>
+            <a:endParaRPr lang="it-IT" sz="2400" dirty="0"/>
+          </a:p>
+          <a:p>
+            <a:pPr marL="1804988" lvl="2"/>
             <a:r>
               <a:rPr lang="it-IT" sz="2400" dirty="0" smtClean="0"/>
-              <a:t> (time </a:t>
-            </a:r>
-            <a:r>
-              <a:rPr lang="it-IT" sz="2400" dirty="0" err="1" smtClean="0"/>
-              <a:t>series</a:t>
-            </a:r>
-            <a:r>
-              <a:rPr lang="it-IT" sz="2400" dirty="0" smtClean="0"/>
-              <a:t>) </a:t>
-            </a:r>
-            <a:r>
-              <a:rPr lang="it-IT" sz="2400" dirty="0" err="1" smtClean="0"/>
-              <a:t>object</a:t>
-            </a:r>
-            <a:endParaRPr lang="it-IT" sz="2400" dirty="0" smtClean="0"/>
-          </a:p>
-          <a:p>
-            <a:pPr marL="1073150" indent="-342900">
-              <a:buFont typeface="Arial" panose="020B0604020202020204" pitchFamily="34" charset="0"/>
-              <a:buChar char="•"/>
-            </a:pPr>
-            <a:endParaRPr lang="it-IT" sz="2400" dirty="0" smtClean="0"/>
-          </a:p>
-          <a:p>
-            <a:pPr marL="808038" indent="-342900">
-              <a:spcAft>
-                <a:spcPts val="1200"/>
-              </a:spcAft>
-              <a:buFont typeface="Arial" panose="020B0604020202020204" pitchFamily="34" charset="0"/>
-              <a:buChar char="•"/>
-            </a:pPr>
-            <a:r>
-              <a:rPr lang="it-IT" sz="2400" b="1" dirty="0" err="1" smtClean="0"/>
-              <a:t>read_ext_reg_info</a:t>
-            </a:r>
-            <a:r>
-              <a:rPr lang="it-IT" sz="2400" dirty="0" smtClean="0"/>
-              <a:t> (</a:t>
-            </a:r>
-            <a:r>
-              <a:rPr lang="it-IT" sz="2400" dirty="0" err="1" smtClean="0"/>
-              <a:t>var_info_container</a:t>
-            </a:r>
-            <a:r>
-              <a:rPr lang="it-IT" sz="2400" dirty="0" smtClean="0"/>
-              <a:t>, …): </a:t>
-            </a:r>
-          </a:p>
-          <a:p>
-            <a:pPr marL="1797050" lvl="2" indent="-342900">
-              <a:lnSpc>
-                <a:spcPct val="150000"/>
-              </a:lnSpc>
-              <a:buFont typeface="Symbol" panose="05050102010706020507" pitchFamily="18" charset="2"/>
-              <a:buChar char=""/>
-            </a:pPr>
-            <a:r>
-              <a:rPr lang="it-IT" sz="2400" dirty="0"/>
-              <a:t>	</a:t>
-            </a:r>
-            <a:r>
-              <a:rPr lang="it-IT" sz="2400" dirty="0" smtClean="0"/>
-              <a:t>e.g. </a:t>
-            </a:r>
-            <a:r>
-              <a:rPr lang="it-IT" sz="2400" dirty="0" err="1" smtClean="0"/>
-              <a:t>var_info_container</a:t>
-            </a:r>
-            <a:r>
-              <a:rPr lang="it-IT" sz="2400" dirty="0" smtClean="0"/>
-              <a:t> = </a:t>
-            </a:r>
-            <a:r>
-              <a:rPr lang="it-IT" sz="2400" dirty="0" err="1" smtClean="0"/>
-              <a:t>ext_reg_files_folder</a:t>
-            </a:r>
-            <a:endParaRPr lang="it-IT" sz="2400" dirty="0" smtClean="0"/>
-          </a:p>
-          <a:p>
-            <a:pPr marL="1797050" lvl="2" indent="-342900">
-              <a:lnSpc>
-                <a:spcPct val="150000"/>
-              </a:lnSpc>
-              <a:buFont typeface="Symbol" panose="05050102010706020507" pitchFamily="18" charset="2"/>
-              <a:buChar char=""/>
-            </a:pPr>
-            <a:r>
-              <a:rPr lang="it-IT" sz="2400" dirty="0"/>
-              <a:t>	</a:t>
-            </a:r>
-            <a:r>
-              <a:rPr lang="it-IT" sz="2400" b="1" dirty="0" smtClean="0"/>
-              <a:t>output</a:t>
-            </a:r>
-            <a:r>
-              <a:rPr lang="it-IT" sz="2400" b="1" dirty="0"/>
-              <a:t>: </a:t>
-            </a:r>
-            <a:r>
-              <a:rPr lang="it-IT" sz="2400" b="1" dirty="0" smtClean="0"/>
-              <a:t>list of </a:t>
-            </a:r>
-            <a:r>
-              <a:rPr lang="it-IT" sz="2400" b="1" dirty="0" err="1" smtClean="0"/>
-              <a:t>ext_var_info</a:t>
-            </a:r>
-            <a:r>
-              <a:rPr lang="it-IT" sz="2400" b="1" dirty="0" smtClean="0"/>
-              <a:t> </a:t>
-            </a:r>
-            <a:r>
-              <a:rPr lang="it-IT" sz="2400" dirty="0" smtClean="0"/>
-              <a:t>for </a:t>
-            </a:r>
-            <a:r>
-              <a:rPr lang="it-IT" sz="2400" dirty="0" err="1" smtClean="0"/>
-              <a:t>each</a:t>
-            </a:r>
-            <a:r>
-              <a:rPr lang="it-IT" sz="2400" dirty="0" smtClean="0"/>
-              <a:t>  </a:t>
-            </a:r>
-            <a:r>
-              <a:rPr lang="it-IT" sz="2400" dirty="0" err="1" smtClean="0"/>
-              <a:t>ts</a:t>
-            </a:r>
-            <a:r>
-              <a:rPr lang="it-IT" sz="2400" dirty="0" smtClean="0"/>
-              <a:t> </a:t>
-            </a:r>
-            <a:r>
-              <a:rPr lang="it-IT" sz="2400" dirty="0" smtClean="0">
-                <a:sym typeface="Wingdings" panose="05000000000000000000" pitchFamily="2" charset="2"/>
-              </a:rPr>
-              <a:t></a:t>
-            </a:r>
-            <a:endParaRPr lang="it-IT" sz="2400" dirty="0"/>
-          </a:p>
-          <a:p>
-            <a:endParaRPr lang="it-IT" sz="2400" dirty="0"/>
-          </a:p>
-          <a:p>
+              <a:t>     		</a:t>
+            </a:r>
+          </a:p>
+          <a:p>
+            <a:pPr marL="4125913" indent="-342900"/>
             <a:endParaRPr lang="it-IT" dirty="0"/>
           </a:p>
         </p:txBody>
       </p:sp>
       <p:pic>
         <p:nvPicPr>
-          <p:cNvPr id="6" name="Immagine 5"/>
+          <p:cNvPr id="10" name="Immagine 9"/>
           <p:cNvPicPr>
             <a:picLocks noChangeAspect="1"/>
           </p:cNvPicPr>
@@ -18956,158 +20153,75 @@
         </p:blipFill>
         <p:spPr>
           <a:xfrm>
-            <a:off x="7895770" y="3749830"/>
-            <a:ext cx="4302642" cy="2524135"/>
+            <a:off x="7629945" y="3181941"/>
+            <a:ext cx="4080286" cy="2068979"/>
           </a:xfrm>
           <a:prstGeom prst="rect">
             <a:avLst/>
           </a:prstGeom>
         </p:spPr>
       </p:pic>
-      <p:sp>
-        <p:nvSpPr>
-          <p:cNvPr id="3" name="CasellaDiTesto 2"/>
-          <p:cNvSpPr txBox="1"/>
+      <p:cxnSp>
+        <p:nvCxnSpPr>
+          <p:cNvPr id="28" name="Connettore 2 27"/>
+          <p:cNvCxnSpPr/>
           <p:nvPr/>
-        </p:nvSpPr>
-        <p:spPr>
-          <a:xfrm>
-            <a:off x="9627476" y="2143832"/>
-            <a:ext cx="1933904" cy="584775"/>
-          </a:xfrm>
-          <a:prstGeom prst="rect">
+        </p:nvCxnSpPr>
+        <p:spPr>
+          <a:xfrm flipV="1">
+            <a:off x="9670088" y="5282820"/>
+            <a:ext cx="0" cy="501291"/>
+          </a:xfrm>
+          <a:prstGeom prst="straightConnector1">
             <a:avLst/>
           </a:prstGeom>
+          <a:ln>
+            <a:tailEnd type="triangle"/>
+          </a:ln>
         </p:spPr>
         <p:style>
-          <a:lnRef idx="2">
+          <a:lnRef idx="1">
             <a:schemeClr val="dk1"/>
           </a:lnRef>
-          <a:fillRef idx="1">
-            <a:schemeClr val="lt1"/>
+          <a:fillRef idx="0">
+            <a:schemeClr val="dk1"/>
           </a:fillRef>
           <a:effectRef idx="0">
             <a:schemeClr val="dk1"/>
           </a:effectRef>
           <a:fontRef idx="minor">
-            <a:schemeClr val="dk1"/>
+            <a:schemeClr val="tx1"/>
           </a:fontRef>
         </p:style>
-        <p:txBody>
-          <a:bodyPr wrap="square" rtlCol="0">
-            <a:spAutoFit/>
-          </a:bodyPr>
-          <a:lstStyle/>
-          <a:p>
-            <a:pPr algn="ctr"/>
-            <a:r>
-              <a:rPr lang="it-IT" sz="1600" dirty="0" err="1"/>
-              <a:t>how</a:t>
-            </a:r>
-            <a:r>
-              <a:rPr lang="it-IT" sz="1600" dirty="0"/>
-              <a:t> to </a:t>
-            </a:r>
-            <a:r>
-              <a:rPr lang="it-IT" sz="1600" dirty="0" err="1"/>
-              <a:t>read</a:t>
-            </a:r>
-            <a:r>
-              <a:rPr lang="it-IT" sz="1600" dirty="0"/>
-              <a:t> data from </a:t>
-            </a:r>
-            <a:r>
-              <a:rPr lang="it-IT" sz="1600" dirty="0" err="1"/>
-              <a:t>var</a:t>
-            </a:r>
-            <a:r>
-              <a:rPr lang="it-IT" sz="1600" dirty="0"/>
-              <a:t>. </a:t>
-            </a:r>
-            <a:r>
-              <a:rPr lang="it-IT" sz="1600" dirty="0" smtClean="0"/>
-              <a:t>info.</a:t>
-            </a:r>
-            <a:endParaRPr lang="it-IT" sz="1600" dirty="0"/>
-          </a:p>
-        </p:txBody>
-      </p:sp>
-      <p:sp>
-        <p:nvSpPr>
-          <p:cNvPr id="7" name="CasellaDiTesto 6"/>
-          <p:cNvSpPr txBox="1"/>
+      </p:cxnSp>
+      <p:pic>
+        <p:nvPicPr>
+          <p:cNvPr id="31" name="Immagine 30"/>
+          <p:cNvPicPr>
+            <a:picLocks noChangeAspect="1"/>
+          </p:cNvPicPr>
           <p:nvPr/>
-        </p:nvSpPr>
-        <p:spPr>
-          <a:xfrm>
-            <a:off x="6524172" y="4146055"/>
-            <a:ext cx="1213945" cy="1077218"/>
+        </p:nvPicPr>
+        <p:blipFill>
+          <a:blip r:embed="rId3"/>
+          <a:stretch>
+            <a:fillRect/>
+          </a:stretch>
+        </p:blipFill>
+        <p:spPr>
+          <a:xfrm>
+            <a:off x="182880" y="549867"/>
+            <a:ext cx="11541760" cy="206103"/>
           </a:xfrm>
           <a:prstGeom prst="rect">
             <a:avLst/>
           </a:prstGeom>
         </p:spPr>
-        <p:style>
-          <a:lnRef idx="2">
-            <a:schemeClr val="dk1"/>
-          </a:lnRef>
-          <a:fillRef idx="1">
-            <a:schemeClr val="lt1"/>
-          </a:fillRef>
-          <a:effectRef idx="0">
-            <a:schemeClr val="dk1"/>
-          </a:effectRef>
-          <a:fontRef idx="minor">
-            <a:schemeClr val="dk1"/>
-          </a:fontRef>
-        </p:style>
-        <p:txBody>
-          <a:bodyPr wrap="square" rtlCol="0">
-            <a:spAutoFit/>
-          </a:bodyPr>
-          <a:lstStyle/>
-          <a:p>
-            <a:pPr algn="ctr"/>
-            <a:r>
-              <a:rPr lang="it-IT" sz="1600" dirty="0" err="1"/>
-              <a:t>how</a:t>
-            </a:r>
-            <a:r>
-              <a:rPr lang="it-IT" sz="1600" dirty="0"/>
-              <a:t> to </a:t>
-            </a:r>
-            <a:r>
-              <a:rPr lang="it-IT" sz="1600" dirty="0" smtClean="0"/>
-              <a:t>produce </a:t>
-            </a:r>
-            <a:r>
-              <a:rPr lang="it-IT" sz="1600" dirty="0" err="1"/>
-              <a:t>var</a:t>
-            </a:r>
-            <a:r>
-              <a:rPr lang="it-IT" sz="1600" dirty="0"/>
-              <a:t>. </a:t>
-            </a:r>
-            <a:r>
-              <a:rPr lang="it-IT" sz="1600" dirty="0" smtClean="0"/>
-              <a:t>info. (</a:t>
-            </a:r>
-            <a:r>
-              <a:rPr lang="it-IT" sz="1600" dirty="0" err="1" smtClean="0"/>
-              <a:t>metadata</a:t>
-            </a:r>
-            <a:r>
-              <a:rPr lang="it-IT" sz="1600" dirty="0" smtClean="0"/>
-              <a:t>)</a:t>
-            </a:r>
-            <a:endParaRPr lang="it-IT" sz="1600" dirty="0"/>
-          </a:p>
-        </p:txBody>
-      </p:sp>
+      </p:pic>
     </p:spTree>
     <p:extLst>
       <p:ext uri="{BB962C8B-B14F-4D97-AF65-F5344CB8AC3E}">
-        <p14:creationId xmlns:p14="http://schemas.microsoft.com/office/powerpoint/2010/main" val="548135758"/>
+        <p14:creationId xmlns:p14="http://schemas.microsoft.com/office/powerpoint/2010/main" val="2989834327"/>
       </p:ext>
     </p:extLst>
   </p:cSld>
@@ -19153,7 +20267,7 @@
         </p:nvSpPr>
         <p:spPr>
           <a:xfrm>
-            <a:off x="468313" y="493779"/>
+            <a:off x="79432" y="493779"/>
             <a:ext cx="11269662" cy="393634"/>
           </a:xfrm>
         </p:spPr>
@@ -19161,40 +20275,23 @@
           <a:bodyPr/>
           <a:lstStyle/>
           <a:p>
-            <a:pPr algn="ctr"/>
-            <a:r>
-              <a:rPr lang="it-IT" altLang="it-IT" sz="3600" dirty="0" err="1" smtClean="0">
+            <a:r>
+              <a:rPr lang="it-IT" altLang="it-IT" sz="3200" dirty="0" smtClean="0">
                 <a:solidFill>
                   <a:srgbClr val="C00000"/>
                 </a:solidFill>
               </a:rPr>
-              <a:t>Adapt</a:t>
-            </a:r>
-            <a:r>
-              <a:rPr lang="it-IT" altLang="it-IT" sz="3600" dirty="0" smtClean="0">
+              <a:t>PROVIDER_EXT_REG </a:t>
+            </a:r>
+            <a:r>
+              <a:rPr lang="it-IT" altLang="it-IT" sz="3200" dirty="0" err="1" smtClean="0">
                 <a:solidFill>
                   <a:srgbClr val="C00000"/>
                 </a:solidFill>
               </a:rPr>
-              <a:t> the processor with </a:t>
-            </a:r>
-            <a:r>
-              <a:rPr lang="it-IT" altLang="it-IT" sz="3600" dirty="0" err="1" smtClean="0">
-                <a:solidFill>
-                  <a:srgbClr val="C00000"/>
-                </a:solidFill>
-              </a:rPr>
-              <a:t>your</a:t>
-            </a:r>
-            <a:r>
-              <a:rPr lang="it-IT" altLang="it-IT" sz="3600" dirty="0" smtClean="0">
-                <a:solidFill>
-                  <a:srgbClr val="C00000"/>
-                </a:solidFill>
-              </a:rPr>
-              <a:t> Data Readers</a:t>
-            </a:r>
-            <a:endParaRPr lang="it-IT" altLang="it-IT" sz="3600" dirty="0">
+              <a:t>interface</a:t>
+            </a:r>
+            <a:endParaRPr lang="it-IT" altLang="it-IT" sz="3200" dirty="0">
               <a:solidFill>
                 <a:srgbClr val="C00000"/>
               </a:solidFill>
@@ -19220,7 +20317,7 @@
         </p:nvSpPr>
         <p:spPr>
           <a:xfrm>
-            <a:off x="323469" y="6405108"/>
+            <a:off x="4491" y="6454522"/>
             <a:ext cx="501650" cy="365125"/>
           </a:xfrm>
           <a:prstGeom prst="rect">
@@ -19240,6 +20337,662 @@
                 <a:defRPr/>
               </a:pPr>
               <a:t>22</a:t>
+            </a:fld>
+            <a:endParaRPr lang="en-US" dirty="0"/>
+          </a:p>
+        </p:txBody>
+      </p:sp>
+      <p:sp>
+        <p:nvSpPr>
+          <p:cNvPr id="2" name="Rettangolo 1"/>
+          <p:cNvSpPr/>
+          <p:nvPr/>
+        </p:nvSpPr>
+        <p:spPr>
+          <a:xfrm>
+            <a:off x="-41328" y="1086596"/>
+            <a:ext cx="11868532" cy="5967788"/>
+          </a:xfrm>
+          <a:prstGeom prst="rect">
+            <a:avLst/>
+          </a:prstGeom>
+        </p:spPr>
+        <p:txBody>
+          <a:bodyPr wrap="square">
+            <a:spAutoFit/>
+          </a:bodyPr>
+          <a:lstStyle/>
+          <a:p>
+            <a:pPr>
+              <a:spcAft>
+                <a:spcPts val="600"/>
+              </a:spcAft>
+            </a:pPr>
+            <a:r>
+              <a:rPr lang="it-IT" sz="2400" b="1" dirty="0" err="1" smtClean="0">
+                <a:solidFill>
+                  <a:srgbClr val="C00000"/>
+                </a:solidFill>
+              </a:rPr>
+              <a:t>Provider_ext_reg</a:t>
+            </a:r>
+            <a:r>
+              <a:rPr lang="it-IT" sz="2400" b="1" dirty="0" smtClean="0">
+                <a:solidFill>
+                  <a:srgbClr val="C00000"/>
+                </a:solidFill>
+              </a:rPr>
+              <a:t>:</a:t>
+            </a:r>
+          </a:p>
+          <a:p>
+            <a:pPr marL="808038" lvl="2" indent="-342900">
+              <a:lnSpc>
+                <a:spcPct val="120000"/>
+              </a:lnSpc>
+              <a:spcAft>
+                <a:spcPts val="1800"/>
+              </a:spcAft>
+              <a:buFont typeface="Arial" panose="020B0604020202020204" pitchFamily="34" charset="0"/>
+              <a:buChar char="•"/>
+            </a:pPr>
+            <a:r>
+              <a:rPr lang="it-IT" sz="2400" dirty="0" err="1" smtClean="0"/>
+              <a:t>Constructor</a:t>
+            </a:r>
+            <a:r>
+              <a:rPr lang="it-IT" sz="2400" dirty="0" smtClean="0"/>
+              <a:t>: </a:t>
+            </a:r>
+            <a:r>
+              <a:rPr lang="it-IT" sz="2400" dirty="0" err="1" smtClean="0"/>
+              <a:t>input_source</a:t>
+            </a:r>
+            <a:r>
+              <a:rPr lang="it-IT" sz="2400" dirty="0" smtClean="0"/>
+              <a:t> (</a:t>
+            </a:r>
+            <a:r>
+              <a:rPr lang="it-IT" sz="2400" dirty="0" err="1" smtClean="0"/>
+              <a:t>type</a:t>
+            </a:r>
+            <a:r>
+              <a:rPr lang="it-IT" sz="2400" dirty="0" smtClean="0"/>
+              <a:t> : "ANY")</a:t>
+            </a:r>
+          </a:p>
+          <a:p>
+            <a:pPr marL="808038" lvl="2" indent="-342900">
+              <a:spcAft>
+                <a:spcPts val="600"/>
+              </a:spcAft>
+              <a:buFont typeface="Arial" panose="020B0604020202020204" pitchFamily="34" charset="0"/>
+              <a:buChar char="•"/>
+            </a:pPr>
+            <a:r>
+              <a:rPr lang="it-IT" sz="2400" b="1" dirty="0" err="1" smtClean="0"/>
+              <a:t>read_ext_reg_data</a:t>
+            </a:r>
+            <a:r>
+              <a:rPr lang="it-IT" sz="2400" b="1" dirty="0" smtClean="0">
+                <a:solidFill>
+                  <a:srgbClr val="C00000"/>
+                </a:solidFill>
+              </a:rPr>
+              <a:t> </a:t>
+            </a:r>
+            <a:r>
+              <a:rPr lang="it-IT" sz="2400" dirty="0" smtClean="0"/>
+              <a:t>(</a:t>
+            </a:r>
+            <a:r>
+              <a:rPr lang="it-IT" sz="2400" dirty="0" err="1" smtClean="0"/>
+              <a:t>var_info</a:t>
+            </a:r>
+            <a:r>
+              <a:rPr lang="it-IT" sz="2400" dirty="0" smtClean="0"/>
+              <a:t>=NULL, </a:t>
+            </a:r>
+            <a:r>
+              <a:rPr lang="it-IT" sz="2400" dirty="0" err="1" smtClean="0"/>
+              <a:t>time_series_info</a:t>
+            </a:r>
+            <a:r>
+              <a:rPr lang="it-IT" sz="2400" dirty="0" smtClean="0"/>
+              <a:t>=NULL, … ):</a:t>
+            </a:r>
+          </a:p>
+          <a:p>
+            <a:pPr marL="1797050" lvl="4" indent="-342900">
+              <a:lnSpc>
+                <a:spcPct val="150000"/>
+              </a:lnSpc>
+              <a:buFont typeface="Symbol" panose="05050102010706020507" pitchFamily="18" charset="2"/>
+              <a:buChar char=""/>
+            </a:pPr>
+            <a:r>
+              <a:rPr lang="it-IT" sz="2400" dirty="0" err="1" smtClean="0"/>
+              <a:t>var_info</a:t>
+            </a:r>
+            <a:r>
+              <a:rPr lang="it-IT" sz="2400" dirty="0" smtClean="0"/>
+              <a:t> =</a:t>
+            </a:r>
+            <a:r>
+              <a:rPr lang="en-US" sz="2400" dirty="0" smtClean="0"/>
+              <a:t> list with filename,</a:t>
+            </a:r>
+            <a:r>
+              <a:rPr lang="it-IT" sz="2400" dirty="0" smtClean="0"/>
+              <a:t> </a:t>
+            </a:r>
+            <a:r>
+              <a:rPr lang="it-IT" sz="2400" dirty="0" err="1" smtClean="0"/>
+              <a:t>start_date</a:t>
+            </a:r>
+            <a:r>
+              <a:rPr lang="it-IT" sz="2400" dirty="0"/>
+              <a:t> </a:t>
+            </a:r>
+            <a:r>
+              <a:rPr lang="it-IT" sz="2400" dirty="0" smtClean="0"/>
+              <a:t>and </a:t>
+            </a:r>
+            <a:r>
+              <a:rPr lang="it-IT" sz="2400" dirty="0" err="1" smtClean="0"/>
+              <a:t>frequency</a:t>
+            </a:r>
+            <a:endParaRPr lang="it-IT" sz="2400" dirty="0" smtClean="0"/>
+          </a:p>
+          <a:p>
+            <a:pPr marL="1797050" lvl="4" indent="-342900">
+              <a:lnSpc>
+                <a:spcPct val="150000"/>
+              </a:lnSpc>
+              <a:buFont typeface="Symbol" panose="05050102010706020507" pitchFamily="18" charset="2"/>
+              <a:buChar char=""/>
+            </a:pPr>
+            <a:r>
+              <a:rPr lang="it-IT" sz="2400" dirty="0" err="1" smtClean="0"/>
+              <a:t>time_series_info</a:t>
+            </a:r>
+            <a:r>
+              <a:rPr lang="it-IT" sz="2400" dirty="0" smtClean="0"/>
+              <a:t> = </a:t>
+            </a:r>
+            <a:r>
+              <a:rPr lang="it-IT" sz="2400" dirty="0" err="1" smtClean="0"/>
+              <a:t>series_name</a:t>
+            </a:r>
+            <a:r>
+              <a:rPr lang="it-IT" sz="2400" dirty="0" smtClean="0"/>
+              <a:t>, </a:t>
+            </a:r>
+          </a:p>
+          <a:p>
+            <a:pPr marL="1797050" lvl="4" indent="-342900">
+              <a:lnSpc>
+                <a:spcPct val="150000"/>
+              </a:lnSpc>
+              <a:buFont typeface="Symbol" panose="05050102010706020507" pitchFamily="18" charset="2"/>
+              <a:buChar char=""/>
+            </a:pPr>
+            <a:r>
+              <a:rPr lang="it-IT" sz="2400" dirty="0" smtClean="0"/>
+              <a:t>output: </a:t>
+            </a:r>
+            <a:r>
+              <a:rPr lang="it-IT" sz="2400" dirty="0" err="1" smtClean="0"/>
+              <a:t>ts</a:t>
+            </a:r>
+            <a:r>
+              <a:rPr lang="it-IT" sz="2400" dirty="0" smtClean="0"/>
+              <a:t> (time </a:t>
+            </a:r>
+            <a:r>
+              <a:rPr lang="it-IT" sz="2400" dirty="0" err="1" smtClean="0"/>
+              <a:t>series</a:t>
+            </a:r>
+            <a:r>
+              <a:rPr lang="it-IT" sz="2400" dirty="0" smtClean="0"/>
+              <a:t>) </a:t>
+            </a:r>
+            <a:r>
+              <a:rPr lang="it-IT" sz="2400" dirty="0" err="1" smtClean="0"/>
+              <a:t>object</a:t>
+            </a:r>
+            <a:endParaRPr lang="it-IT" sz="2400" dirty="0" smtClean="0"/>
+          </a:p>
+          <a:p>
+            <a:pPr marL="1073150" indent="-342900">
+              <a:buFont typeface="Arial" panose="020B0604020202020204" pitchFamily="34" charset="0"/>
+              <a:buChar char="•"/>
+            </a:pPr>
+            <a:endParaRPr lang="it-IT" sz="2400" dirty="0" smtClean="0"/>
+          </a:p>
+          <a:p>
+            <a:pPr marL="808038" indent="-342900">
+              <a:spcAft>
+                <a:spcPts val="1200"/>
+              </a:spcAft>
+              <a:buFont typeface="Arial" panose="020B0604020202020204" pitchFamily="34" charset="0"/>
+              <a:buChar char="•"/>
+            </a:pPr>
+            <a:r>
+              <a:rPr lang="it-IT" sz="2400" b="1" dirty="0" err="1" smtClean="0"/>
+              <a:t>read_ext_reg_info</a:t>
+            </a:r>
+            <a:r>
+              <a:rPr lang="it-IT" sz="2400" dirty="0" smtClean="0"/>
+              <a:t> (</a:t>
+            </a:r>
+            <a:r>
+              <a:rPr lang="it-IT" sz="2400" dirty="0" err="1" smtClean="0"/>
+              <a:t>var_info_container</a:t>
+            </a:r>
+            <a:r>
+              <a:rPr lang="it-IT" sz="2400" dirty="0" smtClean="0"/>
+              <a:t>, …): </a:t>
+            </a:r>
+          </a:p>
+          <a:p>
+            <a:pPr marL="1797050" lvl="2" indent="-342900">
+              <a:lnSpc>
+                <a:spcPct val="150000"/>
+              </a:lnSpc>
+              <a:buFont typeface="Symbol" panose="05050102010706020507" pitchFamily="18" charset="2"/>
+              <a:buChar char=""/>
+            </a:pPr>
+            <a:r>
+              <a:rPr lang="it-IT" sz="2400" dirty="0"/>
+              <a:t>	</a:t>
+            </a:r>
+            <a:r>
+              <a:rPr lang="it-IT" sz="2400" dirty="0" smtClean="0"/>
+              <a:t>e.g. </a:t>
+            </a:r>
+            <a:r>
+              <a:rPr lang="it-IT" sz="2400" dirty="0" err="1" smtClean="0"/>
+              <a:t>var_info_container</a:t>
+            </a:r>
+            <a:r>
+              <a:rPr lang="it-IT" sz="2400" dirty="0" smtClean="0"/>
+              <a:t> = </a:t>
+            </a:r>
+            <a:r>
+              <a:rPr lang="it-IT" sz="2400" dirty="0" err="1" smtClean="0"/>
+              <a:t>ext_reg_files_folder</a:t>
+            </a:r>
+            <a:endParaRPr lang="it-IT" sz="2400" dirty="0" smtClean="0"/>
+          </a:p>
+          <a:p>
+            <a:pPr marL="1797050" lvl="2" indent="-342900">
+              <a:lnSpc>
+                <a:spcPct val="150000"/>
+              </a:lnSpc>
+              <a:buFont typeface="Symbol" panose="05050102010706020507" pitchFamily="18" charset="2"/>
+              <a:buChar char=""/>
+            </a:pPr>
+            <a:r>
+              <a:rPr lang="it-IT" sz="2400" dirty="0"/>
+              <a:t>	</a:t>
+            </a:r>
+            <a:r>
+              <a:rPr lang="it-IT" sz="2400" b="1" dirty="0" smtClean="0"/>
+              <a:t>output</a:t>
+            </a:r>
+            <a:r>
+              <a:rPr lang="it-IT" sz="2400" b="1" dirty="0"/>
+              <a:t>: </a:t>
+            </a:r>
+            <a:r>
+              <a:rPr lang="it-IT" sz="2400" b="1" dirty="0" smtClean="0"/>
+              <a:t>list of </a:t>
+            </a:r>
+            <a:r>
+              <a:rPr lang="it-IT" sz="2400" b="1" dirty="0" err="1" smtClean="0"/>
+              <a:t>ext_var_info</a:t>
+            </a:r>
+            <a:r>
+              <a:rPr lang="it-IT" sz="2400" b="1" dirty="0" smtClean="0"/>
+              <a:t> </a:t>
+            </a:r>
+            <a:r>
+              <a:rPr lang="it-IT" sz="2400" dirty="0" smtClean="0"/>
+              <a:t>for </a:t>
+            </a:r>
+            <a:r>
+              <a:rPr lang="it-IT" sz="2400" dirty="0" err="1" smtClean="0"/>
+              <a:t>each</a:t>
+            </a:r>
+            <a:r>
+              <a:rPr lang="it-IT" sz="2400" dirty="0" smtClean="0"/>
+              <a:t>  </a:t>
+            </a:r>
+            <a:r>
+              <a:rPr lang="it-IT" sz="2400" dirty="0" err="1" smtClean="0"/>
+              <a:t>ts</a:t>
+            </a:r>
+            <a:r>
+              <a:rPr lang="it-IT" sz="2400" dirty="0" smtClean="0"/>
+              <a:t> </a:t>
+            </a:r>
+            <a:r>
+              <a:rPr lang="it-IT" sz="2400" dirty="0" smtClean="0">
+                <a:sym typeface="Wingdings" panose="05000000000000000000" pitchFamily="2" charset="2"/>
+              </a:rPr>
+              <a:t></a:t>
+            </a:r>
+            <a:endParaRPr lang="it-IT" sz="2400" dirty="0"/>
+          </a:p>
+          <a:p>
+            <a:endParaRPr lang="it-IT" sz="2400" dirty="0"/>
+          </a:p>
+          <a:p>
+            <a:endParaRPr lang="it-IT" dirty="0"/>
+          </a:p>
+        </p:txBody>
+      </p:sp>
+      <p:pic>
+        <p:nvPicPr>
+          <p:cNvPr id="6" name="Immagine 5"/>
+          <p:cNvPicPr>
+            <a:picLocks noChangeAspect="1"/>
+          </p:cNvPicPr>
+          <p:nvPr/>
+        </p:nvPicPr>
+        <p:blipFill>
+          <a:blip r:embed="rId2"/>
+          <a:stretch>
+            <a:fillRect/>
+          </a:stretch>
+        </p:blipFill>
+        <p:spPr>
+          <a:xfrm>
+            <a:off x="7895770" y="3749830"/>
+            <a:ext cx="4302642" cy="2524135"/>
+          </a:xfrm>
+          <a:prstGeom prst="rect">
+            <a:avLst/>
+          </a:prstGeom>
+        </p:spPr>
+      </p:pic>
+      <p:sp>
+        <p:nvSpPr>
+          <p:cNvPr id="3" name="CasellaDiTesto 2"/>
+          <p:cNvSpPr txBox="1"/>
+          <p:nvPr/>
+        </p:nvSpPr>
+        <p:spPr>
+          <a:xfrm>
+            <a:off x="9627476" y="2143832"/>
+            <a:ext cx="1933904" cy="584775"/>
+          </a:xfrm>
+          <a:prstGeom prst="rect">
+            <a:avLst/>
+          </a:prstGeom>
+        </p:spPr>
+        <p:style>
+          <a:lnRef idx="2">
+            <a:schemeClr val="dk1"/>
+          </a:lnRef>
+          <a:fillRef idx="1">
+            <a:schemeClr val="lt1"/>
+          </a:fillRef>
+          <a:effectRef idx="0">
+            <a:schemeClr val="dk1"/>
+          </a:effectRef>
+          <a:fontRef idx="minor">
+            <a:schemeClr val="dk1"/>
+          </a:fontRef>
+        </p:style>
+        <p:txBody>
+          <a:bodyPr wrap="square" rtlCol="0">
+            <a:spAutoFit/>
+          </a:bodyPr>
+          <a:lstStyle/>
+          <a:p>
+            <a:pPr algn="ctr"/>
+            <a:r>
+              <a:rPr lang="it-IT" sz="1600" dirty="0" err="1"/>
+              <a:t>how</a:t>
+            </a:r>
+            <a:r>
+              <a:rPr lang="it-IT" sz="1600" dirty="0"/>
+              <a:t> to </a:t>
+            </a:r>
+            <a:r>
+              <a:rPr lang="it-IT" sz="1600" dirty="0" err="1"/>
+              <a:t>read</a:t>
+            </a:r>
+            <a:r>
+              <a:rPr lang="it-IT" sz="1600" dirty="0"/>
+              <a:t> data from </a:t>
+            </a:r>
+            <a:r>
+              <a:rPr lang="it-IT" sz="1600" dirty="0" err="1"/>
+              <a:t>var</a:t>
+            </a:r>
+            <a:r>
+              <a:rPr lang="it-IT" sz="1600" dirty="0"/>
+              <a:t>. </a:t>
+            </a:r>
+            <a:r>
+              <a:rPr lang="it-IT" sz="1600" dirty="0" smtClean="0"/>
+              <a:t>info.</a:t>
+            </a:r>
+            <a:endParaRPr lang="it-IT" sz="1600" dirty="0"/>
+          </a:p>
+        </p:txBody>
+      </p:sp>
+      <p:sp>
+        <p:nvSpPr>
+          <p:cNvPr id="7" name="CasellaDiTesto 6"/>
+          <p:cNvSpPr txBox="1"/>
+          <p:nvPr/>
+        </p:nvSpPr>
+        <p:spPr>
+          <a:xfrm>
+            <a:off x="6524172" y="4146055"/>
+            <a:ext cx="1213945" cy="1077218"/>
+          </a:xfrm>
+          <a:prstGeom prst="rect">
+            <a:avLst/>
+          </a:prstGeom>
+        </p:spPr>
+        <p:style>
+          <a:lnRef idx="2">
+            <a:schemeClr val="dk1"/>
+          </a:lnRef>
+          <a:fillRef idx="1">
+            <a:schemeClr val="lt1"/>
+          </a:fillRef>
+          <a:effectRef idx="0">
+            <a:schemeClr val="dk1"/>
+          </a:effectRef>
+          <a:fontRef idx="minor">
+            <a:schemeClr val="dk1"/>
+          </a:fontRef>
+        </p:style>
+        <p:txBody>
+          <a:bodyPr wrap="square" rtlCol="0">
+            <a:spAutoFit/>
+          </a:bodyPr>
+          <a:lstStyle/>
+          <a:p>
+            <a:pPr algn="ctr"/>
+            <a:r>
+              <a:rPr lang="it-IT" sz="1600" dirty="0" err="1"/>
+              <a:t>how</a:t>
+            </a:r>
+            <a:r>
+              <a:rPr lang="it-IT" sz="1600" dirty="0"/>
+              <a:t> to </a:t>
+            </a:r>
+            <a:r>
+              <a:rPr lang="it-IT" sz="1600" dirty="0" smtClean="0"/>
+              <a:t>produce </a:t>
+            </a:r>
+            <a:r>
+              <a:rPr lang="it-IT" sz="1600" dirty="0" err="1"/>
+              <a:t>var</a:t>
+            </a:r>
+            <a:r>
+              <a:rPr lang="it-IT" sz="1600" dirty="0"/>
+              <a:t>. </a:t>
+            </a:r>
+            <a:r>
+              <a:rPr lang="it-IT" sz="1600" dirty="0" smtClean="0"/>
+              <a:t>info. (</a:t>
+            </a:r>
+            <a:r>
+              <a:rPr lang="it-IT" sz="1600" dirty="0" err="1" smtClean="0"/>
+              <a:t>metadata</a:t>
+            </a:r>
+            <a:r>
+              <a:rPr lang="it-IT" sz="1600" dirty="0" smtClean="0"/>
+              <a:t>)</a:t>
+            </a:r>
+            <a:endParaRPr lang="it-IT" sz="1600" dirty="0"/>
+          </a:p>
+        </p:txBody>
+      </p:sp>
+    </p:spTree>
+    <p:extLst>
+      <p:ext uri="{BB962C8B-B14F-4D97-AF65-F5344CB8AC3E}">
+        <p14:creationId xmlns:p14="http://schemas.microsoft.com/office/powerpoint/2010/main" val="548135758"/>
+      </p:ext>
+    </p:extLst>
+  </p:cSld>
+  <p:clrMapOvr>
+    <a:masterClrMapping/>
+  </p:clrMapOvr>
+  <p:timing>
+    <p:tnLst>
+      <p:par>
+        <p:cTn id="1" dur="indefinite" restart="never" nodeType="tmRoot"/>
+      </p:par>
+    </p:tnLst>
+  </p:timing>
+</p:sld>
+</file>
+
+<file path=ppt/slides/slide23.xml><?xml version="1.0" encoding="utf-8"?>
+<p:sld xmlns:a="http://schemas.openxmlformats.org/drawingml/2006/main" xmlns:r="http://schemas.openxmlformats.org/officeDocument/2006/relationships" xmlns:p="http://schemas.openxmlformats.org/presentationml/2006/main">
+  <p:cSld>
+    <p:spTree>
+      <p:nvGrpSpPr>
+        <p:cNvPr id="1" name=""/>
+        <p:cNvGrpSpPr/>
+        <p:nvPr/>
+      </p:nvGrpSpPr>
+      <p:grpSpPr>
+        <a:xfrm>
+          <a:off x="0" y="0"/>
+          <a:ext cx="0" cy="0"/>
+          <a:chOff x="0" y="0"/>
+          <a:chExt cx="0" cy="0"/>
+        </a:xfrm>
+      </p:grpSpPr>
+      <p:sp>
+        <p:nvSpPr>
+          <p:cNvPr id="19461" name="Titolo 4"/>
+          <p:cNvSpPr>
+            <a:spLocks noGrp="1"/>
+          </p:cNvSpPr>
+          <p:nvPr>
+            <p:ph type="title"/>
+          </p:nvPr>
+        </p:nvSpPr>
+        <p:spPr>
+          <a:xfrm>
+            <a:off x="468313" y="493779"/>
+            <a:ext cx="11269662" cy="393634"/>
+          </a:xfrm>
+        </p:spPr>
+        <p:txBody>
+          <a:bodyPr/>
+          <a:lstStyle/>
+          <a:p>
+            <a:pPr algn="ctr"/>
+            <a:r>
+              <a:rPr lang="it-IT" altLang="it-IT" sz="3600" dirty="0" err="1" smtClean="0">
+                <a:solidFill>
+                  <a:srgbClr val="C00000"/>
+                </a:solidFill>
+              </a:rPr>
+              <a:t>Adapt</a:t>
+            </a:r>
+            <a:r>
+              <a:rPr lang="it-IT" altLang="it-IT" sz="3600" dirty="0" smtClean="0">
+                <a:solidFill>
+                  <a:srgbClr val="C00000"/>
+                </a:solidFill>
+              </a:rPr>
+              <a:t> the processor with </a:t>
+            </a:r>
+            <a:r>
+              <a:rPr lang="it-IT" altLang="it-IT" sz="3600" dirty="0" err="1" smtClean="0">
+                <a:solidFill>
+                  <a:srgbClr val="C00000"/>
+                </a:solidFill>
+              </a:rPr>
+              <a:t>your</a:t>
+            </a:r>
+            <a:r>
+              <a:rPr lang="it-IT" altLang="it-IT" sz="3600" dirty="0" smtClean="0">
+                <a:solidFill>
+                  <a:srgbClr val="C00000"/>
+                </a:solidFill>
+              </a:rPr>
+              <a:t> Data Readers</a:t>
+            </a:r>
+            <a:endParaRPr lang="it-IT" altLang="it-IT" sz="3600" dirty="0">
+              <a:solidFill>
+                <a:srgbClr val="C00000"/>
+              </a:solidFill>
+            </a:endParaRPr>
+          </a:p>
+        </p:txBody>
+      </p:sp>
+      <p:sp>
+        <p:nvSpPr>
+          <p:cNvPr id="9" name="Segnaposto numero diapositiva 4">
+            <a:extLst>
+              <a:ext uri="{FF2B5EF4-FFF2-40B4-BE49-F238E27FC236}">
+                <a16:creationId xmlns:a16="http://schemas.microsoft.com/office/drawing/2014/main" id="{43529721-AF16-448D-9B7A-D70C2ADC2006}"/>
+              </a:ext>
+            </a:extLst>
+          </p:cNvPr>
+          <p:cNvSpPr>
+            <a:spLocks noGrp="1"/>
+          </p:cNvSpPr>
+          <p:nvPr>
+            <p:ph type="sldNum" sz="quarter" idx="11"/>
+          </p:nvPr>
+        </p:nvSpPr>
+        <p:spPr>
+          <a:xfrm>
+            <a:off x="323469" y="6405108"/>
+            <a:ext cx="501650" cy="365125"/>
+          </a:xfrm>
+          <a:prstGeom prst="rect">
+            <a:avLst/>
+          </a:prstGeom>
+        </p:spPr>
+        <p:txBody>
+          <a:bodyPr/>
+          <a:lstStyle/>
+          <a:p>
+            <a:pPr>
+              <a:defRPr/>
+            </a:pPr>
+            <a:fld id="{48B4153A-D4C5-4CEF-8992-0D8815C829E3}" type="slidenum">
+              <a:rPr lang="en-US" smtClean="0"/>
+              <a:pPr>
+                <a:defRPr/>
+              </a:pPr>
+              <a:t>23</a:t>
             </a:fld>
             <a:endParaRPr lang="en-US" dirty="0"/>
           </a:p>
@@ -21263,7 +23016,7 @@
 </p:sld>
 </file>
 
-<file path=ppt/slides/slide23.xml><?xml version="1.0" encoding="utf-8"?>
+<file path=ppt/slides/slide24.xml><?xml version="1.0" encoding="utf-8"?>
 <p:sld xmlns:a="http://schemas.openxmlformats.org/drawingml/2006/main" xmlns:r="http://schemas.openxmlformats.org/officeDocument/2006/relationships" xmlns:p="http://schemas.openxmlformats.org/presentationml/2006/main">
   <p:cSld>
     <p:spTree>
@@ -21425,7 +23178,7 @@
               <a:pPr>
                 <a:defRPr/>
               </a:pPr>
-              <a:t>23</a:t>
+              <a:t>24</a:t>
             </a:fld>
             <a:endParaRPr lang="en-US" dirty="0"/>
           </a:p>
@@ -22911,1139 +24664,6 @@
         </p:style>
       </p:cxnSp>
     </p:spTree>
-  </p:cSld>
-  <p:clrMapOvr>
-    <a:masterClrMapping/>
-  </p:clrMapOvr>
-  <p:timing>
-    <p:tnLst>
-      <p:par>
-        <p:cTn id="1" dur="indefinite" restart="never" nodeType="tmRoot"/>
-      </p:par>
-    </p:tnLst>
-  </p:timing>
-</p:sld>
-</file>
-
-<file path=ppt/slides/slide24.xml><?xml version="1.0" encoding="utf-8"?>
-<p:sld xmlns:a="http://schemas.openxmlformats.org/drawingml/2006/main" xmlns:r="http://schemas.openxmlformats.org/officeDocument/2006/relationships" xmlns:p="http://schemas.openxmlformats.org/presentationml/2006/main">
-  <p:cSld>
-    <p:spTree>
-      <p:nvGrpSpPr>
-        <p:cNvPr id="1" name=""/>
-        <p:cNvGrpSpPr/>
-        <p:nvPr/>
-      </p:nvGrpSpPr>
-      <p:grpSpPr>
-        <a:xfrm>
-          <a:off x="0" y="0"/>
-          <a:ext cx="0" cy="0"/>
-          <a:chOff x="0" y="0"/>
-          <a:chExt cx="0" cy="0"/>
-        </a:xfrm>
-      </p:grpSpPr>
-      <p:sp>
-        <p:nvSpPr>
-          <p:cNvPr id="19461" name="Titolo 4"/>
-          <p:cNvSpPr>
-            <a:spLocks noGrp="1"/>
-          </p:cNvSpPr>
-          <p:nvPr>
-            <p:ph type="title"/>
-          </p:nvPr>
-        </p:nvSpPr>
-        <p:spPr>
-          <a:xfrm>
-            <a:off x="468313" y="493779"/>
-            <a:ext cx="11269662" cy="393634"/>
-          </a:xfrm>
-        </p:spPr>
-        <p:txBody>
-          <a:bodyPr/>
-          <a:lstStyle/>
-          <a:p>
-            <a:pPr algn="ctr"/>
-            <a:r>
-              <a:rPr lang="it-IT" altLang="it-IT" sz="3600" dirty="0" err="1" smtClean="0">
-                <a:solidFill>
-                  <a:srgbClr val="C00000"/>
-                </a:solidFill>
-              </a:rPr>
-              <a:t>Example</a:t>
-            </a:r>
-            <a:r>
-              <a:rPr lang="it-IT" altLang="it-IT" sz="3600" dirty="0" smtClean="0">
-                <a:solidFill>
-                  <a:srgbClr val="C00000"/>
-                </a:solidFill>
-              </a:rPr>
-              <a:t> of use: </a:t>
-            </a:r>
-            <a:r>
-              <a:rPr lang="it-IT" altLang="it-IT" sz="3600" dirty="0" err="1">
-                <a:solidFill>
-                  <a:srgbClr val="C00000"/>
-                </a:solidFill>
-              </a:rPr>
-              <a:t>o</a:t>
-            </a:r>
-            <a:r>
-              <a:rPr lang="it-IT" altLang="it-IT" sz="3600" dirty="0" err="1" smtClean="0">
-                <a:solidFill>
-                  <a:srgbClr val="C00000"/>
-                </a:solidFill>
-              </a:rPr>
-              <a:t>rchestrator.R</a:t>
-            </a:r>
-            <a:endParaRPr lang="it-IT" altLang="it-IT" sz="3600" dirty="0">
-              <a:solidFill>
-                <a:srgbClr val="C00000"/>
-              </a:solidFill>
-            </a:endParaRPr>
-          </a:p>
-        </p:txBody>
-      </p:sp>
-      <p:sp>
-        <p:nvSpPr>
-          <p:cNvPr id="9" name="Segnaposto numero diapositiva 4">
-            <a:extLst>
-              <a:ext uri="{FF2B5EF4-FFF2-40B4-BE49-F238E27FC236}">
-                <a16:creationId xmlns:a16="http://schemas.microsoft.com/office/drawing/2014/main" id="{43529721-AF16-448D-9B7A-D70C2ADC2006}"/>
-              </a:ext>
-            </a:extLst>
-          </p:cNvPr>
-          <p:cNvSpPr>
-            <a:spLocks noGrp="1"/>
-          </p:cNvSpPr>
-          <p:nvPr>
-            <p:ph type="sldNum" sz="quarter" idx="11"/>
-          </p:nvPr>
-        </p:nvSpPr>
-        <p:spPr>
-          <a:xfrm>
-            <a:off x="323469" y="6405108"/>
-            <a:ext cx="501650" cy="365125"/>
-          </a:xfrm>
-          <a:prstGeom prst="rect">
-            <a:avLst/>
-          </a:prstGeom>
-        </p:spPr>
-        <p:txBody>
-          <a:bodyPr/>
-          <a:lstStyle/>
-          <a:p>
-            <a:pPr>
-              <a:defRPr/>
-            </a:pPr>
-            <a:fld id="{48B4153A-D4C5-4CEF-8992-0D8815C829E3}" type="slidenum">
-              <a:rPr lang="en-US" smtClean="0"/>
-              <a:pPr>
-                <a:defRPr/>
-              </a:pPr>
-              <a:t>24</a:t>
-            </a:fld>
-            <a:endParaRPr lang="en-US" dirty="0"/>
-          </a:p>
-        </p:txBody>
-      </p:sp>
-      <p:sp>
-        <p:nvSpPr>
-          <p:cNvPr id="6" name="Rettangolo 5"/>
-          <p:cNvSpPr/>
-          <p:nvPr/>
-        </p:nvSpPr>
-        <p:spPr>
-          <a:xfrm>
-            <a:off x="7143" y="1158632"/>
-            <a:ext cx="12390419" cy="5355312"/>
-          </a:xfrm>
-          <a:prstGeom prst="rect">
-            <a:avLst/>
-          </a:prstGeom>
-        </p:spPr>
-        <p:txBody>
-          <a:bodyPr wrap="square">
-            <a:spAutoFit/>
-          </a:bodyPr>
-          <a:lstStyle/>
-          <a:p>
-            <a:r>
-              <a:rPr lang="it-IT" dirty="0" err="1">
-                <a:latin typeface="Courier New" panose="02070309020205020404" pitchFamily="49" charset="0"/>
-                <a:cs typeface="Courier New" panose="02070309020205020404" pitchFamily="49" charset="0"/>
-              </a:rPr>
-              <a:t>input_workspace_directory</a:t>
-            </a:r>
-            <a:r>
-              <a:rPr lang="it-IT" dirty="0">
-                <a:latin typeface="Courier New" panose="02070309020205020404" pitchFamily="49" charset="0"/>
-                <a:cs typeface="Courier New" panose="02070309020205020404" pitchFamily="49" charset="0"/>
-              </a:rPr>
-              <a:t> &lt;- </a:t>
-            </a:r>
-            <a:r>
-              <a:rPr lang="it-IT" dirty="0">
-                <a:solidFill>
-                  <a:srgbClr val="00B0F0"/>
-                </a:solidFill>
-                <a:latin typeface="Courier New" panose="02070309020205020404" pitchFamily="49" charset="0"/>
-                <a:cs typeface="Courier New" panose="02070309020205020404" pitchFamily="49" charset="0"/>
-              </a:rPr>
-              <a:t>"</a:t>
-            </a:r>
-            <a:r>
-              <a:rPr lang="it-IT" dirty="0" smtClean="0">
-                <a:solidFill>
-                  <a:srgbClr val="00B0F0"/>
-                </a:solidFill>
-                <a:latin typeface="Courier New" panose="02070309020205020404" pitchFamily="49" charset="0"/>
-                <a:cs typeface="Courier New" panose="02070309020205020404" pitchFamily="49" charset="0"/>
-              </a:rPr>
-              <a:t>C:\\Workspace-dir\\</a:t>
-            </a:r>
-            <a:r>
-              <a:rPr lang="it-IT" dirty="0">
-                <a:solidFill>
-                  <a:srgbClr val="00B0F0"/>
-                </a:solidFill>
-                <a:latin typeface="Courier New" panose="02070309020205020404" pitchFamily="49" charset="0"/>
-                <a:cs typeface="Courier New" panose="02070309020205020404" pitchFamily="49" charset="0"/>
-              </a:rPr>
-              <a:t>WS-FAT.xml</a:t>
-            </a:r>
-            <a:r>
-              <a:rPr lang="it-IT" dirty="0" smtClean="0">
-                <a:solidFill>
-                  <a:srgbClr val="00B0F0"/>
-                </a:solidFill>
-                <a:latin typeface="Courier New" panose="02070309020205020404" pitchFamily="49" charset="0"/>
-                <a:cs typeface="Courier New" panose="02070309020205020404" pitchFamily="49" charset="0"/>
-              </a:rPr>
-              <a:t>" </a:t>
-            </a:r>
-            <a:r>
-              <a:rPr lang="it-IT" dirty="0" smtClean="0">
-                <a:solidFill>
-                  <a:srgbClr val="00CC99"/>
-                </a:solidFill>
-                <a:latin typeface="Courier New" panose="02070309020205020404" pitchFamily="49" charset="0"/>
-                <a:cs typeface="Courier New" panose="02070309020205020404" pitchFamily="49" charset="0"/>
-              </a:rPr>
-              <a:t>#</a:t>
-            </a:r>
-            <a:r>
-              <a:rPr lang="it-IT" dirty="0" err="1" smtClean="0">
-                <a:solidFill>
-                  <a:srgbClr val="00CC99"/>
-                </a:solidFill>
-                <a:latin typeface="Courier New" panose="02070309020205020404" pitchFamily="49" charset="0"/>
-                <a:cs typeface="Courier New" panose="02070309020205020404" pitchFamily="49" charset="0"/>
-              </a:rPr>
-              <a:t>Built</a:t>
-            </a:r>
-            <a:r>
-              <a:rPr lang="it-IT" dirty="0" smtClean="0">
-                <a:solidFill>
-                  <a:srgbClr val="00CC99"/>
-                </a:solidFill>
-                <a:latin typeface="Courier New" panose="02070309020205020404" pitchFamily="49" charset="0"/>
-                <a:cs typeface="Courier New" panose="02070309020205020404" pitchFamily="49" charset="0"/>
-              </a:rPr>
-              <a:t> with </a:t>
-            </a:r>
-            <a:r>
-              <a:rPr lang="it-IT" dirty="0" err="1" smtClean="0">
-                <a:solidFill>
-                  <a:srgbClr val="00CC99"/>
-                </a:solidFill>
-                <a:latin typeface="Courier New" panose="02070309020205020404" pitchFamily="49" charset="0"/>
-                <a:cs typeface="Courier New" panose="02070309020205020404" pitchFamily="49" charset="0"/>
-              </a:rPr>
-              <a:t>sa_ext</a:t>
-            </a:r>
-            <a:r>
-              <a:rPr lang="it-IT" dirty="0" smtClean="0">
-                <a:solidFill>
-                  <a:srgbClr val="00CC99"/>
-                </a:solidFill>
-                <a:latin typeface="Courier New" panose="02070309020205020404" pitchFamily="49" charset="0"/>
-                <a:cs typeface="Courier New" panose="02070309020205020404" pitchFamily="49" charset="0"/>
-              </a:rPr>
-              <a:t> </a:t>
-            </a:r>
-            <a:r>
-              <a:rPr lang="it-IT" dirty="0" err="1" smtClean="0">
-                <a:solidFill>
-                  <a:srgbClr val="00CC99"/>
-                </a:solidFill>
-                <a:latin typeface="Courier New" panose="02070309020205020404" pitchFamily="49" charset="0"/>
-                <a:cs typeface="Courier New" panose="02070309020205020404" pitchFamily="49" charset="0"/>
-              </a:rPr>
-              <a:t>plugin</a:t>
-            </a:r>
-            <a:endParaRPr lang="it-IT" dirty="0" smtClean="0">
-              <a:solidFill>
-                <a:srgbClr val="00CC99"/>
-              </a:solidFill>
-              <a:latin typeface="Courier New" panose="02070309020205020404" pitchFamily="49" charset="0"/>
-              <a:cs typeface="Courier New" panose="02070309020205020404" pitchFamily="49" charset="0"/>
-            </a:endParaRPr>
-          </a:p>
-          <a:p>
-            <a:r>
-              <a:rPr lang="it-IT" dirty="0" err="1" smtClean="0">
-                <a:latin typeface="Courier New" panose="02070309020205020404" pitchFamily="49" charset="0"/>
-                <a:cs typeface="Courier New" panose="02070309020205020404" pitchFamily="49" charset="0"/>
-              </a:rPr>
-              <a:t>input_data_file_name</a:t>
-            </a:r>
-            <a:r>
-              <a:rPr lang="it-IT" dirty="0" smtClean="0">
-                <a:latin typeface="Courier New" panose="02070309020205020404" pitchFamily="49" charset="0"/>
-                <a:cs typeface="Courier New" panose="02070309020205020404" pitchFamily="49" charset="0"/>
-              </a:rPr>
-              <a:t>      &lt;- </a:t>
-            </a:r>
-            <a:r>
-              <a:rPr lang="it-IT" dirty="0">
-                <a:solidFill>
-                  <a:srgbClr val="00B0F0"/>
-                </a:solidFill>
-                <a:latin typeface="Courier New" panose="02070309020205020404" pitchFamily="49" charset="0"/>
-                <a:cs typeface="Courier New" panose="02070309020205020404" pitchFamily="49" charset="0"/>
-              </a:rPr>
-              <a:t>"C</a:t>
-            </a:r>
-            <a:r>
-              <a:rPr lang="it-IT" dirty="0" smtClean="0">
-                <a:solidFill>
-                  <a:srgbClr val="00B0F0"/>
-                </a:solidFill>
-                <a:latin typeface="Courier New" panose="02070309020205020404" pitchFamily="49" charset="0"/>
-                <a:cs typeface="Courier New" panose="02070309020205020404" pitchFamily="49" charset="0"/>
-              </a:rPr>
-              <a:t>:\\</a:t>
-            </a:r>
-            <a:r>
-              <a:rPr lang="it-IT" dirty="0">
-                <a:solidFill>
-                  <a:srgbClr val="00B0F0"/>
-                </a:solidFill>
-                <a:latin typeface="Courier New" panose="02070309020205020404" pitchFamily="49" charset="0"/>
-                <a:cs typeface="Courier New" panose="02070309020205020404" pitchFamily="49" charset="0"/>
-              </a:rPr>
-              <a:t>SITIC-FAT</a:t>
-            </a:r>
-            <a:r>
-              <a:rPr lang="it-IT" dirty="0" smtClean="0">
-                <a:solidFill>
-                  <a:srgbClr val="00B0F0"/>
-                </a:solidFill>
-                <a:latin typeface="Courier New" panose="02070309020205020404" pitchFamily="49" charset="0"/>
-                <a:cs typeface="Courier New" panose="02070309020205020404" pitchFamily="49" charset="0"/>
-              </a:rPr>
-              <a:t>\\raw_data.csv"</a:t>
-            </a:r>
-          </a:p>
-          <a:p>
-            <a:r>
-              <a:rPr lang="it-IT" dirty="0" err="1" smtClean="0">
-                <a:latin typeface="Courier New" panose="02070309020205020404" pitchFamily="49" charset="0"/>
-                <a:cs typeface="Courier New" panose="02070309020205020404" pitchFamily="49" charset="0"/>
-              </a:rPr>
-              <a:t>regr_directory</a:t>
-            </a:r>
-            <a:r>
-              <a:rPr lang="it-IT" dirty="0" smtClean="0">
-                <a:latin typeface="Courier New" panose="02070309020205020404" pitchFamily="49" charset="0"/>
-                <a:cs typeface="Courier New" panose="02070309020205020404" pitchFamily="49" charset="0"/>
-              </a:rPr>
-              <a:t>            &lt;- </a:t>
-            </a:r>
-            <a:r>
-              <a:rPr lang="it-IT" dirty="0">
-                <a:solidFill>
-                  <a:srgbClr val="00B0F0"/>
-                </a:solidFill>
-                <a:latin typeface="Courier New" panose="02070309020205020404" pitchFamily="49" charset="0"/>
-                <a:cs typeface="Courier New" panose="02070309020205020404" pitchFamily="49" charset="0"/>
-              </a:rPr>
-              <a:t>"C</a:t>
-            </a:r>
-            <a:r>
-              <a:rPr lang="it-IT" dirty="0" smtClean="0">
-                <a:solidFill>
-                  <a:srgbClr val="00B0F0"/>
-                </a:solidFill>
-                <a:latin typeface="Courier New" panose="02070309020205020404" pitchFamily="49" charset="0"/>
-                <a:cs typeface="Courier New" panose="02070309020205020404" pitchFamily="49" charset="0"/>
-              </a:rPr>
-              <a:t>:\\</a:t>
-            </a:r>
-            <a:r>
-              <a:rPr lang="it-IT" dirty="0">
-                <a:solidFill>
-                  <a:srgbClr val="00B0F0"/>
-                </a:solidFill>
-                <a:latin typeface="Courier New" panose="02070309020205020404" pitchFamily="49" charset="0"/>
-                <a:cs typeface="Courier New" panose="02070309020205020404" pitchFamily="49" charset="0"/>
-              </a:rPr>
-              <a:t>SITIC-FAT</a:t>
-            </a:r>
-            <a:r>
-              <a:rPr lang="it-IT" dirty="0" smtClean="0">
-                <a:solidFill>
-                  <a:srgbClr val="00B0F0"/>
-                </a:solidFill>
-                <a:latin typeface="Courier New" panose="02070309020205020404" pitchFamily="49" charset="0"/>
-                <a:cs typeface="Courier New" panose="02070309020205020404" pitchFamily="49" charset="0"/>
-              </a:rPr>
-              <a:t>\\TS_regr" </a:t>
-            </a:r>
-            <a:r>
-              <a:rPr lang="it-IT" dirty="0" smtClean="0">
-                <a:solidFill>
-                  <a:srgbClr val="00CC99"/>
-                </a:solidFill>
-                <a:latin typeface="Courier New" panose="02070309020205020404" pitchFamily="49" charset="0"/>
-                <a:cs typeface="Courier New" panose="02070309020205020404" pitchFamily="49" charset="0"/>
-              </a:rPr>
-              <a:t>#Folder with </a:t>
-            </a:r>
-            <a:r>
-              <a:rPr lang="it-IT" dirty="0" err="1" smtClean="0">
-                <a:solidFill>
-                  <a:srgbClr val="00CC99"/>
-                </a:solidFill>
-                <a:latin typeface="Courier New" panose="02070309020205020404" pitchFamily="49" charset="0"/>
-                <a:cs typeface="Courier New" panose="02070309020205020404" pitchFamily="49" charset="0"/>
-              </a:rPr>
-              <a:t>external</a:t>
-            </a:r>
-            <a:r>
-              <a:rPr lang="it-IT" dirty="0" smtClean="0">
-                <a:solidFill>
-                  <a:srgbClr val="00CC99"/>
-                </a:solidFill>
-                <a:latin typeface="Courier New" panose="02070309020205020404" pitchFamily="49" charset="0"/>
-                <a:cs typeface="Courier New" panose="02070309020205020404" pitchFamily="49" charset="0"/>
-              </a:rPr>
-              <a:t> </a:t>
-            </a:r>
-            <a:r>
-              <a:rPr lang="it-IT" dirty="0" err="1" smtClean="0">
-                <a:solidFill>
-                  <a:srgbClr val="00CC99"/>
-                </a:solidFill>
-                <a:latin typeface="Courier New" panose="02070309020205020404" pitchFamily="49" charset="0"/>
-                <a:cs typeface="Courier New" panose="02070309020205020404" pitchFamily="49" charset="0"/>
-              </a:rPr>
-              <a:t>regressors</a:t>
-            </a:r>
-            <a:endParaRPr lang="it-IT" dirty="0" smtClean="0">
-              <a:solidFill>
-                <a:srgbClr val="00CC99"/>
-              </a:solidFill>
-              <a:latin typeface="Courier New" panose="02070309020205020404" pitchFamily="49" charset="0"/>
-              <a:cs typeface="Courier New" panose="02070309020205020404" pitchFamily="49" charset="0"/>
-            </a:endParaRPr>
-          </a:p>
-          <a:p>
-            <a:r>
-              <a:rPr lang="it-IT" dirty="0" err="1">
-                <a:latin typeface="Courier New" panose="02070309020205020404" pitchFamily="49" charset="0"/>
-                <a:cs typeface="Courier New" panose="02070309020205020404" pitchFamily="49" charset="0"/>
-              </a:rPr>
-              <a:t>spec_file_name</a:t>
-            </a:r>
-            <a:r>
-              <a:rPr lang="it-IT" dirty="0">
-                <a:latin typeface="Courier New" panose="02070309020205020404" pitchFamily="49" charset="0"/>
-                <a:cs typeface="Courier New" panose="02070309020205020404" pitchFamily="49" charset="0"/>
-              </a:rPr>
-              <a:t>         </a:t>
-            </a:r>
-            <a:r>
-              <a:rPr lang="it-IT" dirty="0" smtClean="0">
-                <a:latin typeface="Courier New" panose="02070309020205020404" pitchFamily="49" charset="0"/>
-                <a:cs typeface="Courier New" panose="02070309020205020404" pitchFamily="49" charset="0"/>
-              </a:rPr>
-              <a:t>   </a:t>
-            </a:r>
-            <a:r>
-              <a:rPr lang="it-IT" smtClean="0">
-                <a:latin typeface="Courier New" panose="02070309020205020404" pitchFamily="49" charset="0"/>
-                <a:cs typeface="Courier New" panose="02070309020205020404" pitchFamily="49" charset="0"/>
-              </a:rPr>
-              <a:t>&lt;- </a:t>
-            </a:r>
-            <a:r>
-              <a:rPr lang="it-IT" smtClean="0">
-                <a:solidFill>
-                  <a:srgbClr val="00B0F0"/>
-                </a:solidFill>
-                <a:latin typeface="Courier New" panose="02070309020205020404" pitchFamily="49" charset="0"/>
-                <a:cs typeface="Courier New" panose="02070309020205020404" pitchFamily="49" charset="0"/>
-              </a:rPr>
-              <a:t>"C</a:t>
-            </a:r>
-            <a:r>
-              <a:rPr lang="it-IT" dirty="0">
-                <a:solidFill>
-                  <a:srgbClr val="00B0F0"/>
-                </a:solidFill>
-                <a:latin typeface="Courier New" panose="02070309020205020404" pitchFamily="49" charset="0"/>
-                <a:cs typeface="Courier New" panose="02070309020205020404" pitchFamily="49" charset="0"/>
-              </a:rPr>
-              <a:t>:\\JD_JSON_specifications.txt"</a:t>
-            </a:r>
-          </a:p>
-          <a:p>
-            <a:endParaRPr lang="it-IT" dirty="0" smtClean="0">
-              <a:latin typeface="Courier New" panose="02070309020205020404" pitchFamily="49" charset="0"/>
-              <a:cs typeface="Courier New" panose="02070309020205020404" pitchFamily="49" charset="0"/>
-            </a:endParaRPr>
-          </a:p>
-          <a:p>
-            <a:r>
-              <a:rPr lang="it-IT" dirty="0" err="1">
-                <a:latin typeface="Courier New" panose="02070309020205020404" pitchFamily="49" charset="0"/>
-                <a:cs typeface="Courier New" panose="02070309020205020404" pitchFamily="49" charset="0"/>
-              </a:rPr>
-              <a:t>d</a:t>
-            </a:r>
-            <a:r>
-              <a:rPr lang="it-IT" dirty="0" err="1" smtClean="0">
-                <a:latin typeface="Courier New" panose="02070309020205020404" pitchFamily="49" charset="0"/>
-                <a:cs typeface="Courier New" panose="02070309020205020404" pitchFamily="49" charset="0"/>
-              </a:rPr>
-              <a:t>iff</a:t>
-            </a:r>
-            <a:r>
-              <a:rPr lang="it-IT" dirty="0" smtClean="0">
-                <a:latin typeface="Courier New" panose="02070309020205020404" pitchFamily="49" charset="0"/>
-                <a:cs typeface="Courier New" panose="02070309020205020404" pitchFamily="49" charset="0"/>
-              </a:rPr>
-              <a:t> &lt;- </a:t>
-            </a:r>
-            <a:r>
-              <a:rPr lang="it-IT" dirty="0">
-                <a:latin typeface="Courier New" panose="02070309020205020404" pitchFamily="49" charset="0"/>
-                <a:cs typeface="Courier New" panose="02070309020205020404" pitchFamily="49" charset="0"/>
-              </a:rPr>
-              <a:t>TRUE </a:t>
-            </a:r>
-            <a:r>
-              <a:rPr lang="it-IT" dirty="0" smtClean="0">
-                <a:latin typeface="Courier New" panose="02070309020205020404" pitchFamily="49" charset="0"/>
-                <a:cs typeface="Courier New" panose="02070309020205020404" pitchFamily="49" charset="0"/>
-              </a:rPr>
-              <a:t> </a:t>
-            </a:r>
-            <a:r>
-              <a:rPr lang="it-IT" dirty="0" smtClean="0">
-                <a:solidFill>
-                  <a:srgbClr val="00CC99"/>
-                </a:solidFill>
-                <a:latin typeface="Courier New" panose="02070309020205020404" pitchFamily="49" charset="0"/>
-                <a:cs typeface="Courier New" panose="02070309020205020404" pitchFamily="49" charset="0"/>
-              </a:rPr>
-              <a:t># </a:t>
-            </a:r>
-            <a:r>
-              <a:rPr lang="it-IT" dirty="0" err="1">
-                <a:solidFill>
-                  <a:srgbClr val="00CC99"/>
-                </a:solidFill>
-                <a:latin typeface="Courier New" panose="02070309020205020404" pitchFamily="49" charset="0"/>
-                <a:cs typeface="Courier New" panose="02070309020205020404" pitchFamily="49" charset="0"/>
-              </a:rPr>
-              <a:t>Reduced</a:t>
-            </a:r>
-            <a:r>
-              <a:rPr lang="it-IT" dirty="0">
-                <a:solidFill>
-                  <a:srgbClr val="00CC99"/>
-                </a:solidFill>
-                <a:latin typeface="Courier New" panose="02070309020205020404" pitchFamily="49" charset="0"/>
-                <a:cs typeface="Courier New" panose="02070309020205020404" pitchFamily="49" charset="0"/>
-              </a:rPr>
-              <a:t> JSON </a:t>
-            </a:r>
-            <a:r>
-              <a:rPr lang="it-IT" dirty="0" err="1">
-                <a:solidFill>
-                  <a:srgbClr val="00CC99"/>
-                </a:solidFill>
-                <a:latin typeface="Courier New" panose="02070309020205020404" pitchFamily="49" charset="0"/>
-                <a:cs typeface="Courier New" panose="02070309020205020404" pitchFamily="49" charset="0"/>
-              </a:rPr>
-              <a:t>if</a:t>
-            </a:r>
-            <a:r>
-              <a:rPr lang="it-IT" dirty="0">
-                <a:solidFill>
-                  <a:srgbClr val="00CC99"/>
-                </a:solidFill>
-                <a:latin typeface="Courier New" panose="02070309020205020404" pitchFamily="49" charset="0"/>
-                <a:cs typeface="Courier New" panose="02070309020205020404" pitchFamily="49" charset="0"/>
-              </a:rPr>
-              <a:t> </a:t>
-            </a:r>
-            <a:r>
-              <a:rPr lang="it-IT" dirty="0" err="1">
-                <a:solidFill>
-                  <a:srgbClr val="00CC99"/>
-                </a:solidFill>
-                <a:latin typeface="Courier New" panose="02070309020205020404" pitchFamily="49" charset="0"/>
-                <a:cs typeface="Courier New" panose="02070309020205020404" pitchFamily="49" charset="0"/>
-              </a:rPr>
-              <a:t>diff</a:t>
-            </a:r>
-            <a:r>
-              <a:rPr lang="it-IT" dirty="0">
-                <a:solidFill>
-                  <a:srgbClr val="00CC99"/>
-                </a:solidFill>
-                <a:latin typeface="Courier New" panose="02070309020205020404" pitchFamily="49" charset="0"/>
-                <a:cs typeface="Courier New" panose="02070309020205020404" pitchFamily="49" charset="0"/>
-              </a:rPr>
-              <a:t>=TRUE, Full </a:t>
-            </a:r>
-            <a:r>
-              <a:rPr lang="it-IT" dirty="0" smtClean="0">
-                <a:solidFill>
-                  <a:srgbClr val="00CC99"/>
-                </a:solidFill>
-                <a:latin typeface="Courier New" panose="02070309020205020404" pitchFamily="49" charset="0"/>
-                <a:cs typeface="Courier New" panose="02070309020205020404" pitchFamily="49" charset="0"/>
-              </a:rPr>
-              <a:t>JD_JSON </a:t>
-            </a:r>
-            <a:r>
-              <a:rPr lang="it-IT" dirty="0">
-                <a:solidFill>
-                  <a:srgbClr val="00CC99"/>
-                </a:solidFill>
-                <a:latin typeface="Courier New" panose="02070309020205020404" pitchFamily="49" charset="0"/>
-                <a:cs typeface="Courier New" panose="02070309020205020404" pitchFamily="49" charset="0"/>
-              </a:rPr>
-              <a:t>format </a:t>
-            </a:r>
-            <a:r>
-              <a:rPr lang="it-IT" dirty="0" err="1" smtClean="0">
-                <a:solidFill>
-                  <a:srgbClr val="00CC99"/>
-                </a:solidFill>
-                <a:latin typeface="Courier New" panose="02070309020205020404" pitchFamily="49" charset="0"/>
-                <a:cs typeface="Courier New" panose="02070309020205020404" pitchFamily="49" charset="0"/>
-              </a:rPr>
-              <a:t>otherwise</a:t>
-            </a:r>
-            <a:endParaRPr lang="it-IT" dirty="0" smtClean="0">
-              <a:solidFill>
-                <a:srgbClr val="00CC99"/>
-              </a:solidFill>
-              <a:latin typeface="Courier New" panose="02070309020205020404" pitchFamily="49" charset="0"/>
-              <a:cs typeface="Courier New" panose="02070309020205020404" pitchFamily="49" charset="0"/>
-            </a:endParaRPr>
-          </a:p>
-          <a:p>
-            <a:endParaRPr lang="it-IT" dirty="0" smtClean="0">
-              <a:latin typeface="Courier New" panose="02070309020205020404" pitchFamily="49" charset="0"/>
-              <a:cs typeface="Courier New" panose="02070309020205020404" pitchFamily="49" charset="0"/>
-            </a:endParaRPr>
-          </a:p>
-          <a:p>
-            <a:r>
-              <a:rPr lang="it-IT" dirty="0" smtClean="0">
-                <a:solidFill>
-                  <a:srgbClr val="00CC99"/>
-                </a:solidFill>
-                <a:latin typeface="Courier New" panose="02070309020205020404" pitchFamily="49" charset="0"/>
-                <a:cs typeface="Courier New" panose="02070309020205020404" pitchFamily="49" charset="0"/>
-              </a:rPr>
-              <a:t>################################# </a:t>
-            </a:r>
-            <a:r>
-              <a:rPr lang="it-IT" dirty="0" err="1">
-                <a:solidFill>
-                  <a:srgbClr val="00CC99"/>
-                </a:solidFill>
-                <a:latin typeface="Courier New" panose="02070309020205020404" pitchFamily="49" charset="0"/>
-                <a:cs typeface="Courier New" panose="02070309020205020404" pitchFamily="49" charset="0"/>
-              </a:rPr>
-              <a:t>Operational</a:t>
-            </a:r>
-            <a:r>
-              <a:rPr lang="it-IT" dirty="0">
-                <a:solidFill>
-                  <a:srgbClr val="00CC99"/>
-                </a:solidFill>
-                <a:latin typeface="Courier New" panose="02070309020205020404" pitchFamily="49" charset="0"/>
-                <a:cs typeface="Courier New" panose="02070309020205020404" pitchFamily="49" charset="0"/>
-              </a:rPr>
-              <a:t> flow </a:t>
-            </a:r>
-            <a:r>
-              <a:rPr lang="it-IT" dirty="0" smtClean="0">
-                <a:solidFill>
-                  <a:srgbClr val="00CC99"/>
-                </a:solidFill>
-                <a:latin typeface="Courier New" panose="02070309020205020404" pitchFamily="49" charset="0"/>
-                <a:cs typeface="Courier New" panose="02070309020205020404" pitchFamily="49" charset="0"/>
-              </a:rPr>
-              <a:t>###################################</a:t>
-            </a:r>
-          </a:p>
-          <a:p>
-            <a:endParaRPr lang="it-IT" dirty="0" smtClean="0">
-              <a:latin typeface="Courier New" panose="02070309020205020404" pitchFamily="49" charset="0"/>
-              <a:cs typeface="Courier New" panose="02070309020205020404" pitchFamily="49" charset="0"/>
-            </a:endParaRPr>
-          </a:p>
-          <a:p>
-            <a:r>
-              <a:rPr lang="it-IT" dirty="0" err="1" smtClean="0">
-                <a:latin typeface="Courier New" panose="02070309020205020404" pitchFamily="49" charset="0"/>
-                <a:cs typeface="Courier New" panose="02070309020205020404" pitchFamily="49" charset="0"/>
-              </a:rPr>
-              <a:t>input_data_provider</a:t>
-            </a:r>
-            <a:r>
-              <a:rPr lang="it-IT" dirty="0" smtClean="0">
-                <a:latin typeface="Courier New" panose="02070309020205020404" pitchFamily="49" charset="0"/>
-                <a:cs typeface="Courier New" panose="02070309020205020404" pitchFamily="49" charset="0"/>
-              </a:rPr>
-              <a:t>    &lt;- </a:t>
-            </a:r>
-            <a:r>
-              <a:rPr lang="it-IT" dirty="0" err="1" smtClean="0">
-                <a:latin typeface="Courier New" panose="02070309020205020404" pitchFamily="49" charset="0"/>
-                <a:cs typeface="Courier New" panose="02070309020205020404" pitchFamily="49" charset="0"/>
-              </a:rPr>
-              <a:t>Provider_csv_istat_format</a:t>
-            </a:r>
-            <a:r>
-              <a:rPr lang="it-IT" dirty="0" smtClean="0">
-                <a:latin typeface="Courier New" panose="02070309020205020404" pitchFamily="49" charset="0"/>
-                <a:cs typeface="Courier New" panose="02070309020205020404" pitchFamily="49" charset="0"/>
-              </a:rPr>
-              <a:t>(</a:t>
-            </a:r>
-            <a:r>
-              <a:rPr lang="it-IT" dirty="0" err="1" smtClean="0">
-                <a:latin typeface="Courier New" panose="02070309020205020404" pitchFamily="49" charset="0"/>
-                <a:cs typeface="Courier New" panose="02070309020205020404" pitchFamily="49" charset="0"/>
-              </a:rPr>
-              <a:t>input_data_file_name</a:t>
-            </a:r>
-            <a:r>
-              <a:rPr lang="it-IT" dirty="0" smtClean="0">
-                <a:latin typeface="Courier New" panose="02070309020205020404" pitchFamily="49" charset="0"/>
-                <a:cs typeface="Courier New" panose="02070309020205020404" pitchFamily="49" charset="0"/>
-              </a:rPr>
-              <a:t>)</a:t>
-            </a:r>
-          </a:p>
-          <a:p>
-            <a:r>
-              <a:rPr lang="it-IT" dirty="0" err="1" smtClean="0">
-                <a:latin typeface="Courier New" panose="02070309020205020404" pitchFamily="49" charset="0"/>
-                <a:cs typeface="Courier New" panose="02070309020205020404" pitchFamily="49" charset="0"/>
-              </a:rPr>
-              <a:t>ext_reg_input_provider</a:t>
-            </a:r>
-            <a:r>
-              <a:rPr lang="it-IT" dirty="0" smtClean="0">
-                <a:latin typeface="Courier New" panose="02070309020205020404" pitchFamily="49" charset="0"/>
-                <a:cs typeface="Courier New" panose="02070309020205020404" pitchFamily="49" charset="0"/>
-              </a:rPr>
-              <a:t> &lt;- </a:t>
-            </a:r>
-            <a:r>
-              <a:rPr lang="it-IT" dirty="0" err="1">
-                <a:latin typeface="Courier New" panose="02070309020205020404" pitchFamily="49" charset="0"/>
-                <a:cs typeface="Courier New" panose="02070309020205020404" pitchFamily="49" charset="0"/>
-              </a:rPr>
-              <a:t>Provider_ext_reg_tsplus</a:t>
-            </a:r>
-            <a:r>
-              <a:rPr lang="it-IT" dirty="0">
-                <a:latin typeface="Courier New" panose="02070309020205020404" pitchFamily="49" charset="0"/>
-                <a:cs typeface="Courier New" panose="02070309020205020404" pitchFamily="49" charset="0"/>
-              </a:rPr>
-              <a:t>(</a:t>
-            </a:r>
-            <a:r>
-              <a:rPr lang="it-IT" dirty="0" err="1">
-                <a:latin typeface="Courier New" panose="02070309020205020404" pitchFamily="49" charset="0"/>
-                <a:cs typeface="Courier New" panose="02070309020205020404" pitchFamily="49" charset="0"/>
-              </a:rPr>
-              <a:t>regr_directory</a:t>
-            </a:r>
-            <a:r>
-              <a:rPr lang="it-IT" dirty="0" smtClean="0">
-                <a:latin typeface="Courier New" panose="02070309020205020404" pitchFamily="49" charset="0"/>
-                <a:cs typeface="Courier New" panose="02070309020205020404" pitchFamily="49" charset="0"/>
-              </a:rPr>
-              <a:t>)</a:t>
-            </a:r>
-          </a:p>
-          <a:p>
-            <a:endParaRPr lang="it-IT" dirty="0" smtClean="0">
-              <a:latin typeface="Courier New" panose="02070309020205020404" pitchFamily="49" charset="0"/>
-              <a:cs typeface="Courier New" panose="02070309020205020404" pitchFamily="49" charset="0"/>
-            </a:endParaRPr>
-          </a:p>
-          <a:p>
-            <a:r>
-              <a:rPr lang="it-IT" dirty="0" err="1" smtClean="0">
-                <a:latin typeface="Courier New" panose="02070309020205020404" pitchFamily="49" charset="0"/>
-                <a:cs typeface="Courier New" panose="02070309020205020404" pitchFamily="49" charset="0"/>
-              </a:rPr>
-              <a:t>JD_JSON_from_materialized_workspace</a:t>
-            </a:r>
-            <a:r>
-              <a:rPr lang="it-IT" dirty="0" smtClean="0">
-                <a:latin typeface="Courier New" panose="02070309020205020404" pitchFamily="49" charset="0"/>
-                <a:cs typeface="Courier New" panose="02070309020205020404" pitchFamily="49" charset="0"/>
-              </a:rPr>
-              <a:t>(</a:t>
-            </a:r>
-            <a:r>
-              <a:rPr lang="it-IT" dirty="0" err="1" smtClean="0">
-                <a:latin typeface="Courier New" panose="02070309020205020404" pitchFamily="49" charset="0"/>
-                <a:cs typeface="Courier New" panose="02070309020205020404" pitchFamily="49" charset="0"/>
-              </a:rPr>
-              <a:t>input_workspace_directory</a:t>
-            </a:r>
-            <a:r>
-              <a:rPr lang="it-IT" dirty="0">
-                <a:latin typeface="Courier New" panose="02070309020205020404" pitchFamily="49" charset="0"/>
-                <a:cs typeface="Courier New" panose="02070309020205020404" pitchFamily="49" charset="0"/>
-              </a:rPr>
-              <a:t>, </a:t>
-            </a:r>
-            <a:r>
-              <a:rPr lang="it-IT" dirty="0" err="1" smtClean="0">
-                <a:latin typeface="Courier New" panose="02070309020205020404" pitchFamily="49" charset="0"/>
-                <a:cs typeface="Courier New" panose="02070309020205020404" pitchFamily="49" charset="0"/>
-              </a:rPr>
-              <a:t>ext_reg_input_provider</a:t>
-            </a:r>
-            <a:r>
-              <a:rPr lang="it-IT" dirty="0">
-                <a:latin typeface="Courier New" panose="02070309020205020404" pitchFamily="49" charset="0"/>
-                <a:cs typeface="Courier New" panose="02070309020205020404" pitchFamily="49" charset="0"/>
-              </a:rPr>
-              <a:t>, </a:t>
-            </a:r>
-            <a:endParaRPr lang="it-IT" dirty="0" smtClean="0">
-              <a:latin typeface="Courier New" panose="02070309020205020404" pitchFamily="49" charset="0"/>
-              <a:cs typeface="Courier New" panose="02070309020205020404" pitchFamily="49" charset="0"/>
-            </a:endParaRPr>
-          </a:p>
-          <a:p>
-            <a:r>
-              <a:rPr lang="it-IT" dirty="0">
-                <a:latin typeface="Courier New" panose="02070309020205020404" pitchFamily="49" charset="0"/>
-                <a:cs typeface="Courier New" panose="02070309020205020404" pitchFamily="49" charset="0"/>
-              </a:rPr>
-              <a:t>	</a:t>
-            </a:r>
-            <a:r>
-              <a:rPr lang="it-IT" dirty="0" smtClean="0">
-                <a:latin typeface="Courier New" panose="02070309020205020404" pitchFamily="49" charset="0"/>
-                <a:cs typeface="Courier New" panose="02070309020205020404" pitchFamily="49" charset="0"/>
-              </a:rPr>
-              <a:t>							    </a:t>
-            </a:r>
-            <a:r>
-              <a:rPr lang="it-IT" dirty="0" err="1" smtClean="0">
-                <a:latin typeface="Courier New" panose="02070309020205020404" pitchFamily="49" charset="0"/>
-                <a:cs typeface="Courier New" panose="02070309020205020404" pitchFamily="49" charset="0"/>
-              </a:rPr>
-              <a:t>JSON_file_name</a:t>
-            </a:r>
-            <a:r>
-              <a:rPr lang="it-IT" dirty="0" smtClean="0">
-                <a:latin typeface="Courier New" panose="02070309020205020404" pitchFamily="49" charset="0"/>
-                <a:cs typeface="Courier New" panose="02070309020205020404" pitchFamily="49" charset="0"/>
-              </a:rPr>
-              <a:t> </a:t>
-            </a:r>
-            <a:r>
-              <a:rPr lang="it-IT" dirty="0">
-                <a:latin typeface="Courier New" panose="02070309020205020404" pitchFamily="49" charset="0"/>
-                <a:cs typeface="Courier New" panose="02070309020205020404" pitchFamily="49" charset="0"/>
-              </a:rPr>
-              <a:t>= </a:t>
-            </a:r>
-            <a:r>
-              <a:rPr lang="it-IT" dirty="0" err="1">
-                <a:latin typeface="Courier New" panose="02070309020205020404" pitchFamily="49" charset="0"/>
-                <a:cs typeface="Courier New" panose="02070309020205020404" pitchFamily="49" charset="0"/>
-              </a:rPr>
-              <a:t>spec_file_name</a:t>
-            </a:r>
-            <a:r>
-              <a:rPr lang="it-IT" dirty="0" smtClean="0">
-                <a:latin typeface="Courier New" panose="02070309020205020404" pitchFamily="49" charset="0"/>
-                <a:cs typeface="Courier New" panose="02070309020205020404" pitchFamily="49" charset="0"/>
-              </a:rPr>
-              <a:t>, </a:t>
-            </a:r>
-            <a:r>
-              <a:rPr lang="it-IT" dirty="0" err="1" smtClean="0">
-                <a:latin typeface="Courier New" panose="02070309020205020404" pitchFamily="49" charset="0"/>
-                <a:cs typeface="Courier New" panose="02070309020205020404" pitchFamily="49" charset="0"/>
-              </a:rPr>
-              <a:t>diff</a:t>
-            </a:r>
-            <a:r>
-              <a:rPr lang="it-IT" dirty="0" smtClean="0">
-                <a:latin typeface="Courier New" panose="02070309020205020404" pitchFamily="49" charset="0"/>
-                <a:cs typeface="Courier New" panose="02070309020205020404" pitchFamily="49" charset="0"/>
-              </a:rPr>
-              <a:t>)</a:t>
-            </a:r>
-          </a:p>
-          <a:p>
-            <a:endParaRPr lang="it-IT" dirty="0" smtClean="0">
-              <a:solidFill>
-                <a:srgbClr val="00CC99"/>
-              </a:solidFill>
-              <a:latin typeface="Courier New" panose="02070309020205020404" pitchFamily="49" charset="0"/>
-              <a:cs typeface="Courier New" panose="02070309020205020404" pitchFamily="49" charset="0"/>
-            </a:endParaRPr>
-          </a:p>
-          <a:p>
-            <a:r>
-              <a:rPr lang="it-IT" dirty="0" err="1" smtClean="0">
-                <a:latin typeface="Courier New" panose="02070309020205020404" pitchFamily="49" charset="0"/>
-                <a:cs typeface="Courier New" panose="02070309020205020404" pitchFamily="49" charset="0"/>
-              </a:rPr>
-              <a:t>models</a:t>
-            </a:r>
-            <a:r>
-              <a:rPr lang="it-IT" dirty="0" smtClean="0">
-                <a:latin typeface="Courier New" panose="02070309020205020404" pitchFamily="49" charset="0"/>
-                <a:cs typeface="Courier New" panose="02070309020205020404" pitchFamily="49" charset="0"/>
-              </a:rPr>
-              <a:t> &lt;- </a:t>
-            </a:r>
-            <a:r>
-              <a:rPr lang="it-IT" dirty="0" err="1" smtClean="0">
-                <a:latin typeface="Courier New" panose="02070309020205020404" pitchFamily="49" charset="0"/>
-                <a:cs typeface="Courier New" panose="02070309020205020404" pitchFamily="49" charset="0"/>
-              </a:rPr>
-              <a:t>JD_JSON_file_processor</a:t>
-            </a:r>
-            <a:r>
-              <a:rPr lang="it-IT" dirty="0" smtClean="0">
-                <a:latin typeface="Courier New" panose="02070309020205020404" pitchFamily="49" charset="0"/>
-                <a:cs typeface="Courier New" panose="02070309020205020404" pitchFamily="49" charset="0"/>
-              </a:rPr>
-              <a:t>(</a:t>
-            </a:r>
-            <a:r>
-              <a:rPr lang="it-IT" dirty="0" err="1" smtClean="0">
-                <a:latin typeface="Courier New" panose="02070309020205020404" pitchFamily="49" charset="0"/>
-                <a:cs typeface="Courier New" panose="02070309020205020404" pitchFamily="49" charset="0"/>
-              </a:rPr>
-              <a:t>input_data_provider</a:t>
-            </a:r>
-            <a:r>
-              <a:rPr lang="it-IT" dirty="0" smtClean="0">
-                <a:latin typeface="Courier New" panose="02070309020205020404" pitchFamily="49" charset="0"/>
-                <a:cs typeface="Courier New" panose="02070309020205020404" pitchFamily="49" charset="0"/>
-              </a:rPr>
-              <a:t>, </a:t>
-            </a:r>
-            <a:r>
-              <a:rPr lang="it-IT" dirty="0" err="1" smtClean="0">
-                <a:latin typeface="Courier New" panose="02070309020205020404" pitchFamily="49" charset="0"/>
-                <a:cs typeface="Courier New" panose="02070309020205020404" pitchFamily="49" charset="0"/>
-              </a:rPr>
-              <a:t>ext_reg_input_provider</a:t>
-            </a:r>
-            <a:r>
-              <a:rPr lang="it-IT" dirty="0" smtClean="0">
-                <a:latin typeface="Courier New" panose="02070309020205020404" pitchFamily="49" charset="0"/>
-                <a:cs typeface="Courier New" panose="02070309020205020404" pitchFamily="49" charset="0"/>
-              </a:rPr>
-              <a:t>,</a:t>
-            </a:r>
-          </a:p>
-          <a:p>
-            <a:r>
-              <a:rPr lang="it-IT" dirty="0" smtClean="0">
-                <a:latin typeface="Courier New" panose="02070309020205020404" pitchFamily="49" charset="0"/>
-                <a:cs typeface="Courier New" panose="02070309020205020404" pitchFamily="49" charset="0"/>
-              </a:rPr>
-              <a:t>                          </a:t>
-            </a:r>
-            <a:r>
-              <a:rPr lang="it-IT" dirty="0" err="1" smtClean="0">
-                <a:latin typeface="Courier New" panose="02070309020205020404" pitchFamily="49" charset="0"/>
-                <a:cs typeface="Courier New" panose="02070309020205020404" pitchFamily="49" charset="0"/>
-              </a:rPr>
-              <a:t>spec_file_name</a:t>
-            </a:r>
-            <a:r>
-              <a:rPr lang="it-IT" dirty="0">
-                <a:latin typeface="Courier New" panose="02070309020205020404" pitchFamily="49" charset="0"/>
-                <a:cs typeface="Courier New" panose="02070309020205020404" pitchFamily="49" charset="0"/>
-              </a:rPr>
-              <a:t>, </a:t>
-            </a:r>
-            <a:r>
-              <a:rPr lang="it-IT" dirty="0" smtClean="0">
-                <a:solidFill>
-                  <a:srgbClr val="00B0F0"/>
-                </a:solidFill>
-                <a:latin typeface="Courier New" panose="02070309020205020404" pitchFamily="49" charset="0"/>
-                <a:cs typeface="Courier New" panose="02070309020205020404" pitchFamily="49" charset="0"/>
-              </a:rPr>
-              <a:t>"</a:t>
-            </a:r>
-            <a:r>
-              <a:rPr lang="it-IT" dirty="0" err="1">
-                <a:solidFill>
-                  <a:srgbClr val="00B0F0"/>
-                </a:solidFill>
-                <a:latin typeface="Courier New" panose="02070309020205020404" pitchFamily="49" charset="0"/>
-                <a:cs typeface="Courier New" panose="02070309020205020404" pitchFamily="49" charset="0"/>
-              </a:rPr>
-              <a:t>output_workspace_container</a:t>
-            </a:r>
-            <a:r>
-              <a:rPr lang="it-IT" dirty="0" smtClean="0">
-                <a:solidFill>
-                  <a:srgbClr val="00B0F0"/>
-                </a:solidFill>
-                <a:latin typeface="Courier New" panose="02070309020205020404" pitchFamily="49" charset="0"/>
-                <a:cs typeface="Courier New" panose="02070309020205020404" pitchFamily="49" charset="0"/>
-              </a:rPr>
-              <a:t>"</a:t>
-            </a:r>
-            <a:r>
-              <a:rPr lang="it-IT" dirty="0">
-                <a:latin typeface="Courier New" panose="02070309020205020404" pitchFamily="49" charset="0"/>
-                <a:cs typeface="Courier New" panose="02070309020205020404" pitchFamily="49" charset="0"/>
-              </a:rPr>
-              <a:t>)</a:t>
-            </a:r>
-            <a:r>
-              <a:rPr lang="it-IT" dirty="0" smtClean="0">
-                <a:solidFill>
-                  <a:srgbClr val="00CC99"/>
-                </a:solidFill>
-                <a:latin typeface="Courier New" panose="02070309020205020404" pitchFamily="49" charset="0"/>
-                <a:cs typeface="Courier New" panose="02070309020205020404" pitchFamily="49" charset="0"/>
-              </a:rPr>
-              <a:t>#</a:t>
-            </a:r>
-            <a:r>
-              <a:rPr lang="it-IT" dirty="0" err="1" smtClean="0">
-                <a:solidFill>
-                  <a:srgbClr val="00CC99"/>
-                </a:solidFill>
-                <a:latin typeface="Courier New" panose="02070309020205020404" pitchFamily="49" charset="0"/>
-                <a:cs typeface="Courier New" panose="02070309020205020404" pitchFamily="49" charset="0"/>
-              </a:rPr>
-              <a:t>RJDemetra</a:t>
-            </a:r>
-            <a:r>
-              <a:rPr lang="it-IT" dirty="0" smtClean="0">
-                <a:solidFill>
-                  <a:srgbClr val="00CC99"/>
-                </a:solidFill>
-                <a:latin typeface="Courier New" panose="02070309020205020404" pitchFamily="49" charset="0"/>
-                <a:cs typeface="Courier New" panose="02070309020205020404" pitchFamily="49" charset="0"/>
-              </a:rPr>
-              <a:t> </a:t>
-            </a:r>
-            <a:r>
-              <a:rPr lang="it-IT" dirty="0" err="1" smtClean="0">
-                <a:solidFill>
-                  <a:srgbClr val="00CC99"/>
-                </a:solidFill>
-                <a:latin typeface="Courier New" panose="02070309020205020404" pitchFamily="49" charset="0"/>
-                <a:cs typeface="Courier New" panose="02070309020205020404" pitchFamily="49" charset="0"/>
-              </a:rPr>
-              <a:t>models</a:t>
-            </a:r>
-            <a:endParaRPr lang="it-IT" dirty="0" smtClean="0">
-              <a:solidFill>
-                <a:srgbClr val="00CC99"/>
-              </a:solidFill>
-              <a:latin typeface="Courier New" panose="02070309020205020404" pitchFamily="49" charset="0"/>
-              <a:cs typeface="Courier New" panose="02070309020205020404" pitchFamily="49" charset="0"/>
-            </a:endParaRPr>
-          </a:p>
-          <a:p>
-            <a:endParaRPr lang="it-IT" dirty="0" smtClean="0">
-              <a:latin typeface="Courier New" panose="02070309020205020404" pitchFamily="49" charset="0"/>
-              <a:cs typeface="Courier New" panose="02070309020205020404" pitchFamily="49" charset="0"/>
-            </a:endParaRPr>
-          </a:p>
-          <a:p>
-            <a:r>
-              <a:rPr lang="it-IT" dirty="0" err="1" smtClean="0">
-                <a:latin typeface="Courier New" panose="02070309020205020404" pitchFamily="49" charset="0"/>
-                <a:cs typeface="Courier New" panose="02070309020205020404" pitchFamily="49" charset="0"/>
-              </a:rPr>
-              <a:t>from_reduced_to_full_JD_JSON_file</a:t>
-            </a:r>
-            <a:r>
-              <a:rPr lang="it-IT" dirty="0" smtClean="0">
-                <a:latin typeface="Courier New" panose="02070309020205020404" pitchFamily="49" charset="0"/>
-                <a:cs typeface="Courier New" panose="02070309020205020404" pitchFamily="49" charset="0"/>
-              </a:rPr>
-              <a:t>(</a:t>
-            </a:r>
-            <a:r>
-              <a:rPr lang="it-IT" dirty="0" err="1" smtClean="0">
-                <a:latin typeface="Courier New" panose="02070309020205020404" pitchFamily="49" charset="0"/>
-                <a:cs typeface="Courier New" panose="02070309020205020404" pitchFamily="49" charset="0"/>
-              </a:rPr>
-              <a:t>spec_file_name</a:t>
-            </a:r>
-            <a:r>
-              <a:rPr lang="it-IT" dirty="0" smtClean="0">
-                <a:latin typeface="Courier New" panose="02070309020205020404" pitchFamily="49" charset="0"/>
-                <a:cs typeface="Courier New" panose="02070309020205020404" pitchFamily="49" charset="0"/>
-              </a:rPr>
-              <a:t>, </a:t>
-            </a:r>
-            <a:r>
-              <a:rPr lang="it-IT" dirty="0" smtClean="0">
-                <a:solidFill>
-                  <a:srgbClr val="00B0F0"/>
-                </a:solidFill>
-                <a:latin typeface="Courier New" panose="02070309020205020404" pitchFamily="49" charset="0"/>
-                <a:cs typeface="Courier New" panose="02070309020205020404" pitchFamily="49" charset="0"/>
-              </a:rPr>
-              <a:t>"JD_JSON_specifications_full.txt"</a:t>
-            </a:r>
-            <a:r>
-              <a:rPr lang="it-IT" dirty="0" smtClean="0">
-                <a:latin typeface="Courier New" panose="02070309020205020404" pitchFamily="49" charset="0"/>
-                <a:cs typeface="Courier New" panose="02070309020205020404" pitchFamily="49" charset="0"/>
-              </a:rPr>
-              <a:t>)</a:t>
-            </a:r>
-          </a:p>
-        </p:txBody>
-      </p:sp>
-    </p:spTree>
-    <p:extLst>
-      <p:ext uri="{BB962C8B-B14F-4D97-AF65-F5344CB8AC3E}">
-        <p14:creationId xmlns:p14="http://schemas.microsoft.com/office/powerpoint/2010/main" val="1724089886"/>
-      </p:ext>
-    </p:extLst>
   </p:cSld>
   <p:clrMapOvr>
     <a:masterClrMapping/>
@@ -24087,8 +24707,8 @@
         </p:nvSpPr>
         <p:spPr>
           <a:xfrm>
-            <a:off x="468313" y="482109"/>
-            <a:ext cx="11269662" cy="405304"/>
+            <a:off x="468313" y="493779"/>
+            <a:ext cx="11269662" cy="393634"/>
           </a:xfrm>
         </p:spPr>
         <p:txBody>
@@ -24097,14 +24717,38 @@
           <a:p>
             <a:pPr algn="ctr"/>
             <a:r>
-              <a:rPr lang="en-GB" altLang="it-IT" sz="4000" dirty="0" smtClean="0">
+              <a:rPr lang="it-IT" altLang="it-IT" sz="3600" dirty="0" err="1" smtClean="0">
                 <a:solidFill>
                   <a:srgbClr val="C00000"/>
                 </a:solidFill>
               </a:rPr>
-              <a:t>Future developments</a:t>
-            </a:r>
-            <a:endParaRPr lang="en-GB" altLang="it-IT" sz="4000" dirty="0">
+              <a:t>Example</a:t>
+            </a:r>
+            <a:r>
+              <a:rPr lang="it-IT" altLang="it-IT" sz="3600" dirty="0" smtClean="0">
+                <a:solidFill>
+                  <a:srgbClr val="C00000"/>
+                </a:solidFill>
+              </a:rPr>
+              <a:t> of use: </a:t>
+            </a:r>
+            <a:r>
+              <a:rPr lang="it-IT" altLang="it-IT" sz="3600" dirty="0" err="1">
+                <a:solidFill>
+                  <a:srgbClr val="C00000"/>
+                </a:solidFill>
+              </a:rPr>
+              <a:t>o</a:t>
+            </a:r>
+            <a:r>
+              <a:rPr lang="it-IT" altLang="it-IT" sz="3600" dirty="0" err="1" smtClean="0">
+                <a:solidFill>
+                  <a:srgbClr val="C00000"/>
+                </a:solidFill>
+              </a:rPr>
+              <a:t>rchestrator.R</a:t>
+            </a:r>
+            <a:endParaRPr lang="it-IT" altLang="it-IT" sz="3600" dirty="0">
               <a:solidFill>
                 <a:srgbClr val="C00000"/>
               </a:solidFill>
@@ -24130,7 +24774,7 @@
         </p:nvSpPr>
         <p:spPr>
           <a:xfrm>
-            <a:off x="0" y="6392815"/>
+            <a:off x="323469" y="6405108"/>
             <a:ext cx="501650" cy="365125"/>
           </a:xfrm>
           <a:prstGeom prst="rect">
@@ -24163,8 +24807,8 @@
         </p:nvSpPr>
         <p:spPr>
           <a:xfrm>
-            <a:off x="323468" y="915240"/>
-            <a:ext cx="11414507" cy="5632311"/>
+            <a:off x="7143" y="1158632"/>
+            <a:ext cx="12390419" cy="5355312"/>
           </a:xfrm>
           <a:prstGeom prst="rect">
             <a:avLst/>
@@ -24176,182 +24820,981 @@
           </a:bodyPr>
           <a:lstStyle/>
           <a:p>
-            <a:pPr marL="285750" indent="-285750">
-              <a:lnSpc>
-                <a:spcPct val="150000"/>
-              </a:lnSpc>
-              <a:buFont typeface="Arial" panose="020B0604020202020204" pitchFamily="34" charset="0"/>
-              <a:buChar char="•"/>
-            </a:pPr>
-            <a:r>
-              <a:rPr lang="en-US" sz="2400" dirty="0" smtClean="0"/>
-              <a:t>X13 integration</a:t>
-            </a:r>
-          </a:p>
-          <a:p>
-            <a:pPr marL="285750" indent="-285750">
-              <a:lnSpc>
-                <a:spcPct val="150000"/>
-              </a:lnSpc>
-              <a:buFont typeface="Arial" panose="020B0604020202020204" pitchFamily="34" charset="0"/>
-              <a:buChar char="•"/>
-            </a:pPr>
-            <a:r>
-              <a:rPr lang="it-IT" sz="2400" dirty="0" err="1" smtClean="0"/>
-              <a:t>Developing</a:t>
-            </a:r>
-            <a:r>
-              <a:rPr lang="it-IT" sz="2400" dirty="0" smtClean="0"/>
+            <a:r>
+              <a:rPr lang="it-IT" dirty="0" err="1">
+                <a:latin typeface="Courier New" panose="02070309020205020404" pitchFamily="49" charset="0"/>
+                <a:cs typeface="Courier New" panose="02070309020205020404" pitchFamily="49" charset="0"/>
+              </a:rPr>
+              <a:t>input_workspace_directory</a:t>
+            </a:r>
+            <a:r>
+              <a:rPr lang="it-IT" dirty="0">
+                <a:latin typeface="Courier New" panose="02070309020205020404" pitchFamily="49" charset="0"/>
+                <a:cs typeface="Courier New" panose="02070309020205020404" pitchFamily="49" charset="0"/>
+              </a:rPr>
+              <a:t> &lt;- </a:t>
+            </a:r>
+            <a:r>
+              <a:rPr lang="it-IT" dirty="0">
+                <a:solidFill>
+                  <a:srgbClr val="00B0F0"/>
+                </a:solidFill>
+                <a:latin typeface="Courier New" panose="02070309020205020404" pitchFamily="49" charset="0"/>
+                <a:cs typeface="Courier New" panose="02070309020205020404" pitchFamily="49" charset="0"/>
+              </a:rPr>
+              <a:t>"</a:t>
+            </a:r>
+            <a:r>
+              <a:rPr lang="it-IT" dirty="0" smtClean="0">
+                <a:solidFill>
+                  <a:srgbClr val="00B0F0"/>
+                </a:solidFill>
+                <a:latin typeface="Courier New" panose="02070309020205020404" pitchFamily="49" charset="0"/>
+                <a:cs typeface="Courier New" panose="02070309020205020404" pitchFamily="49" charset="0"/>
+              </a:rPr>
+              <a:t>C:\\Workspace-dir\\</a:t>
+            </a:r>
+            <a:r>
+              <a:rPr lang="it-IT" dirty="0">
+                <a:solidFill>
+                  <a:srgbClr val="00B0F0"/>
+                </a:solidFill>
+                <a:latin typeface="Courier New" panose="02070309020205020404" pitchFamily="49" charset="0"/>
+                <a:cs typeface="Courier New" panose="02070309020205020404" pitchFamily="49" charset="0"/>
+              </a:rPr>
+              <a:t>WS-FAT.xml</a:t>
+            </a:r>
+            <a:r>
+              <a:rPr lang="it-IT" dirty="0" smtClean="0">
+                <a:solidFill>
+                  <a:srgbClr val="00B0F0"/>
+                </a:solidFill>
+                <a:latin typeface="Courier New" panose="02070309020205020404" pitchFamily="49" charset="0"/>
+                <a:cs typeface="Courier New" panose="02070309020205020404" pitchFamily="49" charset="0"/>
+              </a:rPr>
+              <a:t>" </a:t>
+            </a:r>
+            <a:r>
+              <a:rPr lang="it-IT" dirty="0" smtClean="0">
+                <a:solidFill>
+                  <a:srgbClr val="00CC99"/>
+                </a:solidFill>
+                <a:latin typeface="Courier New" panose="02070309020205020404" pitchFamily="49" charset="0"/>
+                <a:cs typeface="Courier New" panose="02070309020205020404" pitchFamily="49" charset="0"/>
+              </a:rPr>
+              <a:t>#</a:t>
+            </a:r>
+            <a:r>
+              <a:rPr lang="it-IT" dirty="0" err="1" smtClean="0">
+                <a:solidFill>
+                  <a:srgbClr val="00CC99"/>
+                </a:solidFill>
+                <a:latin typeface="Courier New" panose="02070309020205020404" pitchFamily="49" charset="0"/>
+                <a:cs typeface="Courier New" panose="02070309020205020404" pitchFamily="49" charset="0"/>
+              </a:rPr>
+              <a:t>Built</a:t>
+            </a:r>
+            <a:r>
+              <a:rPr lang="it-IT" dirty="0" smtClean="0">
+                <a:solidFill>
+                  <a:srgbClr val="00CC99"/>
+                </a:solidFill>
+                <a:latin typeface="Courier New" panose="02070309020205020404" pitchFamily="49" charset="0"/>
+                <a:cs typeface="Courier New" panose="02070309020205020404" pitchFamily="49" charset="0"/>
+              </a:rPr>
+              <a:t> with </a:t>
+            </a:r>
+            <a:r>
+              <a:rPr lang="it-IT" dirty="0" err="1" smtClean="0">
+                <a:solidFill>
+                  <a:srgbClr val="00CC99"/>
+                </a:solidFill>
+                <a:latin typeface="Courier New" panose="02070309020205020404" pitchFamily="49" charset="0"/>
+                <a:cs typeface="Courier New" panose="02070309020205020404" pitchFamily="49" charset="0"/>
+              </a:rPr>
+              <a:t>sa_ext</a:t>
+            </a:r>
+            <a:r>
+              <a:rPr lang="it-IT" dirty="0" smtClean="0">
+                <a:solidFill>
+                  <a:srgbClr val="00CC99"/>
+                </a:solidFill>
+                <a:latin typeface="Courier New" panose="02070309020205020404" pitchFamily="49" charset="0"/>
+                <a:cs typeface="Courier New" panose="02070309020205020404" pitchFamily="49" charset="0"/>
+              </a:rPr>
               <a:t> </a:t>
             </a:r>
             <a:r>
-              <a:rPr lang="it-IT" sz="2400" dirty="0"/>
-              <a:t>some </a:t>
-            </a:r>
-            <a:r>
-              <a:rPr lang="it-IT" sz="2400" dirty="0" smtClean="0"/>
-              <a:t>default input providers</a:t>
-            </a:r>
-          </a:p>
-          <a:p>
-            <a:pPr marL="285750" indent="-285750">
-              <a:lnSpc>
-                <a:spcPct val="150000"/>
-              </a:lnSpc>
-              <a:buFont typeface="Arial" panose="020B0604020202020204" pitchFamily="34" charset="0"/>
-              <a:buChar char="•"/>
-            </a:pPr>
-            <a:r>
-              <a:rPr lang="en-US" sz="2400" dirty="0"/>
-              <a:t>Creating a rjd3-based version instead of </a:t>
-            </a:r>
-            <a:r>
-              <a:rPr lang="en-US" sz="2400" dirty="0" err="1" smtClean="0"/>
+              <a:rPr lang="it-IT" dirty="0" err="1" smtClean="0">
+                <a:solidFill>
+                  <a:srgbClr val="00CC99"/>
+                </a:solidFill>
+                <a:latin typeface="Courier New" panose="02070309020205020404" pitchFamily="49" charset="0"/>
+                <a:cs typeface="Courier New" panose="02070309020205020404" pitchFamily="49" charset="0"/>
+              </a:rPr>
+              <a:t>plugin</a:t>
+            </a:r>
+            <a:endParaRPr lang="it-IT" dirty="0" smtClean="0">
+              <a:solidFill>
+                <a:srgbClr val="00CC99"/>
+              </a:solidFill>
+              <a:latin typeface="Courier New" panose="02070309020205020404" pitchFamily="49" charset="0"/>
+              <a:cs typeface="Courier New" panose="02070309020205020404" pitchFamily="49" charset="0"/>
+            </a:endParaRPr>
+          </a:p>
+          <a:p>
+            <a:r>
+              <a:rPr lang="it-IT" dirty="0" err="1" smtClean="0">
+                <a:latin typeface="Courier New" panose="02070309020205020404" pitchFamily="49" charset="0"/>
+                <a:cs typeface="Courier New" panose="02070309020205020404" pitchFamily="49" charset="0"/>
+              </a:rPr>
+              <a:t>input_data_file_name</a:t>
+            </a:r>
+            <a:r>
+              <a:rPr lang="it-IT" dirty="0" smtClean="0">
+                <a:latin typeface="Courier New" panose="02070309020205020404" pitchFamily="49" charset="0"/>
+                <a:cs typeface="Courier New" panose="02070309020205020404" pitchFamily="49" charset="0"/>
+              </a:rPr>
+              <a:t>      &lt;- </a:t>
+            </a:r>
+            <a:r>
+              <a:rPr lang="it-IT" dirty="0">
+                <a:solidFill>
+                  <a:srgbClr val="00B0F0"/>
+                </a:solidFill>
+                <a:latin typeface="Courier New" panose="02070309020205020404" pitchFamily="49" charset="0"/>
+                <a:cs typeface="Courier New" panose="02070309020205020404" pitchFamily="49" charset="0"/>
+              </a:rPr>
+              <a:t>"C</a:t>
+            </a:r>
+            <a:r>
+              <a:rPr lang="it-IT" dirty="0" smtClean="0">
+                <a:solidFill>
+                  <a:srgbClr val="00B0F0"/>
+                </a:solidFill>
+                <a:latin typeface="Courier New" panose="02070309020205020404" pitchFamily="49" charset="0"/>
+                <a:cs typeface="Courier New" panose="02070309020205020404" pitchFamily="49" charset="0"/>
+              </a:rPr>
+              <a:t>:\\</a:t>
+            </a:r>
+            <a:r>
+              <a:rPr lang="it-IT" dirty="0">
+                <a:solidFill>
+                  <a:srgbClr val="00B0F0"/>
+                </a:solidFill>
+                <a:latin typeface="Courier New" panose="02070309020205020404" pitchFamily="49" charset="0"/>
+                <a:cs typeface="Courier New" panose="02070309020205020404" pitchFamily="49" charset="0"/>
+              </a:rPr>
+              <a:t>SITIC-FAT</a:t>
+            </a:r>
+            <a:r>
+              <a:rPr lang="it-IT" dirty="0" smtClean="0">
+                <a:solidFill>
+                  <a:srgbClr val="00B0F0"/>
+                </a:solidFill>
+                <a:latin typeface="Courier New" panose="02070309020205020404" pitchFamily="49" charset="0"/>
+                <a:cs typeface="Courier New" panose="02070309020205020404" pitchFamily="49" charset="0"/>
+              </a:rPr>
+              <a:t>\\raw_data.csv"</a:t>
+            </a:r>
+          </a:p>
+          <a:p>
+            <a:r>
+              <a:rPr lang="it-IT" dirty="0" err="1" smtClean="0">
+                <a:latin typeface="Courier New" panose="02070309020205020404" pitchFamily="49" charset="0"/>
+                <a:cs typeface="Courier New" panose="02070309020205020404" pitchFamily="49" charset="0"/>
+              </a:rPr>
+              <a:t>regr_directory</a:t>
+            </a:r>
+            <a:r>
+              <a:rPr lang="it-IT" dirty="0" smtClean="0">
+                <a:latin typeface="Courier New" panose="02070309020205020404" pitchFamily="49" charset="0"/>
+                <a:cs typeface="Courier New" panose="02070309020205020404" pitchFamily="49" charset="0"/>
+              </a:rPr>
+              <a:t>            &lt;- </a:t>
+            </a:r>
+            <a:r>
+              <a:rPr lang="it-IT" dirty="0">
+                <a:solidFill>
+                  <a:srgbClr val="00B0F0"/>
+                </a:solidFill>
+                <a:latin typeface="Courier New" panose="02070309020205020404" pitchFamily="49" charset="0"/>
+                <a:cs typeface="Courier New" panose="02070309020205020404" pitchFamily="49" charset="0"/>
+              </a:rPr>
+              <a:t>"C</a:t>
+            </a:r>
+            <a:r>
+              <a:rPr lang="it-IT" dirty="0" smtClean="0">
+                <a:solidFill>
+                  <a:srgbClr val="00B0F0"/>
+                </a:solidFill>
+                <a:latin typeface="Courier New" panose="02070309020205020404" pitchFamily="49" charset="0"/>
+                <a:cs typeface="Courier New" panose="02070309020205020404" pitchFamily="49" charset="0"/>
+              </a:rPr>
+              <a:t>:\\</a:t>
+            </a:r>
+            <a:r>
+              <a:rPr lang="it-IT" dirty="0">
+                <a:solidFill>
+                  <a:srgbClr val="00B0F0"/>
+                </a:solidFill>
+                <a:latin typeface="Courier New" panose="02070309020205020404" pitchFamily="49" charset="0"/>
+                <a:cs typeface="Courier New" panose="02070309020205020404" pitchFamily="49" charset="0"/>
+              </a:rPr>
+              <a:t>SITIC-FAT</a:t>
+            </a:r>
+            <a:r>
+              <a:rPr lang="it-IT" dirty="0" smtClean="0">
+                <a:solidFill>
+                  <a:srgbClr val="00B0F0"/>
+                </a:solidFill>
+                <a:latin typeface="Courier New" panose="02070309020205020404" pitchFamily="49" charset="0"/>
+                <a:cs typeface="Courier New" panose="02070309020205020404" pitchFamily="49" charset="0"/>
+              </a:rPr>
+              <a:t>\\TS_regr" </a:t>
+            </a:r>
+            <a:r>
+              <a:rPr lang="it-IT" dirty="0" smtClean="0">
+                <a:solidFill>
+                  <a:srgbClr val="00CC99"/>
+                </a:solidFill>
+                <a:latin typeface="Courier New" panose="02070309020205020404" pitchFamily="49" charset="0"/>
+                <a:cs typeface="Courier New" panose="02070309020205020404" pitchFamily="49" charset="0"/>
+              </a:rPr>
+              <a:t>#Folder with </a:t>
+            </a:r>
+            <a:r>
+              <a:rPr lang="it-IT" dirty="0" err="1" smtClean="0">
+                <a:solidFill>
+                  <a:srgbClr val="00CC99"/>
+                </a:solidFill>
+                <a:latin typeface="Courier New" panose="02070309020205020404" pitchFamily="49" charset="0"/>
+                <a:cs typeface="Courier New" panose="02070309020205020404" pitchFamily="49" charset="0"/>
+              </a:rPr>
+              <a:t>external</a:t>
+            </a:r>
+            <a:r>
+              <a:rPr lang="it-IT" dirty="0" smtClean="0">
+                <a:solidFill>
+                  <a:srgbClr val="00CC99"/>
+                </a:solidFill>
+                <a:latin typeface="Courier New" panose="02070309020205020404" pitchFamily="49" charset="0"/>
+                <a:cs typeface="Courier New" panose="02070309020205020404" pitchFamily="49" charset="0"/>
+              </a:rPr>
+              <a:t> </a:t>
+            </a:r>
+            <a:r>
+              <a:rPr lang="it-IT" dirty="0" err="1" smtClean="0">
+                <a:solidFill>
+                  <a:srgbClr val="00CC99"/>
+                </a:solidFill>
+                <a:latin typeface="Courier New" panose="02070309020205020404" pitchFamily="49" charset="0"/>
+                <a:cs typeface="Courier New" panose="02070309020205020404" pitchFamily="49" charset="0"/>
+              </a:rPr>
+              <a:t>regressors</a:t>
+            </a:r>
+            <a:endParaRPr lang="it-IT" dirty="0" smtClean="0">
+              <a:solidFill>
+                <a:srgbClr val="00CC99"/>
+              </a:solidFill>
+              <a:latin typeface="Courier New" panose="02070309020205020404" pitchFamily="49" charset="0"/>
+              <a:cs typeface="Courier New" panose="02070309020205020404" pitchFamily="49" charset="0"/>
+            </a:endParaRPr>
+          </a:p>
+          <a:p>
+            <a:r>
+              <a:rPr lang="it-IT" dirty="0" err="1">
+                <a:latin typeface="Courier New" panose="02070309020205020404" pitchFamily="49" charset="0"/>
+                <a:cs typeface="Courier New" panose="02070309020205020404" pitchFamily="49" charset="0"/>
+              </a:rPr>
+              <a:t>spec_file_name</a:t>
+            </a:r>
+            <a:r>
+              <a:rPr lang="it-IT" dirty="0">
+                <a:latin typeface="Courier New" panose="02070309020205020404" pitchFamily="49" charset="0"/>
+                <a:cs typeface="Courier New" panose="02070309020205020404" pitchFamily="49" charset="0"/>
+              </a:rPr>
+              <a:t>         </a:t>
+            </a:r>
+            <a:r>
+              <a:rPr lang="it-IT" dirty="0" smtClean="0">
+                <a:latin typeface="Courier New" panose="02070309020205020404" pitchFamily="49" charset="0"/>
+                <a:cs typeface="Courier New" panose="02070309020205020404" pitchFamily="49" charset="0"/>
+              </a:rPr>
+              <a:t>   </a:t>
+            </a:r>
+            <a:r>
+              <a:rPr lang="it-IT" smtClean="0">
+                <a:latin typeface="Courier New" panose="02070309020205020404" pitchFamily="49" charset="0"/>
+                <a:cs typeface="Courier New" panose="02070309020205020404" pitchFamily="49" charset="0"/>
+              </a:rPr>
+              <a:t>&lt;- </a:t>
+            </a:r>
+            <a:r>
+              <a:rPr lang="it-IT" smtClean="0">
+                <a:solidFill>
+                  <a:srgbClr val="00B0F0"/>
+                </a:solidFill>
+                <a:latin typeface="Courier New" panose="02070309020205020404" pitchFamily="49" charset="0"/>
+                <a:cs typeface="Courier New" panose="02070309020205020404" pitchFamily="49" charset="0"/>
+              </a:rPr>
+              <a:t>"C</a:t>
+            </a:r>
+            <a:r>
+              <a:rPr lang="it-IT" dirty="0">
+                <a:solidFill>
+                  <a:srgbClr val="00B0F0"/>
+                </a:solidFill>
+                <a:latin typeface="Courier New" panose="02070309020205020404" pitchFamily="49" charset="0"/>
+                <a:cs typeface="Courier New" panose="02070309020205020404" pitchFamily="49" charset="0"/>
+              </a:rPr>
+              <a:t>:\\JD_JSON_specifications.txt"</a:t>
+            </a:r>
+          </a:p>
+          <a:p>
+            <a:endParaRPr lang="it-IT" dirty="0" smtClean="0">
+              <a:latin typeface="Courier New" panose="02070309020205020404" pitchFamily="49" charset="0"/>
+              <a:cs typeface="Courier New" panose="02070309020205020404" pitchFamily="49" charset="0"/>
+            </a:endParaRPr>
+          </a:p>
+          <a:p>
+            <a:r>
+              <a:rPr lang="it-IT" dirty="0" err="1">
+                <a:latin typeface="Courier New" panose="02070309020205020404" pitchFamily="49" charset="0"/>
+                <a:cs typeface="Courier New" panose="02070309020205020404" pitchFamily="49" charset="0"/>
+              </a:rPr>
+              <a:t>d</a:t>
+            </a:r>
+            <a:r>
+              <a:rPr lang="it-IT" dirty="0" err="1" smtClean="0">
+                <a:latin typeface="Courier New" panose="02070309020205020404" pitchFamily="49" charset="0"/>
+                <a:cs typeface="Courier New" panose="02070309020205020404" pitchFamily="49" charset="0"/>
+              </a:rPr>
+              <a:t>iff</a:t>
+            </a:r>
+            <a:r>
+              <a:rPr lang="it-IT" dirty="0" smtClean="0">
+                <a:latin typeface="Courier New" panose="02070309020205020404" pitchFamily="49" charset="0"/>
+                <a:cs typeface="Courier New" panose="02070309020205020404" pitchFamily="49" charset="0"/>
+              </a:rPr>
+              <a:t> &lt;- </a:t>
+            </a:r>
+            <a:r>
+              <a:rPr lang="it-IT" dirty="0">
+                <a:latin typeface="Courier New" panose="02070309020205020404" pitchFamily="49" charset="0"/>
+                <a:cs typeface="Courier New" panose="02070309020205020404" pitchFamily="49" charset="0"/>
+              </a:rPr>
+              <a:t>TRUE </a:t>
+            </a:r>
+            <a:r>
+              <a:rPr lang="it-IT" dirty="0" smtClean="0">
+                <a:latin typeface="Courier New" panose="02070309020205020404" pitchFamily="49" charset="0"/>
+                <a:cs typeface="Courier New" panose="02070309020205020404" pitchFamily="49" charset="0"/>
+              </a:rPr>
+              <a:t> </a:t>
+            </a:r>
+            <a:r>
+              <a:rPr lang="it-IT" dirty="0" smtClean="0">
+                <a:solidFill>
+                  <a:srgbClr val="00CC99"/>
+                </a:solidFill>
+                <a:latin typeface="Courier New" panose="02070309020205020404" pitchFamily="49" charset="0"/>
+                <a:cs typeface="Courier New" panose="02070309020205020404" pitchFamily="49" charset="0"/>
+              </a:rPr>
+              <a:t># </a:t>
+            </a:r>
+            <a:r>
+              <a:rPr lang="it-IT" dirty="0" err="1">
+                <a:solidFill>
+                  <a:srgbClr val="00CC99"/>
+                </a:solidFill>
+                <a:latin typeface="Courier New" panose="02070309020205020404" pitchFamily="49" charset="0"/>
+                <a:cs typeface="Courier New" panose="02070309020205020404" pitchFamily="49" charset="0"/>
+              </a:rPr>
+              <a:t>Reduced</a:t>
+            </a:r>
+            <a:r>
+              <a:rPr lang="it-IT" dirty="0">
+                <a:solidFill>
+                  <a:srgbClr val="00CC99"/>
+                </a:solidFill>
+                <a:latin typeface="Courier New" panose="02070309020205020404" pitchFamily="49" charset="0"/>
+                <a:cs typeface="Courier New" panose="02070309020205020404" pitchFamily="49" charset="0"/>
+              </a:rPr>
+              <a:t> JSON </a:t>
+            </a:r>
+            <a:r>
+              <a:rPr lang="it-IT" dirty="0" err="1">
+                <a:solidFill>
+                  <a:srgbClr val="00CC99"/>
+                </a:solidFill>
+                <a:latin typeface="Courier New" panose="02070309020205020404" pitchFamily="49" charset="0"/>
+                <a:cs typeface="Courier New" panose="02070309020205020404" pitchFamily="49" charset="0"/>
+              </a:rPr>
+              <a:t>if</a:t>
+            </a:r>
+            <a:r>
+              <a:rPr lang="it-IT" dirty="0">
+                <a:solidFill>
+                  <a:srgbClr val="00CC99"/>
+                </a:solidFill>
+                <a:latin typeface="Courier New" panose="02070309020205020404" pitchFamily="49" charset="0"/>
+                <a:cs typeface="Courier New" panose="02070309020205020404" pitchFamily="49" charset="0"/>
+              </a:rPr>
+              <a:t> </a:t>
+            </a:r>
+            <a:r>
+              <a:rPr lang="it-IT" dirty="0" err="1">
+                <a:solidFill>
+                  <a:srgbClr val="00CC99"/>
+                </a:solidFill>
+                <a:latin typeface="Courier New" panose="02070309020205020404" pitchFamily="49" charset="0"/>
+                <a:cs typeface="Courier New" panose="02070309020205020404" pitchFamily="49" charset="0"/>
+              </a:rPr>
+              <a:t>diff</a:t>
+            </a:r>
+            <a:r>
+              <a:rPr lang="it-IT" dirty="0">
+                <a:solidFill>
+                  <a:srgbClr val="00CC99"/>
+                </a:solidFill>
+                <a:latin typeface="Courier New" panose="02070309020205020404" pitchFamily="49" charset="0"/>
+                <a:cs typeface="Courier New" panose="02070309020205020404" pitchFamily="49" charset="0"/>
+              </a:rPr>
+              <a:t>=TRUE, Full </a:t>
+            </a:r>
+            <a:r>
+              <a:rPr lang="it-IT" dirty="0" smtClean="0">
+                <a:solidFill>
+                  <a:srgbClr val="00CC99"/>
+                </a:solidFill>
+                <a:latin typeface="Courier New" panose="02070309020205020404" pitchFamily="49" charset="0"/>
+                <a:cs typeface="Courier New" panose="02070309020205020404" pitchFamily="49" charset="0"/>
+              </a:rPr>
+              <a:t>JD_JSON </a:t>
+            </a:r>
+            <a:r>
+              <a:rPr lang="it-IT" dirty="0">
+                <a:solidFill>
+                  <a:srgbClr val="00CC99"/>
+                </a:solidFill>
+                <a:latin typeface="Courier New" panose="02070309020205020404" pitchFamily="49" charset="0"/>
+                <a:cs typeface="Courier New" panose="02070309020205020404" pitchFamily="49" charset="0"/>
+              </a:rPr>
+              <a:t>format </a:t>
+            </a:r>
+            <a:r>
+              <a:rPr lang="it-IT" dirty="0" err="1" smtClean="0">
+                <a:solidFill>
+                  <a:srgbClr val="00CC99"/>
+                </a:solidFill>
+                <a:latin typeface="Courier New" panose="02070309020205020404" pitchFamily="49" charset="0"/>
+                <a:cs typeface="Courier New" panose="02070309020205020404" pitchFamily="49" charset="0"/>
+              </a:rPr>
+              <a:t>otherwise</a:t>
+            </a:r>
+            <a:endParaRPr lang="it-IT" dirty="0" smtClean="0">
+              <a:solidFill>
+                <a:srgbClr val="00CC99"/>
+              </a:solidFill>
+              <a:latin typeface="Courier New" panose="02070309020205020404" pitchFamily="49" charset="0"/>
+              <a:cs typeface="Courier New" panose="02070309020205020404" pitchFamily="49" charset="0"/>
+            </a:endParaRPr>
+          </a:p>
+          <a:p>
+            <a:endParaRPr lang="it-IT" dirty="0" smtClean="0">
+              <a:latin typeface="Courier New" panose="02070309020205020404" pitchFamily="49" charset="0"/>
+              <a:cs typeface="Courier New" panose="02070309020205020404" pitchFamily="49" charset="0"/>
+            </a:endParaRPr>
+          </a:p>
+          <a:p>
+            <a:r>
+              <a:rPr lang="it-IT" dirty="0" smtClean="0">
+                <a:solidFill>
+                  <a:srgbClr val="00CC99"/>
+                </a:solidFill>
+                <a:latin typeface="Courier New" panose="02070309020205020404" pitchFamily="49" charset="0"/>
+                <a:cs typeface="Courier New" panose="02070309020205020404" pitchFamily="49" charset="0"/>
+              </a:rPr>
+              <a:t>################################# </a:t>
+            </a:r>
+            <a:r>
+              <a:rPr lang="it-IT" dirty="0" err="1">
+                <a:solidFill>
+                  <a:srgbClr val="00CC99"/>
+                </a:solidFill>
+                <a:latin typeface="Courier New" panose="02070309020205020404" pitchFamily="49" charset="0"/>
+                <a:cs typeface="Courier New" panose="02070309020205020404" pitchFamily="49" charset="0"/>
+              </a:rPr>
+              <a:t>Operational</a:t>
+            </a:r>
+            <a:r>
+              <a:rPr lang="it-IT" dirty="0">
+                <a:solidFill>
+                  <a:srgbClr val="00CC99"/>
+                </a:solidFill>
+                <a:latin typeface="Courier New" panose="02070309020205020404" pitchFamily="49" charset="0"/>
+                <a:cs typeface="Courier New" panose="02070309020205020404" pitchFamily="49" charset="0"/>
+              </a:rPr>
+              <a:t> flow </a:t>
+            </a:r>
+            <a:r>
+              <a:rPr lang="it-IT" dirty="0" smtClean="0">
+                <a:solidFill>
+                  <a:srgbClr val="00CC99"/>
+                </a:solidFill>
+                <a:latin typeface="Courier New" panose="02070309020205020404" pitchFamily="49" charset="0"/>
+                <a:cs typeface="Courier New" panose="02070309020205020404" pitchFamily="49" charset="0"/>
+              </a:rPr>
+              <a:t>###################################</a:t>
+            </a:r>
+          </a:p>
+          <a:p>
+            <a:endParaRPr lang="it-IT" dirty="0" smtClean="0">
+              <a:latin typeface="Courier New" panose="02070309020205020404" pitchFamily="49" charset="0"/>
+              <a:cs typeface="Courier New" panose="02070309020205020404" pitchFamily="49" charset="0"/>
+            </a:endParaRPr>
+          </a:p>
+          <a:p>
+            <a:r>
+              <a:rPr lang="it-IT" dirty="0" err="1" smtClean="0">
+                <a:latin typeface="Courier New" panose="02070309020205020404" pitchFamily="49" charset="0"/>
+                <a:cs typeface="Courier New" panose="02070309020205020404" pitchFamily="49" charset="0"/>
+              </a:rPr>
+              <a:t>input_data_provider</a:t>
+            </a:r>
+            <a:r>
+              <a:rPr lang="it-IT" dirty="0" smtClean="0">
+                <a:latin typeface="Courier New" panose="02070309020205020404" pitchFamily="49" charset="0"/>
+                <a:cs typeface="Courier New" panose="02070309020205020404" pitchFamily="49" charset="0"/>
+              </a:rPr>
+              <a:t>    &lt;- </a:t>
+            </a:r>
+            <a:r>
+              <a:rPr lang="it-IT" dirty="0" err="1" smtClean="0">
+                <a:latin typeface="Courier New" panose="02070309020205020404" pitchFamily="49" charset="0"/>
+                <a:cs typeface="Courier New" panose="02070309020205020404" pitchFamily="49" charset="0"/>
+              </a:rPr>
+              <a:t>Provider_csv_istat_format</a:t>
+            </a:r>
+            <a:r>
+              <a:rPr lang="it-IT" dirty="0" smtClean="0">
+                <a:latin typeface="Courier New" panose="02070309020205020404" pitchFamily="49" charset="0"/>
+                <a:cs typeface="Courier New" panose="02070309020205020404" pitchFamily="49" charset="0"/>
+              </a:rPr>
+              <a:t>(</a:t>
+            </a:r>
+            <a:r>
+              <a:rPr lang="it-IT" dirty="0" err="1" smtClean="0">
+                <a:latin typeface="Courier New" panose="02070309020205020404" pitchFamily="49" charset="0"/>
+                <a:cs typeface="Courier New" panose="02070309020205020404" pitchFamily="49" charset="0"/>
+              </a:rPr>
+              <a:t>input_data_file_name</a:t>
+            </a:r>
+            <a:r>
+              <a:rPr lang="it-IT" dirty="0" smtClean="0">
+                <a:latin typeface="Courier New" panose="02070309020205020404" pitchFamily="49" charset="0"/>
+                <a:cs typeface="Courier New" panose="02070309020205020404" pitchFamily="49" charset="0"/>
+              </a:rPr>
+              <a:t>)</a:t>
+            </a:r>
+          </a:p>
+          <a:p>
+            <a:r>
+              <a:rPr lang="it-IT" dirty="0" err="1" smtClean="0">
+                <a:latin typeface="Courier New" panose="02070309020205020404" pitchFamily="49" charset="0"/>
+                <a:cs typeface="Courier New" panose="02070309020205020404" pitchFamily="49" charset="0"/>
+              </a:rPr>
+              <a:t>ext_reg_input_provider</a:t>
+            </a:r>
+            <a:r>
+              <a:rPr lang="it-IT" dirty="0" smtClean="0">
+                <a:latin typeface="Courier New" panose="02070309020205020404" pitchFamily="49" charset="0"/>
+                <a:cs typeface="Courier New" panose="02070309020205020404" pitchFamily="49" charset="0"/>
+              </a:rPr>
+              <a:t> &lt;- </a:t>
+            </a:r>
+            <a:r>
+              <a:rPr lang="it-IT" dirty="0" err="1">
+                <a:latin typeface="Courier New" panose="02070309020205020404" pitchFamily="49" charset="0"/>
+                <a:cs typeface="Courier New" panose="02070309020205020404" pitchFamily="49" charset="0"/>
+              </a:rPr>
+              <a:t>Provider_ext_reg_tsplus</a:t>
+            </a:r>
+            <a:r>
+              <a:rPr lang="it-IT" dirty="0">
+                <a:latin typeface="Courier New" panose="02070309020205020404" pitchFamily="49" charset="0"/>
+                <a:cs typeface="Courier New" panose="02070309020205020404" pitchFamily="49" charset="0"/>
+              </a:rPr>
+              <a:t>(</a:t>
+            </a:r>
+            <a:r>
+              <a:rPr lang="it-IT" dirty="0" err="1">
+                <a:latin typeface="Courier New" panose="02070309020205020404" pitchFamily="49" charset="0"/>
+                <a:cs typeface="Courier New" panose="02070309020205020404" pitchFamily="49" charset="0"/>
+              </a:rPr>
+              <a:t>regr_directory</a:t>
+            </a:r>
+            <a:r>
+              <a:rPr lang="it-IT" dirty="0" smtClean="0">
+                <a:latin typeface="Courier New" panose="02070309020205020404" pitchFamily="49" charset="0"/>
+                <a:cs typeface="Courier New" panose="02070309020205020404" pitchFamily="49" charset="0"/>
+              </a:rPr>
+              <a:t>)</a:t>
+            </a:r>
+          </a:p>
+          <a:p>
+            <a:endParaRPr lang="it-IT" dirty="0" smtClean="0">
+              <a:latin typeface="Courier New" panose="02070309020205020404" pitchFamily="49" charset="0"/>
+              <a:cs typeface="Courier New" panose="02070309020205020404" pitchFamily="49" charset="0"/>
+            </a:endParaRPr>
+          </a:p>
+          <a:p>
+            <a:r>
+              <a:rPr lang="it-IT" dirty="0" err="1" smtClean="0">
+                <a:latin typeface="Courier New" panose="02070309020205020404" pitchFamily="49" charset="0"/>
+                <a:cs typeface="Courier New" panose="02070309020205020404" pitchFamily="49" charset="0"/>
+              </a:rPr>
+              <a:t>JD_JSON_from_materialized_workspace</a:t>
+            </a:r>
+            <a:r>
+              <a:rPr lang="it-IT" dirty="0" smtClean="0">
+                <a:latin typeface="Courier New" panose="02070309020205020404" pitchFamily="49" charset="0"/>
+                <a:cs typeface="Courier New" panose="02070309020205020404" pitchFamily="49" charset="0"/>
+              </a:rPr>
+              <a:t>(</a:t>
+            </a:r>
+            <a:r>
+              <a:rPr lang="it-IT" dirty="0" err="1" smtClean="0">
+                <a:latin typeface="Courier New" panose="02070309020205020404" pitchFamily="49" charset="0"/>
+                <a:cs typeface="Courier New" panose="02070309020205020404" pitchFamily="49" charset="0"/>
+              </a:rPr>
+              <a:t>input_workspace_directory</a:t>
+            </a:r>
+            <a:r>
+              <a:rPr lang="it-IT" dirty="0">
+                <a:latin typeface="Courier New" panose="02070309020205020404" pitchFamily="49" charset="0"/>
+                <a:cs typeface="Courier New" panose="02070309020205020404" pitchFamily="49" charset="0"/>
+              </a:rPr>
+              <a:t>, </a:t>
+            </a:r>
+            <a:r>
+              <a:rPr lang="it-IT" dirty="0" err="1" smtClean="0">
+                <a:latin typeface="Courier New" panose="02070309020205020404" pitchFamily="49" charset="0"/>
+                <a:cs typeface="Courier New" panose="02070309020205020404" pitchFamily="49" charset="0"/>
+              </a:rPr>
+              <a:t>ext_reg_input_provider</a:t>
+            </a:r>
+            <a:r>
+              <a:rPr lang="it-IT" dirty="0">
+                <a:latin typeface="Courier New" panose="02070309020205020404" pitchFamily="49" charset="0"/>
+                <a:cs typeface="Courier New" panose="02070309020205020404" pitchFamily="49" charset="0"/>
+              </a:rPr>
+              <a:t>, </a:t>
+            </a:r>
+            <a:endParaRPr lang="it-IT" dirty="0" smtClean="0">
+              <a:latin typeface="Courier New" panose="02070309020205020404" pitchFamily="49" charset="0"/>
+              <a:cs typeface="Courier New" panose="02070309020205020404" pitchFamily="49" charset="0"/>
+            </a:endParaRPr>
+          </a:p>
+          <a:p>
+            <a:r>
+              <a:rPr lang="it-IT" dirty="0">
+                <a:latin typeface="Courier New" panose="02070309020205020404" pitchFamily="49" charset="0"/>
+                <a:cs typeface="Courier New" panose="02070309020205020404" pitchFamily="49" charset="0"/>
+              </a:rPr>
+              <a:t>	</a:t>
+            </a:r>
+            <a:r>
+              <a:rPr lang="it-IT" dirty="0" smtClean="0">
+                <a:latin typeface="Courier New" panose="02070309020205020404" pitchFamily="49" charset="0"/>
+                <a:cs typeface="Courier New" panose="02070309020205020404" pitchFamily="49" charset="0"/>
+              </a:rPr>
+              <a:t>							    </a:t>
+            </a:r>
+            <a:r>
+              <a:rPr lang="it-IT" dirty="0" err="1" smtClean="0">
+                <a:latin typeface="Courier New" panose="02070309020205020404" pitchFamily="49" charset="0"/>
+                <a:cs typeface="Courier New" panose="02070309020205020404" pitchFamily="49" charset="0"/>
+              </a:rPr>
+              <a:t>JSON_file_name</a:t>
+            </a:r>
+            <a:r>
+              <a:rPr lang="it-IT" dirty="0" smtClean="0">
+                <a:latin typeface="Courier New" panose="02070309020205020404" pitchFamily="49" charset="0"/>
+                <a:cs typeface="Courier New" panose="02070309020205020404" pitchFamily="49" charset="0"/>
+              </a:rPr>
+              <a:t> </a:t>
+            </a:r>
+            <a:r>
+              <a:rPr lang="it-IT" dirty="0">
+                <a:latin typeface="Courier New" panose="02070309020205020404" pitchFamily="49" charset="0"/>
+                <a:cs typeface="Courier New" panose="02070309020205020404" pitchFamily="49" charset="0"/>
+              </a:rPr>
+              <a:t>= </a:t>
+            </a:r>
+            <a:r>
+              <a:rPr lang="it-IT" dirty="0" err="1">
+                <a:latin typeface="Courier New" panose="02070309020205020404" pitchFamily="49" charset="0"/>
+                <a:cs typeface="Courier New" panose="02070309020205020404" pitchFamily="49" charset="0"/>
+              </a:rPr>
+              <a:t>spec_file_name</a:t>
+            </a:r>
+            <a:r>
+              <a:rPr lang="it-IT" dirty="0" smtClean="0">
+                <a:latin typeface="Courier New" panose="02070309020205020404" pitchFamily="49" charset="0"/>
+                <a:cs typeface="Courier New" panose="02070309020205020404" pitchFamily="49" charset="0"/>
+              </a:rPr>
+              <a:t>, </a:t>
+            </a:r>
+            <a:r>
+              <a:rPr lang="it-IT" dirty="0" err="1" smtClean="0">
+                <a:latin typeface="Courier New" panose="02070309020205020404" pitchFamily="49" charset="0"/>
+                <a:cs typeface="Courier New" panose="02070309020205020404" pitchFamily="49" charset="0"/>
+              </a:rPr>
+              <a:t>diff</a:t>
+            </a:r>
+            <a:r>
+              <a:rPr lang="it-IT" dirty="0" smtClean="0">
+                <a:latin typeface="Courier New" panose="02070309020205020404" pitchFamily="49" charset="0"/>
+                <a:cs typeface="Courier New" panose="02070309020205020404" pitchFamily="49" charset="0"/>
+              </a:rPr>
+              <a:t>)</a:t>
+            </a:r>
+          </a:p>
+          <a:p>
+            <a:endParaRPr lang="it-IT" dirty="0" smtClean="0">
+              <a:solidFill>
+                <a:srgbClr val="00CC99"/>
+              </a:solidFill>
+              <a:latin typeface="Courier New" panose="02070309020205020404" pitchFamily="49" charset="0"/>
+              <a:cs typeface="Courier New" panose="02070309020205020404" pitchFamily="49" charset="0"/>
+            </a:endParaRPr>
+          </a:p>
+          <a:p>
+            <a:r>
+              <a:rPr lang="it-IT" dirty="0" err="1" smtClean="0">
+                <a:latin typeface="Courier New" panose="02070309020205020404" pitchFamily="49" charset="0"/>
+                <a:cs typeface="Courier New" panose="02070309020205020404" pitchFamily="49" charset="0"/>
+              </a:rPr>
+              <a:t>models</a:t>
+            </a:r>
+            <a:r>
+              <a:rPr lang="it-IT" dirty="0" smtClean="0">
+                <a:latin typeface="Courier New" panose="02070309020205020404" pitchFamily="49" charset="0"/>
+                <a:cs typeface="Courier New" panose="02070309020205020404" pitchFamily="49" charset="0"/>
+              </a:rPr>
+              <a:t> &lt;- </a:t>
+            </a:r>
+            <a:r>
+              <a:rPr lang="it-IT" dirty="0" err="1" smtClean="0">
+                <a:latin typeface="Courier New" panose="02070309020205020404" pitchFamily="49" charset="0"/>
+                <a:cs typeface="Courier New" panose="02070309020205020404" pitchFamily="49" charset="0"/>
+              </a:rPr>
+              <a:t>JD_JSON_file_processor</a:t>
+            </a:r>
+            <a:r>
+              <a:rPr lang="it-IT" dirty="0" smtClean="0">
+                <a:latin typeface="Courier New" panose="02070309020205020404" pitchFamily="49" charset="0"/>
+                <a:cs typeface="Courier New" panose="02070309020205020404" pitchFamily="49" charset="0"/>
+              </a:rPr>
+              <a:t>(</a:t>
+            </a:r>
+            <a:r>
+              <a:rPr lang="it-IT" dirty="0" err="1" smtClean="0">
+                <a:latin typeface="Courier New" panose="02070309020205020404" pitchFamily="49" charset="0"/>
+                <a:cs typeface="Courier New" panose="02070309020205020404" pitchFamily="49" charset="0"/>
+              </a:rPr>
+              <a:t>input_data_provider</a:t>
+            </a:r>
+            <a:r>
+              <a:rPr lang="it-IT" dirty="0" smtClean="0">
+                <a:latin typeface="Courier New" panose="02070309020205020404" pitchFamily="49" charset="0"/>
+                <a:cs typeface="Courier New" panose="02070309020205020404" pitchFamily="49" charset="0"/>
+              </a:rPr>
+              <a:t>, </a:t>
+            </a:r>
+            <a:r>
+              <a:rPr lang="it-IT" dirty="0" err="1" smtClean="0">
+                <a:latin typeface="Courier New" panose="02070309020205020404" pitchFamily="49" charset="0"/>
+                <a:cs typeface="Courier New" panose="02070309020205020404" pitchFamily="49" charset="0"/>
+              </a:rPr>
+              <a:t>ext_reg_input_provider</a:t>
+            </a:r>
+            <a:r>
+              <a:rPr lang="it-IT" dirty="0" smtClean="0">
+                <a:latin typeface="Courier New" panose="02070309020205020404" pitchFamily="49" charset="0"/>
+                <a:cs typeface="Courier New" panose="02070309020205020404" pitchFamily="49" charset="0"/>
+              </a:rPr>
+              <a:t>,</a:t>
+            </a:r>
+          </a:p>
+          <a:p>
+            <a:r>
+              <a:rPr lang="it-IT" dirty="0" smtClean="0">
+                <a:latin typeface="Courier New" panose="02070309020205020404" pitchFamily="49" charset="0"/>
+                <a:cs typeface="Courier New" panose="02070309020205020404" pitchFamily="49" charset="0"/>
+              </a:rPr>
+              <a:t>                          </a:t>
+            </a:r>
+            <a:r>
+              <a:rPr lang="it-IT" dirty="0" err="1" smtClean="0">
+                <a:latin typeface="Courier New" panose="02070309020205020404" pitchFamily="49" charset="0"/>
+                <a:cs typeface="Courier New" panose="02070309020205020404" pitchFamily="49" charset="0"/>
+              </a:rPr>
+              <a:t>spec_file_name</a:t>
+            </a:r>
+            <a:r>
+              <a:rPr lang="it-IT" dirty="0">
+                <a:latin typeface="Courier New" panose="02070309020205020404" pitchFamily="49" charset="0"/>
+                <a:cs typeface="Courier New" panose="02070309020205020404" pitchFamily="49" charset="0"/>
+              </a:rPr>
+              <a:t>, </a:t>
+            </a:r>
+            <a:r>
+              <a:rPr lang="it-IT" dirty="0" smtClean="0">
+                <a:solidFill>
+                  <a:srgbClr val="00B0F0"/>
+                </a:solidFill>
+                <a:latin typeface="Courier New" panose="02070309020205020404" pitchFamily="49" charset="0"/>
+                <a:cs typeface="Courier New" panose="02070309020205020404" pitchFamily="49" charset="0"/>
+              </a:rPr>
+              <a:t>"</a:t>
+            </a:r>
+            <a:r>
+              <a:rPr lang="it-IT" dirty="0" err="1">
+                <a:solidFill>
+                  <a:srgbClr val="00B0F0"/>
+                </a:solidFill>
+                <a:latin typeface="Courier New" panose="02070309020205020404" pitchFamily="49" charset="0"/>
+                <a:cs typeface="Courier New" panose="02070309020205020404" pitchFamily="49" charset="0"/>
+              </a:rPr>
+              <a:t>output_workspace_container</a:t>
+            </a:r>
+            <a:r>
+              <a:rPr lang="it-IT" dirty="0" smtClean="0">
+                <a:solidFill>
+                  <a:srgbClr val="00B0F0"/>
+                </a:solidFill>
+                <a:latin typeface="Courier New" panose="02070309020205020404" pitchFamily="49" charset="0"/>
+                <a:cs typeface="Courier New" panose="02070309020205020404" pitchFamily="49" charset="0"/>
+              </a:rPr>
+              <a:t>"</a:t>
+            </a:r>
+            <a:r>
+              <a:rPr lang="it-IT" dirty="0">
+                <a:latin typeface="Courier New" panose="02070309020205020404" pitchFamily="49" charset="0"/>
+                <a:cs typeface="Courier New" panose="02070309020205020404" pitchFamily="49" charset="0"/>
+              </a:rPr>
+              <a:t>)</a:t>
+            </a:r>
+            <a:r>
+              <a:rPr lang="it-IT" dirty="0" smtClean="0">
+                <a:solidFill>
+                  <a:srgbClr val="00CC99"/>
+                </a:solidFill>
+                <a:latin typeface="Courier New" panose="02070309020205020404" pitchFamily="49" charset="0"/>
+                <a:cs typeface="Courier New" panose="02070309020205020404" pitchFamily="49" charset="0"/>
+              </a:rPr>
+              <a:t>#</a:t>
+            </a:r>
+            <a:r>
+              <a:rPr lang="it-IT" dirty="0" err="1" smtClean="0">
+                <a:solidFill>
+                  <a:srgbClr val="00CC99"/>
+                </a:solidFill>
+                <a:latin typeface="Courier New" panose="02070309020205020404" pitchFamily="49" charset="0"/>
+                <a:cs typeface="Courier New" panose="02070309020205020404" pitchFamily="49" charset="0"/>
+              </a:rPr>
               <a:t>RJDemetra</a:t>
             </a:r>
-            <a:endParaRPr lang="it-IT" sz="2400" dirty="0" smtClean="0"/>
-          </a:p>
-          <a:p>
-            <a:pPr marL="285750" indent="-285750">
-              <a:lnSpc>
-                <a:spcPct val="150000"/>
-              </a:lnSpc>
-              <a:buFont typeface="Arial" panose="020B0604020202020204" pitchFamily="34" charset="0"/>
-              <a:buChar char="•"/>
-            </a:pPr>
-            <a:r>
-              <a:rPr lang="en-US" sz="2400" dirty="0"/>
-              <a:t>Production of output formatting </a:t>
-            </a:r>
-            <a:r>
-              <a:rPr lang="en-US" sz="2400" dirty="0" smtClean="0"/>
-              <a:t>components</a:t>
-            </a:r>
-          </a:p>
-          <a:p>
-            <a:pPr marL="285750" indent="-285750">
-              <a:lnSpc>
-                <a:spcPct val="150000"/>
-              </a:lnSpc>
-              <a:buFont typeface="Arial" panose="020B0604020202020204" pitchFamily="34" charset="0"/>
-              <a:buChar char="•"/>
-            </a:pPr>
-            <a:r>
-              <a:rPr lang="en-US" sz="2400" dirty="0"/>
-              <a:t>Enhancing code performance by using </a:t>
-            </a:r>
-            <a:r>
-              <a:rPr lang="en-US" sz="2400" dirty="0" err="1"/>
-              <a:t>RJDemetra</a:t>
-            </a:r>
-            <a:r>
-              <a:rPr lang="en-US" sz="2400" dirty="0"/>
-              <a:t> functions that operate </a:t>
-            </a:r>
-            <a:r>
-              <a:rPr lang="en-US" sz="2400" dirty="0" smtClean="0"/>
-              <a:t>directly on </a:t>
-            </a:r>
-            <a:r>
-              <a:rPr lang="en-US" sz="2400" dirty="0"/>
-              <a:t>Java objects rather than </a:t>
-            </a:r>
-            <a:r>
-              <a:rPr lang="en-US" sz="2400" dirty="0" smtClean="0"/>
-              <a:t>R ones</a:t>
-            </a:r>
-          </a:p>
-          <a:p>
-            <a:pPr marL="285750" indent="-285750">
-              <a:lnSpc>
-                <a:spcPct val="150000"/>
-              </a:lnSpc>
-              <a:buFont typeface="Arial" panose="020B0604020202020204" pitchFamily="34" charset="0"/>
-              <a:buChar char="•"/>
-            </a:pPr>
-            <a:r>
-              <a:rPr lang="en-US" sz="2400" dirty="0"/>
-              <a:t>Add other custom fields to JD_JSON </a:t>
-            </a:r>
-            <a:r>
-              <a:rPr lang="en-US" sz="2400" dirty="0">
-                <a:sym typeface="Wingdings" panose="05000000000000000000" pitchFamily="2" charset="2"/>
-              </a:rPr>
-              <a:t> ("</a:t>
-            </a:r>
-            <a:r>
-              <a:rPr lang="en-US" sz="2400" dirty="0" err="1">
-                <a:sym typeface="Wingdings" panose="05000000000000000000" pitchFamily="2" charset="2"/>
-              </a:rPr>
-              <a:t>Keep_ARIMA_coefficients_fixed</a:t>
-            </a:r>
-            <a:r>
-              <a:rPr lang="en-US" sz="2400" dirty="0">
-                <a:sym typeface="Wingdings" panose="05000000000000000000" pitchFamily="2" charset="2"/>
-              </a:rPr>
-              <a:t>", </a:t>
-            </a:r>
-            <a:r>
-              <a:rPr lang="en-US" sz="2400" dirty="0" smtClean="0">
-                <a:sym typeface="Wingdings" panose="05000000000000000000" pitchFamily="2" charset="2"/>
-              </a:rPr>
-              <a:t>…) and relative functionalities in the processor</a:t>
-            </a:r>
-            <a:endParaRPr lang="en-US" sz="2400" dirty="0" smtClean="0"/>
-          </a:p>
-          <a:p>
-            <a:pPr marL="285750" indent="-285750">
-              <a:lnSpc>
-                <a:spcPct val="150000"/>
-              </a:lnSpc>
-              <a:buFont typeface="Arial" panose="020B0604020202020204" pitchFamily="34" charset="0"/>
-              <a:buChar char="•"/>
-            </a:pPr>
-            <a:r>
-              <a:rPr lang="en-US" sz="2400" dirty="0" smtClean="0"/>
-              <a:t>Addition of detailed error messages</a:t>
-            </a:r>
-          </a:p>
-          <a:p>
-            <a:pPr marL="285750" indent="-285750">
-              <a:lnSpc>
-                <a:spcPct val="150000"/>
-              </a:lnSpc>
-              <a:buFont typeface="Arial" panose="020B0604020202020204" pitchFamily="34" charset="0"/>
-              <a:buChar char="•"/>
-            </a:pPr>
-            <a:r>
-              <a:rPr lang="en-US" sz="2400" dirty="0" smtClean="0"/>
-              <a:t>Additional testing</a:t>
-            </a:r>
-            <a:endParaRPr lang="it-IT" sz="2400" dirty="0"/>
+            <a:r>
+              <a:rPr lang="it-IT" dirty="0" smtClean="0">
+                <a:solidFill>
+                  <a:srgbClr val="00CC99"/>
+                </a:solidFill>
+                <a:latin typeface="Courier New" panose="02070309020205020404" pitchFamily="49" charset="0"/>
+                <a:cs typeface="Courier New" panose="02070309020205020404" pitchFamily="49" charset="0"/>
+              </a:rPr>
+              <a:t> </a:t>
+            </a:r>
+            <a:r>
+              <a:rPr lang="it-IT" dirty="0" err="1" smtClean="0">
+                <a:solidFill>
+                  <a:srgbClr val="00CC99"/>
+                </a:solidFill>
+                <a:latin typeface="Courier New" panose="02070309020205020404" pitchFamily="49" charset="0"/>
+                <a:cs typeface="Courier New" panose="02070309020205020404" pitchFamily="49" charset="0"/>
+              </a:rPr>
+              <a:t>models</a:t>
+            </a:r>
+            <a:endParaRPr lang="it-IT" dirty="0" smtClean="0">
+              <a:solidFill>
+                <a:srgbClr val="00CC99"/>
+              </a:solidFill>
+              <a:latin typeface="Courier New" panose="02070309020205020404" pitchFamily="49" charset="0"/>
+              <a:cs typeface="Courier New" panose="02070309020205020404" pitchFamily="49" charset="0"/>
+            </a:endParaRPr>
+          </a:p>
+          <a:p>
+            <a:endParaRPr lang="it-IT" dirty="0" smtClean="0">
+              <a:latin typeface="Courier New" panose="02070309020205020404" pitchFamily="49" charset="0"/>
+              <a:cs typeface="Courier New" panose="02070309020205020404" pitchFamily="49" charset="0"/>
+            </a:endParaRPr>
+          </a:p>
+          <a:p>
+            <a:r>
+              <a:rPr lang="it-IT" dirty="0" err="1" smtClean="0">
+                <a:latin typeface="Courier New" panose="02070309020205020404" pitchFamily="49" charset="0"/>
+                <a:cs typeface="Courier New" panose="02070309020205020404" pitchFamily="49" charset="0"/>
+              </a:rPr>
+              <a:t>from_reduced_to_full_JD_JSON_file</a:t>
+            </a:r>
+            <a:r>
+              <a:rPr lang="it-IT" dirty="0" smtClean="0">
+                <a:latin typeface="Courier New" panose="02070309020205020404" pitchFamily="49" charset="0"/>
+                <a:cs typeface="Courier New" panose="02070309020205020404" pitchFamily="49" charset="0"/>
+              </a:rPr>
+              <a:t>(</a:t>
+            </a:r>
+            <a:r>
+              <a:rPr lang="it-IT" dirty="0" err="1" smtClean="0">
+                <a:latin typeface="Courier New" panose="02070309020205020404" pitchFamily="49" charset="0"/>
+                <a:cs typeface="Courier New" panose="02070309020205020404" pitchFamily="49" charset="0"/>
+              </a:rPr>
+              <a:t>spec_file_name</a:t>
+            </a:r>
+            <a:r>
+              <a:rPr lang="it-IT" dirty="0" smtClean="0">
+                <a:latin typeface="Courier New" panose="02070309020205020404" pitchFamily="49" charset="0"/>
+                <a:cs typeface="Courier New" panose="02070309020205020404" pitchFamily="49" charset="0"/>
+              </a:rPr>
+              <a:t>, </a:t>
+            </a:r>
+            <a:r>
+              <a:rPr lang="it-IT" dirty="0" smtClean="0">
+                <a:solidFill>
+                  <a:srgbClr val="00B0F0"/>
+                </a:solidFill>
+                <a:latin typeface="Courier New" panose="02070309020205020404" pitchFamily="49" charset="0"/>
+                <a:cs typeface="Courier New" panose="02070309020205020404" pitchFamily="49" charset="0"/>
+              </a:rPr>
+              <a:t>"JD_JSON_specifications_full.txt"</a:t>
+            </a:r>
+            <a:r>
+              <a:rPr lang="it-IT" dirty="0" smtClean="0">
+                <a:latin typeface="Courier New" panose="02070309020205020404" pitchFamily="49" charset="0"/>
+                <a:cs typeface="Courier New" panose="02070309020205020404" pitchFamily="49" charset="0"/>
+              </a:rPr>
+              <a:t>)</a:t>
+            </a:r>
           </a:p>
         </p:txBody>
       </p:sp>
     </p:spTree>
     <p:extLst>
       <p:ext uri="{BB962C8B-B14F-4D97-AF65-F5344CB8AC3E}">
-        <p14:creationId xmlns:p14="http://schemas.microsoft.com/office/powerpoint/2010/main" val="2132698523"/>
+        <p14:creationId xmlns:p14="http://schemas.microsoft.com/office/powerpoint/2010/main" val="1724089886"/>
       </p:ext>
     </p:extLst>
   </p:cSld>
@@ -24412,7 +25855,7 @@
                   <a:srgbClr val="C00000"/>
                 </a:solidFill>
               </a:rPr>
-              <a:t>Source code</a:t>
+              <a:t>Future developments</a:t>
             </a:r>
             <a:endParaRPr lang="en-GB" altLang="it-IT" sz="4000" dirty="0">
               <a:solidFill>
@@ -24460,6 +25903,316 @@
                 <a:defRPr/>
               </a:pPr>
               <a:t>26</a:t>
+            </a:fld>
+            <a:endParaRPr lang="en-US" dirty="0"/>
+          </a:p>
+        </p:txBody>
+      </p:sp>
+      <p:sp>
+        <p:nvSpPr>
+          <p:cNvPr id="6" name="Rettangolo 5"/>
+          <p:cNvSpPr/>
+          <p:nvPr/>
+        </p:nvSpPr>
+        <p:spPr>
+          <a:xfrm>
+            <a:off x="323468" y="915240"/>
+            <a:ext cx="11414507" cy="5632311"/>
+          </a:xfrm>
+          <a:prstGeom prst="rect">
+            <a:avLst/>
+          </a:prstGeom>
+        </p:spPr>
+        <p:txBody>
+          <a:bodyPr wrap="square">
+            <a:spAutoFit/>
+          </a:bodyPr>
+          <a:lstStyle/>
+          <a:p>
+            <a:pPr marL="285750" indent="-285750">
+              <a:lnSpc>
+                <a:spcPct val="150000"/>
+              </a:lnSpc>
+              <a:buFont typeface="Arial" panose="020B0604020202020204" pitchFamily="34" charset="0"/>
+              <a:buChar char="•"/>
+            </a:pPr>
+            <a:r>
+              <a:rPr lang="en-US" sz="2400" dirty="0" smtClean="0"/>
+              <a:t>X13 integration</a:t>
+            </a:r>
+          </a:p>
+          <a:p>
+            <a:pPr marL="285750" indent="-285750">
+              <a:lnSpc>
+                <a:spcPct val="150000"/>
+              </a:lnSpc>
+              <a:buFont typeface="Arial" panose="020B0604020202020204" pitchFamily="34" charset="0"/>
+              <a:buChar char="•"/>
+            </a:pPr>
+            <a:r>
+              <a:rPr lang="it-IT" sz="2400" dirty="0" err="1" smtClean="0"/>
+              <a:t>Developing</a:t>
+            </a:r>
+            <a:r>
+              <a:rPr lang="it-IT" sz="2400" dirty="0" smtClean="0"/>
+              <a:t> </a:t>
+            </a:r>
+            <a:r>
+              <a:rPr lang="it-IT" sz="2400" dirty="0"/>
+              <a:t>some </a:t>
+            </a:r>
+            <a:r>
+              <a:rPr lang="it-IT" sz="2400" dirty="0" smtClean="0"/>
+              <a:t>default input providers</a:t>
+            </a:r>
+          </a:p>
+          <a:p>
+            <a:pPr marL="285750" indent="-285750">
+              <a:lnSpc>
+                <a:spcPct val="150000"/>
+              </a:lnSpc>
+              <a:buFont typeface="Arial" panose="020B0604020202020204" pitchFamily="34" charset="0"/>
+              <a:buChar char="•"/>
+            </a:pPr>
+            <a:r>
+              <a:rPr lang="en-US" sz="2400" dirty="0"/>
+              <a:t>Creating a rjd3-based version instead of </a:t>
+            </a:r>
+            <a:r>
+              <a:rPr lang="en-US" sz="2400" dirty="0" err="1" smtClean="0"/>
+              <a:t>RJDemetra</a:t>
+            </a:r>
+            <a:endParaRPr lang="it-IT" sz="2400" dirty="0" smtClean="0"/>
+          </a:p>
+          <a:p>
+            <a:pPr marL="285750" indent="-285750">
+              <a:lnSpc>
+                <a:spcPct val="150000"/>
+              </a:lnSpc>
+              <a:buFont typeface="Arial" panose="020B0604020202020204" pitchFamily="34" charset="0"/>
+              <a:buChar char="•"/>
+            </a:pPr>
+            <a:r>
+              <a:rPr lang="en-US" sz="2400" dirty="0"/>
+              <a:t>Production of output formatting </a:t>
+            </a:r>
+            <a:r>
+              <a:rPr lang="en-US" sz="2400" dirty="0" smtClean="0"/>
+              <a:t>components</a:t>
+            </a:r>
+          </a:p>
+          <a:p>
+            <a:pPr marL="285750" indent="-285750">
+              <a:lnSpc>
+                <a:spcPct val="150000"/>
+              </a:lnSpc>
+              <a:buFont typeface="Arial" panose="020B0604020202020204" pitchFamily="34" charset="0"/>
+              <a:buChar char="•"/>
+            </a:pPr>
+            <a:r>
+              <a:rPr lang="en-US" sz="2400" dirty="0"/>
+              <a:t>Enhancing code performance by using </a:t>
+            </a:r>
+            <a:r>
+              <a:rPr lang="en-US" sz="2400" dirty="0" err="1"/>
+              <a:t>RJDemetra</a:t>
+            </a:r>
+            <a:r>
+              <a:rPr lang="en-US" sz="2400" dirty="0"/>
+              <a:t> functions that operate </a:t>
+            </a:r>
+            <a:r>
+              <a:rPr lang="en-US" sz="2400" dirty="0" smtClean="0"/>
+              <a:t>directly on </a:t>
+            </a:r>
+            <a:r>
+              <a:rPr lang="en-US" sz="2400" dirty="0"/>
+              <a:t>Java objects rather than </a:t>
+            </a:r>
+            <a:r>
+              <a:rPr lang="en-US" sz="2400" dirty="0" smtClean="0"/>
+              <a:t>R ones</a:t>
+            </a:r>
+          </a:p>
+          <a:p>
+            <a:pPr marL="285750" indent="-285750">
+              <a:lnSpc>
+                <a:spcPct val="150000"/>
+              </a:lnSpc>
+              <a:buFont typeface="Arial" panose="020B0604020202020204" pitchFamily="34" charset="0"/>
+              <a:buChar char="•"/>
+            </a:pPr>
+            <a:r>
+              <a:rPr lang="en-US" sz="2400" dirty="0"/>
+              <a:t>Add other custom fields to JD_JSON </a:t>
+            </a:r>
+            <a:r>
+              <a:rPr lang="en-US" sz="2400" dirty="0">
+                <a:sym typeface="Wingdings" panose="05000000000000000000" pitchFamily="2" charset="2"/>
+              </a:rPr>
+              <a:t> ("</a:t>
+            </a:r>
+            <a:r>
+              <a:rPr lang="en-US" sz="2400" dirty="0" err="1">
+                <a:sym typeface="Wingdings" panose="05000000000000000000" pitchFamily="2" charset="2"/>
+              </a:rPr>
+              <a:t>Keep_ARIMA_coefficients_fixed</a:t>
+            </a:r>
+            <a:r>
+              <a:rPr lang="en-US" sz="2400" dirty="0">
+                <a:sym typeface="Wingdings" panose="05000000000000000000" pitchFamily="2" charset="2"/>
+              </a:rPr>
+              <a:t>", </a:t>
+            </a:r>
+            <a:r>
+              <a:rPr lang="en-US" sz="2400" dirty="0" smtClean="0">
+                <a:sym typeface="Wingdings" panose="05000000000000000000" pitchFamily="2" charset="2"/>
+              </a:rPr>
+              <a:t>…) and relative functionalities in the processor</a:t>
+            </a:r>
+            <a:endParaRPr lang="en-US" sz="2400" dirty="0" smtClean="0"/>
+          </a:p>
+          <a:p>
+            <a:pPr marL="285750" indent="-285750">
+              <a:lnSpc>
+                <a:spcPct val="150000"/>
+              </a:lnSpc>
+              <a:buFont typeface="Arial" panose="020B0604020202020204" pitchFamily="34" charset="0"/>
+              <a:buChar char="•"/>
+            </a:pPr>
+            <a:r>
+              <a:rPr lang="en-US" sz="2400" dirty="0" smtClean="0"/>
+              <a:t>Addition of detailed error messages</a:t>
+            </a:r>
+          </a:p>
+          <a:p>
+            <a:pPr marL="285750" indent="-285750">
+              <a:lnSpc>
+                <a:spcPct val="150000"/>
+              </a:lnSpc>
+              <a:buFont typeface="Arial" panose="020B0604020202020204" pitchFamily="34" charset="0"/>
+              <a:buChar char="•"/>
+            </a:pPr>
+            <a:r>
+              <a:rPr lang="en-US" sz="2400" dirty="0" smtClean="0"/>
+              <a:t>Additional testing</a:t>
+            </a:r>
+            <a:endParaRPr lang="it-IT" sz="2400" dirty="0"/>
+          </a:p>
+        </p:txBody>
+      </p:sp>
+    </p:spTree>
+    <p:extLst>
+      <p:ext uri="{BB962C8B-B14F-4D97-AF65-F5344CB8AC3E}">
+        <p14:creationId xmlns:p14="http://schemas.microsoft.com/office/powerpoint/2010/main" val="2132698523"/>
+      </p:ext>
+    </p:extLst>
+  </p:cSld>
+  <p:clrMapOvr>
+    <a:masterClrMapping/>
+  </p:clrMapOvr>
+  <p:timing>
+    <p:tnLst>
+      <p:par>
+        <p:cTn id="1" dur="indefinite" restart="never" nodeType="tmRoot"/>
+      </p:par>
+    </p:tnLst>
+  </p:timing>
+</p:sld>
+</file>
+
+<file path=ppt/slides/slide27.xml><?xml version="1.0" encoding="utf-8"?>
+<p:sld xmlns:a="http://schemas.openxmlformats.org/drawingml/2006/main" xmlns:r="http://schemas.openxmlformats.org/officeDocument/2006/relationships" xmlns:p="http://schemas.openxmlformats.org/presentationml/2006/main">
+  <p:cSld>
+    <p:spTree>
+      <p:nvGrpSpPr>
+        <p:cNvPr id="1" name=""/>
+        <p:cNvGrpSpPr/>
+        <p:nvPr/>
+      </p:nvGrpSpPr>
+      <p:grpSpPr>
+        <a:xfrm>
+          <a:off x="0" y="0"/>
+          <a:ext cx="0" cy="0"/>
+          <a:chOff x="0" y="0"/>
+          <a:chExt cx="0" cy="0"/>
+        </a:xfrm>
+      </p:grpSpPr>
+      <p:sp>
+        <p:nvSpPr>
+          <p:cNvPr id="19461" name="Titolo 4"/>
+          <p:cNvSpPr>
+            <a:spLocks noGrp="1"/>
+          </p:cNvSpPr>
+          <p:nvPr>
+            <p:ph type="title"/>
+          </p:nvPr>
+        </p:nvSpPr>
+        <p:spPr>
+          <a:xfrm>
+            <a:off x="468313" y="482109"/>
+            <a:ext cx="11269662" cy="405304"/>
+          </a:xfrm>
+        </p:spPr>
+        <p:txBody>
+          <a:bodyPr/>
+          <a:lstStyle/>
+          <a:p>
+            <a:pPr algn="ctr"/>
+            <a:r>
+              <a:rPr lang="en-GB" altLang="it-IT" sz="4000" dirty="0" smtClean="0">
+                <a:solidFill>
+                  <a:srgbClr val="C00000"/>
+                </a:solidFill>
+              </a:rPr>
+              <a:t>Source code</a:t>
+            </a:r>
+            <a:endParaRPr lang="en-GB" altLang="it-IT" sz="4000" dirty="0">
+              <a:solidFill>
+                <a:srgbClr val="C00000"/>
+              </a:solidFill>
+            </a:endParaRPr>
+          </a:p>
+        </p:txBody>
+      </p:sp>
+      <p:sp>
+        <p:nvSpPr>
+          <p:cNvPr id="9" name="Segnaposto numero diapositiva 4">
+            <a:extLst>
+              <a:ext uri="{FF2B5EF4-FFF2-40B4-BE49-F238E27FC236}">
+                <a16:creationId xmlns:a16="http://schemas.microsoft.com/office/drawing/2014/main" id="{43529721-AF16-448D-9B7A-D70C2ADC2006}"/>
+              </a:ext>
+            </a:extLst>
+          </p:cNvPr>
+          <p:cNvSpPr>
+            <a:spLocks noGrp="1"/>
+          </p:cNvSpPr>
+          <p:nvPr>
+            <p:ph type="sldNum" sz="quarter" idx="11"/>
+          </p:nvPr>
+        </p:nvSpPr>
+        <p:spPr>
+          <a:xfrm>
+            <a:off x="0" y="6392815"/>
+            <a:ext cx="501650" cy="365125"/>
+          </a:xfrm>
+          <a:prstGeom prst="rect">
+            <a:avLst/>
+          </a:prstGeom>
+        </p:spPr>
+        <p:txBody>
+          <a:bodyPr/>
+          <a:lstStyle/>
+          <a:p>
+            <a:pPr>
+              <a:defRPr/>
+            </a:pPr>
+            <a:fld id="{48B4153A-D4C5-4CEF-8992-0D8815C829E3}" type="slidenum">
+              <a:rPr lang="en-US" smtClean="0"/>
+              <a:pPr>
+                <a:defRPr/>
+              </a:pPr>
+              <a:t>27</a:t>
             </a:fld>
             <a:endParaRPr lang="en-US" dirty="0"/>
           </a:p>
@@ -24746,7 +26499,7 @@
 </p:sld>
 </file>
 
-<file path=ppt/slides/slide27.xml><?xml version="1.0" encoding="utf-8"?>
+<file path=ppt/slides/slide28.xml><?xml version="1.0" encoding="utf-8"?>
 <p:sld xmlns:a="http://schemas.openxmlformats.org/drawingml/2006/main" xmlns:r="http://schemas.openxmlformats.org/officeDocument/2006/relationships" xmlns:p="http://schemas.openxmlformats.org/presentationml/2006/main">
   <p:cSld>
     <p:spTree>
@@ -30142,6 +31895,15 @@
 
 <file path=customXml/item1.xml><?xml version="1.0" encoding="utf-8"?>
 <?mso-contentType ?>
+<FormTemplates xmlns="http://schemas.microsoft.com/sharepoint/v3/contenttype/forms">
+  <Display>DocumentLibraryForm</Display>
+  <Edit>DocumentLibraryForm</Edit>
+  <New>DocumentLibraryForm</New>
+</FormTemplates>
+</file>
+
+<file path=customXml/item2.xml><?xml version="1.0" encoding="utf-8"?>
+<?mso-contentType ?>
 <spe:Receivers xmlns:spe="http://schemas.microsoft.com/sharepoint/events">
   <Receiver>
     <Name>Document ID Generator</Name>
@@ -30190,16 +31952,22 @@
 </spe:Receivers>
 </file>
 
-<file path=customXml/item2.xml><?xml version="1.0" encoding="utf-8"?>
-<?mso-contentType ?>
-<FormTemplates xmlns="http://schemas.microsoft.com/sharepoint/v3/contenttype/forms">
-  <Display>DocumentLibraryForm</Display>
-  <Edit>DocumentLibraryForm</Edit>
-  <New>DocumentLibraryForm</New>
-</FormTemplates>
+<file path=customXml/item3.xml><?xml version="1.0" encoding="utf-8"?>
+<p:properties xmlns:p="http://schemas.microsoft.com/office/2006/metadata/properties" xmlns:xsi="http://www.w3.org/2001/XMLSchema-instance" xmlns:pc="http://schemas.microsoft.com/office/infopath/2007/PartnerControls">
+  <documentManagement>
+    <SottoCategoria xmlns="679261c3-551f-4e86-913f-177e0e529669">-</SottoCategoria>
+    <Categoria xmlns="c58f2efd-82a8-4ecf-b395-8c25e928921d">3- Standard presentazioni Power Point</Categoria>
+    <_dlc_DocId xmlns="459159c4-d20a-4ff3-9b11-fbd127bd52e5">INTRANET-14-174</_dlc_DocId>
+    <_dlc_DocIdUrl xmlns="459159c4-d20a-4ff3-9b11-fbd127bd52e5">
+      <Url>https://intranet.istat.it/Collaborativi/_layouts/15/DocIdRedir.aspx?ID=INTRANET-14-174</Url>
+      <Description>INTRANET-14-174</Description>
+    </_dlc_DocIdUrl>
+    <Ordine xmlns="679261c3-551f-4e86-913f-177e0e529669">1</Ordine>
+  </documentManagement>
+</p:properties>
 </file>
 
-<file path=customXml/item3.xml><?xml version="1.0" encoding="utf-8"?>
+<file path=customXml/item4.xml><?xml version="1.0" encoding="utf-8"?>
 <ct:contentTypeSchema xmlns:ct="http://schemas.microsoft.com/office/2006/metadata/contentType" xmlns:ma="http://schemas.microsoft.com/office/2006/metadata/properties/metaAttributes" ct:_="" ma:_="" ma:contentTypeName="Documento" ma:contentTypeID="0x010100661A2BE3120D674DA36C11D6006822D4" ma:contentTypeVersion="5" ma:contentTypeDescription="Creare un nuovo documento." ma:contentTypeScope="" ma:versionID="742e6049321d93803bb3bb587f561ffa">
   <xsd:schema xmlns:xsd="http://www.w3.org/2001/XMLSchema" xmlns:xs="http://www.w3.org/2001/XMLSchema" xmlns:p="http://schemas.microsoft.com/office/2006/metadata/properties" xmlns:ns2="c58f2efd-82a8-4ecf-b395-8c25e928921d" xmlns:ns3="459159c4-d20a-4ff3-9b11-fbd127bd52e5" xmlns:ns4="679261c3-551f-4e86-913f-177e0e529669" targetNamespace="http://schemas.microsoft.com/office/2006/metadata/properties" ma:root="true" ma:fieldsID="939ae4a7eaec2950db97a79ca38d2d4d" ns2:_="" ns3:_="" ns4:_="">
     <xsd:import namespace="c58f2efd-82a8-4ecf-b395-8c25e928921d"/>
@@ -30392,22 +32160,15 @@
 </ct:contentTypeSchema>
 </file>
 
-<file path=customXml/item4.xml><?xml version="1.0" encoding="utf-8"?>
-<p:properties xmlns:p="http://schemas.microsoft.com/office/2006/metadata/properties" xmlns:xsi="http://www.w3.org/2001/XMLSchema-instance" xmlns:pc="http://schemas.microsoft.com/office/infopath/2007/PartnerControls">
-  <documentManagement>
-    <SottoCategoria xmlns="679261c3-551f-4e86-913f-177e0e529669">-</SottoCategoria>
-    <Categoria xmlns="c58f2efd-82a8-4ecf-b395-8c25e928921d">3- Standard presentazioni Power Point</Categoria>
-    <_dlc_DocId xmlns="459159c4-d20a-4ff3-9b11-fbd127bd52e5">INTRANET-14-174</_dlc_DocId>
-    <_dlc_DocIdUrl xmlns="459159c4-d20a-4ff3-9b11-fbd127bd52e5">
-      <Url>https://intranet.istat.it/Collaborativi/_layouts/15/DocIdRedir.aspx?ID=INTRANET-14-174</Url>
-      <Description>INTRANET-14-174</Description>
-    </_dlc_DocIdUrl>
-    <Ordine xmlns="679261c3-551f-4e86-913f-177e0e529669">1</Ordine>
-  </documentManagement>
-</p:properties>
+<file path=customXml/itemProps1.xml><?xml version="1.0" encoding="utf-8"?>
+<ds:datastoreItem xmlns:ds="http://schemas.openxmlformats.org/officeDocument/2006/customXml" ds:itemID="{BD9C238D-4D5C-4783-820B-4854DCE45D41}">
+  <ds:schemaRefs>
+    <ds:schemaRef ds:uri="http://schemas.microsoft.com/sharepoint/v3/contenttype/forms"/>
+  </ds:schemaRefs>
+</ds:datastoreItem>
 </file>
 
-<file path=customXml/itemProps1.xml><?xml version="1.0" encoding="utf-8"?>
+<file path=customXml/itemProps2.xml><?xml version="1.0" encoding="utf-8"?>
 <ds:datastoreItem xmlns:ds="http://schemas.openxmlformats.org/officeDocument/2006/customXml" ds:itemID="{D9296C4F-9DE9-4B43-AA80-1FC85656CFFA}">
   <ds:schemaRefs>
     <ds:schemaRef ds:uri="http://schemas.microsoft.com/sharepoint/events"/>
@@ -30415,15 +32176,25 @@
 </ds:datastoreItem>
 </file>
 
-<file path=customXml/itemProps2.xml><?xml version="1.0" encoding="utf-8"?>
-<ds:datastoreItem xmlns:ds="http://schemas.openxmlformats.org/officeDocument/2006/customXml" ds:itemID="{BD9C238D-4D5C-4783-820B-4854DCE45D41}">
+<file path=customXml/itemProps3.xml><?xml version="1.0" encoding="utf-8"?>
+<ds:datastoreItem xmlns:ds="http://schemas.openxmlformats.org/officeDocument/2006/customXml" ds:itemID="{3EF378BC-F4D0-4510-B4EC-07B6EFE18CF8}">
   <ds:schemaRefs>
-    <ds:schemaRef ds:uri="http://schemas.microsoft.com/sharepoint/v3/contenttype/forms"/>
+    <ds:schemaRef ds:uri="http://schemas.microsoft.com/office/2006/metadata/properties"/>
+    <ds:schemaRef ds:uri="http://www.w3.org/XML/1998/namespace"/>
+    <ds:schemaRef ds:uri="http://purl.org/dc/elements/1.1/"/>
+    <ds:schemaRef ds:uri="http://schemas.microsoft.com/office/infopath/2007/PartnerControls"/>
+    <ds:schemaRef ds:uri="http://schemas.microsoft.com/office/2006/documentManagement/types"/>
+    <ds:schemaRef ds:uri="http://purl.org/dc/dcmitype/"/>
+    <ds:schemaRef ds:uri="c58f2efd-82a8-4ecf-b395-8c25e928921d"/>
+    <ds:schemaRef ds:uri="http://schemas.openxmlformats.org/package/2006/metadata/core-properties"/>
+    <ds:schemaRef ds:uri="679261c3-551f-4e86-913f-177e0e529669"/>
+    <ds:schemaRef ds:uri="459159c4-d20a-4ff3-9b11-fbd127bd52e5"/>
+    <ds:schemaRef ds:uri="http://purl.org/dc/terms/"/>
   </ds:schemaRefs>
 </ds:datastoreItem>
 </file>
 
-<file path=customXml/itemProps3.xml><?xml version="1.0" encoding="utf-8"?>
+<file path=customXml/itemProps4.xml><?xml version="1.0" encoding="utf-8"?>
 <ds:datastoreItem xmlns:ds="http://schemas.openxmlformats.org/officeDocument/2006/customXml" ds:itemID="{AA760D03-2285-4F80-B9FC-1F4F97E97129}">
   <ds:schemaRefs>
     <ds:schemaRef ds:uri="http://schemas.microsoft.com/office/2006/metadata/contentType"/>
@@ -30441,22 +32212,4 @@
     <ds:schemaRef ds:uri="http://schemas.microsoft.com/internal/obd"/>
   </ds:schemaRefs>
 </ds:datastoreItem>
-</file>
-
-<file path=customXml/itemProps4.xml><?xml version="1.0" encoding="utf-8"?>
-<ds:datastoreItem xmlns:ds="http://schemas.openxmlformats.org/officeDocument/2006/customXml" ds:itemID="{3EF378BC-F4D0-4510-B4EC-07B6EFE18CF8}">
-  <ds:schemaRefs>
-    <ds:schemaRef ds:uri="http://schemas.microsoft.com/office/2006/metadata/properties"/>
-    <ds:schemaRef ds:uri="http://www.w3.org/XML/1998/namespace"/>
-    <ds:schemaRef ds:uri="http://purl.org/dc/elements/1.1/"/>
-    <ds:schemaRef ds:uri="http://schemas.microsoft.com/office/infopath/2007/PartnerControls"/>
-    <ds:schemaRef ds:uri="http://schemas.microsoft.com/office/2006/documentManagement/types"/>
-    <ds:schemaRef ds:uri="http://purl.org/dc/dcmitype/"/>
-    <ds:schemaRef ds:uri="c58f2efd-82a8-4ecf-b395-8c25e928921d"/>
-    <ds:schemaRef ds:uri="http://schemas.openxmlformats.org/package/2006/metadata/core-properties"/>
-    <ds:schemaRef ds:uri="679261c3-551f-4e86-913f-177e0e529669"/>
-    <ds:schemaRef ds:uri="459159c4-d20a-4ff3-9b11-fbd127bd52e5"/>
-    <ds:schemaRef ds:uri="http://purl.org/dc/terms/"/>
-  </ds:schemaRefs>
-</ds:datastoreItem>
 </file>
--- a/RJDProcessor/doc/package_description/RJDemetra tools for statistical production.pptx
+++ b/RJDProcessor/doc/package_description/RJDemetra tools for statistical production.pptx
@@ -293,7 +293,7 @@
               <a:pPr>
                 <a:defRPr/>
               </a:pPr>
-              <a:t>4/11/2025</a:t>
+              <a:t>8/9/2025</a:t>
             </a:fld>
             <a:endParaRPr lang="en-US"/>
           </a:p>
@@ -1314,7 +1314,7 @@
               </a:pPr>
               <a:t>19</a:t>
             </a:fld>
-            <a:endParaRPr lang="en-US"/>
+            <a:endParaRPr lang="en-US" dirty="0"/>
           </a:p>
         </p:txBody>
       </p:sp>
@@ -10872,23 +10872,7 @@
                   <a:srgbClr val="C00000"/>
                 </a:solidFill>
               </a:rPr>
-              <a:t> to </a:t>
-            </a:r>
-            <a:r>
-              <a:rPr lang="it-IT" altLang="it-IT" b="0" dirty="0" err="1" smtClean="0">
-                <a:solidFill>
-                  <a:srgbClr val="C00000"/>
-                </a:solidFill>
-              </a:rPr>
-              <a:t>RJDemetra</a:t>
-            </a:r>
-            <a:r>
-              <a:rPr lang="it-IT" altLang="it-IT" b="0" dirty="0" smtClean="0">
-                <a:solidFill>
-                  <a:srgbClr val="C00000"/>
-                </a:solidFill>
-              </a:rPr>
-              <a:t> c("</a:t>
+              <a:t> to RJDemetra c("</a:t>
             </a:r>
             <a:r>
               <a:rPr lang="it-IT" altLang="it-IT" b="0" dirty="0" err="1" smtClean="0">
@@ -11474,12 +11458,8 @@
               <a:t> </a:t>
             </a:r>
             <a:r>
-              <a:rPr lang="it-IT" altLang="it-IT" sz="2400" dirty="0" err="1"/>
-              <a:t>tramoseats_spec</a:t>
-            </a:r>
-            <a:r>
               <a:rPr lang="it-IT" altLang="it-IT" sz="2400" dirty="0"/>
-              <a:t> </a:t>
+              <a:t>tramoseats_spec </a:t>
             </a:r>
             <a:r>
               <a:rPr lang="it-IT" altLang="it-IT" sz="2400" dirty="0" err="1"/>
@@ -11487,15 +11467,7 @@
             </a:r>
             <a:r>
               <a:rPr lang="it-IT" altLang="it-IT" sz="2400" dirty="0"/>
-              <a:t> in </a:t>
-            </a:r>
-            <a:r>
-              <a:rPr lang="it-IT" altLang="it-IT" sz="2400" dirty="0" err="1"/>
-              <a:t>RJDemetra</a:t>
-            </a:r>
-            <a:r>
-              <a:rPr lang="it-IT" altLang="it-IT" sz="2400" dirty="0"/>
-              <a:t> </a:t>
+              <a:t> in RJDemetra </a:t>
             </a:r>
             <a:r>
               <a:rPr lang="it-IT" altLang="it-IT" sz="2400" dirty="0" smtClean="0"/>
@@ -11829,10 +11801,9 @@
               <a:t> by </a:t>
             </a:r>
             <a:r>
-              <a:rPr lang="it-IT" altLang="it-IT" sz="2400" dirty="0" err="1" smtClean="0"/>
+              <a:rPr lang="it-IT" altLang="it-IT" sz="2400" dirty="0" smtClean="0"/>
               <a:t>RJDemetra</a:t>
             </a:r>
-            <a:endParaRPr lang="it-IT" altLang="it-IT" sz="2400" dirty="0" smtClean="0"/>
           </a:p>
           <a:p>
             <a:pPr>
@@ -11905,10 +11876,9 @@
               <a:t> to the </a:t>
             </a:r>
             <a:r>
-              <a:rPr lang="it-IT" altLang="it-IT" sz="2400" dirty="0" err="1" smtClean="0"/>
+              <a:rPr lang="it-IT" altLang="it-IT" sz="2400" dirty="0" smtClean="0"/>
               <a:t>tramoseats_spec</a:t>
             </a:r>
-            <a:endParaRPr lang="it-IT" altLang="it-IT" sz="2400" dirty="0" smtClean="0"/>
           </a:p>
           <a:p>
             <a:pPr>
@@ -14302,15 +14272,7 @@
             </a:r>
             <a:r>
               <a:rPr lang="it-IT" sz="2400" b="1" dirty="0" smtClean="0"/>
-              <a:t>se </a:t>
-            </a:r>
-            <a:r>
-              <a:rPr lang="it-IT" sz="2400" b="1" dirty="0" err="1" smtClean="0"/>
-              <a:t>RJDemetra</a:t>
-            </a:r>
-            <a:r>
-              <a:rPr lang="it-IT" sz="2400" b="1" dirty="0" smtClean="0"/>
-              <a:t> API with </a:t>
+              <a:t>se RJDemetra API with </a:t>
             </a:r>
             <a:r>
               <a:rPr lang="it-IT" sz="2400" b="1" dirty="0" err="1" smtClean="0"/>
@@ -15147,13 +15109,8 @@
           <a:p>
             <a:r>
               <a:rPr lang="it-IT" sz="1600" dirty="0" smtClean="0"/>
-              <a:t>     from </a:t>
-            </a:r>
-            <a:r>
-              <a:rPr lang="it-IT" sz="1600" dirty="0" err="1" smtClean="0"/>
-              <a:t>RJDemetra</a:t>
-            </a:r>
-            <a:endParaRPr lang="it-IT" sz="1600" dirty="0" smtClean="0"/>
+              <a:t>     from RJDemetra</a:t>
+            </a:r>
           </a:p>
           <a:p>
             <a:pPr marL="285750" indent="-285750">
@@ -15536,11 +15493,7 @@
             </a:r>
             <a:r>
               <a:rPr lang="it-IT" dirty="0" smtClean="0"/>
-              <a:t> with </a:t>
-            </a:r>
-            <a:r>
-              <a:rPr lang="it-IT" dirty="0" err="1" smtClean="0"/>
-              <a:t>RJDemetra</a:t>
+              <a:t> with RJDemetra</a:t>
             </a:r>
             <a:endParaRPr lang="it-IT" dirty="0"/>
           </a:p>
@@ -15754,12 +15707,8 @@
               <a:buChar char="•"/>
             </a:pPr>
             <a:r>
-              <a:rPr lang="it-IT" sz="1400" dirty="0" err="1" smtClean="0"/>
-              <a:t>JD_JSON_file_processor</a:t>
-            </a:r>
-            <a:r>
               <a:rPr lang="it-IT" sz="1400" dirty="0" smtClean="0"/>
-              <a:t> (</a:t>
+              <a:t>JD_JSON_file_processor (</a:t>
             </a:r>
             <a:r>
               <a:rPr lang="it-IT" sz="1400" dirty="0" err="1" smtClean="0"/>
@@ -15900,7 +15849,7 @@
           <a:lstStyle/>
           <a:p>
             <a:pPr algn="ctr"/>
-            <a:endParaRPr lang="it-IT" sz="1600"/>
+            <a:endParaRPr lang="it-IT" sz="1600" dirty="0"/>
           </a:p>
         </p:txBody>
       </p:sp>
@@ -15937,23 +15886,7 @@
                   <a:srgbClr val="C00000"/>
                 </a:solidFill>
               </a:rPr>
-              <a:t>Full </a:t>
-            </a:r>
-            <a:r>
-              <a:rPr lang="en-US" sz="3200" dirty="0" err="1" smtClean="0">
-                <a:solidFill>
-                  <a:srgbClr val="C00000"/>
-                </a:solidFill>
-              </a:rPr>
-              <a:t>JDProcessor</a:t>
-            </a:r>
-            <a:r>
-              <a:rPr lang="en-US" sz="3200" dirty="0" smtClean="0">
-                <a:solidFill>
-                  <a:srgbClr val="C00000"/>
-                </a:solidFill>
-              </a:rPr>
-              <a:t> Stack + possible extensions(*)</a:t>
+              <a:t>Full JDProcessor Stack + possible extensions(*)</a:t>
             </a:r>
             <a:endParaRPr lang="it-IT" sz="3200" b="0" dirty="0">
               <a:solidFill>
@@ -16063,7 +15996,7 @@
           <a:lstStyle/>
           <a:p>
             <a:pPr algn="ctr"/>
-            <a:endParaRPr lang="it-IT" sz="1600"/>
+            <a:endParaRPr lang="it-IT" sz="1600" dirty="0"/>
           </a:p>
         </p:txBody>
       </p:sp>
@@ -16112,7 +16045,7 @@
           <a:lstStyle/>
           <a:p>
             <a:pPr algn="ctr"/>
-            <a:endParaRPr lang="it-IT" sz="1600"/>
+            <a:endParaRPr lang="it-IT" sz="1600" dirty="0"/>
           </a:p>
         </p:txBody>
       </p:sp>
@@ -16185,7 +16118,7 @@
           <a:lstStyle/>
           <a:p>
             <a:pPr algn="ctr"/>
-            <a:endParaRPr lang="it-IT" sz="1600"/>
+            <a:endParaRPr lang="it-IT" sz="1600" dirty="0"/>
           </a:p>
         </p:txBody>
       </p:sp>
@@ -16265,57 +16198,7 @@
           <a:lstStyle/>
           <a:p>
             <a:pPr algn="ctr"/>
-            <a:endParaRPr lang="it-IT" sz="1600"/>
-          </a:p>
-        </p:txBody>
-      </p:sp>
-      <p:sp>
-        <p:nvSpPr>
-          <p:cNvPr id="27" name="CasellaDiTesto 26"/>
-          <p:cNvSpPr txBox="1"/>
-          <p:nvPr/>
-        </p:nvSpPr>
-        <p:spPr>
-          <a:xfrm>
-            <a:off x="4845284" y="5120499"/>
-            <a:ext cx="2400300" cy="369332"/>
-          </a:xfrm>
-          <a:prstGeom prst="rect">
-            <a:avLst/>
-          </a:prstGeom>
-          <a:noFill/>
-        </p:spPr>
-        <p:txBody>
-          <a:bodyPr wrap="square" rtlCol="0">
-            <a:spAutoFit/>
-          </a:bodyPr>
-          <a:lstStyle/>
-          <a:p>
-            <a:pPr algn="ctr"/>
-            <a:r>
-              <a:rPr lang="it-IT" b="1" dirty="0" err="1" smtClean="0">
-                <a:solidFill>
-                  <a:srgbClr val="C00000"/>
-                </a:solidFill>
-              </a:rPr>
-              <a:t>R+RJDemetra</a:t>
-            </a:r>
-            <a:r>
-              <a:rPr lang="it-IT" b="1" dirty="0" smtClean="0">
-                <a:solidFill>
-                  <a:srgbClr val="C00000"/>
-                </a:solidFill>
-              </a:rPr>
-              <a:t>/rjd3</a:t>
-            </a:r>
-            <a:r>
-              <a:rPr lang="it-IT" b="1" dirty="0" smtClean="0">
-                <a:solidFill>
-                  <a:srgbClr val="C00000"/>
-                </a:solidFill>
-              </a:rPr>
-              <a:t>*</a:t>
-            </a:r>
+            <a:endParaRPr lang="it-IT" sz="1600" dirty="0"/>
           </a:p>
         </p:txBody>
       </p:sp>
@@ -16361,7 +16244,7 @@
           <a:lstStyle/>
           <a:p>
             <a:pPr algn="ctr"/>
-            <a:endParaRPr lang="it-IT" sz="1600"/>
+            <a:endParaRPr lang="it-IT" sz="1600" dirty="0"/>
           </a:p>
         </p:txBody>
       </p:sp>
@@ -16526,7 +16409,7 @@
           <a:p>
             <a:pPr algn="ctr"/>
             <a:r>
-              <a:rPr lang="it-IT" b="1" dirty="0" err="1">
+              <a:rPr lang="it-IT" b="1" dirty="0">
                 <a:solidFill>
                   <a:srgbClr val="C00000"/>
                 </a:solidFill>
@@ -16534,18 +16417,13 @@
               <a:t>t</a:t>
             </a:r>
             <a:r>
-              <a:rPr lang="it-IT" b="1" dirty="0" err="1" smtClean="0">
+              <a:rPr lang="it-IT" b="1" dirty="0" smtClean="0">
                 <a:solidFill>
                   <a:srgbClr val="C00000"/>
                 </a:solidFill>
               </a:rPr>
               <a:t>ramoseats_spec</a:t>
             </a:r>
-            <a:endParaRPr lang="it-IT" b="1" dirty="0" smtClean="0">
-              <a:solidFill>
-                <a:srgbClr val="C00000"/>
-              </a:solidFill>
-            </a:endParaRPr>
           </a:p>
         </p:txBody>
       </p:sp>
@@ -16589,7 +16467,7 @@
           <a:lstStyle/>
           <a:p>
             <a:pPr algn="ctr"/>
-            <a:endParaRPr lang="it-IT" sz="1600"/>
+            <a:endParaRPr lang="it-IT" sz="1600" dirty="0"/>
           </a:p>
         </p:txBody>
       </p:sp>
@@ -16635,11 +16513,6 @@
               </a:rPr>
               <a:t>X13_spec*</a:t>
             </a:r>
-            <a:endParaRPr lang="it-IT" b="1" dirty="0" smtClean="0">
-              <a:solidFill>
-                <a:srgbClr val="0070C0"/>
-              </a:solidFill>
-            </a:endParaRPr>
           </a:p>
         </p:txBody>
       </p:sp>
@@ -16688,7 +16561,7 @@
           <a:lstStyle/>
           <a:p>
             <a:pPr algn="ctr"/>
-            <a:endParaRPr lang="it-IT" sz="1600"/>
+            <a:endParaRPr lang="it-IT" sz="1600" dirty="0"/>
           </a:p>
         </p:txBody>
       </p:sp>
@@ -16737,7 +16610,7 @@
           <a:lstStyle/>
           <a:p>
             <a:pPr algn="ctr"/>
-            <a:endParaRPr lang="it-IT" sz="1600"/>
+            <a:endParaRPr lang="it-IT" sz="1600" dirty="0"/>
           </a:p>
         </p:txBody>
       </p:sp>
@@ -16894,23 +16767,7 @@
                   <a:schemeClr val="bg1"/>
                 </a:solidFill>
               </a:rPr>
-              <a:t>Orchestrator (</a:t>
-            </a:r>
-            <a:r>
-              <a:rPr lang="it-IT" b="1" dirty="0" err="1" smtClean="0">
-                <a:solidFill>
-                  <a:schemeClr val="bg1"/>
-                </a:solidFill>
-              </a:rPr>
-              <a:t>User's</a:t>
-            </a:r>
-            <a:r>
-              <a:rPr lang="it-IT" b="1" dirty="0" smtClean="0">
-                <a:solidFill>
-                  <a:schemeClr val="bg1"/>
-                </a:solidFill>
-              </a:rPr>
-              <a:t> R script)</a:t>
+              <a:t>Orchestrator (User's R script)</a:t>
             </a:r>
           </a:p>
         </p:txBody>
@@ -16957,7 +16814,7 @@
           <a:lstStyle/>
           <a:p>
             <a:pPr algn="ctr"/>
-            <a:endParaRPr lang="it-IT" sz="1600"/>
+            <a:endParaRPr lang="it-IT" sz="1600" dirty="0"/>
           </a:p>
         </p:txBody>
       </p:sp>
@@ -17003,7 +16860,7 @@
           <a:lstStyle/>
           <a:p>
             <a:pPr algn="ctr"/>
-            <a:endParaRPr lang="it-IT" sz="1600"/>
+            <a:endParaRPr lang="it-IT" sz="1600" dirty="0"/>
           </a:p>
         </p:txBody>
       </p:sp>
@@ -17031,40 +16888,12 @@
           <a:p>
             <a:pPr algn="ctr"/>
             <a:r>
-              <a:rPr lang="it-IT" b="1" dirty="0" err="1" smtClean="0"/>
-              <a:t>Notation</a:t>
-            </a:r>
-            <a:r>
               <a:rPr lang="it-IT" b="1" dirty="0" smtClean="0"/>
-              <a:t>:</a:t>
+              <a:t>Notation:</a:t>
             </a:r>
             <a:r>
               <a:rPr lang="it-IT" dirty="0" smtClean="0"/>
-              <a:t> </a:t>
-            </a:r>
-            <a:r>
-              <a:rPr lang="it-IT" dirty="0" err="1" smtClean="0"/>
-              <a:t>when</a:t>
-            </a:r>
-            <a:r>
-              <a:rPr lang="it-IT" dirty="0" smtClean="0"/>
-              <a:t> a </a:t>
-            </a:r>
-            <a:r>
-              <a:rPr lang="it-IT" dirty="0" err="1" smtClean="0"/>
-              <a:t>block</a:t>
-            </a:r>
-            <a:r>
-              <a:rPr lang="it-IT" dirty="0" smtClean="0"/>
-              <a:t> </a:t>
-            </a:r>
-            <a:r>
-              <a:rPr lang="it-IT" dirty="0" err="1" smtClean="0"/>
-              <a:t>lies</a:t>
-            </a:r>
-            <a:r>
-              <a:rPr lang="it-IT" dirty="0" smtClean="0"/>
-              <a:t> </a:t>
+              <a:t> when a block lies </a:t>
             </a:r>
             <a:r>
               <a:rPr lang="en-US" dirty="0"/>
@@ -17212,7 +17041,7 @@
           <a:lstStyle/>
           <a:p>
             <a:pPr algn="ctr"/>
-            <a:endParaRPr lang="it-IT" sz="1600"/>
+            <a:endParaRPr lang="it-IT" sz="1600" dirty="0"/>
           </a:p>
         </p:txBody>
       </p:sp>
@@ -17286,18 +17115,13 @@
           <a:p>
             <a:pPr algn="ctr"/>
             <a:r>
-              <a:rPr lang="it-IT" b="1" dirty="0" err="1" smtClean="0">
+              <a:rPr lang="it-IT" b="1" dirty="0" smtClean="0">
                 <a:solidFill>
                   <a:srgbClr val="C00000"/>
                 </a:solidFill>
               </a:rPr>
               <a:t>JD_JSON_file_processor</a:t>
             </a:r>
-            <a:endParaRPr lang="it-IT" b="1" dirty="0" smtClean="0">
-              <a:solidFill>
-                <a:srgbClr val="C00000"/>
-              </a:solidFill>
-            </a:endParaRPr>
           </a:p>
         </p:txBody>
       </p:sp>
@@ -17309,8 +17133,8 @@
         </p:nvSpPr>
         <p:spPr>
           <a:xfrm>
-            <a:off x="5809914" y="2540161"/>
-            <a:ext cx="2575697" cy="695186"/>
+            <a:off x="5809914" y="2521872"/>
+            <a:ext cx="2575697" cy="712442"/>
           </a:xfrm>
           <a:prstGeom prst="rect">
             <a:avLst/>
@@ -17371,18 +17195,13 @@
           <a:p>
             <a:pPr algn="ctr"/>
             <a:r>
-              <a:rPr lang="it-IT" b="1" dirty="0" err="1" smtClean="0">
+              <a:rPr lang="it-IT" b="1" dirty="0" smtClean="0">
                 <a:solidFill>
                   <a:srgbClr val="C00000"/>
                 </a:solidFill>
               </a:rPr>
               <a:t>Workspace_manager</a:t>
             </a:r>
-            <a:endParaRPr lang="it-IT" b="1" dirty="0" smtClean="0">
-              <a:solidFill>
-                <a:srgbClr val="C00000"/>
-              </a:solidFill>
-            </a:endParaRPr>
           </a:p>
         </p:txBody>
       </p:sp>
@@ -17394,8 +17213,8 @@
         </p:nvSpPr>
         <p:spPr>
           <a:xfrm>
-            <a:off x="8386281" y="2534040"/>
-            <a:ext cx="1866184" cy="695186"/>
+            <a:off x="8386281" y="2524895"/>
+            <a:ext cx="1866184" cy="709419"/>
           </a:xfrm>
           <a:prstGeom prst="rect">
             <a:avLst/>
@@ -17437,6 +17256,69 @@
               <a:t>Reports</a:t>
             </a:r>
             <a:endParaRPr lang="it-IT" sz="1600" b="1" dirty="0">
+              <a:solidFill>
+                <a:srgbClr val="C00000"/>
+              </a:solidFill>
+            </a:endParaRPr>
+          </a:p>
+        </p:txBody>
+      </p:sp>
+      <p:sp>
+        <p:nvSpPr>
+          <p:cNvPr id="27" name="CasellaDiTesto 26"/>
+          <p:cNvSpPr txBox="1"/>
+          <p:nvPr/>
+        </p:nvSpPr>
+        <p:spPr>
+          <a:xfrm>
+            <a:off x="3880126" y="5082039"/>
+            <a:ext cx="4330615" cy="369332"/>
+          </a:xfrm>
+          <a:prstGeom prst="rect">
+            <a:avLst/>
+          </a:prstGeom>
+          <a:noFill/>
+        </p:spPr>
+        <p:txBody>
+          <a:bodyPr wrap="square" rtlCol="0">
+            <a:spAutoFit/>
+          </a:bodyPr>
+          <a:lstStyle/>
+          <a:p>
+            <a:pPr algn="ctr"/>
+            <a:r>
+              <a:rPr lang="it-IT" b="1" dirty="0" err="1" smtClean="0">
+                <a:solidFill>
+                  <a:srgbClr val="C00000"/>
+                </a:solidFill>
+              </a:rPr>
+              <a:t>RJDemetra</a:t>
+            </a:r>
+            <a:r>
+              <a:rPr lang="it-IT" b="1" dirty="0" smtClean="0">
+                <a:solidFill>
+                  <a:srgbClr val="C00000"/>
+                </a:solidFill>
+              </a:rPr>
+              <a:t>/rjd3</a:t>
+            </a:r>
+            <a:r>
+              <a:rPr lang="it-IT" b="1" dirty="0" smtClean="0">
+                <a:solidFill>
+                  <a:srgbClr val="C00000"/>
+                </a:solidFill>
+              </a:rPr>
+              <a:t>* + </a:t>
+            </a:r>
+            <a:r>
+              <a:rPr lang="it-IT" b="1" dirty="0" err="1" smtClean="0">
+                <a:solidFill>
+                  <a:srgbClr val="C00000"/>
+                </a:solidFill>
+              </a:rPr>
+              <a:t>rJava</a:t>
+            </a:r>
+            <a:endParaRPr lang="it-IT" b="1" dirty="0" smtClean="0">
               <a:solidFill>
                 <a:srgbClr val="C00000"/>
               </a:solidFill>
@@ -18112,7 +17994,7 @@
           <a:lstStyle/>
           <a:p>
             <a:pPr algn="ctr"/>
-            <a:endParaRPr lang="it-IT" sz="1600"/>
+            <a:endParaRPr lang="it-IT" sz="1600" dirty="0"/>
           </a:p>
         </p:txBody>
       </p:sp>
@@ -18149,23 +18031,7 @@
                   <a:srgbClr val="C00000"/>
                 </a:solidFill>
               </a:rPr>
-              <a:t>Full </a:t>
-            </a:r>
-            <a:r>
-              <a:rPr lang="en-US" sz="3200" dirty="0" err="1" smtClean="0">
-                <a:solidFill>
-                  <a:srgbClr val="C00000"/>
-                </a:solidFill>
-              </a:rPr>
-              <a:t>JDProcessor</a:t>
-            </a:r>
-            <a:r>
-              <a:rPr lang="en-US" sz="3200" dirty="0" smtClean="0">
-                <a:solidFill>
-                  <a:srgbClr val="C00000"/>
-                </a:solidFill>
-              </a:rPr>
-              <a:t> Stack + possible extensions(*)</a:t>
+              <a:t>Full JDProcessor Stack + possible extensions(*)</a:t>
             </a:r>
             <a:endParaRPr lang="it-IT" sz="3200" b="0" dirty="0">
               <a:solidFill>
@@ -18275,7 +18141,7 @@
           <a:lstStyle/>
           <a:p>
             <a:pPr algn="ctr"/>
-            <a:endParaRPr lang="it-IT" sz="1600"/>
+            <a:endParaRPr lang="it-IT" sz="1600" dirty="0"/>
           </a:p>
         </p:txBody>
       </p:sp>
@@ -18324,7 +18190,7 @@
           <a:lstStyle/>
           <a:p>
             <a:pPr algn="ctr"/>
-            <a:endParaRPr lang="it-IT" sz="1600"/>
+            <a:endParaRPr lang="it-IT" sz="1600" dirty="0"/>
           </a:p>
         </p:txBody>
       </p:sp>
@@ -18397,7 +18263,7 @@
           <a:lstStyle/>
           <a:p>
             <a:pPr algn="ctr"/>
-            <a:endParaRPr lang="it-IT" sz="1600"/>
+            <a:endParaRPr lang="it-IT" sz="1600" dirty="0"/>
           </a:p>
         </p:txBody>
       </p:sp>
@@ -18477,7 +18343,7 @@
           <a:lstStyle/>
           <a:p>
             <a:pPr algn="ctr"/>
-            <a:endParaRPr lang="it-IT" sz="1600"/>
+            <a:endParaRPr lang="it-IT" sz="1600" dirty="0"/>
           </a:p>
         </p:txBody>
       </p:sp>
@@ -18523,7 +18389,7 @@
           <a:lstStyle/>
           <a:p>
             <a:pPr algn="ctr"/>
-            <a:endParaRPr lang="it-IT" sz="1600"/>
+            <a:endParaRPr lang="it-IT" sz="1600" dirty="0"/>
           </a:p>
         </p:txBody>
       </p:sp>
@@ -18659,7 +18525,7 @@
           <a:lstStyle/>
           <a:p>
             <a:pPr algn="ctr"/>
-            <a:endParaRPr lang="it-IT" sz="1600"/>
+            <a:endParaRPr lang="it-IT" sz="1600" dirty="0"/>
           </a:p>
         </p:txBody>
       </p:sp>
@@ -18708,7 +18574,7 @@
           <a:lstStyle/>
           <a:p>
             <a:pPr algn="ctr"/>
-            <a:endParaRPr lang="it-IT" sz="1600"/>
+            <a:endParaRPr lang="it-IT" sz="1600" dirty="0"/>
           </a:p>
         </p:txBody>
       </p:sp>
@@ -18757,7 +18623,7 @@
           <a:lstStyle/>
           <a:p>
             <a:pPr algn="ctr"/>
-            <a:endParaRPr lang="it-IT" sz="1600"/>
+            <a:endParaRPr lang="it-IT" sz="1600" dirty="0"/>
           </a:p>
         </p:txBody>
       </p:sp>
@@ -18880,23 +18746,7 @@
                   <a:schemeClr val="bg1"/>
                 </a:solidFill>
               </a:rPr>
-              <a:t>Orchestrator (</a:t>
-            </a:r>
-            <a:r>
-              <a:rPr lang="it-IT" b="1" dirty="0" err="1" smtClean="0">
-                <a:solidFill>
-                  <a:schemeClr val="bg1"/>
-                </a:solidFill>
-              </a:rPr>
-              <a:t>User's</a:t>
-            </a:r>
-            <a:r>
-              <a:rPr lang="it-IT" b="1" dirty="0" smtClean="0">
-                <a:solidFill>
-                  <a:schemeClr val="bg1"/>
-                </a:solidFill>
-              </a:rPr>
-              <a:t> R script)</a:t>
+              <a:t>Orchestrator (User's R script)</a:t>
             </a:r>
           </a:p>
         </p:txBody>
@@ -18943,7 +18793,7 @@
           <a:lstStyle/>
           <a:p>
             <a:pPr algn="ctr"/>
-            <a:endParaRPr lang="it-IT" sz="1600"/>
+            <a:endParaRPr lang="it-IT" sz="1600" dirty="0"/>
           </a:p>
         </p:txBody>
       </p:sp>
@@ -18989,7 +18839,7 @@
           <a:lstStyle/>
           <a:p>
             <a:pPr algn="ctr"/>
-            <a:endParaRPr lang="it-IT" sz="1600"/>
+            <a:endParaRPr lang="it-IT" sz="1600" dirty="0"/>
           </a:p>
         </p:txBody>
       </p:sp>
@@ -19038,15 +18888,7 @@
             </a:r>
             <a:r>
               <a:rPr lang="it-IT" b="1" dirty="0" smtClean="0"/>
-              <a:t>: </a:t>
-            </a:r>
-            <a:r>
-              <a:rPr lang="it-IT" b="1" dirty="0" err="1" smtClean="0"/>
-              <a:t>RJDemetra</a:t>
-            </a:r>
-            <a:r>
-              <a:rPr lang="it-IT" b="1" dirty="0" smtClean="0"/>
-              <a:t>, rjd3providers, </a:t>
+              <a:t>: RJDemetra, rjd3providers, </a:t>
             </a:r>
             <a:r>
               <a:rPr lang="it-IT" b="1" dirty="0" err="1" smtClean="0"/>
@@ -19065,7 +18907,7 @@
               <a:t>, </a:t>
             </a:r>
             <a:r>
-              <a:rPr lang="it-IT" b="1" smtClean="0"/>
+              <a:rPr lang="it-IT" b="1" dirty="0" err="1" smtClean="0"/>
               <a:t>rjdqa</a:t>
             </a:r>
             <a:endParaRPr lang="it-IT" dirty="0" smtClean="0"/>
@@ -19810,15 +19652,7 @@
             </a:pPr>
             <a:r>
               <a:rPr lang="en-US" sz="2400" dirty="0"/>
-              <a:t>To utilize </a:t>
-            </a:r>
-            <a:r>
-              <a:rPr lang="en-US" sz="2400" dirty="0" err="1"/>
-              <a:t>JDProcessor</a:t>
-            </a:r>
-            <a:r>
-              <a:rPr lang="en-US" sz="2400" dirty="0"/>
-              <a:t> in your environment, simply </a:t>
+              <a:t>To utilize JDProcessor in your environment, simply </a:t>
             </a:r>
             <a:r>
               <a:rPr lang="en-US" sz="2400" b="1" dirty="0">
@@ -22198,18 +22032,13 @@
           <a:p>
             <a:pPr algn="ctr"/>
             <a:r>
-              <a:rPr lang="it-IT" sz="2000" b="1" dirty="0" err="1" smtClean="0">
+              <a:rPr lang="it-IT" sz="2000" b="1" dirty="0" smtClean="0">
                 <a:solidFill>
                   <a:srgbClr val="C00000"/>
                 </a:solidFill>
               </a:rPr>
               <a:t>JD_JSON_file_processor</a:t>
             </a:r>
-            <a:endParaRPr lang="it-IT" sz="2000" b="1" dirty="0" smtClean="0">
-              <a:solidFill>
-                <a:srgbClr val="C00000"/>
-              </a:solidFill>
-            </a:endParaRPr>
           </a:p>
         </p:txBody>
       </p:sp>
@@ -24592,20 +24421,12 @@
           <a:p>
             <a:pPr algn="ctr"/>
             <a:r>
-              <a:rPr lang="it-IT" sz="2800" b="1" dirty="0" err="1" smtClean="0">
+              <a:rPr lang="it-IT" sz="2800" b="1" dirty="0" smtClean="0">
                 <a:solidFill>
                   <a:srgbClr val="C00000"/>
                 </a:solidFill>
               </a:rPr>
-              <a:t>RJDemetra</a:t>
-            </a:r>
-            <a:r>
-              <a:rPr lang="it-IT" sz="2800" b="1" dirty="0" smtClean="0">
-                <a:solidFill>
-                  <a:srgbClr val="C00000"/>
-                </a:solidFill>
-              </a:rPr>
-              <a:t>_</a:t>
+              <a:t>RJDemetra_</a:t>
             </a:r>
           </a:p>
           <a:p>
@@ -25121,17 +24942,10 @@
                 <a:latin typeface="Courier New" panose="02070309020205020404" pitchFamily="49" charset="0"/>
                 <a:cs typeface="Courier New" panose="02070309020205020404" pitchFamily="49" charset="0"/>
               </a:rPr>
-              <a:t>   </a:t>
-            </a:r>
-            <a:r>
-              <a:rPr lang="it-IT" smtClean="0">
-                <a:latin typeface="Courier New" panose="02070309020205020404" pitchFamily="49" charset="0"/>
-                <a:cs typeface="Courier New" panose="02070309020205020404" pitchFamily="49" charset="0"/>
-              </a:rPr>
-              <a:t>&lt;- </a:t>
-            </a:r>
-            <a:r>
-              <a:rPr lang="it-IT" smtClean="0">
+              <a:t>   &lt;- </a:t>
+            </a:r>
+            <a:r>
+              <a:rPr lang="it-IT" dirty="0" smtClean="0">
                 <a:solidFill>
                   <a:srgbClr val="00B0F0"/>
                 </a:solidFill>
@@ -25696,27 +25510,7 @@
                 <a:latin typeface="Courier New" panose="02070309020205020404" pitchFamily="49" charset="0"/>
                 <a:cs typeface="Courier New" panose="02070309020205020404" pitchFamily="49" charset="0"/>
               </a:rPr>
-              <a:t>#</a:t>
-            </a:r>
-            <a:r>
-              <a:rPr lang="it-IT" dirty="0" err="1" smtClean="0">
-                <a:solidFill>
-                  <a:srgbClr val="00CC99"/>
-                </a:solidFill>
-                <a:latin typeface="Courier New" panose="02070309020205020404" pitchFamily="49" charset="0"/>
-                <a:cs typeface="Courier New" panose="02070309020205020404" pitchFamily="49" charset="0"/>
-              </a:rPr>
-              <a:t>RJDemetra</a:t>
-            </a:r>
-            <a:r>
-              <a:rPr lang="it-IT" dirty="0" smtClean="0">
-                <a:solidFill>
-                  <a:srgbClr val="00CC99"/>
-                </a:solidFill>
-                <a:latin typeface="Courier New" panose="02070309020205020404" pitchFamily="49" charset="0"/>
-                <a:cs typeface="Courier New" panose="02070309020205020404" pitchFamily="49" charset="0"/>
-              </a:rPr>
-              <a:t> </a:t>
+              <a:t>#RJDemetra </a:t>
             </a:r>
             <a:r>
               <a:rPr lang="it-IT" dirty="0" err="1" smtClean="0">
@@ -26908,15 +26702,7 @@
                   <a:srgbClr val="C00000"/>
                 </a:solidFill>
               </a:rPr>
-              <a:t>+ and </a:t>
-            </a:r>
-            <a:r>
-              <a:rPr lang="it-IT" sz="3600" dirty="0" err="1" smtClean="0">
-                <a:solidFill>
-                  <a:srgbClr val="C00000"/>
-                </a:solidFill>
-              </a:rPr>
-              <a:t>RJDemetra</a:t>
+              <a:t>+ and RJDemetra</a:t>
             </a:r>
             <a:endParaRPr lang="it-IT" sz="3600" dirty="0">
               <a:solidFill>
@@ -27238,23 +27024,7 @@
                   <a:schemeClr val="tx1"/>
                 </a:solidFill>
               </a:rPr>
-              <a:t> </a:t>
-            </a:r>
-            <a:r>
-              <a:rPr lang="it-IT" sz="2800" b="0" dirty="0" err="1" smtClean="0">
-                <a:solidFill>
-                  <a:schemeClr val="tx1"/>
-                </a:solidFill>
-              </a:rPr>
-              <a:t>RJDemetra</a:t>
-            </a:r>
-            <a:r>
-              <a:rPr lang="it-IT" sz="2800" b="0" dirty="0" smtClean="0">
-                <a:solidFill>
-                  <a:schemeClr val="tx1"/>
-                </a:solidFill>
-              </a:rPr>
-              <a:t> and rjd3)</a:t>
+              <a:t> RJDemetra and rjd3)</a:t>
             </a:r>
             <a:r>
               <a:rPr lang="it-IT" sz="2800" b="0" dirty="0" smtClean="0">
@@ -29524,7 +29294,7 @@
               <a:t> </a:t>
             </a:r>
             <a:r>
-              <a:rPr lang="it-IT" altLang="it-IT" sz="2000" b="1" dirty="0" err="1" smtClean="0">
+              <a:rPr lang="it-IT" altLang="it-IT" sz="2000" b="1" dirty="0" smtClean="0">
                 <a:solidFill>
                   <a:srgbClr val="C00000"/>
                 </a:solidFill>
@@ -30252,23 +30022,7 @@
                   <a:srgbClr val="C00000"/>
                 </a:solidFill>
               </a:rPr>
-              <a:t>from </a:t>
-            </a:r>
-            <a:r>
-              <a:rPr lang="it-IT" altLang="it-IT" dirty="0" err="1" smtClean="0">
-                <a:solidFill>
-                  <a:srgbClr val="C00000"/>
-                </a:solidFill>
-              </a:rPr>
-              <a:t>RJDemetra</a:t>
-            </a:r>
-            <a:r>
-              <a:rPr lang="it-IT" altLang="it-IT" dirty="0" smtClean="0">
-                <a:solidFill>
-                  <a:srgbClr val="C00000"/>
-                </a:solidFill>
-              </a:rPr>
-              <a:t> </a:t>
+              <a:t>from RJDemetra </a:t>
             </a:r>
             <a:r>
               <a:rPr lang="it-IT" altLang="it-IT" dirty="0" err="1" smtClean="0">
@@ -30454,23 +30208,7 @@
                   <a:srgbClr val="C00000"/>
                 </a:solidFill>
               </a:rPr>
-              <a:t>SOURCE:  </a:t>
-            </a:r>
-            <a:r>
-              <a:rPr lang="it-IT" b="1" dirty="0" err="1" smtClean="0">
-                <a:solidFill>
-                  <a:srgbClr val="C00000"/>
-                </a:solidFill>
-              </a:rPr>
-              <a:t>RJDemetra</a:t>
-            </a:r>
-            <a:r>
-              <a:rPr lang="it-IT" b="1" dirty="0" smtClean="0">
-                <a:solidFill>
-                  <a:srgbClr val="C00000"/>
-                </a:solidFill>
-              </a:rPr>
-              <a:t> </a:t>
+              <a:t>SOURCE:  RJDemetra </a:t>
             </a:r>
             <a:r>
               <a:rPr lang="it-IT" b="1" dirty="0" err="1" smtClean="0">
@@ -32179,15 +31917,15 @@
 <file path=customXml/itemProps3.xml><?xml version="1.0" encoding="utf-8"?>
 <ds:datastoreItem xmlns:ds="http://schemas.openxmlformats.org/officeDocument/2006/customXml" ds:itemID="{3EF378BC-F4D0-4510-B4EC-07B6EFE18CF8}">
   <ds:schemaRefs>
+    <ds:schemaRef ds:uri="http://schemas.microsoft.com/office/infopath/2007/PartnerControls"/>
+    <ds:schemaRef ds:uri="http://purl.org/dc/dcmitype/"/>
+    <ds:schemaRef ds:uri="c58f2efd-82a8-4ecf-b395-8c25e928921d"/>
     <ds:schemaRef ds:uri="http://schemas.microsoft.com/office/2006/metadata/properties"/>
     <ds:schemaRef ds:uri="http://www.w3.org/XML/1998/namespace"/>
+    <ds:schemaRef ds:uri="http://schemas.microsoft.com/office/2006/documentManagement/types"/>
+    <ds:schemaRef ds:uri="679261c3-551f-4e86-913f-177e0e529669"/>
     <ds:schemaRef ds:uri="http://purl.org/dc/elements/1.1/"/>
-    <ds:schemaRef ds:uri="http://schemas.microsoft.com/office/infopath/2007/PartnerControls"/>
-    <ds:schemaRef ds:uri="http://schemas.microsoft.com/office/2006/documentManagement/types"/>
-    <ds:schemaRef ds:uri="http://purl.org/dc/dcmitype/"/>
-    <ds:schemaRef ds:uri="c58f2efd-82a8-4ecf-b395-8c25e928921d"/>
     <ds:schemaRef ds:uri="http://schemas.openxmlformats.org/package/2006/metadata/core-properties"/>
-    <ds:schemaRef ds:uri="679261c3-551f-4e86-913f-177e0e529669"/>
     <ds:schemaRef ds:uri="459159c4-d20a-4ff3-9b11-fbd127bd52e5"/>
     <ds:schemaRef ds:uri="http://purl.org/dc/terms/"/>
   </ds:schemaRefs>
